--- a/king_county_project_presentation.pptx
+++ b/king_county_project_presentation.pptx
@@ -1,51 +1,51 @@
 
 <file path=ppt/presentation.xml><?xml version="1.0" encoding="utf-8"?>
-<p:presentation xmlns:a="http://schemas.openxmlformats.org/drawingml/2006/main" xmlns:r="http://schemas.openxmlformats.org/officeDocument/2006/relationships" xmlns:mc="http://schemas.openxmlformats.org/markup-compatibility/2006" xmlns:mv="urn:schemas-microsoft-com:mac:vml" xmlns:p="http://schemas.openxmlformats.org/presentationml/2006/main" xmlns:c="http://schemas.openxmlformats.org/drawingml/2006/chart" xmlns:dgm="http://schemas.openxmlformats.org/drawingml/2006/diagram" xmlns:o="urn:schemas-microsoft-com:office:office" xmlns:v="urn:schemas-microsoft-com:vml" xmlns:pvml="urn:schemas-microsoft-com:office:powerpoint" xmlns:com="http://schemas.openxmlformats.org/drawingml/2006/compatibility" xmlns:p14="http://schemas.microsoft.com/office/powerpoint/2010/main" xmlns:p15="http://schemas.microsoft.com/office/powerpoint/2012/main" xmlns:ahyp="http://schemas.microsoft.com/office/drawing/2018/hyperlinkcolor" autoCompressPictures="0" embedTrueTypeFonts="1" strictFirstAndLastChars="0" saveSubsetFonts="1">
+<p:presentation xmlns:a="http://schemas.openxmlformats.org/drawingml/2006/main" xmlns:r="http://schemas.openxmlformats.org/officeDocument/2006/relationships" xmlns:p="http://schemas.openxmlformats.org/presentationml/2006/main" strictFirstAndLastChars="0" embedTrueTypeFonts="1" saveSubsetFonts="1" autoCompressPictures="0">
   <p:sldMasterIdLst>
-    <p:sldMasterId id="2147483659" r:id="rId4"/>
+    <p:sldMasterId id="2147483659" r:id="rId1"/>
   </p:sldMasterIdLst>
   <p:notesMasterIdLst>
-    <p:notesMasterId r:id="rId5"/>
+    <p:notesMasterId r:id="rId19"/>
   </p:notesMasterIdLst>
   <p:sldIdLst>
-    <p:sldId id="256" r:id="rId6"/>
-    <p:sldId id="257" r:id="rId7"/>
-    <p:sldId id="258" r:id="rId8"/>
-    <p:sldId id="259" r:id="rId9"/>
-    <p:sldId id="260" r:id="rId10"/>
-    <p:sldId id="261" r:id="rId11"/>
-    <p:sldId id="262" r:id="rId12"/>
-    <p:sldId id="263" r:id="rId13"/>
-    <p:sldId id="264" r:id="rId14"/>
-    <p:sldId id="265" r:id="rId15"/>
-    <p:sldId id="266" r:id="rId16"/>
-    <p:sldId id="267" r:id="rId17"/>
-    <p:sldId id="268" r:id="rId18"/>
-    <p:sldId id="269" r:id="rId19"/>
-    <p:sldId id="270" r:id="rId20"/>
-    <p:sldId id="271" r:id="rId21"/>
-    <p:sldId id="272" r:id="rId22"/>
+    <p:sldId id="256" r:id="rId2"/>
+    <p:sldId id="257" r:id="rId3"/>
+    <p:sldId id="258" r:id="rId4"/>
+    <p:sldId id="259" r:id="rId5"/>
+    <p:sldId id="260" r:id="rId6"/>
+    <p:sldId id="261" r:id="rId7"/>
+    <p:sldId id="262" r:id="rId8"/>
+    <p:sldId id="263" r:id="rId9"/>
+    <p:sldId id="264" r:id="rId10"/>
+    <p:sldId id="265" r:id="rId11"/>
+    <p:sldId id="266" r:id="rId12"/>
+    <p:sldId id="267" r:id="rId13"/>
+    <p:sldId id="268" r:id="rId14"/>
+    <p:sldId id="269" r:id="rId15"/>
+    <p:sldId id="270" r:id="rId16"/>
+    <p:sldId id="271" r:id="rId17"/>
+    <p:sldId id="272" r:id="rId18"/>
   </p:sldIdLst>
-  <p:sldSz cy="5143500" cx="9144000"/>
+  <p:sldSz cx="9144000" cy="5143500" type="screen16x9"/>
   <p:notesSz cx="6858000" cy="9144000"/>
   <p:embeddedFontLst>
     <p:embeddedFont>
-      <p:font typeface="Raleway"/>
-      <p:regular r:id="rId23"/>
-      <p:bold r:id="rId24"/>
-      <p:italic r:id="rId25"/>
-      <p:boldItalic r:id="rId26"/>
+      <p:font typeface="Lato" panose="020F0502020204030203" pitchFamily="34" charset="0"/>
+      <p:regular r:id="rId20"/>
+      <p:bold r:id="rId21"/>
+      <p:italic r:id="rId22"/>
+      <p:boldItalic r:id="rId23"/>
     </p:embeddedFont>
     <p:embeddedFont>
-      <p:font typeface="Lato"/>
-      <p:regular r:id="rId27"/>
-      <p:bold r:id="rId28"/>
-      <p:italic r:id="rId29"/>
-      <p:boldItalic r:id="rId30"/>
+      <p:font typeface="Raleway" pitchFamily="2" charset="77"/>
+      <p:regular r:id="rId24"/>
+      <p:bold r:id="rId25"/>
+      <p:italic r:id="rId26"/>
+      <p:boldItalic r:id="rId27"/>
     </p:embeddedFont>
   </p:embeddedFontLst>
   <p:defaultTextStyle>
-    <a:defPPr lvl="0" marR="0" rtl="0" algn="l">
+    <a:defPPr marR="0" lvl="0" algn="l" rtl="0">
       <a:lnSpc>
         <a:spcPct val="100000"/>
       </a:lnSpc>
@@ -56,7 +56,7 @@
         <a:spcPts val="0"/>
       </a:spcAft>
     </a:defPPr>
-    <a:lvl1pPr lvl="0" marR="0" rtl="0" algn="l">
+    <a:lvl1pPr marR="0" lvl="0" algn="l" rtl="0">
       <a:lnSpc>
         <a:spcPct val="100000"/>
       </a:lnSpc>
@@ -70,7 +70,7 @@
         <a:srgbClr val="000000"/>
       </a:buClr>
       <a:buFont typeface="Arial"/>
-      <a:defRPr b="0" i="0" sz="1400" u="none" cap="none" strike="noStrike">
+      <a:defRPr sz="1400" b="0" i="0" u="none" strike="noStrike" cap="none">
         <a:solidFill>
           <a:srgbClr val="000000"/>
         </a:solidFill>
@@ -80,7 +80,7 @@
         <a:sym typeface="Arial"/>
       </a:defRPr>
     </a:lvl1pPr>
-    <a:lvl2pPr lvl="1" marR="0" rtl="0" algn="l">
+    <a:lvl2pPr marR="0" lvl="1" algn="l" rtl="0">
       <a:lnSpc>
         <a:spcPct val="100000"/>
       </a:lnSpc>
@@ -94,7 +94,7 @@
         <a:srgbClr val="000000"/>
       </a:buClr>
       <a:buFont typeface="Arial"/>
-      <a:defRPr b="0" i="0" sz="1400" u="none" cap="none" strike="noStrike">
+      <a:defRPr sz="1400" b="0" i="0" u="none" strike="noStrike" cap="none">
         <a:solidFill>
           <a:srgbClr val="000000"/>
         </a:solidFill>
@@ -104,7 +104,7 @@
         <a:sym typeface="Arial"/>
       </a:defRPr>
     </a:lvl2pPr>
-    <a:lvl3pPr lvl="2" marR="0" rtl="0" algn="l">
+    <a:lvl3pPr marR="0" lvl="2" algn="l" rtl="0">
       <a:lnSpc>
         <a:spcPct val="100000"/>
       </a:lnSpc>
@@ -118,7 +118,7 @@
         <a:srgbClr val="000000"/>
       </a:buClr>
       <a:buFont typeface="Arial"/>
-      <a:defRPr b="0" i="0" sz="1400" u="none" cap="none" strike="noStrike">
+      <a:defRPr sz="1400" b="0" i="0" u="none" strike="noStrike" cap="none">
         <a:solidFill>
           <a:srgbClr val="000000"/>
         </a:solidFill>
@@ -128,7 +128,7 @@
         <a:sym typeface="Arial"/>
       </a:defRPr>
     </a:lvl3pPr>
-    <a:lvl4pPr lvl="3" marR="0" rtl="0" algn="l">
+    <a:lvl4pPr marR="0" lvl="3" algn="l" rtl="0">
       <a:lnSpc>
         <a:spcPct val="100000"/>
       </a:lnSpc>
@@ -142,7 +142,7 @@
         <a:srgbClr val="000000"/>
       </a:buClr>
       <a:buFont typeface="Arial"/>
-      <a:defRPr b="0" i="0" sz="1400" u="none" cap="none" strike="noStrike">
+      <a:defRPr sz="1400" b="0" i="0" u="none" strike="noStrike" cap="none">
         <a:solidFill>
           <a:srgbClr val="000000"/>
         </a:solidFill>
@@ -152,7 +152,7 @@
         <a:sym typeface="Arial"/>
       </a:defRPr>
     </a:lvl4pPr>
-    <a:lvl5pPr lvl="4" marR="0" rtl="0" algn="l">
+    <a:lvl5pPr marR="0" lvl="4" algn="l" rtl="0">
       <a:lnSpc>
         <a:spcPct val="100000"/>
       </a:lnSpc>
@@ -166,7 +166,7 @@
         <a:srgbClr val="000000"/>
       </a:buClr>
       <a:buFont typeface="Arial"/>
-      <a:defRPr b="0" i="0" sz="1400" u="none" cap="none" strike="noStrike">
+      <a:defRPr sz="1400" b="0" i="0" u="none" strike="noStrike" cap="none">
         <a:solidFill>
           <a:srgbClr val="000000"/>
         </a:solidFill>
@@ -176,7 +176,7 @@
         <a:sym typeface="Arial"/>
       </a:defRPr>
     </a:lvl5pPr>
-    <a:lvl6pPr lvl="5" marR="0" rtl="0" algn="l">
+    <a:lvl6pPr marR="0" lvl="5" algn="l" rtl="0">
       <a:lnSpc>
         <a:spcPct val="100000"/>
       </a:lnSpc>
@@ -190,7 +190,7 @@
         <a:srgbClr val="000000"/>
       </a:buClr>
       <a:buFont typeface="Arial"/>
-      <a:defRPr b="0" i="0" sz="1400" u="none" cap="none" strike="noStrike">
+      <a:defRPr sz="1400" b="0" i="0" u="none" strike="noStrike" cap="none">
         <a:solidFill>
           <a:srgbClr val="000000"/>
         </a:solidFill>
@@ -200,7 +200,7 @@
         <a:sym typeface="Arial"/>
       </a:defRPr>
     </a:lvl6pPr>
-    <a:lvl7pPr lvl="6" marR="0" rtl="0" algn="l">
+    <a:lvl7pPr marR="0" lvl="6" algn="l" rtl="0">
       <a:lnSpc>
         <a:spcPct val="100000"/>
       </a:lnSpc>
@@ -214,7 +214,7 @@
         <a:srgbClr val="000000"/>
       </a:buClr>
       <a:buFont typeface="Arial"/>
-      <a:defRPr b="0" i="0" sz="1400" u="none" cap="none" strike="noStrike">
+      <a:defRPr sz="1400" b="0" i="0" u="none" strike="noStrike" cap="none">
         <a:solidFill>
           <a:srgbClr val="000000"/>
         </a:solidFill>
@@ -224,7 +224,7 @@
         <a:sym typeface="Arial"/>
       </a:defRPr>
     </a:lvl7pPr>
-    <a:lvl8pPr lvl="7" marR="0" rtl="0" algn="l">
+    <a:lvl8pPr marR="0" lvl="7" algn="l" rtl="0">
       <a:lnSpc>
         <a:spcPct val="100000"/>
       </a:lnSpc>
@@ -238,7 +238,7 @@
         <a:srgbClr val="000000"/>
       </a:buClr>
       <a:buFont typeface="Arial"/>
-      <a:defRPr b="0" i="0" sz="1400" u="none" cap="none" strike="noStrike">
+      <a:defRPr sz="1400" b="0" i="0" u="none" strike="noStrike" cap="none">
         <a:solidFill>
           <a:srgbClr val="000000"/>
         </a:solidFill>
@@ -248,7 +248,7 @@
         <a:sym typeface="Arial"/>
       </a:defRPr>
     </a:lvl8pPr>
-    <a:lvl9pPr lvl="8" marR="0" rtl="0" algn="l">
+    <a:lvl9pPr marR="0" lvl="8" algn="l" rtl="0">
       <a:lnSpc>
         <a:spcPct val="100000"/>
       </a:lnSpc>
@@ -262,7 +262,7 @@
         <a:srgbClr val="000000"/>
       </a:buClr>
       <a:buFont typeface="Arial"/>
-      <a:defRPr b="0" i="0" sz="1400" u="none" cap="none" strike="noStrike">
+      <a:defRPr sz="1400" b="0" i="0" u="none" strike="noStrike" cap="none">
         <a:solidFill>
           <a:srgbClr val="000000"/>
         </a:solidFill>
@@ -275,7 +275,7 @@
   </p:defaultTextStyle>
   <p:extLst>
     <p:ext uri="{EFAFB233-063F-42B5-8137-9DF3F51BA10A}">
-      <p15:sldGuideLst>
+      <p15:sldGuideLst xmlns:p15="http://schemas.microsoft.com/office/powerpoint/2012/main">
         <p15:guide id="1" orient="horz" pos="1620">
           <p15:clr>
             <a:srgbClr val="747775"/>
@@ -293,11 +293,16 @@
 </file>
 
 <file path=ppt/notesMasters/notesMaster1.xml><?xml version="1.0" encoding="utf-8"?>
-<p:notesMaster xmlns:a="http://schemas.openxmlformats.org/drawingml/2006/main" xmlns:r="http://schemas.openxmlformats.org/officeDocument/2006/relationships" xmlns:mc="http://schemas.openxmlformats.org/markup-compatibility/2006" xmlns:mv="urn:schemas-microsoft-com:mac:vml" xmlns:p="http://schemas.openxmlformats.org/presentationml/2006/main" xmlns:c="http://schemas.openxmlformats.org/drawingml/2006/chart" xmlns:dgm="http://schemas.openxmlformats.org/drawingml/2006/diagram" xmlns:o="urn:schemas-microsoft-com:office:office" xmlns:v="urn:schemas-microsoft-com:vml" xmlns:pvml="urn:schemas-microsoft-com:office:powerpoint" xmlns:com="http://schemas.openxmlformats.org/drawingml/2006/compatibility" xmlns:p14="http://schemas.microsoft.com/office/powerpoint/2010/main" xmlns:p15="http://schemas.microsoft.com/office/powerpoint/2012/main" xmlns:ahyp="http://schemas.microsoft.com/office/drawing/2018/hyperlinkcolor">
+<p:notesMaster xmlns:a="http://schemas.openxmlformats.org/drawingml/2006/main" xmlns:r="http://schemas.openxmlformats.org/officeDocument/2006/relationships" xmlns:p="http://schemas.openxmlformats.org/presentationml/2006/main">
   <p:cSld>
+    <p:bg>
+      <p:bgRef idx="1001">
+        <a:schemeClr val="bg1"/>
+      </p:bgRef>
+    </p:bg>
     <p:spTree>
       <p:nvGrpSpPr>
-        <p:cNvPr id="2" name="Shape 2"/>
+        <p:cNvPr id="1" name="Shape 2"/>
         <p:cNvGrpSpPr/>
         <p:nvPr/>
       </p:nvGrpSpPr>
@@ -312,9 +317,11 @@
       <p:sp>
         <p:nvSpPr>
           <p:cNvPr id="3" name="Google Shape;3;n"/>
-          <p:cNvSpPr/>
+          <p:cNvSpPr>
+            <a:spLocks noGrp="1" noRot="1" noChangeAspect="1"/>
+          </p:cNvSpPr>
           <p:nvPr>
-            <p:ph idx="2" type="sldImg"/>
+            <p:ph type="sldImg" idx="2"/>
           </p:nvPr>
         </p:nvSpPr>
         <p:spPr>
@@ -323,9 +330,13 @@
             <a:ext cx="6096075" cy="3429000"/>
           </a:xfrm>
           <a:custGeom>
-            <a:rect b="b" l="l" r="r" t="t"/>
+            <a:avLst/>
+            <a:gdLst/>
+            <a:ahLst/>
+            <a:cxnLst/>
+            <a:rect l="l" t="t" r="r" b="b"/>
             <a:pathLst>
-              <a:path extrusionOk="0" h="120000" w="120000">
+              <a:path w="120000" h="120000" extrusionOk="0">
                 <a:moveTo>
                   <a:pt x="0" y="0"/>
                 </a:moveTo>
@@ -343,23 +354,25 @@
             </a:pathLst>
           </a:custGeom>
           <a:noFill/>
-          <a:ln cap="flat" cmpd="sng" w="9525">
+          <a:ln w="9525" cap="flat" cmpd="sng">
             <a:solidFill>
               <a:srgbClr val="000000"/>
             </a:solidFill>
             <a:prstDash val="solid"/>
             <a:round/>
-            <a:headEnd len="sm" w="sm" type="none"/>
-            <a:tailEnd len="sm" w="sm" type="none"/>
+            <a:headEnd type="none" w="sm" len="sm"/>
+            <a:tailEnd type="none" w="sm" len="sm"/>
           </a:ln>
         </p:spPr>
       </p:sp>
       <p:sp>
         <p:nvSpPr>
           <p:cNvPr id="4" name="Google Shape;4;n"/>
-          <p:cNvSpPr txBox="1"/>
+          <p:cNvSpPr txBox="1">
+            <a:spLocks noGrp="1"/>
+          </p:cNvSpPr>
           <p:nvPr>
-            <p:ph idx="1" type="body"/>
+            <p:ph type="body" idx="1"/>
           </p:nvPr>
         </p:nvSpPr>
         <p:spPr>
@@ -376,11 +389,11 @@
           </a:ln>
         </p:spPr>
         <p:txBody>
-          <a:bodyPr anchorCtr="0" anchor="t" bIns="91425" lIns="91425" spcFirstLastPara="1" rIns="91425" wrap="square" tIns="91425">
+          <a:bodyPr spcFirstLastPara="1" wrap="square" lIns="91425" tIns="91425" rIns="91425" bIns="91425" anchor="t" anchorCtr="0">
             <a:noAutofit/>
           </a:bodyPr>
           <a:lstStyle>
-            <a:lvl1pPr indent="-317500" lvl="0" marL="457200">
+            <a:lvl1pPr marL="457200" lvl="0" indent="-317500">
               <a:spcBef>
                 <a:spcPts val="0"/>
               </a:spcBef>
@@ -391,7 +404,7 @@
               <a:buChar char="●"/>
               <a:defRPr sz="1100"/>
             </a:lvl1pPr>
-            <a:lvl2pPr indent="-317500" lvl="1" marL="914400">
+            <a:lvl2pPr marL="914400" lvl="1" indent="-317500">
               <a:spcBef>
                 <a:spcPts val="0"/>
               </a:spcBef>
@@ -402,7 +415,7 @@
               <a:buChar char="○"/>
               <a:defRPr sz="1100"/>
             </a:lvl2pPr>
-            <a:lvl3pPr indent="-317500" lvl="2" marL="1371600">
+            <a:lvl3pPr marL="1371600" lvl="2" indent="-317500">
               <a:spcBef>
                 <a:spcPts val="0"/>
               </a:spcBef>
@@ -413,7 +426,7 @@
               <a:buChar char="■"/>
               <a:defRPr sz="1100"/>
             </a:lvl3pPr>
-            <a:lvl4pPr indent="-317500" lvl="3" marL="1828800">
+            <a:lvl4pPr marL="1828800" lvl="3" indent="-317500">
               <a:spcBef>
                 <a:spcPts val="0"/>
               </a:spcBef>
@@ -424,7 +437,7 @@
               <a:buChar char="●"/>
               <a:defRPr sz="1100"/>
             </a:lvl4pPr>
-            <a:lvl5pPr indent="-317500" lvl="4" marL="2286000">
+            <a:lvl5pPr marL="2286000" lvl="4" indent="-317500">
               <a:spcBef>
                 <a:spcPts val="0"/>
               </a:spcBef>
@@ -435,7 +448,7 @@
               <a:buChar char="○"/>
               <a:defRPr sz="1100"/>
             </a:lvl5pPr>
-            <a:lvl6pPr indent="-317500" lvl="5" marL="2743200">
+            <a:lvl6pPr marL="2743200" lvl="5" indent="-317500">
               <a:spcBef>
                 <a:spcPts val="0"/>
               </a:spcBef>
@@ -446,7 +459,7 @@
               <a:buChar char="■"/>
               <a:defRPr sz="1100"/>
             </a:lvl6pPr>
-            <a:lvl7pPr indent="-317500" lvl="6" marL="3200400">
+            <a:lvl7pPr marL="3200400" lvl="6" indent="-317500">
               <a:spcBef>
                 <a:spcPts val="0"/>
               </a:spcBef>
@@ -457,7 +470,7 @@
               <a:buChar char="●"/>
               <a:defRPr sz="1100"/>
             </a:lvl7pPr>
-            <a:lvl8pPr indent="-317500" lvl="7" marL="3657600">
+            <a:lvl8pPr marL="3657600" lvl="7" indent="-317500">
               <a:spcBef>
                 <a:spcPts val="0"/>
               </a:spcBef>
@@ -468,7 +481,7 @@
               <a:buChar char="○"/>
               <a:defRPr sz="1100"/>
             </a:lvl8pPr>
-            <a:lvl9pPr indent="-317500" lvl="8" marL="4114800">
+            <a:lvl9pPr marL="4114800" lvl="8" indent="-317500">
               <a:spcBef>
                 <a:spcPts val="0"/>
               </a:spcBef>
@@ -480,14 +493,16 @@
               <a:defRPr sz="1100"/>
             </a:lvl9pPr>
           </a:lstStyle>
-          <a:p/>
+          <a:p>
+            <a:endParaRPr/>
+          </a:p>
         </p:txBody>
       </p:sp>
     </p:spTree>
   </p:cSld>
-  <p:clrMap accent1="accent1" accent2="accent2" accent3="accent3" accent4="accent4" accent5="accent5" accent6="accent6" bg1="lt1" bg2="dk2" tx1="dk1" tx2="lt2" folHlink="folHlink" hlink="hlink"/>
+  <p:clrMap bg1="lt1" tx1="dk1" bg2="dk2" tx2="lt2" accent1="accent1" accent2="accent2" accent3="accent3" accent4="accent4" accent5="accent5" accent6="accent6" hlink="hlink" folHlink="folHlink"/>
   <p:notesStyle>
-    <a:defPPr lvl="0" marR="0" rtl="0" algn="l">
+    <a:defPPr marR="0" lvl="0" algn="l" rtl="0">
       <a:lnSpc>
         <a:spcPct val="100000"/>
       </a:lnSpc>
@@ -498,7 +513,7 @@
         <a:spcPts val="0"/>
       </a:spcAft>
     </a:defPPr>
-    <a:lvl1pPr lvl="0" marR="0" rtl="0" algn="l">
+    <a:lvl1pPr marR="0" lvl="0" algn="l" rtl="0">
       <a:lnSpc>
         <a:spcPct val="100000"/>
       </a:lnSpc>
@@ -512,7 +527,7 @@
         <a:srgbClr val="000000"/>
       </a:buClr>
       <a:buFont typeface="Arial"/>
-      <a:defRPr b="0" i="0" sz="1400" u="none" cap="none" strike="noStrike">
+      <a:defRPr sz="1400" b="0" i="0" u="none" strike="noStrike" cap="none">
         <a:solidFill>
           <a:srgbClr val="000000"/>
         </a:solidFill>
@@ -522,7 +537,7 @@
         <a:sym typeface="Arial"/>
       </a:defRPr>
     </a:lvl1pPr>
-    <a:lvl2pPr lvl="1" marR="0" rtl="0" algn="l">
+    <a:lvl2pPr marR="0" lvl="1" algn="l" rtl="0">
       <a:lnSpc>
         <a:spcPct val="100000"/>
       </a:lnSpc>
@@ -536,7 +551,7 @@
         <a:srgbClr val="000000"/>
       </a:buClr>
       <a:buFont typeface="Arial"/>
-      <a:defRPr b="0" i="0" sz="1400" u="none" cap="none" strike="noStrike">
+      <a:defRPr sz="1400" b="0" i="0" u="none" strike="noStrike" cap="none">
         <a:solidFill>
           <a:srgbClr val="000000"/>
         </a:solidFill>
@@ -546,7 +561,7 @@
         <a:sym typeface="Arial"/>
       </a:defRPr>
     </a:lvl2pPr>
-    <a:lvl3pPr lvl="2" marR="0" rtl="0" algn="l">
+    <a:lvl3pPr marR="0" lvl="2" algn="l" rtl="0">
       <a:lnSpc>
         <a:spcPct val="100000"/>
       </a:lnSpc>
@@ -560,7 +575,7 @@
         <a:srgbClr val="000000"/>
       </a:buClr>
       <a:buFont typeface="Arial"/>
-      <a:defRPr b="0" i="0" sz="1400" u="none" cap="none" strike="noStrike">
+      <a:defRPr sz="1400" b="0" i="0" u="none" strike="noStrike" cap="none">
         <a:solidFill>
           <a:srgbClr val="000000"/>
         </a:solidFill>
@@ -570,7 +585,7 @@
         <a:sym typeface="Arial"/>
       </a:defRPr>
     </a:lvl3pPr>
-    <a:lvl4pPr lvl="3" marR="0" rtl="0" algn="l">
+    <a:lvl4pPr marR="0" lvl="3" algn="l" rtl="0">
       <a:lnSpc>
         <a:spcPct val="100000"/>
       </a:lnSpc>
@@ -584,7 +599,7 @@
         <a:srgbClr val="000000"/>
       </a:buClr>
       <a:buFont typeface="Arial"/>
-      <a:defRPr b="0" i="0" sz="1400" u="none" cap="none" strike="noStrike">
+      <a:defRPr sz="1400" b="0" i="0" u="none" strike="noStrike" cap="none">
         <a:solidFill>
           <a:srgbClr val="000000"/>
         </a:solidFill>
@@ -594,7 +609,7 @@
         <a:sym typeface="Arial"/>
       </a:defRPr>
     </a:lvl4pPr>
-    <a:lvl5pPr lvl="4" marR="0" rtl="0" algn="l">
+    <a:lvl5pPr marR="0" lvl="4" algn="l" rtl="0">
       <a:lnSpc>
         <a:spcPct val="100000"/>
       </a:lnSpc>
@@ -608,7 +623,7 @@
         <a:srgbClr val="000000"/>
       </a:buClr>
       <a:buFont typeface="Arial"/>
-      <a:defRPr b="0" i="0" sz="1400" u="none" cap="none" strike="noStrike">
+      <a:defRPr sz="1400" b="0" i="0" u="none" strike="noStrike" cap="none">
         <a:solidFill>
           <a:srgbClr val="000000"/>
         </a:solidFill>
@@ -618,7 +633,7 @@
         <a:sym typeface="Arial"/>
       </a:defRPr>
     </a:lvl5pPr>
-    <a:lvl6pPr lvl="5" marR="0" rtl="0" algn="l">
+    <a:lvl6pPr marR="0" lvl="5" algn="l" rtl="0">
       <a:lnSpc>
         <a:spcPct val="100000"/>
       </a:lnSpc>
@@ -632,7 +647,7 @@
         <a:srgbClr val="000000"/>
       </a:buClr>
       <a:buFont typeface="Arial"/>
-      <a:defRPr b="0" i="0" sz="1400" u="none" cap="none" strike="noStrike">
+      <a:defRPr sz="1400" b="0" i="0" u="none" strike="noStrike" cap="none">
         <a:solidFill>
           <a:srgbClr val="000000"/>
         </a:solidFill>
@@ -642,7 +657,7 @@
         <a:sym typeface="Arial"/>
       </a:defRPr>
     </a:lvl6pPr>
-    <a:lvl7pPr lvl="6" marR="0" rtl="0" algn="l">
+    <a:lvl7pPr marR="0" lvl="6" algn="l" rtl="0">
       <a:lnSpc>
         <a:spcPct val="100000"/>
       </a:lnSpc>
@@ -656,7 +671,7 @@
         <a:srgbClr val="000000"/>
       </a:buClr>
       <a:buFont typeface="Arial"/>
-      <a:defRPr b="0" i="0" sz="1400" u="none" cap="none" strike="noStrike">
+      <a:defRPr sz="1400" b="0" i="0" u="none" strike="noStrike" cap="none">
         <a:solidFill>
           <a:srgbClr val="000000"/>
         </a:solidFill>
@@ -666,7 +681,7 @@
         <a:sym typeface="Arial"/>
       </a:defRPr>
     </a:lvl7pPr>
-    <a:lvl8pPr lvl="7" marR="0" rtl="0" algn="l">
+    <a:lvl8pPr marR="0" lvl="7" algn="l" rtl="0">
       <a:lnSpc>
         <a:spcPct val="100000"/>
       </a:lnSpc>
@@ -680,7 +695,7 @@
         <a:srgbClr val="000000"/>
       </a:buClr>
       <a:buFont typeface="Arial"/>
-      <a:defRPr b="0" i="0" sz="1400" u="none" cap="none" strike="noStrike">
+      <a:defRPr sz="1400" b="0" i="0" u="none" strike="noStrike" cap="none">
         <a:solidFill>
           <a:srgbClr val="000000"/>
         </a:solidFill>
@@ -690,7 +705,7 @@
         <a:sym typeface="Arial"/>
       </a:defRPr>
     </a:lvl8pPr>
-    <a:lvl9pPr lvl="8" marR="0" rtl="0" algn="l">
+    <a:lvl9pPr marR="0" lvl="8" algn="l" rtl="0">
       <a:lnSpc>
         <a:spcPct val="100000"/>
       </a:lnSpc>
@@ -704,7 +719,7 @@
         <a:srgbClr val="000000"/>
       </a:buClr>
       <a:buFont typeface="Arial"/>
-      <a:defRPr b="0" i="0" sz="1400" u="none" cap="none" strike="noStrike">
+      <a:defRPr sz="1400" b="0" i="0" u="none" strike="noStrike" cap="none">
         <a:solidFill>
           <a:srgbClr val="000000"/>
         </a:solidFill>
@@ -719,11 +734,11 @@
 </file>
 
 <file path=ppt/notesSlides/notesSlide1.xml><?xml version="1.0" encoding="utf-8"?>
-<p:notes xmlns:a="http://schemas.openxmlformats.org/drawingml/2006/main" xmlns:r="http://schemas.openxmlformats.org/officeDocument/2006/relationships" xmlns:mc="http://schemas.openxmlformats.org/markup-compatibility/2006" xmlns:mv="urn:schemas-microsoft-com:mac:vml" xmlns:p="http://schemas.openxmlformats.org/presentationml/2006/main" xmlns:c="http://schemas.openxmlformats.org/drawingml/2006/chart" xmlns:dgm="http://schemas.openxmlformats.org/drawingml/2006/diagram" xmlns:o="urn:schemas-microsoft-com:office:office" xmlns:v="urn:schemas-microsoft-com:vml" xmlns:pvml="urn:schemas-microsoft-com:office:powerpoint" xmlns:com="http://schemas.openxmlformats.org/drawingml/2006/compatibility" xmlns:p14="http://schemas.microsoft.com/office/powerpoint/2010/main" xmlns:p15="http://schemas.microsoft.com/office/powerpoint/2012/main" xmlns:ahyp="http://schemas.microsoft.com/office/drawing/2018/hyperlinkcolor" showMasterPhAnim="0" showMasterSp="0">
+<p:notes xmlns:a="http://schemas.openxmlformats.org/drawingml/2006/main" xmlns:r="http://schemas.openxmlformats.org/officeDocument/2006/relationships" xmlns:p="http://schemas.openxmlformats.org/presentationml/2006/main" showMasterSp="0" showMasterPhAnim="0">
   <p:cSld>
     <p:spTree>
       <p:nvGrpSpPr>
-        <p:cNvPr id="68" name="Shape 68"/>
+        <p:cNvPr id="1" name="Shape 68"/>
         <p:cNvGrpSpPr/>
         <p:nvPr/>
       </p:nvGrpSpPr>
@@ -738,9 +753,11 @@
       <p:sp>
         <p:nvSpPr>
           <p:cNvPr id="69" name="Google Shape;69;gcb9a0b074_1_0:notes"/>
-          <p:cNvSpPr/>
+          <p:cNvSpPr>
+            <a:spLocks noGrp="1" noRot="1" noChangeAspect="1"/>
+          </p:cNvSpPr>
           <p:nvPr>
-            <p:ph idx="2" type="sldImg"/>
+            <p:ph type="sldImg" idx="2"/>
           </p:nvPr>
         </p:nvSpPr>
         <p:spPr>
@@ -749,9 +766,13 @@
             <a:ext cx="6096000" cy="3429000"/>
           </a:xfrm>
           <a:custGeom>
-            <a:rect b="b" l="l" r="r" t="t"/>
+            <a:avLst/>
+            <a:gdLst/>
+            <a:ahLst/>
+            <a:cxnLst/>
+            <a:rect l="l" t="t" r="r" b="b"/>
             <a:pathLst>
-              <a:path extrusionOk="0" h="120000" w="120000">
+              <a:path w="120000" h="120000" extrusionOk="0">
                 <a:moveTo>
                   <a:pt x="0" y="0"/>
                 </a:moveTo>
@@ -773,9 +794,11 @@
       <p:sp>
         <p:nvSpPr>
           <p:cNvPr id="70" name="Google Shape;70;gcb9a0b074_1_0:notes"/>
-          <p:cNvSpPr txBox="1"/>
+          <p:cNvSpPr txBox="1">
+            <a:spLocks noGrp="1"/>
+          </p:cNvSpPr>
           <p:nvPr>
-            <p:ph idx="1" type="body"/>
+            <p:ph type="body" idx="1"/>
           </p:nvPr>
         </p:nvSpPr>
         <p:spPr>
@@ -788,12 +811,12 @@
           </a:prstGeom>
         </p:spPr>
         <p:txBody>
-          <a:bodyPr anchorCtr="0" anchor="t" bIns="91425" lIns="91425" spcFirstLastPara="1" rIns="91425" wrap="square" tIns="91425">
+          <a:bodyPr spcFirstLastPara="1" wrap="square" lIns="91425" tIns="91425" rIns="91425" bIns="91425" anchor="t" anchorCtr="0">
             <a:noAutofit/>
           </a:bodyPr>
           <a:lstStyle/>
           <a:p>
-            <a:pPr indent="0" lvl="0" marL="0" rtl="0" algn="l">
+            <a:pPr marL="0" lvl="0" indent="0" algn="l" rtl="0">
               <a:spcBef>
                 <a:spcPts val="0"/>
               </a:spcBef>
@@ -802,9 +825,6 @@
               </a:spcAft>
               <a:buNone/>
             </a:pPr>
-            <a:r>
-              <a:t/>
-            </a:r>
             <a:endParaRPr/>
           </a:p>
         </p:txBody>
@@ -818,11 +838,11 @@
 </file>
 
 <file path=ppt/notesSlides/notesSlide10.xml><?xml version="1.0" encoding="utf-8"?>
-<p:notes xmlns:a="http://schemas.openxmlformats.org/drawingml/2006/main" xmlns:r="http://schemas.openxmlformats.org/officeDocument/2006/relationships" xmlns:mc="http://schemas.openxmlformats.org/markup-compatibility/2006" xmlns:mv="urn:schemas-microsoft-com:mac:vml" xmlns:p="http://schemas.openxmlformats.org/presentationml/2006/main" xmlns:c="http://schemas.openxmlformats.org/drawingml/2006/chart" xmlns:dgm="http://schemas.openxmlformats.org/drawingml/2006/diagram" xmlns:o="urn:schemas-microsoft-com:office:office" xmlns:v="urn:schemas-microsoft-com:vml" xmlns:pvml="urn:schemas-microsoft-com:office:powerpoint" xmlns:com="http://schemas.openxmlformats.org/drawingml/2006/compatibility" xmlns:p14="http://schemas.microsoft.com/office/powerpoint/2010/main" xmlns:p15="http://schemas.microsoft.com/office/powerpoint/2012/main" xmlns:ahyp="http://schemas.microsoft.com/office/drawing/2018/hyperlinkcolor" showMasterPhAnim="0" showMasterSp="0">
+<p:notes xmlns:a="http://schemas.openxmlformats.org/drawingml/2006/main" xmlns:r="http://schemas.openxmlformats.org/officeDocument/2006/relationships" xmlns:p="http://schemas.openxmlformats.org/presentationml/2006/main" showMasterSp="0" showMasterPhAnim="0">
   <p:cSld>
     <p:spTree>
       <p:nvGrpSpPr>
-        <p:cNvPr id="126" name="Shape 126"/>
+        <p:cNvPr id="1" name="Shape 126"/>
         <p:cNvGrpSpPr/>
         <p:nvPr/>
       </p:nvGrpSpPr>
@@ -837,9 +857,11 @@
       <p:sp>
         <p:nvSpPr>
           <p:cNvPr id="127" name="Google Shape;127;g320a4041099_0_71:notes"/>
-          <p:cNvSpPr/>
+          <p:cNvSpPr>
+            <a:spLocks noGrp="1" noRot="1" noChangeAspect="1"/>
+          </p:cNvSpPr>
           <p:nvPr>
-            <p:ph idx="2" type="sldImg"/>
+            <p:ph type="sldImg" idx="2"/>
           </p:nvPr>
         </p:nvSpPr>
         <p:spPr>
@@ -848,9 +870,13 @@
             <a:ext cx="6096000" cy="3429000"/>
           </a:xfrm>
           <a:custGeom>
-            <a:rect b="b" l="l" r="r" t="t"/>
+            <a:avLst/>
+            <a:gdLst/>
+            <a:ahLst/>
+            <a:cxnLst/>
+            <a:rect l="l" t="t" r="r" b="b"/>
             <a:pathLst>
-              <a:path extrusionOk="0" h="120000" w="120000">
+              <a:path w="120000" h="120000" extrusionOk="0">
                 <a:moveTo>
                   <a:pt x="0" y="0"/>
                 </a:moveTo>
@@ -872,9 +898,11 @@
       <p:sp>
         <p:nvSpPr>
           <p:cNvPr id="128" name="Google Shape;128;g320a4041099_0_71:notes"/>
-          <p:cNvSpPr txBox="1"/>
+          <p:cNvSpPr txBox="1">
+            <a:spLocks noGrp="1"/>
+          </p:cNvSpPr>
           <p:nvPr>
-            <p:ph idx="1" type="body"/>
+            <p:ph type="body" idx="1"/>
           </p:nvPr>
         </p:nvSpPr>
         <p:spPr>
@@ -887,12 +915,12 @@
           </a:prstGeom>
         </p:spPr>
         <p:txBody>
-          <a:bodyPr anchorCtr="0" anchor="t" bIns="91425" lIns="91425" spcFirstLastPara="1" rIns="91425" wrap="square" tIns="91425">
+          <a:bodyPr spcFirstLastPara="1" wrap="square" lIns="91425" tIns="91425" rIns="91425" bIns="91425" anchor="t" anchorCtr="0">
             <a:noAutofit/>
           </a:bodyPr>
           <a:lstStyle/>
           <a:p>
-            <a:pPr indent="0" lvl="0" marL="0" rtl="0" algn="l">
+            <a:pPr marL="0" lvl="0" indent="0" algn="l" rtl="0">
               <a:spcBef>
                 <a:spcPts val="0"/>
               </a:spcBef>
@@ -901,9 +929,6 @@
               </a:spcAft>
               <a:buNone/>
             </a:pPr>
-            <a:r>
-              <a:t/>
-            </a:r>
             <a:endParaRPr/>
           </a:p>
         </p:txBody>
@@ -917,11 +942,11 @@
 </file>
 
 <file path=ppt/notesSlides/notesSlide11.xml><?xml version="1.0" encoding="utf-8"?>
-<p:notes xmlns:a="http://schemas.openxmlformats.org/drawingml/2006/main" xmlns:r="http://schemas.openxmlformats.org/officeDocument/2006/relationships" xmlns:mc="http://schemas.openxmlformats.org/markup-compatibility/2006" xmlns:mv="urn:schemas-microsoft-com:mac:vml" xmlns:p="http://schemas.openxmlformats.org/presentationml/2006/main" xmlns:c="http://schemas.openxmlformats.org/drawingml/2006/chart" xmlns:dgm="http://schemas.openxmlformats.org/drawingml/2006/diagram" xmlns:o="urn:schemas-microsoft-com:office:office" xmlns:v="urn:schemas-microsoft-com:vml" xmlns:pvml="urn:schemas-microsoft-com:office:powerpoint" xmlns:com="http://schemas.openxmlformats.org/drawingml/2006/compatibility" xmlns:p14="http://schemas.microsoft.com/office/powerpoint/2010/main" xmlns:p15="http://schemas.microsoft.com/office/powerpoint/2012/main" xmlns:ahyp="http://schemas.microsoft.com/office/drawing/2018/hyperlinkcolor" showMasterPhAnim="0" showMasterSp="0">
+<p:notes xmlns:a="http://schemas.openxmlformats.org/drawingml/2006/main" xmlns:r="http://schemas.openxmlformats.org/officeDocument/2006/relationships" xmlns:p="http://schemas.openxmlformats.org/presentationml/2006/main" showMasterSp="0" showMasterPhAnim="0">
   <p:cSld>
     <p:spTree>
       <p:nvGrpSpPr>
-        <p:cNvPr id="133" name="Shape 133"/>
+        <p:cNvPr id="1" name="Shape 133"/>
         <p:cNvGrpSpPr/>
         <p:nvPr/>
       </p:nvGrpSpPr>
@@ -936,9 +961,11 @@
       <p:sp>
         <p:nvSpPr>
           <p:cNvPr id="134" name="Google Shape;134;g320a4041099_0_81:notes"/>
-          <p:cNvSpPr/>
+          <p:cNvSpPr>
+            <a:spLocks noGrp="1" noRot="1" noChangeAspect="1"/>
+          </p:cNvSpPr>
           <p:nvPr>
-            <p:ph idx="2" type="sldImg"/>
+            <p:ph type="sldImg" idx="2"/>
           </p:nvPr>
         </p:nvSpPr>
         <p:spPr>
@@ -947,9 +974,13 @@
             <a:ext cx="6096000" cy="3429000"/>
           </a:xfrm>
           <a:custGeom>
-            <a:rect b="b" l="l" r="r" t="t"/>
+            <a:avLst/>
+            <a:gdLst/>
+            <a:ahLst/>
+            <a:cxnLst/>
+            <a:rect l="l" t="t" r="r" b="b"/>
             <a:pathLst>
-              <a:path extrusionOk="0" h="120000" w="120000">
+              <a:path w="120000" h="120000" extrusionOk="0">
                 <a:moveTo>
                   <a:pt x="0" y="0"/>
                 </a:moveTo>
@@ -971,9 +1002,11 @@
       <p:sp>
         <p:nvSpPr>
           <p:cNvPr id="135" name="Google Shape;135;g320a4041099_0_81:notes"/>
-          <p:cNvSpPr txBox="1"/>
+          <p:cNvSpPr txBox="1">
+            <a:spLocks noGrp="1"/>
+          </p:cNvSpPr>
           <p:nvPr>
-            <p:ph idx="1" type="body"/>
+            <p:ph type="body" idx="1"/>
           </p:nvPr>
         </p:nvSpPr>
         <p:spPr>
@@ -986,12 +1019,12 @@
           </a:prstGeom>
         </p:spPr>
         <p:txBody>
-          <a:bodyPr anchorCtr="0" anchor="t" bIns="91425" lIns="91425" spcFirstLastPara="1" rIns="91425" wrap="square" tIns="91425">
+          <a:bodyPr spcFirstLastPara="1" wrap="square" lIns="91425" tIns="91425" rIns="91425" bIns="91425" anchor="t" anchorCtr="0">
             <a:noAutofit/>
           </a:bodyPr>
           <a:lstStyle/>
           <a:p>
-            <a:pPr indent="0" lvl="0" marL="0" rtl="0" algn="l">
+            <a:pPr marL="0" lvl="0" indent="0" algn="l" rtl="0">
               <a:spcBef>
                 <a:spcPts val="0"/>
               </a:spcBef>
@@ -1000,9 +1033,6 @@
               </a:spcAft>
               <a:buNone/>
             </a:pPr>
-            <a:r>
-              <a:t/>
-            </a:r>
             <a:endParaRPr/>
           </a:p>
         </p:txBody>
@@ -1016,11 +1046,11 @@
 </file>
 
 <file path=ppt/notesSlides/notesSlide12.xml><?xml version="1.0" encoding="utf-8"?>
-<p:notes xmlns:a="http://schemas.openxmlformats.org/drawingml/2006/main" xmlns:r="http://schemas.openxmlformats.org/officeDocument/2006/relationships" xmlns:mc="http://schemas.openxmlformats.org/markup-compatibility/2006" xmlns:mv="urn:schemas-microsoft-com:mac:vml" xmlns:p="http://schemas.openxmlformats.org/presentationml/2006/main" xmlns:c="http://schemas.openxmlformats.org/drawingml/2006/chart" xmlns:dgm="http://schemas.openxmlformats.org/drawingml/2006/diagram" xmlns:o="urn:schemas-microsoft-com:office:office" xmlns:v="urn:schemas-microsoft-com:vml" xmlns:pvml="urn:schemas-microsoft-com:office:powerpoint" xmlns:com="http://schemas.openxmlformats.org/drawingml/2006/compatibility" xmlns:p14="http://schemas.microsoft.com/office/powerpoint/2010/main" xmlns:p15="http://schemas.microsoft.com/office/powerpoint/2012/main" xmlns:ahyp="http://schemas.microsoft.com/office/drawing/2018/hyperlinkcolor" showMasterPhAnim="0" showMasterSp="0">
+<p:notes xmlns:a="http://schemas.openxmlformats.org/drawingml/2006/main" xmlns:r="http://schemas.openxmlformats.org/officeDocument/2006/relationships" xmlns:p="http://schemas.openxmlformats.org/presentationml/2006/main" showMasterSp="0" showMasterPhAnim="0">
   <p:cSld>
     <p:spTree>
       <p:nvGrpSpPr>
-        <p:cNvPr id="138" name="Shape 138"/>
+        <p:cNvPr id="1" name="Shape 138"/>
         <p:cNvGrpSpPr/>
         <p:nvPr/>
       </p:nvGrpSpPr>
@@ -1035,9 +1065,11 @@
       <p:sp>
         <p:nvSpPr>
           <p:cNvPr id="139" name="Google Shape;139;g3205187de7c_0_17:notes"/>
-          <p:cNvSpPr/>
+          <p:cNvSpPr>
+            <a:spLocks noGrp="1" noRot="1" noChangeAspect="1"/>
+          </p:cNvSpPr>
           <p:nvPr>
-            <p:ph idx="2" type="sldImg"/>
+            <p:ph type="sldImg" idx="2"/>
           </p:nvPr>
         </p:nvSpPr>
         <p:spPr>
@@ -1046,9 +1078,13 @@
             <a:ext cx="6096000" cy="3429000"/>
           </a:xfrm>
           <a:custGeom>
-            <a:rect b="b" l="l" r="r" t="t"/>
+            <a:avLst/>
+            <a:gdLst/>
+            <a:ahLst/>
+            <a:cxnLst/>
+            <a:rect l="l" t="t" r="r" b="b"/>
             <a:pathLst>
-              <a:path extrusionOk="0" h="120000" w="120000">
+              <a:path w="120000" h="120000" extrusionOk="0">
                 <a:moveTo>
                   <a:pt x="0" y="0"/>
                 </a:moveTo>
@@ -1070,9 +1106,11 @@
       <p:sp>
         <p:nvSpPr>
           <p:cNvPr id="140" name="Google Shape;140;g3205187de7c_0_17:notes"/>
-          <p:cNvSpPr txBox="1"/>
+          <p:cNvSpPr txBox="1">
+            <a:spLocks noGrp="1"/>
+          </p:cNvSpPr>
           <p:nvPr>
-            <p:ph idx="1" type="body"/>
+            <p:ph type="body" idx="1"/>
           </p:nvPr>
         </p:nvSpPr>
         <p:spPr>
@@ -1085,12 +1123,12 @@
           </a:prstGeom>
         </p:spPr>
         <p:txBody>
-          <a:bodyPr anchorCtr="0" anchor="t" bIns="91425" lIns="91425" spcFirstLastPara="1" rIns="91425" wrap="square" tIns="91425">
+          <a:bodyPr spcFirstLastPara="1" wrap="square" lIns="91425" tIns="91425" rIns="91425" bIns="91425" anchor="t" anchorCtr="0">
             <a:noAutofit/>
           </a:bodyPr>
           <a:lstStyle/>
           <a:p>
-            <a:pPr indent="0" lvl="0" marL="0" rtl="0" algn="l">
+            <a:pPr marL="0" lvl="0" indent="0" algn="l" rtl="0">
               <a:spcBef>
                 <a:spcPts val="0"/>
               </a:spcBef>
@@ -1099,9 +1137,6 @@
               </a:spcAft>
               <a:buNone/>
             </a:pPr>
-            <a:r>
-              <a:t/>
-            </a:r>
             <a:endParaRPr/>
           </a:p>
         </p:txBody>
@@ -1115,11 +1150,11 @@
 </file>
 
 <file path=ppt/notesSlides/notesSlide13.xml><?xml version="1.0" encoding="utf-8"?>
-<p:notes xmlns:a="http://schemas.openxmlformats.org/drawingml/2006/main" xmlns:r="http://schemas.openxmlformats.org/officeDocument/2006/relationships" xmlns:mc="http://schemas.openxmlformats.org/markup-compatibility/2006" xmlns:mv="urn:schemas-microsoft-com:mac:vml" xmlns:p="http://schemas.openxmlformats.org/presentationml/2006/main" xmlns:c="http://schemas.openxmlformats.org/drawingml/2006/chart" xmlns:dgm="http://schemas.openxmlformats.org/drawingml/2006/diagram" xmlns:o="urn:schemas-microsoft-com:office:office" xmlns:v="urn:schemas-microsoft-com:vml" xmlns:pvml="urn:schemas-microsoft-com:office:powerpoint" xmlns:com="http://schemas.openxmlformats.org/drawingml/2006/compatibility" xmlns:p14="http://schemas.microsoft.com/office/powerpoint/2010/main" xmlns:p15="http://schemas.microsoft.com/office/powerpoint/2012/main" xmlns:ahyp="http://schemas.microsoft.com/office/drawing/2018/hyperlinkcolor" showMasterPhAnim="0" showMasterSp="0">
+<p:notes xmlns:a="http://schemas.openxmlformats.org/drawingml/2006/main" xmlns:r="http://schemas.openxmlformats.org/officeDocument/2006/relationships" xmlns:p="http://schemas.openxmlformats.org/presentationml/2006/main" showMasterSp="0" showMasterPhAnim="0">
   <p:cSld>
     <p:spTree>
       <p:nvGrpSpPr>
-        <p:cNvPr id="144" name="Shape 144"/>
+        <p:cNvPr id="1" name="Shape 144"/>
         <p:cNvGrpSpPr/>
         <p:nvPr/>
       </p:nvGrpSpPr>
@@ -1134,20 +1169,26 @@
       <p:sp>
         <p:nvSpPr>
           <p:cNvPr id="145" name="Google Shape;145;g320a4041099_0_88:notes"/>
-          <p:cNvSpPr/>
+          <p:cNvSpPr>
+            <a:spLocks noGrp="1" noRot="1" noChangeAspect="1"/>
+          </p:cNvSpPr>
           <p:nvPr>
-            <p:ph idx="2" type="sldImg"/>
+            <p:ph type="sldImg" idx="2"/>
           </p:nvPr>
         </p:nvSpPr>
         <p:spPr>
           <a:xfrm>
-            <a:off x="381300" y="685800"/>
+            <a:off x="381000" y="685800"/>
             <a:ext cx="6096000" cy="3429000"/>
           </a:xfrm>
           <a:custGeom>
-            <a:rect b="b" l="l" r="r" t="t"/>
+            <a:avLst/>
+            <a:gdLst/>
+            <a:ahLst/>
+            <a:cxnLst/>
+            <a:rect l="l" t="t" r="r" b="b"/>
             <a:pathLst>
-              <a:path extrusionOk="0" h="120000" w="120000">
+              <a:path w="120000" h="120000" extrusionOk="0">
                 <a:moveTo>
                   <a:pt x="0" y="0"/>
                 </a:moveTo>
@@ -1169,9 +1210,11 @@
       <p:sp>
         <p:nvSpPr>
           <p:cNvPr id="146" name="Google Shape;146;g320a4041099_0_88:notes"/>
-          <p:cNvSpPr txBox="1"/>
+          <p:cNvSpPr txBox="1">
+            <a:spLocks noGrp="1"/>
+          </p:cNvSpPr>
           <p:nvPr>
-            <p:ph idx="1" type="body"/>
+            <p:ph type="body" idx="1"/>
           </p:nvPr>
         </p:nvSpPr>
         <p:spPr>
@@ -1184,12 +1227,12 @@
           </a:prstGeom>
         </p:spPr>
         <p:txBody>
-          <a:bodyPr anchorCtr="0" anchor="t" bIns="91425" lIns="91425" spcFirstLastPara="1" rIns="91425" wrap="square" tIns="91425">
+          <a:bodyPr spcFirstLastPara="1" wrap="square" lIns="91425" tIns="91425" rIns="91425" bIns="91425" anchor="t" anchorCtr="0">
             <a:noAutofit/>
           </a:bodyPr>
           <a:lstStyle/>
           <a:p>
-            <a:pPr indent="0" lvl="0" marL="0" rtl="0" algn="l">
+            <a:pPr marL="0" lvl="0" indent="0" algn="l" rtl="0">
               <a:spcBef>
                 <a:spcPts val="0"/>
               </a:spcBef>
@@ -1198,9 +1241,6 @@
               </a:spcAft>
               <a:buNone/>
             </a:pPr>
-            <a:r>
-              <a:t/>
-            </a:r>
             <a:endParaRPr/>
           </a:p>
         </p:txBody>
@@ -1214,11 +1254,11 @@
 </file>
 
 <file path=ppt/notesSlides/notesSlide14.xml><?xml version="1.0" encoding="utf-8"?>
-<p:notes xmlns:a="http://schemas.openxmlformats.org/drawingml/2006/main" xmlns:r="http://schemas.openxmlformats.org/officeDocument/2006/relationships" xmlns:mc="http://schemas.openxmlformats.org/markup-compatibility/2006" xmlns:mv="urn:schemas-microsoft-com:mac:vml" xmlns:p="http://schemas.openxmlformats.org/presentationml/2006/main" xmlns:c="http://schemas.openxmlformats.org/drawingml/2006/chart" xmlns:dgm="http://schemas.openxmlformats.org/drawingml/2006/diagram" xmlns:o="urn:schemas-microsoft-com:office:office" xmlns:v="urn:schemas-microsoft-com:vml" xmlns:pvml="urn:schemas-microsoft-com:office:powerpoint" xmlns:com="http://schemas.openxmlformats.org/drawingml/2006/compatibility" xmlns:p14="http://schemas.microsoft.com/office/powerpoint/2010/main" xmlns:p15="http://schemas.microsoft.com/office/powerpoint/2012/main" xmlns:ahyp="http://schemas.microsoft.com/office/drawing/2018/hyperlinkcolor" showMasterPhAnim="0" showMasterSp="0">
+<p:notes xmlns:a="http://schemas.openxmlformats.org/drawingml/2006/main" xmlns:r="http://schemas.openxmlformats.org/officeDocument/2006/relationships" xmlns:p="http://schemas.openxmlformats.org/presentationml/2006/main" showMasterSp="0" showMasterPhAnim="0">
   <p:cSld>
     <p:spTree>
       <p:nvGrpSpPr>
-        <p:cNvPr id="150" name="Shape 150"/>
+        <p:cNvPr id="1" name="Shape 150"/>
         <p:cNvGrpSpPr/>
         <p:nvPr/>
       </p:nvGrpSpPr>
@@ -1233,9 +1273,11 @@
       <p:sp>
         <p:nvSpPr>
           <p:cNvPr id="151" name="Google Shape;151;g320a4041099_0_100:notes"/>
-          <p:cNvSpPr/>
+          <p:cNvSpPr>
+            <a:spLocks noGrp="1" noRot="1" noChangeAspect="1"/>
+          </p:cNvSpPr>
           <p:nvPr>
-            <p:ph idx="2" type="sldImg"/>
+            <p:ph type="sldImg" idx="2"/>
           </p:nvPr>
         </p:nvSpPr>
         <p:spPr>
@@ -1244,9 +1286,13 @@
             <a:ext cx="6096000" cy="3429000"/>
           </a:xfrm>
           <a:custGeom>
-            <a:rect b="b" l="l" r="r" t="t"/>
+            <a:avLst/>
+            <a:gdLst/>
+            <a:ahLst/>
+            <a:cxnLst/>
+            <a:rect l="l" t="t" r="r" b="b"/>
             <a:pathLst>
-              <a:path extrusionOk="0" h="120000" w="120000">
+              <a:path w="120000" h="120000" extrusionOk="0">
                 <a:moveTo>
                   <a:pt x="0" y="0"/>
                 </a:moveTo>
@@ -1268,9 +1314,11 @@
       <p:sp>
         <p:nvSpPr>
           <p:cNvPr id="152" name="Google Shape;152;g320a4041099_0_100:notes"/>
-          <p:cNvSpPr txBox="1"/>
+          <p:cNvSpPr txBox="1">
+            <a:spLocks noGrp="1"/>
+          </p:cNvSpPr>
           <p:nvPr>
-            <p:ph idx="1" type="body"/>
+            <p:ph type="body" idx="1"/>
           </p:nvPr>
         </p:nvSpPr>
         <p:spPr>
@@ -1283,12 +1331,12 @@
           </a:prstGeom>
         </p:spPr>
         <p:txBody>
-          <a:bodyPr anchorCtr="0" anchor="t" bIns="91425" lIns="91425" spcFirstLastPara="1" rIns="91425" wrap="square" tIns="91425">
+          <a:bodyPr spcFirstLastPara="1" wrap="square" lIns="91425" tIns="91425" rIns="91425" bIns="91425" anchor="t" anchorCtr="0">
             <a:noAutofit/>
           </a:bodyPr>
           <a:lstStyle/>
           <a:p>
-            <a:pPr indent="0" lvl="0" marL="0" rtl="0" algn="l">
+            <a:pPr marL="0" lvl="0" indent="0" algn="l" rtl="0">
               <a:spcBef>
                 <a:spcPts val="0"/>
               </a:spcBef>
@@ -1297,9 +1345,6 @@
               </a:spcAft>
               <a:buNone/>
             </a:pPr>
-            <a:r>
-              <a:t/>
-            </a:r>
             <a:endParaRPr/>
           </a:p>
         </p:txBody>
@@ -1313,11 +1358,11 @@
 </file>
 
 <file path=ppt/notesSlides/notesSlide15.xml><?xml version="1.0" encoding="utf-8"?>
-<p:notes xmlns:a="http://schemas.openxmlformats.org/drawingml/2006/main" xmlns:r="http://schemas.openxmlformats.org/officeDocument/2006/relationships" xmlns:mc="http://schemas.openxmlformats.org/markup-compatibility/2006" xmlns:mv="urn:schemas-microsoft-com:mac:vml" xmlns:p="http://schemas.openxmlformats.org/presentationml/2006/main" xmlns:c="http://schemas.openxmlformats.org/drawingml/2006/chart" xmlns:dgm="http://schemas.openxmlformats.org/drawingml/2006/diagram" xmlns:o="urn:schemas-microsoft-com:office:office" xmlns:v="urn:schemas-microsoft-com:vml" xmlns:pvml="urn:schemas-microsoft-com:office:powerpoint" xmlns:com="http://schemas.openxmlformats.org/drawingml/2006/compatibility" xmlns:p14="http://schemas.microsoft.com/office/powerpoint/2010/main" xmlns:p15="http://schemas.microsoft.com/office/powerpoint/2012/main" xmlns:ahyp="http://schemas.microsoft.com/office/drawing/2018/hyperlinkcolor" showMasterPhAnim="0" showMasterSp="0">
+<p:notes xmlns:a="http://schemas.openxmlformats.org/drawingml/2006/main" xmlns:r="http://schemas.openxmlformats.org/officeDocument/2006/relationships" xmlns:p="http://schemas.openxmlformats.org/presentationml/2006/main" showMasterSp="0" showMasterPhAnim="0">
   <p:cSld>
     <p:spTree>
       <p:nvGrpSpPr>
-        <p:cNvPr id="156" name="Shape 156"/>
+        <p:cNvPr id="1" name="Shape 156"/>
         <p:cNvGrpSpPr/>
         <p:nvPr/>
       </p:nvGrpSpPr>
@@ -1332,9 +1377,11 @@
       <p:sp>
         <p:nvSpPr>
           <p:cNvPr id="157" name="Google Shape;157;g320a4041099_0_109:notes"/>
-          <p:cNvSpPr/>
+          <p:cNvSpPr>
+            <a:spLocks noGrp="1" noRot="1" noChangeAspect="1"/>
+          </p:cNvSpPr>
           <p:nvPr>
-            <p:ph idx="2" type="sldImg"/>
+            <p:ph type="sldImg" idx="2"/>
           </p:nvPr>
         </p:nvSpPr>
         <p:spPr>
@@ -1343,9 +1390,13 @@
             <a:ext cx="6096000" cy="3429000"/>
           </a:xfrm>
           <a:custGeom>
-            <a:rect b="b" l="l" r="r" t="t"/>
+            <a:avLst/>
+            <a:gdLst/>
+            <a:ahLst/>
+            <a:cxnLst/>
+            <a:rect l="l" t="t" r="r" b="b"/>
             <a:pathLst>
-              <a:path extrusionOk="0" h="120000" w="120000">
+              <a:path w="120000" h="120000" extrusionOk="0">
                 <a:moveTo>
                   <a:pt x="0" y="0"/>
                 </a:moveTo>
@@ -1367,9 +1418,11 @@
       <p:sp>
         <p:nvSpPr>
           <p:cNvPr id="158" name="Google Shape;158;g320a4041099_0_109:notes"/>
-          <p:cNvSpPr txBox="1"/>
+          <p:cNvSpPr txBox="1">
+            <a:spLocks noGrp="1"/>
+          </p:cNvSpPr>
           <p:nvPr>
-            <p:ph idx="1" type="body"/>
+            <p:ph type="body" idx="1"/>
           </p:nvPr>
         </p:nvSpPr>
         <p:spPr>
@@ -1382,12 +1435,12 @@
           </a:prstGeom>
         </p:spPr>
         <p:txBody>
-          <a:bodyPr anchorCtr="0" anchor="t" bIns="91425" lIns="91425" spcFirstLastPara="1" rIns="91425" wrap="square" tIns="91425">
+          <a:bodyPr spcFirstLastPara="1" wrap="square" lIns="91425" tIns="91425" rIns="91425" bIns="91425" anchor="t" anchorCtr="0">
             <a:noAutofit/>
           </a:bodyPr>
           <a:lstStyle/>
           <a:p>
-            <a:pPr indent="0" lvl="0" marL="0" rtl="0" algn="l">
+            <a:pPr marL="0" lvl="0" indent="0" algn="l" rtl="0">
               <a:spcBef>
                 <a:spcPts val="0"/>
               </a:spcBef>
@@ -1396,9 +1449,6 @@
               </a:spcAft>
               <a:buNone/>
             </a:pPr>
-            <a:r>
-              <a:t/>
-            </a:r>
             <a:endParaRPr/>
           </a:p>
         </p:txBody>
@@ -1412,11 +1462,11 @@
 </file>
 
 <file path=ppt/notesSlides/notesSlide16.xml><?xml version="1.0" encoding="utf-8"?>
-<p:notes xmlns:a="http://schemas.openxmlformats.org/drawingml/2006/main" xmlns:r="http://schemas.openxmlformats.org/officeDocument/2006/relationships" xmlns:mc="http://schemas.openxmlformats.org/markup-compatibility/2006" xmlns:mv="urn:schemas-microsoft-com:mac:vml" xmlns:p="http://schemas.openxmlformats.org/presentationml/2006/main" xmlns:c="http://schemas.openxmlformats.org/drawingml/2006/chart" xmlns:dgm="http://schemas.openxmlformats.org/drawingml/2006/diagram" xmlns:o="urn:schemas-microsoft-com:office:office" xmlns:v="urn:schemas-microsoft-com:vml" xmlns:pvml="urn:schemas-microsoft-com:office:powerpoint" xmlns:com="http://schemas.openxmlformats.org/drawingml/2006/compatibility" xmlns:p14="http://schemas.microsoft.com/office/powerpoint/2010/main" xmlns:p15="http://schemas.microsoft.com/office/powerpoint/2012/main" xmlns:ahyp="http://schemas.microsoft.com/office/drawing/2018/hyperlinkcolor" showMasterPhAnim="0" showMasterSp="0">
+<p:notes xmlns:a="http://schemas.openxmlformats.org/drawingml/2006/main" xmlns:r="http://schemas.openxmlformats.org/officeDocument/2006/relationships" xmlns:p="http://schemas.openxmlformats.org/presentationml/2006/main" showMasterSp="0" showMasterPhAnim="0">
   <p:cSld>
     <p:spTree>
       <p:nvGrpSpPr>
-        <p:cNvPr id="163" name="Shape 163"/>
+        <p:cNvPr id="1" name="Shape 163"/>
         <p:cNvGrpSpPr/>
         <p:nvPr/>
       </p:nvGrpSpPr>
@@ -1431,9 +1481,11 @@
       <p:sp>
         <p:nvSpPr>
           <p:cNvPr id="164" name="Google Shape;164;g320a4041099_0_115:notes"/>
-          <p:cNvSpPr/>
+          <p:cNvSpPr>
+            <a:spLocks noGrp="1" noRot="1" noChangeAspect="1"/>
+          </p:cNvSpPr>
           <p:nvPr>
-            <p:ph idx="2" type="sldImg"/>
+            <p:ph type="sldImg" idx="2"/>
           </p:nvPr>
         </p:nvSpPr>
         <p:spPr>
@@ -1442,9 +1494,13 @@
             <a:ext cx="6096000" cy="3429000"/>
           </a:xfrm>
           <a:custGeom>
-            <a:rect b="b" l="l" r="r" t="t"/>
+            <a:avLst/>
+            <a:gdLst/>
+            <a:ahLst/>
+            <a:cxnLst/>
+            <a:rect l="l" t="t" r="r" b="b"/>
             <a:pathLst>
-              <a:path extrusionOk="0" h="120000" w="120000">
+              <a:path w="120000" h="120000" extrusionOk="0">
                 <a:moveTo>
                   <a:pt x="0" y="0"/>
                 </a:moveTo>
@@ -1466,9 +1522,11 @@
       <p:sp>
         <p:nvSpPr>
           <p:cNvPr id="165" name="Google Shape;165;g320a4041099_0_115:notes"/>
-          <p:cNvSpPr txBox="1"/>
+          <p:cNvSpPr txBox="1">
+            <a:spLocks noGrp="1"/>
+          </p:cNvSpPr>
           <p:nvPr>
-            <p:ph idx="1" type="body"/>
+            <p:ph type="body" idx="1"/>
           </p:nvPr>
         </p:nvSpPr>
         <p:spPr>
@@ -1481,12 +1539,12 @@
           </a:prstGeom>
         </p:spPr>
         <p:txBody>
-          <a:bodyPr anchorCtr="0" anchor="t" bIns="91425" lIns="91425" spcFirstLastPara="1" rIns="91425" wrap="square" tIns="91425">
+          <a:bodyPr spcFirstLastPara="1" wrap="square" lIns="91425" tIns="91425" rIns="91425" bIns="91425" anchor="t" anchorCtr="0">
             <a:noAutofit/>
           </a:bodyPr>
           <a:lstStyle/>
           <a:p>
-            <a:pPr indent="0" lvl="0" marL="0" rtl="0" algn="l">
+            <a:pPr marL="0" lvl="0" indent="0" algn="l" rtl="0">
               <a:spcBef>
                 <a:spcPts val="0"/>
               </a:spcBef>
@@ -1495,9 +1553,6 @@
               </a:spcAft>
               <a:buNone/>
             </a:pPr>
-            <a:r>
-              <a:t/>
-            </a:r>
             <a:endParaRPr/>
           </a:p>
         </p:txBody>
@@ -1511,11 +1566,11 @@
 </file>
 
 <file path=ppt/notesSlides/notesSlide17.xml><?xml version="1.0" encoding="utf-8"?>
-<p:notes xmlns:a="http://schemas.openxmlformats.org/drawingml/2006/main" xmlns:r="http://schemas.openxmlformats.org/officeDocument/2006/relationships" xmlns:mc="http://schemas.openxmlformats.org/markup-compatibility/2006" xmlns:mv="urn:schemas-microsoft-com:mac:vml" xmlns:p="http://schemas.openxmlformats.org/presentationml/2006/main" xmlns:c="http://schemas.openxmlformats.org/drawingml/2006/chart" xmlns:dgm="http://schemas.openxmlformats.org/drawingml/2006/diagram" xmlns:o="urn:schemas-microsoft-com:office:office" xmlns:v="urn:schemas-microsoft-com:vml" xmlns:pvml="urn:schemas-microsoft-com:office:powerpoint" xmlns:com="http://schemas.openxmlformats.org/drawingml/2006/compatibility" xmlns:p14="http://schemas.microsoft.com/office/powerpoint/2010/main" xmlns:p15="http://schemas.microsoft.com/office/powerpoint/2012/main" xmlns:ahyp="http://schemas.microsoft.com/office/drawing/2018/hyperlinkcolor" showMasterPhAnim="0" showMasterSp="0">
+<p:notes xmlns:a="http://schemas.openxmlformats.org/drawingml/2006/main" xmlns:r="http://schemas.openxmlformats.org/officeDocument/2006/relationships" xmlns:p="http://schemas.openxmlformats.org/presentationml/2006/main" showMasterSp="0" showMasterPhAnim="0">
   <p:cSld>
     <p:spTree>
       <p:nvGrpSpPr>
-        <p:cNvPr id="170" name="Shape 170"/>
+        <p:cNvPr id="1" name="Shape 170"/>
         <p:cNvGrpSpPr/>
         <p:nvPr/>
       </p:nvGrpSpPr>
@@ -1530,9 +1585,11 @@
       <p:sp>
         <p:nvSpPr>
           <p:cNvPr id="171" name="Google Shape;171;g320a4041099_0_124:notes"/>
-          <p:cNvSpPr/>
+          <p:cNvSpPr>
+            <a:spLocks noGrp="1" noRot="1" noChangeAspect="1"/>
+          </p:cNvSpPr>
           <p:nvPr>
-            <p:ph idx="2" type="sldImg"/>
+            <p:ph type="sldImg" idx="2"/>
           </p:nvPr>
         </p:nvSpPr>
         <p:spPr>
@@ -1541,9 +1598,13 @@
             <a:ext cx="6096000" cy="3429000"/>
           </a:xfrm>
           <a:custGeom>
-            <a:rect b="b" l="l" r="r" t="t"/>
+            <a:avLst/>
+            <a:gdLst/>
+            <a:ahLst/>
+            <a:cxnLst/>
+            <a:rect l="l" t="t" r="r" b="b"/>
             <a:pathLst>
-              <a:path extrusionOk="0" h="120000" w="120000">
+              <a:path w="120000" h="120000" extrusionOk="0">
                 <a:moveTo>
                   <a:pt x="0" y="0"/>
                 </a:moveTo>
@@ -1565,9 +1626,11 @@
       <p:sp>
         <p:nvSpPr>
           <p:cNvPr id="172" name="Google Shape;172;g320a4041099_0_124:notes"/>
-          <p:cNvSpPr txBox="1"/>
+          <p:cNvSpPr txBox="1">
+            <a:spLocks noGrp="1"/>
+          </p:cNvSpPr>
           <p:nvPr>
-            <p:ph idx="1" type="body"/>
+            <p:ph type="body" idx="1"/>
           </p:nvPr>
         </p:nvSpPr>
         <p:spPr>
@@ -1580,12 +1643,12 @@
           </a:prstGeom>
         </p:spPr>
         <p:txBody>
-          <a:bodyPr anchorCtr="0" anchor="t" bIns="91425" lIns="91425" spcFirstLastPara="1" rIns="91425" wrap="square" tIns="91425">
+          <a:bodyPr spcFirstLastPara="1" wrap="square" lIns="91425" tIns="91425" rIns="91425" bIns="91425" anchor="t" anchorCtr="0">
             <a:noAutofit/>
           </a:bodyPr>
           <a:lstStyle/>
           <a:p>
-            <a:pPr indent="0" lvl="0" marL="0" rtl="0" algn="l">
+            <a:pPr marL="0" lvl="0" indent="0" algn="l" rtl="0">
               <a:spcBef>
                 <a:spcPts val="0"/>
               </a:spcBef>
@@ -1594,9 +1657,6 @@
               </a:spcAft>
               <a:buNone/>
             </a:pPr>
-            <a:r>
-              <a:t/>
-            </a:r>
             <a:endParaRPr/>
           </a:p>
         </p:txBody>
@@ -1610,11 +1670,11 @@
 </file>
 
 <file path=ppt/notesSlides/notesSlide2.xml><?xml version="1.0" encoding="utf-8"?>
-<p:notes xmlns:a="http://schemas.openxmlformats.org/drawingml/2006/main" xmlns:r="http://schemas.openxmlformats.org/officeDocument/2006/relationships" xmlns:mc="http://schemas.openxmlformats.org/markup-compatibility/2006" xmlns:mv="urn:schemas-microsoft-com:mac:vml" xmlns:p="http://schemas.openxmlformats.org/presentationml/2006/main" xmlns:c="http://schemas.openxmlformats.org/drawingml/2006/chart" xmlns:dgm="http://schemas.openxmlformats.org/drawingml/2006/diagram" xmlns:o="urn:schemas-microsoft-com:office:office" xmlns:v="urn:schemas-microsoft-com:vml" xmlns:pvml="urn:schemas-microsoft-com:office:powerpoint" xmlns:com="http://schemas.openxmlformats.org/drawingml/2006/compatibility" xmlns:p14="http://schemas.microsoft.com/office/powerpoint/2010/main" xmlns:p15="http://schemas.microsoft.com/office/powerpoint/2012/main" xmlns:ahyp="http://schemas.microsoft.com/office/drawing/2018/hyperlinkcolor" showMasterPhAnim="0" showMasterSp="0">
+<p:notes xmlns:a="http://schemas.openxmlformats.org/drawingml/2006/main" xmlns:r="http://schemas.openxmlformats.org/officeDocument/2006/relationships" xmlns:p="http://schemas.openxmlformats.org/presentationml/2006/main" showMasterSp="0" showMasterPhAnim="0">
   <p:cSld>
     <p:spTree>
       <p:nvGrpSpPr>
-        <p:cNvPr id="74" name="Shape 74"/>
+        <p:cNvPr id="1" name="Shape 74"/>
         <p:cNvGrpSpPr/>
         <p:nvPr/>
       </p:nvGrpSpPr>
@@ -1629,20 +1689,26 @@
       <p:sp>
         <p:nvSpPr>
           <p:cNvPr id="75" name="Google Shape;75;g3205187de7c_0_2:notes"/>
-          <p:cNvSpPr/>
+          <p:cNvSpPr>
+            <a:spLocks noGrp="1" noRot="1" noChangeAspect="1"/>
+          </p:cNvSpPr>
           <p:nvPr>
-            <p:ph idx="2" type="sldImg"/>
+            <p:ph type="sldImg" idx="2"/>
           </p:nvPr>
         </p:nvSpPr>
         <p:spPr>
           <a:xfrm>
-            <a:off x="381300" y="685800"/>
+            <a:off x="381000" y="685800"/>
             <a:ext cx="6096000" cy="3429000"/>
           </a:xfrm>
           <a:custGeom>
-            <a:rect b="b" l="l" r="r" t="t"/>
+            <a:avLst/>
+            <a:gdLst/>
+            <a:ahLst/>
+            <a:cxnLst/>
+            <a:rect l="l" t="t" r="r" b="b"/>
             <a:pathLst>
-              <a:path extrusionOk="0" h="120000" w="120000">
+              <a:path w="120000" h="120000" extrusionOk="0">
                 <a:moveTo>
                   <a:pt x="0" y="0"/>
                 </a:moveTo>
@@ -1664,9 +1730,11 @@
       <p:sp>
         <p:nvSpPr>
           <p:cNvPr id="76" name="Google Shape;76;g3205187de7c_0_2:notes"/>
-          <p:cNvSpPr txBox="1"/>
+          <p:cNvSpPr txBox="1">
+            <a:spLocks noGrp="1"/>
+          </p:cNvSpPr>
           <p:nvPr>
-            <p:ph idx="1" type="body"/>
+            <p:ph type="body" idx="1"/>
           </p:nvPr>
         </p:nvSpPr>
         <p:spPr>
@@ -1679,12 +1747,12 @@
           </a:prstGeom>
         </p:spPr>
         <p:txBody>
-          <a:bodyPr anchorCtr="0" anchor="t" bIns="91425" lIns="91425" spcFirstLastPara="1" rIns="91425" wrap="square" tIns="91425">
+          <a:bodyPr spcFirstLastPara="1" wrap="square" lIns="91425" tIns="91425" rIns="91425" bIns="91425" anchor="t" anchorCtr="0">
             <a:noAutofit/>
           </a:bodyPr>
           <a:lstStyle/>
           <a:p>
-            <a:pPr indent="0" lvl="0" marL="0" rtl="0" algn="l">
+            <a:pPr marL="0" lvl="0" indent="0" algn="l" rtl="0">
               <a:spcBef>
                 <a:spcPts val="0"/>
               </a:spcBef>
@@ -1693,9 +1761,6 @@
               </a:spcAft>
               <a:buNone/>
             </a:pPr>
-            <a:r>
-              <a:t/>
-            </a:r>
             <a:endParaRPr/>
           </a:p>
         </p:txBody>
@@ -1709,11 +1774,11 @@
 </file>
 
 <file path=ppt/notesSlides/notesSlide3.xml><?xml version="1.0" encoding="utf-8"?>
-<p:notes xmlns:a="http://schemas.openxmlformats.org/drawingml/2006/main" xmlns:r="http://schemas.openxmlformats.org/officeDocument/2006/relationships" xmlns:mc="http://schemas.openxmlformats.org/markup-compatibility/2006" xmlns:mv="urn:schemas-microsoft-com:mac:vml" xmlns:p="http://schemas.openxmlformats.org/presentationml/2006/main" xmlns:c="http://schemas.openxmlformats.org/drawingml/2006/chart" xmlns:dgm="http://schemas.openxmlformats.org/drawingml/2006/diagram" xmlns:o="urn:schemas-microsoft-com:office:office" xmlns:v="urn:schemas-microsoft-com:vml" xmlns:pvml="urn:schemas-microsoft-com:office:powerpoint" xmlns:com="http://schemas.openxmlformats.org/drawingml/2006/compatibility" xmlns:p14="http://schemas.microsoft.com/office/powerpoint/2010/main" xmlns:p15="http://schemas.microsoft.com/office/powerpoint/2012/main" xmlns:ahyp="http://schemas.microsoft.com/office/drawing/2018/hyperlinkcolor" showMasterPhAnim="0" showMasterSp="0">
+<p:notes xmlns:a="http://schemas.openxmlformats.org/drawingml/2006/main" xmlns:r="http://schemas.openxmlformats.org/officeDocument/2006/relationships" xmlns:p="http://schemas.openxmlformats.org/presentationml/2006/main" showMasterSp="0" showMasterPhAnim="0">
   <p:cSld>
     <p:spTree>
       <p:nvGrpSpPr>
-        <p:cNvPr id="80" name="Shape 80"/>
+        <p:cNvPr id="1" name="Shape 80"/>
         <p:cNvGrpSpPr/>
         <p:nvPr/>
       </p:nvGrpSpPr>
@@ -1728,9 +1793,11 @@
       <p:sp>
         <p:nvSpPr>
           <p:cNvPr id="81" name="Google Shape;81;g320a4041099_0_7:notes"/>
-          <p:cNvSpPr/>
+          <p:cNvSpPr>
+            <a:spLocks noGrp="1" noRot="1" noChangeAspect="1"/>
+          </p:cNvSpPr>
           <p:nvPr>
-            <p:ph idx="2" type="sldImg"/>
+            <p:ph type="sldImg" idx="2"/>
           </p:nvPr>
         </p:nvSpPr>
         <p:spPr>
@@ -1739,9 +1806,13 @@
             <a:ext cx="6096000" cy="3429000"/>
           </a:xfrm>
           <a:custGeom>
-            <a:rect b="b" l="l" r="r" t="t"/>
+            <a:avLst/>
+            <a:gdLst/>
+            <a:ahLst/>
+            <a:cxnLst/>
+            <a:rect l="l" t="t" r="r" b="b"/>
             <a:pathLst>
-              <a:path extrusionOk="0" h="120000" w="120000">
+              <a:path w="120000" h="120000" extrusionOk="0">
                 <a:moveTo>
                   <a:pt x="0" y="0"/>
                 </a:moveTo>
@@ -1763,9 +1834,11 @@
       <p:sp>
         <p:nvSpPr>
           <p:cNvPr id="82" name="Google Shape;82;g320a4041099_0_7:notes"/>
-          <p:cNvSpPr txBox="1"/>
+          <p:cNvSpPr txBox="1">
+            <a:spLocks noGrp="1"/>
+          </p:cNvSpPr>
           <p:nvPr>
-            <p:ph idx="1" type="body"/>
+            <p:ph type="body" idx="1"/>
           </p:nvPr>
         </p:nvSpPr>
         <p:spPr>
@@ -1778,12 +1851,12 @@
           </a:prstGeom>
         </p:spPr>
         <p:txBody>
-          <a:bodyPr anchorCtr="0" anchor="t" bIns="91425" lIns="91425" spcFirstLastPara="1" rIns="91425" wrap="square" tIns="91425">
+          <a:bodyPr spcFirstLastPara="1" wrap="square" lIns="91425" tIns="91425" rIns="91425" bIns="91425" anchor="t" anchorCtr="0">
             <a:noAutofit/>
           </a:bodyPr>
           <a:lstStyle/>
           <a:p>
-            <a:pPr indent="0" lvl="0" marL="0" rtl="0" algn="l">
+            <a:pPr marL="0" lvl="0" indent="0" algn="l" rtl="0">
               <a:spcBef>
                 <a:spcPts val="0"/>
               </a:spcBef>
@@ -1792,9 +1865,6 @@
               </a:spcAft>
               <a:buNone/>
             </a:pPr>
-            <a:r>
-              <a:t/>
-            </a:r>
             <a:endParaRPr/>
           </a:p>
         </p:txBody>
@@ -1808,11 +1878,11 @@
 </file>
 
 <file path=ppt/notesSlides/notesSlide4.xml><?xml version="1.0" encoding="utf-8"?>
-<p:notes xmlns:a="http://schemas.openxmlformats.org/drawingml/2006/main" xmlns:r="http://schemas.openxmlformats.org/officeDocument/2006/relationships" xmlns:mc="http://schemas.openxmlformats.org/markup-compatibility/2006" xmlns:mv="urn:schemas-microsoft-com:mac:vml" xmlns:p="http://schemas.openxmlformats.org/presentationml/2006/main" xmlns:c="http://schemas.openxmlformats.org/drawingml/2006/chart" xmlns:dgm="http://schemas.openxmlformats.org/drawingml/2006/diagram" xmlns:o="urn:schemas-microsoft-com:office:office" xmlns:v="urn:schemas-microsoft-com:vml" xmlns:pvml="urn:schemas-microsoft-com:office:powerpoint" xmlns:com="http://schemas.openxmlformats.org/drawingml/2006/compatibility" xmlns:p14="http://schemas.microsoft.com/office/powerpoint/2010/main" xmlns:p15="http://schemas.microsoft.com/office/powerpoint/2012/main" xmlns:ahyp="http://schemas.microsoft.com/office/drawing/2018/hyperlinkcolor" showMasterPhAnim="0" showMasterSp="0">
+<p:notes xmlns:a="http://schemas.openxmlformats.org/drawingml/2006/main" xmlns:r="http://schemas.openxmlformats.org/officeDocument/2006/relationships" xmlns:p="http://schemas.openxmlformats.org/presentationml/2006/main" showMasterSp="0" showMasterPhAnim="0">
   <p:cSld>
     <p:spTree>
       <p:nvGrpSpPr>
-        <p:cNvPr id="87" name="Shape 87"/>
+        <p:cNvPr id="1" name="Shape 87"/>
         <p:cNvGrpSpPr/>
         <p:nvPr/>
       </p:nvGrpSpPr>
@@ -1827,9 +1897,11 @@
       <p:sp>
         <p:nvSpPr>
           <p:cNvPr id="88" name="Google Shape;88;g320a4041099_0_17:notes"/>
-          <p:cNvSpPr/>
+          <p:cNvSpPr>
+            <a:spLocks noGrp="1" noRot="1" noChangeAspect="1"/>
+          </p:cNvSpPr>
           <p:nvPr>
-            <p:ph idx="2" type="sldImg"/>
+            <p:ph type="sldImg" idx="2"/>
           </p:nvPr>
         </p:nvSpPr>
         <p:spPr>
@@ -1838,9 +1910,13 @@
             <a:ext cx="6096000" cy="3429000"/>
           </a:xfrm>
           <a:custGeom>
-            <a:rect b="b" l="l" r="r" t="t"/>
+            <a:avLst/>
+            <a:gdLst/>
+            <a:ahLst/>
+            <a:cxnLst/>
+            <a:rect l="l" t="t" r="r" b="b"/>
             <a:pathLst>
-              <a:path extrusionOk="0" h="120000" w="120000">
+              <a:path w="120000" h="120000" extrusionOk="0">
                 <a:moveTo>
                   <a:pt x="0" y="0"/>
                 </a:moveTo>
@@ -1862,9 +1938,11 @@
       <p:sp>
         <p:nvSpPr>
           <p:cNvPr id="89" name="Google Shape;89;g320a4041099_0_17:notes"/>
-          <p:cNvSpPr txBox="1"/>
+          <p:cNvSpPr txBox="1">
+            <a:spLocks noGrp="1"/>
+          </p:cNvSpPr>
           <p:nvPr>
-            <p:ph idx="1" type="body"/>
+            <p:ph type="body" idx="1"/>
           </p:nvPr>
         </p:nvSpPr>
         <p:spPr>
@@ -1877,12 +1955,12 @@
           </a:prstGeom>
         </p:spPr>
         <p:txBody>
-          <a:bodyPr anchorCtr="0" anchor="t" bIns="91425" lIns="91425" spcFirstLastPara="1" rIns="91425" wrap="square" tIns="91425">
+          <a:bodyPr spcFirstLastPara="1" wrap="square" lIns="91425" tIns="91425" rIns="91425" bIns="91425" anchor="t" anchorCtr="0">
             <a:noAutofit/>
           </a:bodyPr>
           <a:lstStyle/>
           <a:p>
-            <a:pPr indent="0" lvl="0" marL="0" rtl="0" algn="l">
+            <a:pPr marL="0" lvl="0" indent="0" algn="l" rtl="0">
               <a:spcBef>
                 <a:spcPts val="0"/>
               </a:spcBef>
@@ -1891,9 +1969,6 @@
               </a:spcAft>
               <a:buNone/>
             </a:pPr>
-            <a:r>
-              <a:t/>
-            </a:r>
             <a:endParaRPr/>
           </a:p>
         </p:txBody>
@@ -1907,11 +1982,11 @@
 </file>
 
 <file path=ppt/notesSlides/notesSlide5.xml><?xml version="1.0" encoding="utf-8"?>
-<p:notes xmlns:a="http://schemas.openxmlformats.org/drawingml/2006/main" xmlns:r="http://schemas.openxmlformats.org/officeDocument/2006/relationships" xmlns:mc="http://schemas.openxmlformats.org/markup-compatibility/2006" xmlns:mv="urn:schemas-microsoft-com:mac:vml" xmlns:p="http://schemas.openxmlformats.org/presentationml/2006/main" xmlns:c="http://schemas.openxmlformats.org/drawingml/2006/chart" xmlns:dgm="http://schemas.openxmlformats.org/drawingml/2006/diagram" xmlns:o="urn:schemas-microsoft-com:office:office" xmlns:v="urn:schemas-microsoft-com:vml" xmlns:pvml="urn:schemas-microsoft-com:office:powerpoint" xmlns:com="http://schemas.openxmlformats.org/drawingml/2006/compatibility" xmlns:p14="http://schemas.microsoft.com/office/powerpoint/2010/main" xmlns:p15="http://schemas.microsoft.com/office/powerpoint/2012/main" xmlns:ahyp="http://schemas.microsoft.com/office/drawing/2018/hyperlinkcolor" showMasterPhAnim="0" showMasterSp="0">
+<p:notes xmlns:a="http://schemas.openxmlformats.org/drawingml/2006/main" xmlns:r="http://schemas.openxmlformats.org/officeDocument/2006/relationships" xmlns:p="http://schemas.openxmlformats.org/presentationml/2006/main" showMasterSp="0" showMasterPhAnim="0">
   <p:cSld>
     <p:spTree>
       <p:nvGrpSpPr>
-        <p:cNvPr id="94" name="Shape 94"/>
+        <p:cNvPr id="1" name="Shape 94"/>
         <p:cNvGrpSpPr/>
         <p:nvPr/>
       </p:nvGrpSpPr>
@@ -1926,9 +2001,11 @@
       <p:sp>
         <p:nvSpPr>
           <p:cNvPr id="95" name="Google Shape;95;g320a4041099_0_26:notes"/>
-          <p:cNvSpPr/>
+          <p:cNvSpPr>
+            <a:spLocks noGrp="1" noRot="1" noChangeAspect="1"/>
+          </p:cNvSpPr>
           <p:nvPr>
-            <p:ph idx="2" type="sldImg"/>
+            <p:ph type="sldImg" idx="2"/>
           </p:nvPr>
         </p:nvSpPr>
         <p:spPr>
@@ -1937,9 +2014,13 @@
             <a:ext cx="6096000" cy="3429000"/>
           </a:xfrm>
           <a:custGeom>
-            <a:rect b="b" l="l" r="r" t="t"/>
+            <a:avLst/>
+            <a:gdLst/>
+            <a:ahLst/>
+            <a:cxnLst/>
+            <a:rect l="l" t="t" r="r" b="b"/>
             <a:pathLst>
-              <a:path extrusionOk="0" h="120000" w="120000">
+              <a:path w="120000" h="120000" extrusionOk="0">
                 <a:moveTo>
                   <a:pt x="0" y="0"/>
                 </a:moveTo>
@@ -1961,9 +2042,11 @@
       <p:sp>
         <p:nvSpPr>
           <p:cNvPr id="96" name="Google Shape;96;g320a4041099_0_26:notes"/>
-          <p:cNvSpPr txBox="1"/>
+          <p:cNvSpPr txBox="1">
+            <a:spLocks noGrp="1"/>
+          </p:cNvSpPr>
           <p:nvPr>
-            <p:ph idx="1" type="body"/>
+            <p:ph type="body" idx="1"/>
           </p:nvPr>
         </p:nvSpPr>
         <p:spPr>
@@ -1976,12 +2059,12 @@
           </a:prstGeom>
         </p:spPr>
         <p:txBody>
-          <a:bodyPr anchorCtr="0" anchor="t" bIns="91425" lIns="91425" spcFirstLastPara="1" rIns="91425" wrap="square" tIns="91425">
+          <a:bodyPr spcFirstLastPara="1" wrap="square" lIns="91425" tIns="91425" rIns="91425" bIns="91425" anchor="t" anchorCtr="0">
             <a:noAutofit/>
           </a:bodyPr>
           <a:lstStyle/>
           <a:p>
-            <a:pPr indent="0" lvl="0" marL="0" rtl="0" algn="l">
+            <a:pPr marL="0" lvl="0" indent="0" algn="l" rtl="0">
               <a:spcBef>
                 <a:spcPts val="0"/>
               </a:spcBef>
@@ -1990,9 +2073,6 @@
               </a:spcAft>
               <a:buNone/>
             </a:pPr>
-            <a:r>
-              <a:t/>
-            </a:r>
             <a:endParaRPr/>
           </a:p>
         </p:txBody>
@@ -2006,11 +2086,11 @@
 </file>
 
 <file path=ppt/notesSlides/notesSlide6.xml><?xml version="1.0" encoding="utf-8"?>
-<p:notes xmlns:a="http://schemas.openxmlformats.org/drawingml/2006/main" xmlns:r="http://schemas.openxmlformats.org/officeDocument/2006/relationships" xmlns:mc="http://schemas.openxmlformats.org/markup-compatibility/2006" xmlns:mv="urn:schemas-microsoft-com:mac:vml" xmlns:p="http://schemas.openxmlformats.org/presentationml/2006/main" xmlns:c="http://schemas.openxmlformats.org/drawingml/2006/chart" xmlns:dgm="http://schemas.openxmlformats.org/drawingml/2006/diagram" xmlns:o="urn:schemas-microsoft-com:office:office" xmlns:v="urn:schemas-microsoft-com:vml" xmlns:pvml="urn:schemas-microsoft-com:office:powerpoint" xmlns:com="http://schemas.openxmlformats.org/drawingml/2006/compatibility" xmlns:p14="http://schemas.microsoft.com/office/powerpoint/2010/main" xmlns:p15="http://schemas.microsoft.com/office/powerpoint/2012/main" xmlns:ahyp="http://schemas.microsoft.com/office/drawing/2018/hyperlinkcolor" showMasterPhAnim="0" showMasterSp="0">
+<p:notes xmlns:a="http://schemas.openxmlformats.org/drawingml/2006/main" xmlns:r="http://schemas.openxmlformats.org/officeDocument/2006/relationships" xmlns:p="http://schemas.openxmlformats.org/presentationml/2006/main" showMasterSp="0" showMasterPhAnim="0">
   <p:cSld>
     <p:spTree>
       <p:nvGrpSpPr>
-        <p:cNvPr id="99" name="Shape 99"/>
+        <p:cNvPr id="1" name="Shape 99"/>
         <p:cNvGrpSpPr/>
         <p:nvPr/>
       </p:nvGrpSpPr>
@@ -2025,9 +2105,11 @@
       <p:sp>
         <p:nvSpPr>
           <p:cNvPr id="100" name="Google Shape;100;g320a4041099_0_34:notes"/>
-          <p:cNvSpPr/>
+          <p:cNvSpPr>
+            <a:spLocks noGrp="1" noRot="1" noChangeAspect="1"/>
+          </p:cNvSpPr>
           <p:nvPr>
-            <p:ph idx="2" type="sldImg"/>
+            <p:ph type="sldImg" idx="2"/>
           </p:nvPr>
         </p:nvSpPr>
         <p:spPr>
@@ -2036,9 +2118,13 @@
             <a:ext cx="6096000" cy="3429000"/>
           </a:xfrm>
           <a:custGeom>
-            <a:rect b="b" l="l" r="r" t="t"/>
+            <a:avLst/>
+            <a:gdLst/>
+            <a:ahLst/>
+            <a:cxnLst/>
+            <a:rect l="l" t="t" r="r" b="b"/>
             <a:pathLst>
-              <a:path extrusionOk="0" h="120000" w="120000">
+              <a:path w="120000" h="120000" extrusionOk="0">
                 <a:moveTo>
                   <a:pt x="0" y="0"/>
                 </a:moveTo>
@@ -2060,9 +2146,11 @@
       <p:sp>
         <p:nvSpPr>
           <p:cNvPr id="101" name="Google Shape;101;g320a4041099_0_34:notes"/>
-          <p:cNvSpPr txBox="1"/>
+          <p:cNvSpPr txBox="1">
+            <a:spLocks noGrp="1"/>
+          </p:cNvSpPr>
           <p:nvPr>
-            <p:ph idx="1" type="body"/>
+            <p:ph type="body" idx="1"/>
           </p:nvPr>
         </p:nvSpPr>
         <p:spPr>
@@ -2075,12 +2163,12 @@
           </a:prstGeom>
         </p:spPr>
         <p:txBody>
-          <a:bodyPr anchorCtr="0" anchor="t" bIns="91425" lIns="91425" spcFirstLastPara="1" rIns="91425" wrap="square" tIns="91425">
+          <a:bodyPr spcFirstLastPara="1" wrap="square" lIns="91425" tIns="91425" rIns="91425" bIns="91425" anchor="t" anchorCtr="0">
             <a:noAutofit/>
           </a:bodyPr>
           <a:lstStyle/>
           <a:p>
-            <a:pPr indent="0" lvl="0" marL="0" rtl="0" algn="l">
+            <a:pPr marL="0" lvl="0" indent="0" algn="l" rtl="0">
               <a:spcBef>
                 <a:spcPts val="0"/>
               </a:spcBef>
@@ -2089,9 +2177,6 @@
               </a:spcAft>
               <a:buNone/>
             </a:pPr>
-            <a:r>
-              <a:t/>
-            </a:r>
             <a:endParaRPr/>
           </a:p>
         </p:txBody>
@@ -2105,11 +2190,11 @@
 </file>
 
 <file path=ppt/notesSlides/notesSlide7.xml><?xml version="1.0" encoding="utf-8"?>
-<p:notes xmlns:a="http://schemas.openxmlformats.org/drawingml/2006/main" xmlns:r="http://schemas.openxmlformats.org/officeDocument/2006/relationships" xmlns:mc="http://schemas.openxmlformats.org/markup-compatibility/2006" xmlns:mv="urn:schemas-microsoft-com:mac:vml" xmlns:p="http://schemas.openxmlformats.org/presentationml/2006/main" xmlns:c="http://schemas.openxmlformats.org/drawingml/2006/chart" xmlns:dgm="http://schemas.openxmlformats.org/drawingml/2006/diagram" xmlns:o="urn:schemas-microsoft-com:office:office" xmlns:v="urn:schemas-microsoft-com:vml" xmlns:pvml="urn:schemas-microsoft-com:office:powerpoint" xmlns:com="http://schemas.openxmlformats.org/drawingml/2006/compatibility" xmlns:p14="http://schemas.microsoft.com/office/powerpoint/2010/main" xmlns:p15="http://schemas.microsoft.com/office/powerpoint/2012/main" xmlns:ahyp="http://schemas.microsoft.com/office/drawing/2018/hyperlinkcolor" showMasterPhAnim="0" showMasterSp="0">
+<p:notes xmlns:a="http://schemas.openxmlformats.org/drawingml/2006/main" xmlns:r="http://schemas.openxmlformats.org/officeDocument/2006/relationships" xmlns:p="http://schemas.openxmlformats.org/presentationml/2006/main" showMasterSp="0" showMasterPhAnim="0">
   <p:cSld>
     <p:spTree>
       <p:nvGrpSpPr>
-        <p:cNvPr id="107" name="Shape 107"/>
+        <p:cNvPr id="1" name="Shape 107"/>
         <p:cNvGrpSpPr/>
         <p:nvPr/>
       </p:nvGrpSpPr>
@@ -2124,9 +2209,11 @@
       <p:sp>
         <p:nvSpPr>
           <p:cNvPr id="108" name="Google Shape;108;g320a4041099_0_44:notes"/>
-          <p:cNvSpPr/>
+          <p:cNvSpPr>
+            <a:spLocks noGrp="1" noRot="1" noChangeAspect="1"/>
+          </p:cNvSpPr>
           <p:nvPr>
-            <p:ph idx="2" type="sldImg"/>
+            <p:ph type="sldImg" idx="2"/>
           </p:nvPr>
         </p:nvSpPr>
         <p:spPr>
@@ -2135,9 +2222,13 @@
             <a:ext cx="6096000" cy="3429000"/>
           </a:xfrm>
           <a:custGeom>
-            <a:rect b="b" l="l" r="r" t="t"/>
+            <a:avLst/>
+            <a:gdLst/>
+            <a:ahLst/>
+            <a:cxnLst/>
+            <a:rect l="l" t="t" r="r" b="b"/>
             <a:pathLst>
-              <a:path extrusionOk="0" h="120000" w="120000">
+              <a:path w="120000" h="120000" extrusionOk="0">
                 <a:moveTo>
                   <a:pt x="0" y="0"/>
                 </a:moveTo>
@@ -2159,9 +2250,11 @@
       <p:sp>
         <p:nvSpPr>
           <p:cNvPr id="109" name="Google Shape;109;g320a4041099_0_44:notes"/>
-          <p:cNvSpPr txBox="1"/>
+          <p:cNvSpPr txBox="1">
+            <a:spLocks noGrp="1"/>
+          </p:cNvSpPr>
           <p:nvPr>
-            <p:ph idx="1" type="body"/>
+            <p:ph type="body" idx="1"/>
           </p:nvPr>
         </p:nvSpPr>
         <p:spPr>
@@ -2174,12 +2267,12 @@
           </a:prstGeom>
         </p:spPr>
         <p:txBody>
-          <a:bodyPr anchorCtr="0" anchor="t" bIns="91425" lIns="91425" spcFirstLastPara="1" rIns="91425" wrap="square" tIns="91425">
+          <a:bodyPr spcFirstLastPara="1" wrap="square" lIns="91425" tIns="91425" rIns="91425" bIns="91425" anchor="t" anchorCtr="0">
             <a:noAutofit/>
           </a:bodyPr>
           <a:lstStyle/>
           <a:p>
-            <a:pPr indent="0" lvl="0" marL="0" rtl="0" algn="l">
+            <a:pPr marL="0" lvl="0" indent="0" algn="l" rtl="0">
               <a:spcBef>
                 <a:spcPts val="0"/>
               </a:spcBef>
@@ -2188,9 +2281,6 @@
               </a:spcAft>
               <a:buNone/>
             </a:pPr>
-            <a:r>
-              <a:t/>
-            </a:r>
             <a:endParaRPr/>
           </a:p>
         </p:txBody>
@@ -2204,11 +2294,11 @@
 </file>
 
 <file path=ppt/notesSlides/notesSlide8.xml><?xml version="1.0" encoding="utf-8"?>
-<p:notes xmlns:a="http://schemas.openxmlformats.org/drawingml/2006/main" xmlns:r="http://schemas.openxmlformats.org/officeDocument/2006/relationships" xmlns:mc="http://schemas.openxmlformats.org/markup-compatibility/2006" xmlns:mv="urn:schemas-microsoft-com:mac:vml" xmlns:p="http://schemas.openxmlformats.org/presentationml/2006/main" xmlns:c="http://schemas.openxmlformats.org/drawingml/2006/chart" xmlns:dgm="http://schemas.openxmlformats.org/drawingml/2006/diagram" xmlns:o="urn:schemas-microsoft-com:office:office" xmlns:v="urn:schemas-microsoft-com:vml" xmlns:pvml="urn:schemas-microsoft-com:office:powerpoint" xmlns:com="http://schemas.openxmlformats.org/drawingml/2006/compatibility" xmlns:p14="http://schemas.microsoft.com/office/powerpoint/2010/main" xmlns:p15="http://schemas.microsoft.com/office/powerpoint/2012/main" xmlns:ahyp="http://schemas.microsoft.com/office/drawing/2018/hyperlinkcolor" showMasterPhAnim="0" showMasterSp="0">
+<p:notes xmlns:a="http://schemas.openxmlformats.org/drawingml/2006/main" xmlns:r="http://schemas.openxmlformats.org/officeDocument/2006/relationships" xmlns:p="http://schemas.openxmlformats.org/presentationml/2006/main" showMasterSp="0" showMasterPhAnim="0">
   <p:cSld>
     <p:spTree>
       <p:nvGrpSpPr>
-        <p:cNvPr id="114" name="Shape 114"/>
+        <p:cNvPr id="1" name="Shape 114"/>
         <p:cNvGrpSpPr/>
         <p:nvPr/>
       </p:nvGrpSpPr>
@@ -2223,9 +2313,11 @@
       <p:sp>
         <p:nvSpPr>
           <p:cNvPr id="115" name="Google Shape;115;g320a4041099_0_55:notes"/>
-          <p:cNvSpPr/>
+          <p:cNvSpPr>
+            <a:spLocks noGrp="1" noRot="1" noChangeAspect="1"/>
+          </p:cNvSpPr>
           <p:nvPr>
-            <p:ph idx="2" type="sldImg"/>
+            <p:ph type="sldImg" idx="2"/>
           </p:nvPr>
         </p:nvSpPr>
         <p:spPr>
@@ -2234,9 +2326,13 @@
             <a:ext cx="6096000" cy="3429000"/>
           </a:xfrm>
           <a:custGeom>
-            <a:rect b="b" l="l" r="r" t="t"/>
+            <a:avLst/>
+            <a:gdLst/>
+            <a:ahLst/>
+            <a:cxnLst/>
+            <a:rect l="l" t="t" r="r" b="b"/>
             <a:pathLst>
-              <a:path extrusionOk="0" h="120000" w="120000">
+              <a:path w="120000" h="120000" extrusionOk="0">
                 <a:moveTo>
                   <a:pt x="0" y="0"/>
                 </a:moveTo>
@@ -2258,9 +2354,11 @@
       <p:sp>
         <p:nvSpPr>
           <p:cNvPr id="116" name="Google Shape;116;g320a4041099_0_55:notes"/>
-          <p:cNvSpPr txBox="1"/>
+          <p:cNvSpPr txBox="1">
+            <a:spLocks noGrp="1"/>
+          </p:cNvSpPr>
           <p:nvPr>
-            <p:ph idx="1" type="body"/>
+            <p:ph type="body" idx="1"/>
           </p:nvPr>
         </p:nvSpPr>
         <p:spPr>
@@ -2273,12 +2371,12 @@
           </a:prstGeom>
         </p:spPr>
         <p:txBody>
-          <a:bodyPr anchorCtr="0" anchor="t" bIns="91425" lIns="91425" spcFirstLastPara="1" rIns="91425" wrap="square" tIns="91425">
+          <a:bodyPr spcFirstLastPara="1" wrap="square" lIns="91425" tIns="91425" rIns="91425" bIns="91425" anchor="t" anchorCtr="0">
             <a:noAutofit/>
           </a:bodyPr>
           <a:lstStyle/>
           <a:p>
-            <a:pPr indent="0" lvl="0" marL="0" rtl="0" algn="l">
+            <a:pPr marL="0" lvl="0" indent="0" algn="l" rtl="0">
               <a:spcBef>
                 <a:spcPts val="0"/>
               </a:spcBef>
@@ -2287,9 +2385,6 @@
               </a:spcAft>
               <a:buNone/>
             </a:pPr>
-            <a:r>
-              <a:t/>
-            </a:r>
             <a:endParaRPr/>
           </a:p>
         </p:txBody>
@@ -2303,11 +2398,11 @@
 </file>
 
 <file path=ppt/notesSlides/notesSlide9.xml><?xml version="1.0" encoding="utf-8"?>
-<p:notes xmlns:a="http://schemas.openxmlformats.org/drawingml/2006/main" xmlns:r="http://schemas.openxmlformats.org/officeDocument/2006/relationships" xmlns:mc="http://schemas.openxmlformats.org/markup-compatibility/2006" xmlns:mv="urn:schemas-microsoft-com:mac:vml" xmlns:p="http://schemas.openxmlformats.org/presentationml/2006/main" xmlns:c="http://schemas.openxmlformats.org/drawingml/2006/chart" xmlns:dgm="http://schemas.openxmlformats.org/drawingml/2006/diagram" xmlns:o="urn:schemas-microsoft-com:office:office" xmlns:v="urn:schemas-microsoft-com:vml" xmlns:pvml="urn:schemas-microsoft-com:office:powerpoint" xmlns:com="http://schemas.openxmlformats.org/drawingml/2006/compatibility" xmlns:p14="http://schemas.microsoft.com/office/powerpoint/2010/main" xmlns:p15="http://schemas.microsoft.com/office/powerpoint/2012/main" xmlns:ahyp="http://schemas.microsoft.com/office/drawing/2018/hyperlinkcolor" showMasterPhAnim="0" showMasterSp="0">
+<p:notes xmlns:a="http://schemas.openxmlformats.org/drawingml/2006/main" xmlns:r="http://schemas.openxmlformats.org/officeDocument/2006/relationships" xmlns:p="http://schemas.openxmlformats.org/presentationml/2006/main" showMasterSp="0" showMasterPhAnim="0">
   <p:cSld>
     <p:spTree>
       <p:nvGrpSpPr>
-        <p:cNvPr id="119" name="Shape 119"/>
+        <p:cNvPr id="1" name="Shape 119"/>
         <p:cNvGrpSpPr/>
         <p:nvPr/>
       </p:nvGrpSpPr>
@@ -2322,9 +2417,11 @@
       <p:sp>
         <p:nvSpPr>
           <p:cNvPr id="120" name="Google Shape;120;g320a4041099_0_60:notes"/>
-          <p:cNvSpPr/>
+          <p:cNvSpPr>
+            <a:spLocks noGrp="1" noRot="1" noChangeAspect="1"/>
+          </p:cNvSpPr>
           <p:nvPr>
-            <p:ph idx="2" type="sldImg"/>
+            <p:ph type="sldImg" idx="2"/>
           </p:nvPr>
         </p:nvSpPr>
         <p:spPr>
@@ -2333,9 +2430,13 @@
             <a:ext cx="6096000" cy="3429000"/>
           </a:xfrm>
           <a:custGeom>
-            <a:rect b="b" l="l" r="r" t="t"/>
+            <a:avLst/>
+            <a:gdLst/>
+            <a:ahLst/>
+            <a:cxnLst/>
+            <a:rect l="l" t="t" r="r" b="b"/>
             <a:pathLst>
-              <a:path extrusionOk="0" h="120000" w="120000">
+              <a:path w="120000" h="120000" extrusionOk="0">
                 <a:moveTo>
                   <a:pt x="0" y="0"/>
                 </a:moveTo>
@@ -2357,9 +2458,11 @@
       <p:sp>
         <p:nvSpPr>
           <p:cNvPr id="121" name="Google Shape;121;g320a4041099_0_60:notes"/>
-          <p:cNvSpPr txBox="1"/>
+          <p:cNvSpPr txBox="1">
+            <a:spLocks noGrp="1"/>
+          </p:cNvSpPr>
           <p:nvPr>
-            <p:ph idx="1" type="body"/>
+            <p:ph type="body" idx="1"/>
           </p:nvPr>
         </p:nvSpPr>
         <p:spPr>
@@ -2372,12 +2475,12 @@
           </a:prstGeom>
         </p:spPr>
         <p:txBody>
-          <a:bodyPr anchorCtr="0" anchor="t" bIns="91425" lIns="91425" spcFirstLastPara="1" rIns="91425" wrap="square" tIns="91425">
+          <a:bodyPr spcFirstLastPara="1" wrap="square" lIns="91425" tIns="91425" rIns="91425" bIns="91425" anchor="t" anchorCtr="0">
             <a:noAutofit/>
           </a:bodyPr>
           <a:lstStyle/>
           <a:p>
-            <a:pPr indent="0" lvl="0" marL="0" rtl="0" algn="l">
+            <a:pPr marL="0" lvl="0" indent="0" algn="l" rtl="0">
               <a:spcBef>
                 <a:spcPts val="0"/>
               </a:spcBef>
@@ -2386,9 +2489,6 @@
               </a:spcAft>
               <a:buNone/>
             </a:pPr>
-            <a:r>
-              <a:t/>
-            </a:r>
             <a:endParaRPr/>
           </a:p>
         </p:txBody>
@@ -2402,18 +2502,19 @@
 </file>
 
 <file path=ppt/slideLayouts/slideLayout1.xml><?xml version="1.0" encoding="utf-8"?>
-<p:sldLayout xmlns:a="http://schemas.openxmlformats.org/drawingml/2006/main" xmlns:r="http://schemas.openxmlformats.org/officeDocument/2006/relationships" xmlns:mc="http://schemas.openxmlformats.org/markup-compatibility/2006" xmlns:mv="urn:schemas-microsoft-com:mac:vml" xmlns:p="http://schemas.openxmlformats.org/presentationml/2006/main" xmlns:c="http://schemas.openxmlformats.org/drawingml/2006/chart" xmlns:dgm="http://schemas.openxmlformats.org/drawingml/2006/diagram" xmlns:o="urn:schemas-microsoft-com:office:office" xmlns:v="urn:schemas-microsoft-com:vml" xmlns:pvml="urn:schemas-microsoft-com:office:powerpoint" xmlns:com="http://schemas.openxmlformats.org/drawingml/2006/compatibility" xmlns:p14="http://schemas.microsoft.com/office/powerpoint/2010/main" xmlns:p15="http://schemas.microsoft.com/office/powerpoint/2012/main" xmlns:ahyp="http://schemas.microsoft.com/office/drawing/2018/hyperlinkcolor" matchingName="Title slide" type="title">
+<p:sldLayout xmlns:a="http://schemas.openxmlformats.org/drawingml/2006/main" xmlns:r="http://schemas.openxmlformats.org/officeDocument/2006/relationships" xmlns:p="http://schemas.openxmlformats.org/presentationml/2006/main" matchingName="Title slide" type="title">
   <p:cSld name="TITLE">
     <p:bg>
       <p:bgPr>
         <a:solidFill>
           <a:schemeClr val="dk1"/>
         </a:solidFill>
+        <a:effectLst/>
       </p:bgPr>
     </p:bg>
     <p:spTree>
       <p:nvGrpSpPr>
-        <p:cNvPr id="9" name="Shape 9"/>
+        <p:cNvPr id="1" name="Shape 9"/>
         <p:cNvGrpSpPr/>
         <p:nvPr/>
       </p:nvGrpSpPr>
@@ -2440,14 +2541,14 @@
             <a:avLst/>
           </a:prstGeom>
           <a:noFill/>
-          <a:ln cap="flat" cmpd="sng" w="38100">
+          <a:ln w="38100" cap="flat" cmpd="sng">
             <a:solidFill>
               <a:schemeClr val="lt1"/>
             </a:solidFill>
             <a:prstDash val="solid"/>
             <a:round/>
-            <a:headEnd len="sm" w="sm" type="none"/>
-            <a:tailEnd len="sm" w="sm" type="none"/>
+            <a:headEnd type="none" w="sm" len="sm"/>
+            <a:tailEnd type="none" w="sm" len="sm"/>
           </a:ln>
         </p:spPr>
       </p:cxnSp>
@@ -2466,14 +2567,14 @@
             <a:avLst/>
           </a:prstGeom>
           <a:noFill/>
-          <a:ln cap="flat" cmpd="sng" w="19050">
+          <a:ln w="19050" cap="flat" cmpd="sng">
             <a:solidFill>
               <a:schemeClr val="lt1"/>
             </a:solidFill>
             <a:prstDash val="solid"/>
             <a:round/>
-            <a:headEnd len="sm" w="sm" type="none"/>
-            <a:tailEnd len="sm" w="sm" type="none"/>
+            <a:headEnd type="none" w="sm" len="sm"/>
+            <a:tailEnd type="none" w="sm" len="sm"/>
           </a:ln>
         </p:spPr>
       </p:cxnSp>
@@ -2492,21 +2593,23 @@
             <a:avLst/>
           </a:prstGeom>
           <a:noFill/>
-          <a:ln cap="flat" cmpd="sng" w="19050">
+          <a:ln w="19050" cap="flat" cmpd="sng">
             <a:solidFill>
               <a:schemeClr val="lt1"/>
             </a:solidFill>
             <a:prstDash val="solid"/>
             <a:round/>
-            <a:headEnd len="sm" w="sm" type="none"/>
-            <a:tailEnd len="sm" w="sm" type="none"/>
+            <a:headEnd type="none" w="sm" len="sm"/>
+            <a:tailEnd type="none" w="sm" len="sm"/>
           </a:ln>
         </p:spPr>
       </p:cxnSp>
       <p:sp>
         <p:nvSpPr>
           <p:cNvPr id="13" name="Google Shape;13;p2"/>
-          <p:cNvSpPr txBox="1"/>
+          <p:cNvSpPr txBox="1">
+            <a:spLocks noGrp="1"/>
+          </p:cNvSpPr>
           <p:nvPr>
             <p:ph type="ctrTitle"/>
           </p:nvPr>
@@ -2521,7 +2624,7 @@
           </a:prstGeom>
         </p:spPr>
         <p:txBody>
-          <a:bodyPr anchorCtr="0" anchor="t" bIns="91425" lIns="91425" spcFirstLastPara="1" rIns="91425" wrap="square" tIns="91425">
+          <a:bodyPr spcFirstLastPara="1" wrap="square" lIns="91425" tIns="91425" rIns="91425" bIns="91425" anchor="t" anchorCtr="0">
             <a:noAutofit/>
           </a:bodyPr>
           <a:lstStyle>
@@ -2688,15 +2791,19 @@
               </a:defRPr>
             </a:lvl9pPr>
           </a:lstStyle>
-          <a:p/>
+          <a:p>
+            <a:endParaRPr/>
+          </a:p>
         </p:txBody>
       </p:sp>
       <p:sp>
         <p:nvSpPr>
           <p:cNvPr id="14" name="Google Shape;14;p2"/>
-          <p:cNvSpPr txBox="1"/>
+          <p:cNvSpPr txBox="1">
+            <a:spLocks noGrp="1"/>
+          </p:cNvSpPr>
           <p:nvPr>
-            <p:ph idx="1" type="subTitle"/>
+            <p:ph type="subTitle" idx="1"/>
           </p:nvPr>
         </p:nvSpPr>
         <p:spPr>
@@ -2709,7 +2816,7 @@
           </a:prstGeom>
         </p:spPr>
         <p:txBody>
-          <a:bodyPr anchorCtr="0" anchor="b" bIns="91425" lIns="91425" spcFirstLastPara="1" rIns="91425" wrap="square" tIns="91425">
+          <a:bodyPr spcFirstLastPara="1" wrap="square" lIns="91425" tIns="91425" rIns="91425" bIns="91425" anchor="b" anchorCtr="0">
             <a:noAutofit/>
           </a:bodyPr>
           <a:lstStyle>
@@ -2903,15 +3010,19 @@
               </a:defRPr>
             </a:lvl9pPr>
           </a:lstStyle>
-          <a:p/>
+          <a:p>
+            <a:endParaRPr/>
+          </a:p>
         </p:txBody>
       </p:sp>
       <p:sp>
         <p:nvSpPr>
           <p:cNvPr id="15" name="Google Shape;15;p2"/>
-          <p:cNvSpPr txBox="1"/>
+          <p:cNvSpPr txBox="1">
+            <a:spLocks noGrp="1"/>
+          </p:cNvSpPr>
           <p:nvPr>
-            <p:ph idx="12" type="sldNum"/>
+            <p:ph type="sldNum" idx="12"/>
           </p:nvPr>
         </p:nvSpPr>
         <p:spPr>
@@ -2924,7 +3035,7 @@
           </a:prstGeom>
         </p:spPr>
         <p:txBody>
-          <a:bodyPr anchorCtr="0" anchor="ctr" bIns="91425" lIns="91425" spcFirstLastPara="1" rIns="91425" wrap="square" tIns="91425">
+          <a:bodyPr spcFirstLastPara="1" wrap="square" lIns="91425" tIns="91425" rIns="91425" bIns="91425" anchor="ctr" anchorCtr="0">
             <a:noAutofit/>
           </a:bodyPr>
           <a:lstStyle>
@@ -3002,7 +3113,7 @@
             </a:lvl9pPr>
           </a:lstStyle>
           <a:p>
-            <a:pPr indent="0" lvl="0" marL="0" rtl="0" algn="r">
+            <a:pPr marL="0" lvl="0" indent="0" algn="r" rtl="0">
               <a:spcBef>
                 <a:spcPts val="0"/>
               </a:spcBef>
@@ -3028,11 +3139,11 @@
 </file>
 
 <file path=ppt/slideLayouts/slideLayout10.xml><?xml version="1.0" encoding="utf-8"?>
-<p:sldLayout xmlns:a="http://schemas.openxmlformats.org/drawingml/2006/main" xmlns:r="http://schemas.openxmlformats.org/officeDocument/2006/relationships" xmlns:mc="http://schemas.openxmlformats.org/markup-compatibility/2006" xmlns:mv="urn:schemas-microsoft-com:mac:vml" xmlns:p="http://schemas.openxmlformats.org/presentationml/2006/main" xmlns:c="http://schemas.openxmlformats.org/drawingml/2006/chart" xmlns:dgm="http://schemas.openxmlformats.org/drawingml/2006/diagram" xmlns:o="urn:schemas-microsoft-com:office:office" xmlns:v="urn:schemas-microsoft-com:vml" xmlns:pvml="urn:schemas-microsoft-com:office:powerpoint" xmlns:com="http://schemas.openxmlformats.org/drawingml/2006/compatibility" xmlns:p14="http://schemas.microsoft.com/office/powerpoint/2010/main" xmlns:p15="http://schemas.microsoft.com/office/powerpoint/2012/main" xmlns:ahyp="http://schemas.microsoft.com/office/drawing/2018/hyperlinkcolor" matchingName="Big number">
+<p:sldLayout xmlns:a="http://schemas.openxmlformats.org/drawingml/2006/main" xmlns:r="http://schemas.openxmlformats.org/officeDocument/2006/relationships" xmlns:p="http://schemas.openxmlformats.org/presentationml/2006/main" matchingName="Big number">
   <p:cSld name="BIG_NUMBER">
     <p:spTree>
       <p:nvGrpSpPr>
-        <p:cNvPr id="60" name="Shape 60"/>
+        <p:cNvPr id="1" name="Shape 60"/>
         <p:cNvGrpSpPr/>
         <p:nvPr/>
       </p:nvGrpSpPr>
@@ -3059,14 +3170,14 @@
             <a:avLst/>
           </a:prstGeom>
           <a:noFill/>
-          <a:ln cap="flat" cmpd="sng" w="19050">
+          <a:ln w="19050" cap="flat" cmpd="sng">
             <a:solidFill>
               <a:schemeClr val="dk2"/>
             </a:solidFill>
             <a:prstDash val="solid"/>
             <a:round/>
-            <a:headEnd len="sm" w="sm" type="none"/>
-            <a:tailEnd len="sm" w="sm" type="none"/>
+            <a:headEnd type="none" w="sm" len="sm"/>
+            <a:tailEnd type="none" w="sm" len="sm"/>
           </a:ln>
         </p:spPr>
       </p:cxnSp>
@@ -3085,23 +3196,25 @@
             <a:avLst/>
           </a:prstGeom>
           <a:noFill/>
-          <a:ln cap="flat" cmpd="sng" w="38100">
+          <a:ln w="38100" cap="flat" cmpd="sng">
             <a:solidFill>
               <a:schemeClr val="dk2"/>
             </a:solidFill>
             <a:prstDash val="solid"/>
             <a:round/>
-            <a:headEnd len="sm" w="sm" type="none"/>
-            <a:tailEnd len="sm" w="sm" type="none"/>
+            <a:headEnd type="none" w="sm" len="sm"/>
+            <a:tailEnd type="none" w="sm" len="sm"/>
           </a:ln>
         </p:spPr>
       </p:cxnSp>
       <p:sp>
         <p:nvSpPr>
           <p:cNvPr id="63" name="Google Shape;63;p11"/>
-          <p:cNvSpPr txBox="1"/>
+          <p:cNvSpPr txBox="1">
+            <a:spLocks noGrp="1"/>
+          </p:cNvSpPr>
           <p:nvPr>
-            <p:ph hasCustomPrompt="1" type="title"/>
+            <p:ph type="title" hasCustomPrompt="1"/>
           </p:nvPr>
         </p:nvSpPr>
         <p:spPr>
@@ -3114,11 +3227,11 @@
           </a:prstGeom>
         </p:spPr>
         <p:txBody>
-          <a:bodyPr anchorCtr="0" anchor="ctr" bIns="91425" lIns="91425" spcFirstLastPara="1" rIns="91425" wrap="square" tIns="91425">
+          <a:bodyPr spcFirstLastPara="1" wrap="square" lIns="91425" tIns="91425" rIns="91425" bIns="91425" anchor="ctr" anchorCtr="0">
             <a:noAutofit/>
           </a:bodyPr>
           <a:lstStyle>
-            <a:lvl1pPr lvl="0" rtl="0" algn="ctr">
+            <a:lvl1pPr lvl="0" algn="ctr" rtl="0">
               <a:spcBef>
                 <a:spcPts val="0"/>
               </a:spcBef>
@@ -3141,7 +3254,7 @@
                 <a:sym typeface="Lato"/>
               </a:defRPr>
             </a:lvl1pPr>
-            <a:lvl2pPr lvl="1" rtl="0" algn="ctr">
+            <a:lvl2pPr lvl="1" algn="ctr" rtl="0">
               <a:spcBef>
                 <a:spcPts val="0"/>
               </a:spcBef>
@@ -3164,7 +3277,7 @@
                 <a:sym typeface="Lato"/>
               </a:defRPr>
             </a:lvl2pPr>
-            <a:lvl3pPr lvl="2" rtl="0" algn="ctr">
+            <a:lvl3pPr lvl="2" algn="ctr" rtl="0">
               <a:spcBef>
                 <a:spcPts val="0"/>
               </a:spcBef>
@@ -3187,7 +3300,7 @@
                 <a:sym typeface="Lato"/>
               </a:defRPr>
             </a:lvl3pPr>
-            <a:lvl4pPr lvl="3" rtl="0" algn="ctr">
+            <a:lvl4pPr lvl="3" algn="ctr" rtl="0">
               <a:spcBef>
                 <a:spcPts val="0"/>
               </a:spcBef>
@@ -3210,7 +3323,7 @@
                 <a:sym typeface="Lato"/>
               </a:defRPr>
             </a:lvl4pPr>
-            <a:lvl5pPr lvl="4" rtl="0" algn="ctr">
+            <a:lvl5pPr lvl="4" algn="ctr" rtl="0">
               <a:spcBef>
                 <a:spcPts val="0"/>
               </a:spcBef>
@@ -3233,7 +3346,7 @@
                 <a:sym typeface="Lato"/>
               </a:defRPr>
             </a:lvl5pPr>
-            <a:lvl6pPr lvl="5" rtl="0" algn="ctr">
+            <a:lvl6pPr lvl="5" algn="ctr" rtl="0">
               <a:spcBef>
                 <a:spcPts val="0"/>
               </a:spcBef>
@@ -3256,7 +3369,7 @@
                 <a:sym typeface="Lato"/>
               </a:defRPr>
             </a:lvl6pPr>
-            <a:lvl7pPr lvl="6" rtl="0" algn="ctr">
+            <a:lvl7pPr lvl="6" algn="ctr" rtl="0">
               <a:spcBef>
                 <a:spcPts val="0"/>
               </a:spcBef>
@@ -3279,7 +3392,7 @@
                 <a:sym typeface="Lato"/>
               </a:defRPr>
             </a:lvl7pPr>
-            <a:lvl8pPr lvl="7" rtl="0" algn="ctr">
+            <a:lvl8pPr lvl="7" algn="ctr" rtl="0">
               <a:spcBef>
                 <a:spcPts val="0"/>
               </a:spcBef>
@@ -3302,7 +3415,7 @@
                 <a:sym typeface="Lato"/>
               </a:defRPr>
             </a:lvl8pPr>
-            <a:lvl9pPr lvl="8" rtl="0" algn="ctr">
+            <a:lvl9pPr lvl="8" algn="ctr" rtl="0">
               <a:spcBef>
                 <a:spcPts val="0"/>
               </a:spcBef>
@@ -3336,9 +3449,11 @@
       <p:sp>
         <p:nvSpPr>
           <p:cNvPr id="64" name="Google Shape;64;p11"/>
-          <p:cNvSpPr txBox="1"/>
+          <p:cNvSpPr txBox="1">
+            <a:spLocks noGrp="1"/>
+          </p:cNvSpPr>
           <p:nvPr>
-            <p:ph idx="1" type="body"/>
+            <p:ph type="body" idx="1"/>
           </p:nvPr>
         </p:nvSpPr>
         <p:spPr>
@@ -3351,11 +3466,11 @@
           </a:prstGeom>
         </p:spPr>
         <p:txBody>
-          <a:bodyPr anchorCtr="0" anchor="t" bIns="91425" lIns="91425" spcFirstLastPara="1" rIns="91425" wrap="square" tIns="91425">
+          <a:bodyPr spcFirstLastPara="1" wrap="square" lIns="91425" tIns="91425" rIns="91425" bIns="91425" anchor="t" anchorCtr="0">
             <a:noAutofit/>
           </a:bodyPr>
           <a:lstStyle>
-            <a:lvl1pPr indent="-342900" lvl="0" marL="457200" rtl="0" algn="ctr">
+            <a:lvl1pPr marL="457200" lvl="0" indent="-342900" algn="ctr" rtl="0">
               <a:spcBef>
                 <a:spcPts val="0"/>
               </a:spcBef>
@@ -3366,7 +3481,7 @@
               <a:buChar char="●"/>
               <a:defRPr/>
             </a:lvl1pPr>
-            <a:lvl2pPr indent="-317500" lvl="1" marL="914400" rtl="0" algn="ctr">
+            <a:lvl2pPr marL="914400" lvl="1" indent="-317500" algn="ctr" rtl="0">
               <a:spcBef>
                 <a:spcPts val="1600"/>
               </a:spcBef>
@@ -3377,7 +3492,7 @@
               <a:buChar char="○"/>
               <a:defRPr/>
             </a:lvl2pPr>
-            <a:lvl3pPr indent="-317500" lvl="2" marL="1371600" rtl="0" algn="ctr">
+            <a:lvl3pPr marL="1371600" lvl="2" indent="-317500" algn="ctr" rtl="0">
               <a:spcBef>
                 <a:spcPts val="1600"/>
               </a:spcBef>
@@ -3388,7 +3503,7 @@
               <a:buChar char="■"/>
               <a:defRPr/>
             </a:lvl3pPr>
-            <a:lvl4pPr indent="-317500" lvl="3" marL="1828800" rtl="0" algn="ctr">
+            <a:lvl4pPr marL="1828800" lvl="3" indent="-317500" algn="ctr" rtl="0">
               <a:spcBef>
                 <a:spcPts val="1600"/>
               </a:spcBef>
@@ -3399,7 +3514,7 @@
               <a:buChar char="●"/>
               <a:defRPr/>
             </a:lvl4pPr>
-            <a:lvl5pPr indent="-317500" lvl="4" marL="2286000" rtl="0" algn="ctr">
+            <a:lvl5pPr marL="2286000" lvl="4" indent="-317500" algn="ctr" rtl="0">
               <a:spcBef>
                 <a:spcPts val="1600"/>
               </a:spcBef>
@@ -3410,7 +3525,7 @@
               <a:buChar char="○"/>
               <a:defRPr/>
             </a:lvl5pPr>
-            <a:lvl6pPr indent="-317500" lvl="5" marL="2743200" rtl="0" algn="ctr">
+            <a:lvl6pPr marL="2743200" lvl="5" indent="-317500" algn="ctr" rtl="0">
               <a:spcBef>
                 <a:spcPts val="1600"/>
               </a:spcBef>
@@ -3421,7 +3536,7 @@
               <a:buChar char="■"/>
               <a:defRPr/>
             </a:lvl6pPr>
-            <a:lvl7pPr indent="-317500" lvl="6" marL="3200400" rtl="0" algn="ctr">
+            <a:lvl7pPr marL="3200400" lvl="6" indent="-317500" algn="ctr" rtl="0">
               <a:spcBef>
                 <a:spcPts val="1600"/>
               </a:spcBef>
@@ -3432,7 +3547,7 @@
               <a:buChar char="●"/>
               <a:defRPr/>
             </a:lvl7pPr>
-            <a:lvl8pPr indent="-317500" lvl="7" marL="3657600" rtl="0" algn="ctr">
+            <a:lvl8pPr marL="3657600" lvl="7" indent="-317500" algn="ctr" rtl="0">
               <a:spcBef>
                 <a:spcPts val="1600"/>
               </a:spcBef>
@@ -3443,7 +3558,7 @@
               <a:buChar char="○"/>
               <a:defRPr/>
             </a:lvl8pPr>
-            <a:lvl9pPr indent="-317500" lvl="8" marL="4114800" rtl="0" algn="ctr">
+            <a:lvl9pPr marL="4114800" lvl="8" indent="-317500" algn="ctr" rtl="0">
               <a:spcBef>
                 <a:spcPts val="1600"/>
               </a:spcBef>
@@ -3455,15 +3570,19 @@
               <a:defRPr/>
             </a:lvl9pPr>
           </a:lstStyle>
-          <a:p/>
+          <a:p>
+            <a:endParaRPr/>
+          </a:p>
         </p:txBody>
       </p:sp>
       <p:sp>
         <p:nvSpPr>
           <p:cNvPr id="65" name="Google Shape;65;p11"/>
-          <p:cNvSpPr txBox="1"/>
+          <p:cNvSpPr txBox="1">
+            <a:spLocks noGrp="1"/>
+          </p:cNvSpPr>
           <p:nvPr>
-            <p:ph idx="12" type="sldNum"/>
+            <p:ph type="sldNum" idx="12"/>
           </p:nvPr>
         </p:nvSpPr>
         <p:spPr>
@@ -3476,7 +3595,7 @@
           </a:prstGeom>
         </p:spPr>
         <p:txBody>
-          <a:bodyPr anchorCtr="0" anchor="ctr" bIns="91425" lIns="91425" spcFirstLastPara="1" rIns="91425" wrap="square" tIns="91425">
+          <a:bodyPr spcFirstLastPara="1" wrap="square" lIns="91425" tIns="91425" rIns="91425" bIns="91425" anchor="ctr" anchorCtr="0">
             <a:noAutofit/>
           </a:bodyPr>
           <a:lstStyle>
@@ -3518,7 +3637,7 @@
             </a:lvl9pPr>
           </a:lstStyle>
           <a:p>
-            <a:pPr indent="0" lvl="0" marL="0" rtl="0" algn="r">
+            <a:pPr marL="0" lvl="0" indent="0" algn="r" rtl="0">
               <a:spcBef>
                 <a:spcPts val="0"/>
               </a:spcBef>
@@ -3544,11 +3663,11 @@
 </file>
 
 <file path=ppt/slideLayouts/slideLayout11.xml><?xml version="1.0" encoding="utf-8"?>
-<p:sldLayout xmlns:a="http://schemas.openxmlformats.org/drawingml/2006/main" xmlns:r="http://schemas.openxmlformats.org/officeDocument/2006/relationships" xmlns:mc="http://schemas.openxmlformats.org/markup-compatibility/2006" xmlns:mv="urn:schemas-microsoft-com:mac:vml" xmlns:p="http://schemas.openxmlformats.org/presentationml/2006/main" xmlns:c="http://schemas.openxmlformats.org/drawingml/2006/chart" xmlns:dgm="http://schemas.openxmlformats.org/drawingml/2006/diagram" xmlns:o="urn:schemas-microsoft-com:office:office" xmlns:v="urn:schemas-microsoft-com:vml" xmlns:pvml="urn:schemas-microsoft-com:office:powerpoint" xmlns:com="http://schemas.openxmlformats.org/drawingml/2006/compatibility" xmlns:p14="http://schemas.microsoft.com/office/powerpoint/2010/main" xmlns:p15="http://schemas.microsoft.com/office/powerpoint/2012/main" xmlns:ahyp="http://schemas.microsoft.com/office/drawing/2018/hyperlinkcolor" matchingName="Blank" type="blank">
+<p:sldLayout xmlns:a="http://schemas.openxmlformats.org/drawingml/2006/main" xmlns:r="http://schemas.openxmlformats.org/officeDocument/2006/relationships" xmlns:p="http://schemas.openxmlformats.org/presentationml/2006/main" matchingName="Blank" type="blank">
   <p:cSld name="BLANK">
     <p:spTree>
       <p:nvGrpSpPr>
-        <p:cNvPr id="66" name="Shape 66"/>
+        <p:cNvPr id="1" name="Shape 66"/>
         <p:cNvGrpSpPr/>
         <p:nvPr/>
       </p:nvGrpSpPr>
@@ -3563,9 +3682,11 @@
       <p:sp>
         <p:nvSpPr>
           <p:cNvPr id="67" name="Google Shape;67;p12"/>
-          <p:cNvSpPr txBox="1"/>
+          <p:cNvSpPr txBox="1">
+            <a:spLocks noGrp="1"/>
+          </p:cNvSpPr>
           <p:nvPr>
-            <p:ph idx="12" type="sldNum"/>
+            <p:ph type="sldNum" idx="12"/>
           </p:nvPr>
         </p:nvSpPr>
         <p:spPr>
@@ -3578,7 +3699,7 @@
           </a:prstGeom>
         </p:spPr>
         <p:txBody>
-          <a:bodyPr anchorCtr="0" anchor="ctr" bIns="91425" lIns="91425" spcFirstLastPara="1" rIns="91425" wrap="square" tIns="91425">
+          <a:bodyPr spcFirstLastPara="1" wrap="square" lIns="91425" tIns="91425" rIns="91425" bIns="91425" anchor="ctr" anchorCtr="0">
             <a:noAutofit/>
           </a:bodyPr>
           <a:lstStyle>
@@ -3620,7 +3741,7 @@
             </a:lvl9pPr>
           </a:lstStyle>
           <a:p>
-            <a:pPr indent="0" lvl="0" marL="0" rtl="0" algn="r">
+            <a:pPr marL="0" lvl="0" indent="0" algn="r" rtl="0">
               <a:spcBef>
                 <a:spcPts val="0"/>
               </a:spcBef>
@@ -3646,18 +3767,19 @@
 </file>
 
 <file path=ppt/slideLayouts/slideLayout2.xml><?xml version="1.0" encoding="utf-8"?>
-<p:sldLayout xmlns:a="http://schemas.openxmlformats.org/drawingml/2006/main" xmlns:r="http://schemas.openxmlformats.org/officeDocument/2006/relationships" xmlns:mc="http://schemas.openxmlformats.org/markup-compatibility/2006" xmlns:mv="urn:schemas-microsoft-com:mac:vml" xmlns:p="http://schemas.openxmlformats.org/presentationml/2006/main" xmlns:c="http://schemas.openxmlformats.org/drawingml/2006/chart" xmlns:dgm="http://schemas.openxmlformats.org/drawingml/2006/diagram" xmlns:o="urn:schemas-microsoft-com:office:office" xmlns:v="urn:schemas-microsoft-com:vml" xmlns:pvml="urn:schemas-microsoft-com:office:powerpoint" xmlns:com="http://schemas.openxmlformats.org/drawingml/2006/compatibility" xmlns:p14="http://schemas.microsoft.com/office/powerpoint/2010/main" xmlns:p15="http://schemas.microsoft.com/office/powerpoint/2012/main" xmlns:ahyp="http://schemas.microsoft.com/office/drawing/2018/hyperlinkcolor" matchingName="Section header" type="secHead">
+<p:sldLayout xmlns:a="http://schemas.openxmlformats.org/drawingml/2006/main" xmlns:r="http://schemas.openxmlformats.org/officeDocument/2006/relationships" xmlns:p="http://schemas.openxmlformats.org/presentationml/2006/main" matchingName="Section header" type="secHead">
   <p:cSld name="SECTION_HEADER">
     <p:bg>
       <p:bgPr>
         <a:solidFill>
           <a:schemeClr val="dk1"/>
         </a:solidFill>
+        <a:effectLst/>
       </p:bgPr>
     </p:bg>
     <p:spTree>
       <p:nvGrpSpPr>
-        <p:cNvPr id="16" name="Shape 16"/>
+        <p:cNvPr id="1" name="Shape 16"/>
         <p:cNvGrpSpPr/>
         <p:nvPr/>
       </p:nvGrpSpPr>
@@ -3684,14 +3806,14 @@
             <a:avLst/>
           </a:prstGeom>
           <a:noFill/>
-          <a:ln cap="flat" cmpd="sng" w="38100">
+          <a:ln w="38100" cap="flat" cmpd="sng">
             <a:solidFill>
               <a:schemeClr val="lt1"/>
             </a:solidFill>
             <a:prstDash val="solid"/>
             <a:round/>
-            <a:headEnd len="sm" w="sm" type="none"/>
-            <a:tailEnd len="sm" w="sm" type="none"/>
+            <a:headEnd type="none" w="sm" len="sm"/>
+            <a:tailEnd type="none" w="sm" len="sm"/>
           </a:ln>
         </p:spPr>
       </p:cxnSp>
@@ -3710,21 +3832,23 @@
             <a:avLst/>
           </a:prstGeom>
           <a:noFill/>
-          <a:ln cap="flat" cmpd="sng" w="19050">
+          <a:ln w="19050" cap="flat" cmpd="sng">
             <a:solidFill>
               <a:schemeClr val="lt1"/>
             </a:solidFill>
             <a:prstDash val="solid"/>
             <a:round/>
-            <a:headEnd len="sm" w="sm" type="none"/>
-            <a:tailEnd len="sm" w="sm" type="none"/>
+            <a:headEnd type="none" w="sm" len="sm"/>
+            <a:tailEnd type="none" w="sm" len="sm"/>
           </a:ln>
         </p:spPr>
       </p:cxnSp>
       <p:sp>
         <p:nvSpPr>
           <p:cNvPr id="19" name="Google Shape;19;p3"/>
-          <p:cNvSpPr txBox="1"/>
+          <p:cNvSpPr txBox="1">
+            <a:spLocks noGrp="1"/>
+          </p:cNvSpPr>
           <p:nvPr>
             <p:ph type="title"/>
           </p:nvPr>
@@ -3739,11 +3863,11 @@
           </a:prstGeom>
         </p:spPr>
         <p:txBody>
-          <a:bodyPr anchorCtr="0" anchor="ctr" bIns="91425" lIns="91425" spcFirstLastPara="1" rIns="91425" wrap="square" tIns="91425">
+          <a:bodyPr spcFirstLastPara="1" wrap="square" lIns="91425" tIns="91425" rIns="91425" bIns="91425" anchor="ctr" anchorCtr="0">
             <a:noAutofit/>
           </a:bodyPr>
           <a:lstStyle>
-            <a:lvl1pPr lvl="0" rtl="0" algn="ctr">
+            <a:lvl1pPr lvl="0" algn="ctr" rtl="0">
               <a:spcBef>
                 <a:spcPts val="0"/>
               </a:spcBef>
@@ -3761,7 +3885,7 @@
                 </a:solidFill>
               </a:defRPr>
             </a:lvl1pPr>
-            <a:lvl2pPr lvl="1" rtl="0" algn="ctr">
+            <a:lvl2pPr lvl="1" algn="ctr" rtl="0">
               <a:spcBef>
                 <a:spcPts val="0"/>
               </a:spcBef>
@@ -3779,7 +3903,7 @@
                 </a:solidFill>
               </a:defRPr>
             </a:lvl2pPr>
-            <a:lvl3pPr lvl="2" rtl="0" algn="ctr">
+            <a:lvl3pPr lvl="2" algn="ctr" rtl="0">
               <a:spcBef>
                 <a:spcPts val="0"/>
               </a:spcBef>
@@ -3797,7 +3921,7 @@
                 </a:solidFill>
               </a:defRPr>
             </a:lvl3pPr>
-            <a:lvl4pPr lvl="3" rtl="0" algn="ctr">
+            <a:lvl4pPr lvl="3" algn="ctr" rtl="0">
               <a:spcBef>
                 <a:spcPts val="0"/>
               </a:spcBef>
@@ -3815,7 +3939,7 @@
                 </a:solidFill>
               </a:defRPr>
             </a:lvl4pPr>
-            <a:lvl5pPr lvl="4" rtl="0" algn="ctr">
+            <a:lvl5pPr lvl="4" algn="ctr" rtl="0">
               <a:spcBef>
                 <a:spcPts val="0"/>
               </a:spcBef>
@@ -3833,7 +3957,7 @@
                 </a:solidFill>
               </a:defRPr>
             </a:lvl5pPr>
-            <a:lvl6pPr lvl="5" rtl="0" algn="ctr">
+            <a:lvl6pPr lvl="5" algn="ctr" rtl="0">
               <a:spcBef>
                 <a:spcPts val="0"/>
               </a:spcBef>
@@ -3851,7 +3975,7 @@
                 </a:solidFill>
               </a:defRPr>
             </a:lvl6pPr>
-            <a:lvl7pPr lvl="6" rtl="0" algn="ctr">
+            <a:lvl7pPr lvl="6" algn="ctr" rtl="0">
               <a:spcBef>
                 <a:spcPts val="0"/>
               </a:spcBef>
@@ -3869,7 +3993,7 @@
                 </a:solidFill>
               </a:defRPr>
             </a:lvl7pPr>
-            <a:lvl8pPr lvl="7" rtl="0" algn="ctr">
+            <a:lvl8pPr lvl="7" algn="ctr" rtl="0">
               <a:spcBef>
                 <a:spcPts val="0"/>
               </a:spcBef>
@@ -3887,7 +4011,7 @@
                 </a:solidFill>
               </a:defRPr>
             </a:lvl8pPr>
-            <a:lvl9pPr lvl="8" rtl="0" algn="ctr">
+            <a:lvl9pPr lvl="8" algn="ctr" rtl="0">
               <a:spcBef>
                 <a:spcPts val="0"/>
               </a:spcBef>
@@ -3906,15 +4030,19 @@
               </a:defRPr>
             </a:lvl9pPr>
           </a:lstStyle>
-          <a:p/>
+          <a:p>
+            <a:endParaRPr/>
+          </a:p>
         </p:txBody>
       </p:sp>
       <p:sp>
         <p:nvSpPr>
           <p:cNvPr id="20" name="Google Shape;20;p3"/>
-          <p:cNvSpPr txBox="1"/>
+          <p:cNvSpPr txBox="1">
+            <a:spLocks noGrp="1"/>
+          </p:cNvSpPr>
           <p:nvPr>
-            <p:ph idx="12" type="sldNum"/>
+            <p:ph type="sldNum" idx="12"/>
           </p:nvPr>
         </p:nvSpPr>
         <p:spPr>
@@ -3927,7 +4055,7 @@
           </a:prstGeom>
         </p:spPr>
         <p:txBody>
-          <a:bodyPr anchorCtr="0" anchor="ctr" bIns="91425" lIns="91425" spcFirstLastPara="1" rIns="91425" wrap="square" tIns="91425">
+          <a:bodyPr spcFirstLastPara="1" wrap="square" lIns="91425" tIns="91425" rIns="91425" bIns="91425" anchor="ctr" anchorCtr="0">
             <a:noAutofit/>
           </a:bodyPr>
           <a:lstStyle>
@@ -4005,7 +4133,7 @@
             </a:lvl9pPr>
           </a:lstStyle>
           <a:p>
-            <a:pPr indent="0" lvl="0" marL="0" rtl="0" algn="r">
+            <a:pPr marL="0" lvl="0" indent="0" algn="r" rtl="0">
               <a:spcBef>
                 <a:spcPts val="0"/>
               </a:spcBef>
@@ -4031,11 +4159,11 @@
 </file>
 
 <file path=ppt/slideLayouts/slideLayout3.xml><?xml version="1.0" encoding="utf-8"?>
-<p:sldLayout xmlns:a="http://schemas.openxmlformats.org/drawingml/2006/main" xmlns:r="http://schemas.openxmlformats.org/officeDocument/2006/relationships" xmlns:mc="http://schemas.openxmlformats.org/markup-compatibility/2006" xmlns:mv="urn:schemas-microsoft-com:mac:vml" xmlns:p="http://schemas.openxmlformats.org/presentationml/2006/main" xmlns:c="http://schemas.openxmlformats.org/drawingml/2006/chart" xmlns:dgm="http://schemas.openxmlformats.org/drawingml/2006/diagram" xmlns:o="urn:schemas-microsoft-com:office:office" xmlns:v="urn:schemas-microsoft-com:vml" xmlns:pvml="urn:schemas-microsoft-com:office:powerpoint" xmlns:com="http://schemas.openxmlformats.org/drawingml/2006/compatibility" xmlns:p14="http://schemas.microsoft.com/office/powerpoint/2010/main" xmlns:p15="http://schemas.microsoft.com/office/powerpoint/2012/main" xmlns:ahyp="http://schemas.microsoft.com/office/drawing/2018/hyperlinkcolor" matchingName="Title and body" type="tx">
+<p:sldLayout xmlns:a="http://schemas.openxmlformats.org/drawingml/2006/main" xmlns:r="http://schemas.openxmlformats.org/officeDocument/2006/relationships" xmlns:p="http://schemas.openxmlformats.org/presentationml/2006/main" matchingName="Title and body" type="tx">
   <p:cSld name="TITLE_AND_BODY">
     <p:spTree>
       <p:nvGrpSpPr>
-        <p:cNvPr id="21" name="Shape 21"/>
+        <p:cNvPr id="1" name="Shape 21"/>
         <p:cNvGrpSpPr/>
         <p:nvPr/>
       </p:nvGrpSpPr>
@@ -4062,14 +4190,14 @@
             <a:avLst/>
           </a:prstGeom>
           <a:noFill/>
-          <a:ln cap="flat" cmpd="sng" w="38100">
+          <a:ln w="38100" cap="flat" cmpd="sng">
             <a:solidFill>
               <a:schemeClr val="dk2"/>
             </a:solidFill>
             <a:prstDash val="solid"/>
             <a:round/>
-            <a:headEnd len="sm" w="sm" type="none"/>
-            <a:tailEnd len="sm" w="sm" type="none"/>
+            <a:headEnd type="none" w="sm" len="sm"/>
+            <a:tailEnd type="none" w="sm" len="sm"/>
           </a:ln>
         </p:spPr>
       </p:cxnSp>
@@ -4088,14 +4216,14 @@
             <a:avLst/>
           </a:prstGeom>
           <a:noFill/>
-          <a:ln cap="flat" cmpd="sng" w="19050">
+          <a:ln w="19050" cap="flat" cmpd="sng">
             <a:solidFill>
               <a:schemeClr val="dk2"/>
             </a:solidFill>
             <a:prstDash val="solid"/>
             <a:round/>
-            <a:headEnd len="sm" w="sm" type="none"/>
-            <a:tailEnd len="sm" w="sm" type="none"/>
+            <a:headEnd type="none" w="sm" len="sm"/>
+            <a:tailEnd type="none" w="sm" len="sm"/>
           </a:ln>
         </p:spPr>
       </p:cxnSp>
@@ -4114,21 +4242,23 @@
             <a:avLst/>
           </a:prstGeom>
           <a:noFill/>
-          <a:ln cap="flat" cmpd="sng" w="19050">
+          <a:ln w="19050" cap="flat" cmpd="sng">
             <a:solidFill>
               <a:schemeClr val="dk2"/>
             </a:solidFill>
             <a:prstDash val="solid"/>
             <a:round/>
-            <a:headEnd len="sm" w="sm" type="none"/>
-            <a:tailEnd len="sm" w="sm" type="none"/>
+            <a:headEnd type="none" w="sm" len="sm"/>
+            <a:tailEnd type="none" w="sm" len="sm"/>
           </a:ln>
         </p:spPr>
       </p:cxnSp>
       <p:sp>
         <p:nvSpPr>
           <p:cNvPr id="25" name="Google Shape;25;p4"/>
-          <p:cNvSpPr txBox="1"/>
+          <p:cNvSpPr txBox="1">
+            <a:spLocks noGrp="1"/>
+          </p:cNvSpPr>
           <p:nvPr>
             <p:ph type="title"/>
           </p:nvPr>
@@ -4143,7 +4273,7 @@
           </a:prstGeom>
         </p:spPr>
         <p:txBody>
-          <a:bodyPr anchorCtr="0" anchor="t" bIns="91425" lIns="91425" spcFirstLastPara="1" rIns="91425" wrap="square" tIns="91425">
+          <a:bodyPr spcFirstLastPara="1" wrap="square" lIns="91425" tIns="91425" rIns="91425" bIns="91425" anchor="t" anchorCtr="0">
             <a:noAutofit/>
           </a:bodyPr>
           <a:lstStyle>
@@ -4247,15 +4377,19 @@
               <a:defRPr/>
             </a:lvl9pPr>
           </a:lstStyle>
-          <a:p/>
+          <a:p>
+            <a:endParaRPr/>
+          </a:p>
         </p:txBody>
       </p:sp>
       <p:sp>
         <p:nvSpPr>
           <p:cNvPr id="26" name="Google Shape;26;p4"/>
-          <p:cNvSpPr txBox="1"/>
+          <p:cNvSpPr txBox="1">
+            <a:spLocks noGrp="1"/>
+          </p:cNvSpPr>
           <p:nvPr>
-            <p:ph idx="1" type="body"/>
+            <p:ph type="body" idx="1"/>
           </p:nvPr>
         </p:nvSpPr>
         <p:spPr>
@@ -4268,11 +4402,11 @@
           </a:prstGeom>
         </p:spPr>
         <p:txBody>
-          <a:bodyPr anchorCtr="0" anchor="t" bIns="91425" lIns="91425" spcFirstLastPara="1" rIns="91425" wrap="square" tIns="91425">
+          <a:bodyPr spcFirstLastPara="1" wrap="square" lIns="91425" tIns="91425" rIns="91425" bIns="91425" anchor="t" anchorCtr="0">
             <a:noAutofit/>
           </a:bodyPr>
           <a:lstStyle>
-            <a:lvl1pPr indent="-342900" lvl="0" marL="457200" rtl="0">
+            <a:lvl1pPr marL="457200" lvl="0" indent="-342900" rtl="0">
               <a:spcBef>
                 <a:spcPts val="0"/>
               </a:spcBef>
@@ -4283,7 +4417,7 @@
               <a:buChar char="●"/>
               <a:defRPr/>
             </a:lvl1pPr>
-            <a:lvl2pPr indent="-317500" lvl="1" marL="914400" rtl="0">
+            <a:lvl2pPr marL="914400" lvl="1" indent="-317500" rtl="0">
               <a:spcBef>
                 <a:spcPts val="1600"/>
               </a:spcBef>
@@ -4294,7 +4428,7 @@
               <a:buChar char="○"/>
               <a:defRPr/>
             </a:lvl2pPr>
-            <a:lvl3pPr indent="-317500" lvl="2" marL="1371600" rtl="0">
+            <a:lvl3pPr marL="1371600" lvl="2" indent="-317500" rtl="0">
               <a:spcBef>
                 <a:spcPts val="1600"/>
               </a:spcBef>
@@ -4305,7 +4439,7 @@
               <a:buChar char="■"/>
               <a:defRPr/>
             </a:lvl3pPr>
-            <a:lvl4pPr indent="-317500" lvl="3" marL="1828800" rtl="0">
+            <a:lvl4pPr marL="1828800" lvl="3" indent="-317500" rtl="0">
               <a:spcBef>
                 <a:spcPts val="1600"/>
               </a:spcBef>
@@ -4316,7 +4450,7 @@
               <a:buChar char="●"/>
               <a:defRPr/>
             </a:lvl4pPr>
-            <a:lvl5pPr indent="-317500" lvl="4" marL="2286000" rtl="0">
+            <a:lvl5pPr marL="2286000" lvl="4" indent="-317500" rtl="0">
               <a:spcBef>
                 <a:spcPts val="1600"/>
               </a:spcBef>
@@ -4327,7 +4461,7 @@
               <a:buChar char="○"/>
               <a:defRPr/>
             </a:lvl5pPr>
-            <a:lvl6pPr indent="-317500" lvl="5" marL="2743200" rtl="0">
+            <a:lvl6pPr marL="2743200" lvl="5" indent="-317500" rtl="0">
               <a:spcBef>
                 <a:spcPts val="1600"/>
               </a:spcBef>
@@ -4338,7 +4472,7 @@
               <a:buChar char="■"/>
               <a:defRPr/>
             </a:lvl6pPr>
-            <a:lvl7pPr indent="-317500" lvl="6" marL="3200400" rtl="0">
+            <a:lvl7pPr marL="3200400" lvl="6" indent="-317500" rtl="0">
               <a:spcBef>
                 <a:spcPts val="1600"/>
               </a:spcBef>
@@ -4349,7 +4483,7 @@
               <a:buChar char="●"/>
               <a:defRPr/>
             </a:lvl7pPr>
-            <a:lvl8pPr indent="-317500" lvl="7" marL="3657600" rtl="0">
+            <a:lvl8pPr marL="3657600" lvl="7" indent="-317500" rtl="0">
               <a:spcBef>
                 <a:spcPts val="1600"/>
               </a:spcBef>
@@ -4360,7 +4494,7 @@
               <a:buChar char="○"/>
               <a:defRPr/>
             </a:lvl8pPr>
-            <a:lvl9pPr indent="-317500" lvl="8" marL="4114800" rtl="0">
+            <a:lvl9pPr marL="4114800" lvl="8" indent="-317500" rtl="0">
               <a:spcBef>
                 <a:spcPts val="1600"/>
               </a:spcBef>
@@ -4372,15 +4506,19 @@
               <a:defRPr/>
             </a:lvl9pPr>
           </a:lstStyle>
-          <a:p/>
+          <a:p>
+            <a:endParaRPr/>
+          </a:p>
         </p:txBody>
       </p:sp>
       <p:sp>
         <p:nvSpPr>
           <p:cNvPr id="27" name="Google Shape;27;p4"/>
-          <p:cNvSpPr txBox="1"/>
+          <p:cNvSpPr txBox="1">
+            <a:spLocks noGrp="1"/>
+          </p:cNvSpPr>
           <p:nvPr>
-            <p:ph idx="12" type="sldNum"/>
+            <p:ph type="sldNum" idx="12"/>
           </p:nvPr>
         </p:nvSpPr>
         <p:spPr>
@@ -4393,7 +4531,7 @@
           </a:prstGeom>
         </p:spPr>
         <p:txBody>
-          <a:bodyPr anchorCtr="0" anchor="ctr" bIns="91425" lIns="91425" spcFirstLastPara="1" rIns="91425" wrap="square" tIns="91425">
+          <a:bodyPr spcFirstLastPara="1" wrap="square" lIns="91425" tIns="91425" rIns="91425" bIns="91425" anchor="ctr" anchorCtr="0">
             <a:noAutofit/>
           </a:bodyPr>
           <a:lstStyle>
@@ -4435,7 +4573,7 @@
             </a:lvl9pPr>
           </a:lstStyle>
           <a:p>
-            <a:pPr indent="0" lvl="0" marL="0" rtl="0" algn="r">
+            <a:pPr marL="0" lvl="0" indent="0" algn="r" rtl="0">
               <a:spcBef>
                 <a:spcPts val="0"/>
               </a:spcBef>
@@ -4461,11 +4599,11 @@
 </file>
 
 <file path=ppt/slideLayouts/slideLayout4.xml><?xml version="1.0" encoding="utf-8"?>
-<p:sldLayout xmlns:a="http://schemas.openxmlformats.org/drawingml/2006/main" xmlns:r="http://schemas.openxmlformats.org/officeDocument/2006/relationships" xmlns:mc="http://schemas.openxmlformats.org/markup-compatibility/2006" xmlns:mv="urn:schemas-microsoft-com:mac:vml" xmlns:p="http://schemas.openxmlformats.org/presentationml/2006/main" xmlns:c="http://schemas.openxmlformats.org/drawingml/2006/chart" xmlns:dgm="http://schemas.openxmlformats.org/drawingml/2006/diagram" xmlns:o="urn:schemas-microsoft-com:office:office" xmlns:v="urn:schemas-microsoft-com:vml" xmlns:pvml="urn:schemas-microsoft-com:office:powerpoint" xmlns:com="http://schemas.openxmlformats.org/drawingml/2006/compatibility" xmlns:p14="http://schemas.microsoft.com/office/powerpoint/2010/main" xmlns:p15="http://schemas.microsoft.com/office/powerpoint/2012/main" xmlns:ahyp="http://schemas.microsoft.com/office/drawing/2018/hyperlinkcolor" matchingName="Title and two columns" type="twoColTx">
+<p:sldLayout xmlns:a="http://schemas.openxmlformats.org/drawingml/2006/main" xmlns:r="http://schemas.openxmlformats.org/officeDocument/2006/relationships" xmlns:p="http://schemas.openxmlformats.org/presentationml/2006/main" matchingName="Title and two columns" type="twoColTx">
   <p:cSld name="TITLE_AND_TWO_COLUMNS">
     <p:spTree>
       <p:nvGrpSpPr>
-        <p:cNvPr id="28" name="Shape 28"/>
+        <p:cNvPr id="1" name="Shape 28"/>
         <p:cNvGrpSpPr/>
         <p:nvPr/>
       </p:nvGrpSpPr>
@@ -4492,14 +4630,14 @@
             <a:avLst/>
           </a:prstGeom>
           <a:noFill/>
-          <a:ln cap="flat" cmpd="sng" w="38100">
+          <a:ln w="38100" cap="flat" cmpd="sng">
             <a:solidFill>
               <a:schemeClr val="dk2"/>
             </a:solidFill>
             <a:prstDash val="solid"/>
             <a:round/>
-            <a:headEnd len="sm" w="sm" type="none"/>
-            <a:tailEnd len="sm" w="sm" type="none"/>
+            <a:headEnd type="none" w="sm" len="sm"/>
+            <a:tailEnd type="none" w="sm" len="sm"/>
           </a:ln>
         </p:spPr>
       </p:cxnSp>
@@ -4518,14 +4656,14 @@
             <a:avLst/>
           </a:prstGeom>
           <a:noFill/>
-          <a:ln cap="flat" cmpd="sng" w="19050">
+          <a:ln w="19050" cap="flat" cmpd="sng">
             <a:solidFill>
               <a:schemeClr val="dk2"/>
             </a:solidFill>
             <a:prstDash val="solid"/>
             <a:round/>
-            <a:headEnd len="sm" w="sm" type="none"/>
-            <a:tailEnd len="sm" w="sm" type="none"/>
+            <a:headEnd type="none" w="sm" len="sm"/>
+            <a:tailEnd type="none" w="sm" len="sm"/>
           </a:ln>
         </p:spPr>
       </p:cxnSp>
@@ -4544,21 +4682,23 @@
             <a:avLst/>
           </a:prstGeom>
           <a:noFill/>
-          <a:ln cap="flat" cmpd="sng" w="19050">
+          <a:ln w="19050" cap="flat" cmpd="sng">
             <a:solidFill>
               <a:schemeClr val="dk2"/>
             </a:solidFill>
             <a:prstDash val="solid"/>
             <a:round/>
-            <a:headEnd len="sm" w="sm" type="none"/>
-            <a:tailEnd len="sm" w="sm" type="none"/>
+            <a:headEnd type="none" w="sm" len="sm"/>
+            <a:tailEnd type="none" w="sm" len="sm"/>
           </a:ln>
         </p:spPr>
       </p:cxnSp>
       <p:sp>
         <p:nvSpPr>
           <p:cNvPr id="32" name="Google Shape;32;p5"/>
-          <p:cNvSpPr txBox="1"/>
+          <p:cNvSpPr txBox="1">
+            <a:spLocks noGrp="1"/>
+          </p:cNvSpPr>
           <p:nvPr>
             <p:ph type="title"/>
           </p:nvPr>
@@ -4573,7 +4713,7 @@
           </a:prstGeom>
         </p:spPr>
         <p:txBody>
-          <a:bodyPr anchorCtr="0" anchor="t" bIns="91425" lIns="91425" spcFirstLastPara="1" rIns="91425" wrap="square" tIns="91425">
+          <a:bodyPr spcFirstLastPara="1" wrap="square" lIns="91425" tIns="91425" rIns="91425" bIns="91425" anchor="t" anchorCtr="0">
             <a:noAutofit/>
           </a:bodyPr>
           <a:lstStyle>
@@ -4677,15 +4817,19 @@
               <a:defRPr/>
             </a:lvl9pPr>
           </a:lstStyle>
-          <a:p/>
+          <a:p>
+            <a:endParaRPr/>
+          </a:p>
         </p:txBody>
       </p:sp>
       <p:sp>
         <p:nvSpPr>
           <p:cNvPr id="33" name="Google Shape;33;p5"/>
-          <p:cNvSpPr txBox="1"/>
+          <p:cNvSpPr txBox="1">
+            <a:spLocks noGrp="1"/>
+          </p:cNvSpPr>
           <p:nvPr>
-            <p:ph idx="1" type="body"/>
+            <p:ph type="body" idx="1"/>
           </p:nvPr>
         </p:nvSpPr>
         <p:spPr>
@@ -4698,11 +4842,11 @@
           </a:prstGeom>
         </p:spPr>
         <p:txBody>
-          <a:bodyPr anchorCtr="0" anchor="t" bIns="91425" lIns="91425" spcFirstLastPara="1" rIns="91425" wrap="square" tIns="91425">
+          <a:bodyPr spcFirstLastPara="1" wrap="square" lIns="91425" tIns="91425" rIns="91425" bIns="91425" anchor="t" anchorCtr="0">
             <a:noAutofit/>
           </a:bodyPr>
           <a:lstStyle>
-            <a:lvl1pPr indent="-317500" lvl="0" marL="457200" rtl="0">
+            <a:lvl1pPr marL="457200" lvl="0" indent="-317500" rtl="0">
               <a:spcBef>
                 <a:spcPts val="0"/>
               </a:spcBef>
@@ -4713,7 +4857,7 @@
               <a:buChar char="●"/>
               <a:defRPr sz="1400"/>
             </a:lvl1pPr>
-            <a:lvl2pPr indent="-304800" lvl="1" marL="914400" rtl="0">
+            <a:lvl2pPr marL="914400" lvl="1" indent="-304800" rtl="0">
               <a:spcBef>
                 <a:spcPts val="1600"/>
               </a:spcBef>
@@ -4724,7 +4868,7 @@
               <a:buChar char="○"/>
               <a:defRPr sz="1200"/>
             </a:lvl2pPr>
-            <a:lvl3pPr indent="-304800" lvl="2" marL="1371600" rtl="0">
+            <a:lvl3pPr marL="1371600" lvl="2" indent="-304800" rtl="0">
               <a:spcBef>
                 <a:spcPts val="1600"/>
               </a:spcBef>
@@ -4735,7 +4879,7 @@
               <a:buChar char="■"/>
               <a:defRPr sz="1200"/>
             </a:lvl3pPr>
-            <a:lvl4pPr indent="-304800" lvl="3" marL="1828800" rtl="0">
+            <a:lvl4pPr marL="1828800" lvl="3" indent="-304800" rtl="0">
               <a:spcBef>
                 <a:spcPts val="1600"/>
               </a:spcBef>
@@ -4746,7 +4890,7 @@
               <a:buChar char="●"/>
               <a:defRPr sz="1200"/>
             </a:lvl4pPr>
-            <a:lvl5pPr indent="-304800" lvl="4" marL="2286000" rtl="0">
+            <a:lvl5pPr marL="2286000" lvl="4" indent="-304800" rtl="0">
               <a:spcBef>
                 <a:spcPts val="1600"/>
               </a:spcBef>
@@ -4757,7 +4901,7 @@
               <a:buChar char="○"/>
               <a:defRPr sz="1200"/>
             </a:lvl5pPr>
-            <a:lvl6pPr indent="-304800" lvl="5" marL="2743200" rtl="0">
+            <a:lvl6pPr marL="2743200" lvl="5" indent="-304800" rtl="0">
               <a:spcBef>
                 <a:spcPts val="1600"/>
               </a:spcBef>
@@ -4768,7 +4912,7 @@
               <a:buChar char="■"/>
               <a:defRPr sz="1200"/>
             </a:lvl6pPr>
-            <a:lvl7pPr indent="-304800" lvl="6" marL="3200400" rtl="0">
+            <a:lvl7pPr marL="3200400" lvl="6" indent="-304800" rtl="0">
               <a:spcBef>
                 <a:spcPts val="1600"/>
               </a:spcBef>
@@ -4779,7 +4923,7 @@
               <a:buChar char="●"/>
               <a:defRPr sz="1200"/>
             </a:lvl7pPr>
-            <a:lvl8pPr indent="-304800" lvl="7" marL="3657600" rtl="0">
+            <a:lvl8pPr marL="3657600" lvl="7" indent="-304800" rtl="0">
               <a:spcBef>
                 <a:spcPts val="1600"/>
               </a:spcBef>
@@ -4790,7 +4934,7 @@
               <a:buChar char="○"/>
               <a:defRPr sz="1200"/>
             </a:lvl8pPr>
-            <a:lvl9pPr indent="-304800" lvl="8" marL="4114800" rtl="0">
+            <a:lvl9pPr marL="4114800" lvl="8" indent="-304800" rtl="0">
               <a:spcBef>
                 <a:spcPts val="1600"/>
               </a:spcBef>
@@ -4802,15 +4946,19 @@
               <a:defRPr sz="1200"/>
             </a:lvl9pPr>
           </a:lstStyle>
-          <a:p/>
+          <a:p>
+            <a:endParaRPr/>
+          </a:p>
         </p:txBody>
       </p:sp>
       <p:sp>
         <p:nvSpPr>
           <p:cNvPr id="34" name="Google Shape;34;p5"/>
-          <p:cNvSpPr txBox="1"/>
+          <p:cNvSpPr txBox="1">
+            <a:spLocks noGrp="1"/>
+          </p:cNvSpPr>
           <p:nvPr>
-            <p:ph idx="2" type="body"/>
+            <p:ph type="body" idx="2"/>
           </p:nvPr>
         </p:nvSpPr>
         <p:spPr>
@@ -4823,11 +4971,11 @@
           </a:prstGeom>
         </p:spPr>
         <p:txBody>
-          <a:bodyPr anchorCtr="0" anchor="t" bIns="91425" lIns="91425" spcFirstLastPara="1" rIns="91425" wrap="square" tIns="91425">
+          <a:bodyPr spcFirstLastPara="1" wrap="square" lIns="91425" tIns="91425" rIns="91425" bIns="91425" anchor="t" anchorCtr="0">
             <a:noAutofit/>
           </a:bodyPr>
           <a:lstStyle>
-            <a:lvl1pPr indent="-317500" lvl="0" marL="457200" rtl="0">
+            <a:lvl1pPr marL="457200" lvl="0" indent="-317500" rtl="0">
               <a:spcBef>
                 <a:spcPts val="0"/>
               </a:spcBef>
@@ -4838,7 +4986,7 @@
               <a:buChar char="●"/>
               <a:defRPr sz="1400"/>
             </a:lvl1pPr>
-            <a:lvl2pPr indent="-304800" lvl="1" marL="914400" rtl="0">
+            <a:lvl2pPr marL="914400" lvl="1" indent="-304800" rtl="0">
               <a:spcBef>
                 <a:spcPts val="1600"/>
               </a:spcBef>
@@ -4849,7 +4997,7 @@
               <a:buChar char="○"/>
               <a:defRPr sz="1200"/>
             </a:lvl2pPr>
-            <a:lvl3pPr indent="-304800" lvl="2" marL="1371600" rtl="0">
+            <a:lvl3pPr marL="1371600" lvl="2" indent="-304800" rtl="0">
               <a:spcBef>
                 <a:spcPts val="1600"/>
               </a:spcBef>
@@ -4860,7 +5008,7 @@
               <a:buChar char="■"/>
               <a:defRPr sz="1200"/>
             </a:lvl3pPr>
-            <a:lvl4pPr indent="-304800" lvl="3" marL="1828800" rtl="0">
+            <a:lvl4pPr marL="1828800" lvl="3" indent="-304800" rtl="0">
               <a:spcBef>
                 <a:spcPts val="1600"/>
               </a:spcBef>
@@ -4871,7 +5019,7 @@
               <a:buChar char="●"/>
               <a:defRPr sz="1200"/>
             </a:lvl4pPr>
-            <a:lvl5pPr indent="-304800" lvl="4" marL="2286000" rtl="0">
+            <a:lvl5pPr marL="2286000" lvl="4" indent="-304800" rtl="0">
               <a:spcBef>
                 <a:spcPts val="1600"/>
               </a:spcBef>
@@ -4882,7 +5030,7 @@
               <a:buChar char="○"/>
               <a:defRPr sz="1200"/>
             </a:lvl5pPr>
-            <a:lvl6pPr indent="-304800" lvl="5" marL="2743200" rtl="0">
+            <a:lvl6pPr marL="2743200" lvl="5" indent="-304800" rtl="0">
               <a:spcBef>
                 <a:spcPts val="1600"/>
               </a:spcBef>
@@ -4893,7 +5041,7 @@
               <a:buChar char="■"/>
               <a:defRPr sz="1200"/>
             </a:lvl6pPr>
-            <a:lvl7pPr indent="-304800" lvl="6" marL="3200400" rtl="0">
+            <a:lvl7pPr marL="3200400" lvl="6" indent="-304800" rtl="0">
               <a:spcBef>
                 <a:spcPts val="1600"/>
               </a:spcBef>
@@ -4904,7 +5052,7 @@
               <a:buChar char="●"/>
               <a:defRPr sz="1200"/>
             </a:lvl7pPr>
-            <a:lvl8pPr indent="-304800" lvl="7" marL="3657600" rtl="0">
+            <a:lvl8pPr marL="3657600" lvl="7" indent="-304800" rtl="0">
               <a:spcBef>
                 <a:spcPts val="1600"/>
               </a:spcBef>
@@ -4915,7 +5063,7 @@
               <a:buChar char="○"/>
               <a:defRPr sz="1200"/>
             </a:lvl8pPr>
-            <a:lvl9pPr indent="-304800" lvl="8" marL="4114800" rtl="0">
+            <a:lvl9pPr marL="4114800" lvl="8" indent="-304800" rtl="0">
               <a:spcBef>
                 <a:spcPts val="1600"/>
               </a:spcBef>
@@ -4927,15 +5075,19 @@
               <a:defRPr sz="1200"/>
             </a:lvl9pPr>
           </a:lstStyle>
-          <a:p/>
+          <a:p>
+            <a:endParaRPr/>
+          </a:p>
         </p:txBody>
       </p:sp>
       <p:sp>
         <p:nvSpPr>
           <p:cNvPr id="35" name="Google Shape;35;p5"/>
-          <p:cNvSpPr txBox="1"/>
+          <p:cNvSpPr txBox="1">
+            <a:spLocks noGrp="1"/>
+          </p:cNvSpPr>
           <p:nvPr>
-            <p:ph idx="12" type="sldNum"/>
+            <p:ph type="sldNum" idx="12"/>
           </p:nvPr>
         </p:nvSpPr>
         <p:spPr>
@@ -4948,7 +5100,7 @@
           </a:prstGeom>
         </p:spPr>
         <p:txBody>
-          <a:bodyPr anchorCtr="0" anchor="ctr" bIns="91425" lIns="91425" spcFirstLastPara="1" rIns="91425" wrap="square" tIns="91425">
+          <a:bodyPr spcFirstLastPara="1" wrap="square" lIns="91425" tIns="91425" rIns="91425" bIns="91425" anchor="ctr" anchorCtr="0">
             <a:noAutofit/>
           </a:bodyPr>
           <a:lstStyle>
@@ -4990,7 +5142,7 @@
             </a:lvl9pPr>
           </a:lstStyle>
           <a:p>
-            <a:pPr indent="0" lvl="0" marL="0" rtl="0" algn="r">
+            <a:pPr marL="0" lvl="0" indent="0" algn="r" rtl="0">
               <a:spcBef>
                 <a:spcPts val="0"/>
               </a:spcBef>
@@ -5016,11 +5168,11 @@
 </file>
 
 <file path=ppt/slideLayouts/slideLayout5.xml><?xml version="1.0" encoding="utf-8"?>
-<p:sldLayout xmlns:a="http://schemas.openxmlformats.org/drawingml/2006/main" xmlns:r="http://schemas.openxmlformats.org/officeDocument/2006/relationships" xmlns:mc="http://schemas.openxmlformats.org/markup-compatibility/2006" xmlns:mv="urn:schemas-microsoft-com:mac:vml" xmlns:p="http://schemas.openxmlformats.org/presentationml/2006/main" xmlns:c="http://schemas.openxmlformats.org/drawingml/2006/chart" xmlns:dgm="http://schemas.openxmlformats.org/drawingml/2006/diagram" xmlns:o="urn:schemas-microsoft-com:office:office" xmlns:v="urn:schemas-microsoft-com:vml" xmlns:pvml="urn:schemas-microsoft-com:office:powerpoint" xmlns:com="http://schemas.openxmlformats.org/drawingml/2006/compatibility" xmlns:p14="http://schemas.microsoft.com/office/powerpoint/2010/main" xmlns:p15="http://schemas.microsoft.com/office/powerpoint/2012/main" xmlns:ahyp="http://schemas.microsoft.com/office/drawing/2018/hyperlinkcolor" matchingName="Title only" type="titleOnly">
+<p:sldLayout xmlns:a="http://schemas.openxmlformats.org/drawingml/2006/main" xmlns:r="http://schemas.openxmlformats.org/officeDocument/2006/relationships" xmlns:p="http://schemas.openxmlformats.org/presentationml/2006/main" matchingName="Title only" type="titleOnly">
   <p:cSld name="TITLE_ONLY">
     <p:spTree>
       <p:nvGrpSpPr>
-        <p:cNvPr id="36" name="Shape 36"/>
+        <p:cNvPr id="1" name="Shape 36"/>
         <p:cNvGrpSpPr/>
         <p:nvPr/>
       </p:nvGrpSpPr>
@@ -5035,7 +5187,9 @@
       <p:sp>
         <p:nvSpPr>
           <p:cNvPr id="37" name="Google Shape;37;p6"/>
-          <p:cNvSpPr txBox="1"/>
+          <p:cNvSpPr txBox="1">
+            <a:spLocks noGrp="1"/>
+          </p:cNvSpPr>
           <p:nvPr>
             <p:ph type="title"/>
           </p:nvPr>
@@ -5050,7 +5204,7 @@
           </a:prstGeom>
         </p:spPr>
         <p:txBody>
-          <a:bodyPr anchorCtr="0" anchor="t" bIns="91425" lIns="91425" spcFirstLastPara="1" rIns="91425" wrap="square" tIns="91425">
+          <a:bodyPr spcFirstLastPara="1" wrap="square" lIns="91425" tIns="91425" rIns="91425" bIns="91425" anchor="t" anchorCtr="0">
             <a:noAutofit/>
           </a:bodyPr>
           <a:lstStyle>
@@ -5154,15 +5308,19 @@
               <a:defRPr/>
             </a:lvl9pPr>
           </a:lstStyle>
-          <a:p/>
+          <a:p>
+            <a:endParaRPr/>
+          </a:p>
         </p:txBody>
       </p:sp>
       <p:sp>
         <p:nvSpPr>
           <p:cNvPr id="38" name="Google Shape;38;p6"/>
-          <p:cNvSpPr txBox="1"/>
+          <p:cNvSpPr txBox="1">
+            <a:spLocks noGrp="1"/>
+          </p:cNvSpPr>
           <p:nvPr>
-            <p:ph idx="12" type="sldNum"/>
+            <p:ph type="sldNum" idx="12"/>
           </p:nvPr>
         </p:nvSpPr>
         <p:spPr>
@@ -5175,7 +5333,7 @@
           </a:prstGeom>
         </p:spPr>
         <p:txBody>
-          <a:bodyPr anchorCtr="0" anchor="ctr" bIns="91425" lIns="91425" spcFirstLastPara="1" rIns="91425" wrap="square" tIns="91425">
+          <a:bodyPr spcFirstLastPara="1" wrap="square" lIns="91425" tIns="91425" rIns="91425" bIns="91425" anchor="ctr" anchorCtr="0">
             <a:noAutofit/>
           </a:bodyPr>
           <a:lstStyle>
@@ -5217,7 +5375,7 @@
             </a:lvl9pPr>
           </a:lstStyle>
           <a:p>
-            <a:pPr indent="0" lvl="0" marL="0" rtl="0" algn="r">
+            <a:pPr marL="0" lvl="0" indent="0" algn="r" rtl="0">
               <a:spcBef>
                 <a:spcPts val="0"/>
               </a:spcBef>
@@ -5243,11 +5401,11 @@
 </file>
 
 <file path=ppt/slideLayouts/slideLayout6.xml><?xml version="1.0" encoding="utf-8"?>
-<p:sldLayout xmlns:a="http://schemas.openxmlformats.org/drawingml/2006/main" xmlns:r="http://schemas.openxmlformats.org/officeDocument/2006/relationships" xmlns:mc="http://schemas.openxmlformats.org/markup-compatibility/2006" xmlns:mv="urn:schemas-microsoft-com:mac:vml" xmlns:p="http://schemas.openxmlformats.org/presentationml/2006/main" xmlns:c="http://schemas.openxmlformats.org/drawingml/2006/chart" xmlns:dgm="http://schemas.openxmlformats.org/drawingml/2006/diagram" xmlns:o="urn:schemas-microsoft-com:office:office" xmlns:v="urn:schemas-microsoft-com:vml" xmlns:pvml="urn:schemas-microsoft-com:office:powerpoint" xmlns:com="http://schemas.openxmlformats.org/drawingml/2006/compatibility" xmlns:p14="http://schemas.microsoft.com/office/powerpoint/2010/main" xmlns:p15="http://schemas.microsoft.com/office/powerpoint/2012/main" xmlns:ahyp="http://schemas.microsoft.com/office/drawing/2018/hyperlinkcolor" matchingName="One column text">
+<p:sldLayout xmlns:a="http://schemas.openxmlformats.org/drawingml/2006/main" xmlns:r="http://schemas.openxmlformats.org/officeDocument/2006/relationships" xmlns:p="http://schemas.openxmlformats.org/presentationml/2006/main" matchingName="One column text">
   <p:cSld name="ONE_COLUMN_TEXT">
     <p:spTree>
       <p:nvGrpSpPr>
-        <p:cNvPr id="39" name="Shape 39"/>
+        <p:cNvPr id="1" name="Shape 39"/>
         <p:cNvGrpSpPr/>
         <p:nvPr/>
       </p:nvGrpSpPr>
@@ -5274,21 +5432,23 @@
             <a:avLst/>
           </a:prstGeom>
           <a:noFill/>
-          <a:ln cap="flat" cmpd="sng" w="19050">
+          <a:ln w="19050" cap="flat" cmpd="sng">
             <a:solidFill>
               <a:schemeClr val="dk2"/>
             </a:solidFill>
             <a:prstDash val="solid"/>
             <a:round/>
-            <a:headEnd len="sm" w="sm" type="none"/>
-            <a:tailEnd len="sm" w="sm" type="none"/>
+            <a:headEnd type="none" w="sm" len="sm"/>
+            <a:tailEnd type="none" w="sm" len="sm"/>
           </a:ln>
         </p:spPr>
       </p:cxnSp>
       <p:sp>
         <p:nvSpPr>
           <p:cNvPr id="41" name="Google Shape;41;p7"/>
-          <p:cNvSpPr txBox="1"/>
+          <p:cNvSpPr txBox="1">
+            <a:spLocks noGrp="1"/>
+          </p:cNvSpPr>
           <p:nvPr>
             <p:ph type="title"/>
           </p:nvPr>
@@ -5303,7 +5463,7 @@
           </a:prstGeom>
         </p:spPr>
         <p:txBody>
-          <a:bodyPr anchorCtr="0" anchor="b" bIns="91425" lIns="91425" spcFirstLastPara="1" rIns="91425" wrap="square" tIns="91425">
+          <a:bodyPr spcFirstLastPara="1" wrap="square" lIns="91425" tIns="91425" rIns="91425" bIns="91425" anchor="b" anchorCtr="0">
             <a:noAutofit/>
           </a:bodyPr>
           <a:lstStyle>
@@ -5407,15 +5567,19 @@
               <a:defRPr sz="2400"/>
             </a:lvl9pPr>
           </a:lstStyle>
-          <a:p/>
+          <a:p>
+            <a:endParaRPr/>
+          </a:p>
         </p:txBody>
       </p:sp>
       <p:sp>
         <p:nvSpPr>
           <p:cNvPr id="42" name="Google Shape;42;p7"/>
-          <p:cNvSpPr txBox="1"/>
+          <p:cNvSpPr txBox="1">
+            <a:spLocks noGrp="1"/>
+          </p:cNvSpPr>
           <p:nvPr>
-            <p:ph idx="1" type="body"/>
+            <p:ph type="body" idx="1"/>
           </p:nvPr>
         </p:nvSpPr>
         <p:spPr>
@@ -5428,11 +5592,11 @@
           </a:prstGeom>
         </p:spPr>
         <p:txBody>
-          <a:bodyPr anchorCtr="0" anchor="t" bIns="91425" lIns="91425" spcFirstLastPara="1" rIns="91425" wrap="square" tIns="91425">
+          <a:bodyPr spcFirstLastPara="1" wrap="square" lIns="91425" tIns="91425" rIns="91425" bIns="91425" anchor="t" anchorCtr="0">
             <a:noAutofit/>
           </a:bodyPr>
           <a:lstStyle>
-            <a:lvl1pPr indent="-304800" lvl="0" marL="457200" rtl="0">
+            <a:lvl1pPr marL="457200" lvl="0" indent="-304800" rtl="0">
               <a:spcBef>
                 <a:spcPts val="0"/>
               </a:spcBef>
@@ -5443,7 +5607,7 @@
               <a:buChar char="●"/>
               <a:defRPr sz="1200"/>
             </a:lvl1pPr>
-            <a:lvl2pPr indent="-304800" lvl="1" marL="914400" rtl="0">
+            <a:lvl2pPr marL="914400" lvl="1" indent="-304800" rtl="0">
               <a:spcBef>
                 <a:spcPts val="1600"/>
               </a:spcBef>
@@ -5454,7 +5618,7 @@
               <a:buChar char="○"/>
               <a:defRPr sz="1200"/>
             </a:lvl2pPr>
-            <a:lvl3pPr indent="-304800" lvl="2" marL="1371600" rtl="0">
+            <a:lvl3pPr marL="1371600" lvl="2" indent="-304800" rtl="0">
               <a:spcBef>
                 <a:spcPts val="1600"/>
               </a:spcBef>
@@ -5465,7 +5629,7 @@
               <a:buChar char="■"/>
               <a:defRPr sz="1200"/>
             </a:lvl3pPr>
-            <a:lvl4pPr indent="-304800" lvl="3" marL="1828800" rtl="0">
+            <a:lvl4pPr marL="1828800" lvl="3" indent="-304800" rtl="0">
               <a:spcBef>
                 <a:spcPts val="1600"/>
               </a:spcBef>
@@ -5476,7 +5640,7 @@
               <a:buChar char="●"/>
               <a:defRPr sz="1200"/>
             </a:lvl4pPr>
-            <a:lvl5pPr indent="-304800" lvl="4" marL="2286000" rtl="0">
+            <a:lvl5pPr marL="2286000" lvl="4" indent="-304800" rtl="0">
               <a:spcBef>
                 <a:spcPts val="1600"/>
               </a:spcBef>
@@ -5487,7 +5651,7 @@
               <a:buChar char="○"/>
               <a:defRPr sz="1200"/>
             </a:lvl5pPr>
-            <a:lvl6pPr indent="-304800" lvl="5" marL="2743200" rtl="0">
+            <a:lvl6pPr marL="2743200" lvl="5" indent="-304800" rtl="0">
               <a:spcBef>
                 <a:spcPts val="1600"/>
               </a:spcBef>
@@ -5498,7 +5662,7 @@
               <a:buChar char="■"/>
               <a:defRPr sz="1200"/>
             </a:lvl6pPr>
-            <a:lvl7pPr indent="-304800" lvl="6" marL="3200400" rtl="0">
+            <a:lvl7pPr marL="3200400" lvl="6" indent="-304800" rtl="0">
               <a:spcBef>
                 <a:spcPts val="1600"/>
               </a:spcBef>
@@ -5509,7 +5673,7 @@
               <a:buChar char="●"/>
               <a:defRPr sz="1200"/>
             </a:lvl7pPr>
-            <a:lvl8pPr indent="-304800" lvl="7" marL="3657600" rtl="0">
+            <a:lvl8pPr marL="3657600" lvl="7" indent="-304800" rtl="0">
               <a:spcBef>
                 <a:spcPts val="1600"/>
               </a:spcBef>
@@ -5520,7 +5684,7 @@
               <a:buChar char="○"/>
               <a:defRPr sz="1200"/>
             </a:lvl8pPr>
-            <a:lvl9pPr indent="-304800" lvl="8" marL="4114800" rtl="0">
+            <a:lvl9pPr marL="4114800" lvl="8" indent="-304800" rtl="0">
               <a:spcBef>
                 <a:spcPts val="1600"/>
               </a:spcBef>
@@ -5532,15 +5696,19 @@
               <a:defRPr sz="1200"/>
             </a:lvl9pPr>
           </a:lstStyle>
-          <a:p/>
+          <a:p>
+            <a:endParaRPr/>
+          </a:p>
         </p:txBody>
       </p:sp>
       <p:sp>
         <p:nvSpPr>
           <p:cNvPr id="43" name="Google Shape;43;p7"/>
-          <p:cNvSpPr txBox="1"/>
+          <p:cNvSpPr txBox="1">
+            <a:spLocks noGrp="1"/>
+          </p:cNvSpPr>
           <p:nvPr>
-            <p:ph idx="12" type="sldNum"/>
+            <p:ph type="sldNum" idx="12"/>
           </p:nvPr>
         </p:nvSpPr>
         <p:spPr>
@@ -5553,7 +5721,7 @@
           </a:prstGeom>
         </p:spPr>
         <p:txBody>
-          <a:bodyPr anchorCtr="0" anchor="ctr" bIns="91425" lIns="91425" spcFirstLastPara="1" rIns="91425" wrap="square" tIns="91425">
+          <a:bodyPr spcFirstLastPara="1" wrap="square" lIns="91425" tIns="91425" rIns="91425" bIns="91425" anchor="ctr" anchorCtr="0">
             <a:noAutofit/>
           </a:bodyPr>
           <a:lstStyle>
@@ -5595,7 +5763,7 @@
             </a:lvl9pPr>
           </a:lstStyle>
           <a:p>
-            <a:pPr indent="0" lvl="0" marL="0" rtl="0" algn="r">
+            <a:pPr marL="0" lvl="0" indent="0" algn="r" rtl="0">
               <a:spcBef>
                 <a:spcPts val="0"/>
               </a:spcBef>
@@ -5621,18 +5789,19 @@
 </file>
 
 <file path=ppt/slideLayouts/slideLayout7.xml><?xml version="1.0" encoding="utf-8"?>
-<p:sldLayout xmlns:a="http://schemas.openxmlformats.org/drawingml/2006/main" xmlns:r="http://schemas.openxmlformats.org/officeDocument/2006/relationships" xmlns:mc="http://schemas.openxmlformats.org/markup-compatibility/2006" xmlns:mv="urn:schemas-microsoft-com:mac:vml" xmlns:p="http://schemas.openxmlformats.org/presentationml/2006/main" xmlns:c="http://schemas.openxmlformats.org/drawingml/2006/chart" xmlns:dgm="http://schemas.openxmlformats.org/drawingml/2006/diagram" xmlns:o="urn:schemas-microsoft-com:office:office" xmlns:v="urn:schemas-microsoft-com:vml" xmlns:pvml="urn:schemas-microsoft-com:office:powerpoint" xmlns:com="http://schemas.openxmlformats.org/drawingml/2006/compatibility" xmlns:p14="http://schemas.microsoft.com/office/powerpoint/2010/main" xmlns:p15="http://schemas.microsoft.com/office/powerpoint/2012/main" xmlns:ahyp="http://schemas.microsoft.com/office/drawing/2018/hyperlinkcolor" matchingName="Main point">
+<p:sldLayout xmlns:a="http://schemas.openxmlformats.org/drawingml/2006/main" xmlns:r="http://schemas.openxmlformats.org/officeDocument/2006/relationships" xmlns:p="http://schemas.openxmlformats.org/presentationml/2006/main" matchingName="Main point">
   <p:cSld name="MAIN_POINT">
     <p:bg>
       <p:bgPr>
         <a:solidFill>
           <a:srgbClr val="353535"/>
         </a:solidFill>
+        <a:effectLst/>
       </p:bgPr>
     </p:bg>
     <p:spTree>
       <p:nvGrpSpPr>
-        <p:cNvPr id="44" name="Shape 44"/>
+        <p:cNvPr id="1" name="Shape 44"/>
         <p:cNvGrpSpPr/>
         <p:nvPr/>
       </p:nvGrpSpPr>
@@ -5659,21 +5828,23 @@
             <a:avLst/>
           </a:prstGeom>
           <a:noFill/>
-          <a:ln cap="flat" cmpd="sng" w="19050">
+          <a:ln w="19050" cap="flat" cmpd="sng">
             <a:solidFill>
               <a:schemeClr val="lt1"/>
             </a:solidFill>
             <a:prstDash val="solid"/>
             <a:round/>
-            <a:headEnd len="sm" w="sm" type="none"/>
-            <a:tailEnd len="sm" w="sm" type="none"/>
+            <a:headEnd type="none" w="sm" len="sm"/>
+            <a:tailEnd type="none" w="sm" len="sm"/>
           </a:ln>
         </p:spPr>
       </p:cxnSp>
       <p:sp>
         <p:nvSpPr>
           <p:cNvPr id="46" name="Google Shape;46;p8"/>
-          <p:cNvSpPr txBox="1"/>
+          <p:cNvSpPr txBox="1">
+            <a:spLocks noGrp="1"/>
+          </p:cNvSpPr>
           <p:nvPr>
             <p:ph type="title"/>
           </p:nvPr>
@@ -5688,7 +5859,7 @@
           </a:prstGeom>
         </p:spPr>
         <p:txBody>
-          <a:bodyPr anchorCtr="0" anchor="ctr" bIns="91425" lIns="91425" spcFirstLastPara="1" rIns="91425" wrap="square" tIns="91425">
+          <a:bodyPr spcFirstLastPara="1" wrap="square" lIns="91425" tIns="91425" rIns="91425" bIns="91425" anchor="ctr" anchorCtr="0">
             <a:noAutofit/>
           </a:bodyPr>
           <a:lstStyle>
@@ -5855,15 +6026,19 @@
               </a:defRPr>
             </a:lvl9pPr>
           </a:lstStyle>
-          <a:p/>
+          <a:p>
+            <a:endParaRPr/>
+          </a:p>
         </p:txBody>
       </p:sp>
       <p:sp>
         <p:nvSpPr>
           <p:cNvPr id="47" name="Google Shape;47;p8"/>
-          <p:cNvSpPr txBox="1"/>
+          <p:cNvSpPr txBox="1">
+            <a:spLocks noGrp="1"/>
+          </p:cNvSpPr>
           <p:nvPr>
-            <p:ph idx="12" type="sldNum"/>
+            <p:ph type="sldNum" idx="12"/>
           </p:nvPr>
         </p:nvSpPr>
         <p:spPr>
@@ -5876,7 +6051,7 @@
           </a:prstGeom>
         </p:spPr>
         <p:txBody>
-          <a:bodyPr anchorCtr="0" anchor="ctr" bIns="91425" lIns="91425" spcFirstLastPara="1" rIns="91425" wrap="square" tIns="91425">
+          <a:bodyPr spcFirstLastPara="1" wrap="square" lIns="91425" tIns="91425" rIns="91425" bIns="91425" anchor="ctr" anchorCtr="0">
             <a:noAutofit/>
           </a:bodyPr>
           <a:lstStyle>
@@ -5954,7 +6129,7 @@
             </a:lvl9pPr>
           </a:lstStyle>
           <a:p>
-            <a:pPr indent="0" lvl="0" marL="0" rtl="0" algn="r">
+            <a:pPr marL="0" lvl="0" indent="0" algn="r" rtl="0">
               <a:spcBef>
                 <a:spcPts val="0"/>
               </a:spcBef>
@@ -5980,11 +6155,11 @@
 </file>
 
 <file path=ppt/slideLayouts/slideLayout8.xml><?xml version="1.0" encoding="utf-8"?>
-<p:sldLayout xmlns:a="http://schemas.openxmlformats.org/drawingml/2006/main" xmlns:r="http://schemas.openxmlformats.org/officeDocument/2006/relationships" xmlns:mc="http://schemas.openxmlformats.org/markup-compatibility/2006" xmlns:mv="urn:schemas-microsoft-com:mac:vml" xmlns:p="http://schemas.openxmlformats.org/presentationml/2006/main" xmlns:c="http://schemas.openxmlformats.org/drawingml/2006/chart" xmlns:dgm="http://schemas.openxmlformats.org/drawingml/2006/diagram" xmlns:o="urn:schemas-microsoft-com:office:office" xmlns:v="urn:schemas-microsoft-com:vml" xmlns:pvml="urn:schemas-microsoft-com:office:powerpoint" xmlns:com="http://schemas.openxmlformats.org/drawingml/2006/compatibility" xmlns:p14="http://schemas.microsoft.com/office/powerpoint/2010/main" xmlns:p15="http://schemas.microsoft.com/office/powerpoint/2012/main" xmlns:ahyp="http://schemas.microsoft.com/office/drawing/2018/hyperlinkcolor" matchingName="Section title and description">
+<p:sldLayout xmlns:a="http://schemas.openxmlformats.org/drawingml/2006/main" xmlns:r="http://schemas.openxmlformats.org/officeDocument/2006/relationships" xmlns:p="http://schemas.openxmlformats.org/presentationml/2006/main" matchingName="Section title and description">
   <p:cSld name="SECTION_TITLE_AND_DESCRIPTION">
     <p:spTree>
       <p:nvGrpSpPr>
-        <p:cNvPr id="48" name="Shape 48"/>
+        <p:cNvPr id="1" name="Shape 48"/>
         <p:cNvGrpSpPr/>
         <p:nvPr/>
       </p:nvGrpSpPr>
@@ -6018,12 +6193,12 @@
           </a:ln>
         </p:spPr>
         <p:txBody>
-          <a:bodyPr anchorCtr="0" anchor="ctr" bIns="91425" lIns="91425" spcFirstLastPara="1" rIns="91425" wrap="square" tIns="91425">
+          <a:bodyPr spcFirstLastPara="1" wrap="square" lIns="91425" tIns="91425" rIns="91425" bIns="91425" anchor="ctr" anchorCtr="0">
             <a:noAutofit/>
           </a:bodyPr>
           <a:lstStyle/>
           <a:p>
-            <a:pPr indent="0" lvl="0" marL="0" rtl="0" algn="l">
+            <a:pPr marL="0" lvl="0" indent="0" algn="l" rtl="0">
               <a:spcBef>
                 <a:spcPts val="0"/>
               </a:spcBef>
@@ -6032,9 +6207,6 @@
               </a:spcAft>
               <a:buNone/>
             </a:pPr>
-            <a:r>
-              <a:t/>
-            </a:r>
             <a:endParaRPr/>
           </a:p>
         </p:txBody>
@@ -6054,21 +6226,23 @@
             <a:avLst/>
           </a:prstGeom>
           <a:noFill/>
-          <a:ln cap="flat" cmpd="sng" w="19050">
+          <a:ln w="19050" cap="flat" cmpd="sng">
             <a:solidFill>
               <a:schemeClr val="lt1"/>
             </a:solidFill>
             <a:prstDash val="solid"/>
             <a:round/>
-            <a:headEnd len="sm" w="sm" type="none"/>
-            <a:tailEnd len="sm" w="sm" type="none"/>
+            <a:headEnd type="none" w="sm" len="sm"/>
+            <a:tailEnd type="none" w="sm" len="sm"/>
           </a:ln>
         </p:spPr>
       </p:cxnSp>
       <p:sp>
         <p:nvSpPr>
           <p:cNvPr id="51" name="Google Shape;51;p9"/>
-          <p:cNvSpPr txBox="1"/>
+          <p:cNvSpPr txBox="1">
+            <a:spLocks noGrp="1"/>
+          </p:cNvSpPr>
           <p:nvPr>
             <p:ph type="title"/>
           </p:nvPr>
@@ -6083,11 +6257,11 @@
           </a:prstGeom>
         </p:spPr>
         <p:txBody>
-          <a:bodyPr anchorCtr="0" anchor="b" bIns="91425" lIns="91425" spcFirstLastPara="1" rIns="91425" wrap="square" tIns="91425">
+          <a:bodyPr spcFirstLastPara="1" wrap="square" lIns="91425" tIns="91425" rIns="91425" bIns="91425" anchor="b" anchorCtr="0">
             <a:noAutofit/>
           </a:bodyPr>
           <a:lstStyle>
-            <a:lvl1pPr lvl="0" rtl="0" algn="ctr">
+            <a:lvl1pPr lvl="0" algn="ctr" rtl="0">
               <a:spcBef>
                 <a:spcPts val="0"/>
               </a:spcBef>
@@ -6105,7 +6279,7 @@
                 </a:solidFill>
               </a:defRPr>
             </a:lvl1pPr>
-            <a:lvl2pPr lvl="1" rtl="0" algn="ctr">
+            <a:lvl2pPr lvl="1" algn="ctr" rtl="0">
               <a:spcBef>
                 <a:spcPts val="0"/>
               </a:spcBef>
@@ -6123,7 +6297,7 @@
                 </a:solidFill>
               </a:defRPr>
             </a:lvl2pPr>
-            <a:lvl3pPr lvl="2" rtl="0" algn="ctr">
+            <a:lvl3pPr lvl="2" algn="ctr" rtl="0">
               <a:spcBef>
                 <a:spcPts val="0"/>
               </a:spcBef>
@@ -6141,7 +6315,7 @@
                 </a:solidFill>
               </a:defRPr>
             </a:lvl3pPr>
-            <a:lvl4pPr lvl="3" rtl="0" algn="ctr">
+            <a:lvl4pPr lvl="3" algn="ctr" rtl="0">
               <a:spcBef>
                 <a:spcPts val="0"/>
               </a:spcBef>
@@ -6159,7 +6333,7 @@
                 </a:solidFill>
               </a:defRPr>
             </a:lvl4pPr>
-            <a:lvl5pPr lvl="4" rtl="0" algn="ctr">
+            <a:lvl5pPr lvl="4" algn="ctr" rtl="0">
               <a:spcBef>
                 <a:spcPts val="0"/>
               </a:spcBef>
@@ -6177,7 +6351,7 @@
                 </a:solidFill>
               </a:defRPr>
             </a:lvl5pPr>
-            <a:lvl6pPr lvl="5" rtl="0" algn="ctr">
+            <a:lvl6pPr lvl="5" algn="ctr" rtl="0">
               <a:spcBef>
                 <a:spcPts val="0"/>
               </a:spcBef>
@@ -6195,7 +6369,7 @@
                 </a:solidFill>
               </a:defRPr>
             </a:lvl6pPr>
-            <a:lvl7pPr lvl="6" rtl="0" algn="ctr">
+            <a:lvl7pPr lvl="6" algn="ctr" rtl="0">
               <a:spcBef>
                 <a:spcPts val="0"/>
               </a:spcBef>
@@ -6213,7 +6387,7 @@
                 </a:solidFill>
               </a:defRPr>
             </a:lvl7pPr>
-            <a:lvl8pPr lvl="7" rtl="0" algn="ctr">
+            <a:lvl8pPr lvl="7" algn="ctr" rtl="0">
               <a:spcBef>
                 <a:spcPts val="0"/>
               </a:spcBef>
@@ -6231,7 +6405,7 @@
                 </a:solidFill>
               </a:defRPr>
             </a:lvl8pPr>
-            <a:lvl9pPr lvl="8" rtl="0" algn="ctr">
+            <a:lvl9pPr lvl="8" algn="ctr" rtl="0">
               <a:spcBef>
                 <a:spcPts val="0"/>
               </a:spcBef>
@@ -6250,15 +6424,19 @@
               </a:defRPr>
             </a:lvl9pPr>
           </a:lstStyle>
-          <a:p/>
+          <a:p>
+            <a:endParaRPr/>
+          </a:p>
         </p:txBody>
       </p:sp>
       <p:sp>
         <p:nvSpPr>
           <p:cNvPr id="52" name="Google Shape;52;p9"/>
-          <p:cNvSpPr txBox="1"/>
+          <p:cNvSpPr txBox="1">
+            <a:spLocks noGrp="1"/>
+          </p:cNvSpPr>
           <p:nvPr>
-            <p:ph idx="1" type="subTitle"/>
+            <p:ph type="subTitle" idx="1"/>
           </p:nvPr>
         </p:nvSpPr>
         <p:spPr>
@@ -6271,11 +6449,11 @@
           </a:prstGeom>
         </p:spPr>
         <p:txBody>
-          <a:bodyPr anchorCtr="0" anchor="t" bIns="91425" lIns="91425" spcFirstLastPara="1" rIns="91425" wrap="square" tIns="91425">
+          <a:bodyPr spcFirstLastPara="1" wrap="square" lIns="91425" tIns="91425" rIns="91425" bIns="91425" anchor="t" anchorCtr="0">
             <a:noAutofit/>
           </a:bodyPr>
           <a:lstStyle>
-            <a:lvl1pPr lvl="0" rtl="0" algn="ctr">
+            <a:lvl1pPr lvl="0" algn="ctr" rtl="0">
               <a:lnSpc>
                 <a:spcPct val="100000"/>
               </a:lnSpc>
@@ -6289,7 +6467,7 @@
               <a:buNone/>
               <a:defRPr sz="2100"/>
             </a:lvl1pPr>
-            <a:lvl2pPr lvl="1" rtl="0" algn="ctr">
+            <a:lvl2pPr lvl="1" algn="ctr" rtl="0">
               <a:lnSpc>
                 <a:spcPct val="100000"/>
               </a:lnSpc>
@@ -6303,7 +6481,7 @@
               <a:buNone/>
               <a:defRPr sz="2100"/>
             </a:lvl2pPr>
-            <a:lvl3pPr lvl="2" rtl="0" algn="ctr">
+            <a:lvl3pPr lvl="2" algn="ctr" rtl="0">
               <a:lnSpc>
                 <a:spcPct val="100000"/>
               </a:lnSpc>
@@ -6317,7 +6495,7 @@
               <a:buNone/>
               <a:defRPr sz="2100"/>
             </a:lvl3pPr>
-            <a:lvl4pPr lvl="3" rtl="0" algn="ctr">
+            <a:lvl4pPr lvl="3" algn="ctr" rtl="0">
               <a:lnSpc>
                 <a:spcPct val="100000"/>
               </a:lnSpc>
@@ -6331,7 +6509,7 @@
               <a:buNone/>
               <a:defRPr sz="2100"/>
             </a:lvl4pPr>
-            <a:lvl5pPr lvl="4" rtl="0" algn="ctr">
+            <a:lvl5pPr lvl="4" algn="ctr" rtl="0">
               <a:lnSpc>
                 <a:spcPct val="100000"/>
               </a:lnSpc>
@@ -6345,7 +6523,7 @@
               <a:buNone/>
               <a:defRPr sz="2100"/>
             </a:lvl5pPr>
-            <a:lvl6pPr lvl="5" rtl="0" algn="ctr">
+            <a:lvl6pPr lvl="5" algn="ctr" rtl="0">
               <a:lnSpc>
                 <a:spcPct val="100000"/>
               </a:lnSpc>
@@ -6359,7 +6537,7 @@
               <a:buNone/>
               <a:defRPr sz="2100"/>
             </a:lvl6pPr>
-            <a:lvl7pPr lvl="6" rtl="0" algn="ctr">
+            <a:lvl7pPr lvl="6" algn="ctr" rtl="0">
               <a:lnSpc>
                 <a:spcPct val="100000"/>
               </a:lnSpc>
@@ -6373,7 +6551,7 @@
               <a:buNone/>
               <a:defRPr sz="2100"/>
             </a:lvl7pPr>
-            <a:lvl8pPr lvl="7" rtl="0" algn="ctr">
+            <a:lvl8pPr lvl="7" algn="ctr" rtl="0">
               <a:lnSpc>
                 <a:spcPct val="100000"/>
               </a:lnSpc>
@@ -6387,7 +6565,7 @@
               <a:buNone/>
               <a:defRPr sz="2100"/>
             </a:lvl8pPr>
-            <a:lvl9pPr lvl="8" rtl="0" algn="ctr">
+            <a:lvl9pPr lvl="8" algn="ctr" rtl="0">
               <a:lnSpc>
                 <a:spcPct val="100000"/>
               </a:lnSpc>
@@ -6402,15 +6580,19 @@
               <a:defRPr sz="2100"/>
             </a:lvl9pPr>
           </a:lstStyle>
-          <a:p/>
+          <a:p>
+            <a:endParaRPr/>
+          </a:p>
         </p:txBody>
       </p:sp>
       <p:sp>
         <p:nvSpPr>
           <p:cNvPr id="53" name="Google Shape;53;p9"/>
-          <p:cNvSpPr txBox="1"/>
+          <p:cNvSpPr txBox="1">
+            <a:spLocks noGrp="1"/>
+          </p:cNvSpPr>
           <p:nvPr>
-            <p:ph idx="2" type="body"/>
+            <p:ph type="body" idx="2"/>
           </p:nvPr>
         </p:nvSpPr>
         <p:spPr>
@@ -6423,11 +6605,11 @@
           </a:prstGeom>
         </p:spPr>
         <p:txBody>
-          <a:bodyPr anchorCtr="0" anchor="ctr" bIns="91425" lIns="91425" spcFirstLastPara="1" rIns="91425" wrap="square" tIns="91425">
+          <a:bodyPr spcFirstLastPara="1" wrap="square" lIns="91425" tIns="91425" rIns="91425" bIns="91425" anchor="ctr" anchorCtr="0">
             <a:noAutofit/>
           </a:bodyPr>
           <a:lstStyle>
-            <a:lvl1pPr indent="-342900" lvl="0" marL="457200" rtl="0">
+            <a:lvl1pPr marL="457200" lvl="0" indent="-342900" rtl="0">
               <a:spcBef>
                 <a:spcPts val="0"/>
               </a:spcBef>
@@ -6445,7 +6627,7 @@
                 </a:solidFill>
               </a:defRPr>
             </a:lvl1pPr>
-            <a:lvl2pPr indent="-317500" lvl="1" marL="914400" rtl="0">
+            <a:lvl2pPr marL="914400" lvl="1" indent="-317500" rtl="0">
               <a:spcBef>
                 <a:spcPts val="1600"/>
               </a:spcBef>
@@ -6463,7 +6645,7 @@
                 </a:solidFill>
               </a:defRPr>
             </a:lvl2pPr>
-            <a:lvl3pPr indent="-317500" lvl="2" marL="1371600" rtl="0">
+            <a:lvl3pPr marL="1371600" lvl="2" indent="-317500" rtl="0">
               <a:spcBef>
                 <a:spcPts val="1600"/>
               </a:spcBef>
@@ -6481,7 +6663,7 @@
                 </a:solidFill>
               </a:defRPr>
             </a:lvl3pPr>
-            <a:lvl4pPr indent="-317500" lvl="3" marL="1828800" rtl="0">
+            <a:lvl4pPr marL="1828800" lvl="3" indent="-317500" rtl="0">
               <a:spcBef>
                 <a:spcPts val="1600"/>
               </a:spcBef>
@@ -6499,7 +6681,7 @@
                 </a:solidFill>
               </a:defRPr>
             </a:lvl4pPr>
-            <a:lvl5pPr indent="-317500" lvl="4" marL="2286000" rtl="0">
+            <a:lvl5pPr marL="2286000" lvl="4" indent="-317500" rtl="0">
               <a:spcBef>
                 <a:spcPts val="1600"/>
               </a:spcBef>
@@ -6517,7 +6699,7 @@
                 </a:solidFill>
               </a:defRPr>
             </a:lvl5pPr>
-            <a:lvl6pPr indent="-317500" lvl="5" marL="2743200" rtl="0">
+            <a:lvl6pPr marL="2743200" lvl="5" indent="-317500" rtl="0">
               <a:spcBef>
                 <a:spcPts val="1600"/>
               </a:spcBef>
@@ -6535,7 +6717,7 @@
                 </a:solidFill>
               </a:defRPr>
             </a:lvl6pPr>
-            <a:lvl7pPr indent="-317500" lvl="6" marL="3200400" rtl="0">
+            <a:lvl7pPr marL="3200400" lvl="6" indent="-317500" rtl="0">
               <a:spcBef>
                 <a:spcPts val="1600"/>
               </a:spcBef>
@@ -6553,7 +6735,7 @@
                 </a:solidFill>
               </a:defRPr>
             </a:lvl7pPr>
-            <a:lvl8pPr indent="-317500" lvl="7" marL="3657600" rtl="0">
+            <a:lvl8pPr marL="3657600" lvl="7" indent="-317500" rtl="0">
               <a:spcBef>
                 <a:spcPts val="1600"/>
               </a:spcBef>
@@ -6571,7 +6753,7 @@
                 </a:solidFill>
               </a:defRPr>
             </a:lvl8pPr>
-            <a:lvl9pPr indent="-317500" lvl="8" marL="4114800" rtl="0">
+            <a:lvl9pPr marL="4114800" lvl="8" indent="-317500" rtl="0">
               <a:spcBef>
                 <a:spcPts val="1600"/>
               </a:spcBef>
@@ -6590,15 +6772,19 @@
               </a:defRPr>
             </a:lvl9pPr>
           </a:lstStyle>
-          <a:p/>
+          <a:p>
+            <a:endParaRPr/>
+          </a:p>
         </p:txBody>
       </p:sp>
       <p:sp>
         <p:nvSpPr>
           <p:cNvPr id="54" name="Google Shape;54;p9"/>
-          <p:cNvSpPr txBox="1"/>
+          <p:cNvSpPr txBox="1">
+            <a:spLocks noGrp="1"/>
+          </p:cNvSpPr>
           <p:nvPr>
-            <p:ph idx="12" type="sldNum"/>
+            <p:ph type="sldNum" idx="12"/>
           </p:nvPr>
         </p:nvSpPr>
         <p:spPr>
@@ -6611,7 +6797,7 @@
           </a:prstGeom>
         </p:spPr>
         <p:txBody>
-          <a:bodyPr anchorCtr="0" anchor="ctr" bIns="91425" lIns="91425" spcFirstLastPara="1" rIns="91425" wrap="square" tIns="91425">
+          <a:bodyPr spcFirstLastPara="1" wrap="square" lIns="91425" tIns="91425" rIns="91425" bIns="91425" anchor="ctr" anchorCtr="0">
             <a:noAutofit/>
           </a:bodyPr>
           <a:lstStyle>
@@ -6689,7 +6875,7 @@
             </a:lvl9pPr>
           </a:lstStyle>
           <a:p>
-            <a:pPr indent="0" lvl="0" marL="0" rtl="0" algn="r">
+            <a:pPr marL="0" lvl="0" indent="0" algn="r" rtl="0">
               <a:spcBef>
                 <a:spcPts val="0"/>
               </a:spcBef>
@@ -6715,11 +6901,11 @@
 </file>
 
 <file path=ppt/slideLayouts/slideLayout9.xml><?xml version="1.0" encoding="utf-8"?>
-<p:sldLayout xmlns:a="http://schemas.openxmlformats.org/drawingml/2006/main" xmlns:r="http://schemas.openxmlformats.org/officeDocument/2006/relationships" xmlns:mc="http://schemas.openxmlformats.org/markup-compatibility/2006" xmlns:mv="urn:schemas-microsoft-com:mac:vml" xmlns:p="http://schemas.openxmlformats.org/presentationml/2006/main" xmlns:c="http://schemas.openxmlformats.org/drawingml/2006/chart" xmlns:dgm="http://schemas.openxmlformats.org/drawingml/2006/diagram" xmlns:o="urn:schemas-microsoft-com:office:office" xmlns:v="urn:schemas-microsoft-com:vml" xmlns:pvml="urn:schemas-microsoft-com:office:powerpoint" xmlns:com="http://schemas.openxmlformats.org/drawingml/2006/compatibility" xmlns:p14="http://schemas.microsoft.com/office/powerpoint/2010/main" xmlns:p15="http://schemas.microsoft.com/office/powerpoint/2012/main" xmlns:ahyp="http://schemas.microsoft.com/office/drawing/2018/hyperlinkcolor" matchingName="Caption">
+<p:sldLayout xmlns:a="http://schemas.openxmlformats.org/drawingml/2006/main" xmlns:r="http://schemas.openxmlformats.org/officeDocument/2006/relationships" xmlns:p="http://schemas.openxmlformats.org/presentationml/2006/main" matchingName="Caption">
   <p:cSld name="CAPTION_ONLY">
     <p:spTree>
       <p:nvGrpSpPr>
-        <p:cNvPr id="55" name="Shape 55"/>
+        <p:cNvPr id="1" name="Shape 55"/>
         <p:cNvGrpSpPr/>
         <p:nvPr/>
       </p:nvGrpSpPr>
@@ -6746,14 +6932,14 @@
             <a:avLst/>
           </a:prstGeom>
           <a:noFill/>
-          <a:ln cap="flat" cmpd="sng" w="19050">
+          <a:ln w="19050" cap="flat" cmpd="sng">
             <a:solidFill>
               <a:schemeClr val="dk2"/>
             </a:solidFill>
             <a:prstDash val="solid"/>
             <a:round/>
-            <a:headEnd len="sm" w="sm" type="none"/>
-            <a:tailEnd len="sm" w="sm" type="none"/>
+            <a:headEnd type="none" w="sm" len="sm"/>
+            <a:tailEnd type="none" w="sm" len="sm"/>
           </a:ln>
         </p:spPr>
       </p:cxnSp>
@@ -6772,23 +6958,25 @@
             <a:avLst/>
           </a:prstGeom>
           <a:noFill/>
-          <a:ln cap="flat" cmpd="sng" w="19050">
+          <a:ln w="19050" cap="flat" cmpd="sng">
             <a:solidFill>
               <a:schemeClr val="dk2"/>
             </a:solidFill>
             <a:prstDash val="solid"/>
             <a:round/>
-            <a:headEnd len="sm" w="sm" type="none"/>
-            <a:tailEnd len="sm" w="sm" type="none"/>
+            <a:headEnd type="none" w="sm" len="sm"/>
+            <a:tailEnd type="none" w="sm" len="sm"/>
           </a:ln>
         </p:spPr>
       </p:cxnSp>
       <p:sp>
         <p:nvSpPr>
           <p:cNvPr id="58" name="Google Shape;58;p10"/>
-          <p:cNvSpPr txBox="1"/>
+          <p:cNvSpPr txBox="1">
+            <a:spLocks noGrp="1"/>
+          </p:cNvSpPr>
           <p:nvPr>
-            <p:ph idx="1" type="body"/>
+            <p:ph type="body" idx="1"/>
           </p:nvPr>
         </p:nvSpPr>
         <p:spPr>
@@ -6801,11 +6989,11 @@
           </a:prstGeom>
         </p:spPr>
         <p:txBody>
-          <a:bodyPr anchorCtr="0" anchor="ctr" bIns="91425" lIns="91425" spcFirstLastPara="1" rIns="91425" wrap="square" tIns="91425">
+          <a:bodyPr spcFirstLastPara="1" wrap="square" lIns="91425" tIns="91425" rIns="91425" bIns="91425" anchor="ctr" anchorCtr="0">
             <a:noAutofit/>
           </a:bodyPr>
           <a:lstStyle>
-            <a:lvl1pPr indent="-228600" lvl="0" marL="457200" rtl="0">
+            <a:lvl1pPr marL="457200" lvl="0" indent="-228600" rtl="0">
               <a:lnSpc>
                 <a:spcPct val="100000"/>
               </a:lnSpc>
@@ -6820,15 +7008,19 @@
               <a:defRPr/>
             </a:lvl1pPr>
           </a:lstStyle>
-          <a:p/>
+          <a:p>
+            <a:endParaRPr/>
+          </a:p>
         </p:txBody>
       </p:sp>
       <p:sp>
         <p:nvSpPr>
           <p:cNvPr id="59" name="Google Shape;59;p10"/>
-          <p:cNvSpPr txBox="1"/>
+          <p:cNvSpPr txBox="1">
+            <a:spLocks noGrp="1"/>
+          </p:cNvSpPr>
           <p:nvPr>
-            <p:ph idx="12" type="sldNum"/>
+            <p:ph type="sldNum" idx="12"/>
           </p:nvPr>
         </p:nvSpPr>
         <p:spPr>
@@ -6841,7 +7033,7 @@
           </a:prstGeom>
         </p:spPr>
         <p:txBody>
-          <a:bodyPr anchorCtr="0" anchor="ctr" bIns="91425" lIns="91425" spcFirstLastPara="1" rIns="91425" wrap="square" tIns="91425">
+          <a:bodyPr spcFirstLastPara="1" wrap="square" lIns="91425" tIns="91425" rIns="91425" bIns="91425" anchor="ctr" anchorCtr="0">
             <a:noAutofit/>
           </a:bodyPr>
           <a:lstStyle>
@@ -6883,7 +7075,7 @@
             </a:lvl9pPr>
           </a:lstStyle>
           <a:p>
-            <a:pPr indent="0" lvl="0" marL="0" rtl="0" algn="r">
+            <a:pPr marL="0" lvl="0" indent="0" algn="r" rtl="0">
               <a:spcBef>
                 <a:spcPts val="0"/>
               </a:spcBef>
@@ -6909,18 +7101,19 @@
 </file>
 
 <file path=ppt/slideMasters/slideMaster1.xml><?xml version="1.0" encoding="utf-8"?>
-<p:sldMaster xmlns:a="http://schemas.openxmlformats.org/drawingml/2006/main" xmlns:r="http://schemas.openxmlformats.org/officeDocument/2006/relationships" xmlns:mc="http://schemas.openxmlformats.org/markup-compatibility/2006" xmlns:mv="urn:schemas-microsoft-com:mac:vml" xmlns:p="http://schemas.openxmlformats.org/presentationml/2006/main" xmlns:c="http://schemas.openxmlformats.org/drawingml/2006/chart" xmlns:dgm="http://schemas.openxmlformats.org/drawingml/2006/diagram" xmlns:o="urn:schemas-microsoft-com:office:office" xmlns:v="urn:schemas-microsoft-com:vml" xmlns:pvml="urn:schemas-microsoft-com:office:powerpoint" xmlns:com="http://schemas.openxmlformats.org/drawingml/2006/compatibility" xmlns:p14="http://schemas.microsoft.com/office/powerpoint/2010/main" xmlns:p15="http://schemas.microsoft.com/office/powerpoint/2012/main" xmlns:ahyp="http://schemas.microsoft.com/office/drawing/2018/hyperlinkcolor">
+<p:sldMaster xmlns:a="http://schemas.openxmlformats.org/drawingml/2006/main" xmlns:r="http://schemas.openxmlformats.org/officeDocument/2006/relationships" xmlns:p="http://schemas.openxmlformats.org/presentationml/2006/main">
   <p:cSld name="swiss-2">
     <p:bg>
       <p:bgPr>
         <a:solidFill>
           <a:schemeClr val="lt1"/>
         </a:solidFill>
+        <a:effectLst/>
       </p:bgPr>
     </p:bg>
     <p:spTree>
       <p:nvGrpSpPr>
-        <p:cNvPr id="5" name="Shape 5"/>
+        <p:cNvPr id="1" name="Shape 5"/>
         <p:cNvGrpSpPr/>
         <p:nvPr/>
       </p:nvGrpSpPr>
@@ -6935,7 +7128,9 @@
       <p:sp>
         <p:nvSpPr>
           <p:cNvPr id="6" name="Google Shape;6;p1"/>
-          <p:cNvSpPr txBox="1"/>
+          <p:cNvSpPr txBox="1">
+            <a:spLocks noGrp="1"/>
+          </p:cNvSpPr>
           <p:nvPr>
             <p:ph type="title"/>
           </p:nvPr>
@@ -6954,7 +7149,7 @@
           </a:ln>
         </p:spPr>
         <p:txBody>
-          <a:bodyPr anchorCtr="0" anchor="t" bIns="91425" lIns="91425" spcFirstLastPara="1" rIns="91425" wrap="square" tIns="91425">
+          <a:bodyPr spcFirstLastPara="1" wrap="square" lIns="91425" tIns="91425" rIns="91425" bIns="91425" anchor="t" anchorCtr="0">
             <a:noAutofit/>
           </a:bodyPr>
           <a:lstStyle>
@@ -6971,7 +7166,7 @@
               <a:buSzPts val="3000"/>
               <a:buFont typeface="Raleway"/>
               <a:buNone/>
-              <a:defRPr b="1" sz="3000">
+              <a:defRPr sz="3000" b="1">
                 <a:solidFill>
                   <a:schemeClr val="dk2"/>
                 </a:solidFill>
@@ -6994,7 +7189,7 @@
               <a:buSzPts val="3000"/>
               <a:buFont typeface="Raleway"/>
               <a:buNone/>
-              <a:defRPr b="1" sz="3000">
+              <a:defRPr sz="3000" b="1">
                 <a:solidFill>
                   <a:schemeClr val="dk2"/>
                 </a:solidFill>
@@ -7017,7 +7212,7 @@
               <a:buSzPts val="3000"/>
               <a:buFont typeface="Raleway"/>
               <a:buNone/>
-              <a:defRPr b="1" sz="3000">
+              <a:defRPr sz="3000" b="1">
                 <a:solidFill>
                   <a:schemeClr val="dk2"/>
                 </a:solidFill>
@@ -7040,7 +7235,7 @@
               <a:buSzPts val="3000"/>
               <a:buFont typeface="Raleway"/>
               <a:buNone/>
-              <a:defRPr b="1" sz="3000">
+              <a:defRPr sz="3000" b="1">
                 <a:solidFill>
                   <a:schemeClr val="dk2"/>
                 </a:solidFill>
@@ -7063,7 +7258,7 @@
               <a:buSzPts val="3000"/>
               <a:buFont typeface="Raleway"/>
               <a:buNone/>
-              <a:defRPr b="1" sz="3000">
+              <a:defRPr sz="3000" b="1">
                 <a:solidFill>
                   <a:schemeClr val="dk2"/>
                 </a:solidFill>
@@ -7086,7 +7281,7 @@
               <a:buSzPts val="3000"/>
               <a:buFont typeface="Raleway"/>
               <a:buNone/>
-              <a:defRPr b="1" sz="3000">
+              <a:defRPr sz="3000" b="1">
                 <a:solidFill>
                   <a:schemeClr val="dk2"/>
                 </a:solidFill>
@@ -7109,7 +7304,7 @@
               <a:buSzPts val="3000"/>
               <a:buFont typeface="Raleway"/>
               <a:buNone/>
-              <a:defRPr b="1" sz="3000">
+              <a:defRPr sz="3000" b="1">
                 <a:solidFill>
                   <a:schemeClr val="dk2"/>
                 </a:solidFill>
@@ -7132,7 +7327,7 @@
               <a:buSzPts val="3000"/>
               <a:buFont typeface="Raleway"/>
               <a:buNone/>
-              <a:defRPr b="1" sz="3000">
+              <a:defRPr sz="3000" b="1">
                 <a:solidFill>
                   <a:schemeClr val="dk2"/>
                 </a:solidFill>
@@ -7155,7 +7350,7 @@
               <a:buSzPts val="3000"/>
               <a:buFont typeface="Raleway"/>
               <a:buNone/>
-              <a:defRPr b="1" sz="3000">
+              <a:defRPr sz="3000" b="1">
                 <a:solidFill>
                   <a:schemeClr val="dk2"/>
                 </a:solidFill>
@@ -7166,15 +7361,19 @@
               </a:defRPr>
             </a:lvl9pPr>
           </a:lstStyle>
-          <a:p/>
+          <a:p>
+            <a:endParaRPr/>
+          </a:p>
         </p:txBody>
       </p:sp>
       <p:sp>
         <p:nvSpPr>
           <p:cNvPr id="7" name="Google Shape;7;p1"/>
-          <p:cNvSpPr txBox="1"/>
+          <p:cNvSpPr txBox="1">
+            <a:spLocks noGrp="1"/>
+          </p:cNvSpPr>
           <p:nvPr>
-            <p:ph idx="1" type="body"/>
+            <p:ph type="body" idx="1"/>
           </p:nvPr>
         </p:nvSpPr>
         <p:spPr>
@@ -7191,11 +7390,11 @@
           </a:ln>
         </p:spPr>
         <p:txBody>
-          <a:bodyPr anchorCtr="0" anchor="t" bIns="91425" lIns="91425" spcFirstLastPara="1" rIns="91425" wrap="square" tIns="91425">
+          <a:bodyPr spcFirstLastPara="1" wrap="square" lIns="91425" tIns="91425" rIns="91425" bIns="91425" anchor="t" anchorCtr="0">
             <a:noAutofit/>
           </a:bodyPr>
           <a:lstStyle>
-            <a:lvl1pPr indent="-342900" lvl="0" marL="457200" rtl="0">
+            <a:lvl1pPr marL="457200" lvl="0" indent="-342900" rtl="0">
               <a:lnSpc>
                 <a:spcPct val="115000"/>
               </a:lnSpc>
@@ -7221,7 +7420,7 @@
                 <a:sym typeface="Lato"/>
               </a:defRPr>
             </a:lvl1pPr>
-            <a:lvl2pPr indent="-317500" lvl="1" marL="914400" rtl="0">
+            <a:lvl2pPr marL="914400" lvl="1" indent="-317500" rtl="0">
               <a:lnSpc>
                 <a:spcPct val="115000"/>
               </a:lnSpc>
@@ -7247,7 +7446,7 @@
                 <a:sym typeface="Lato"/>
               </a:defRPr>
             </a:lvl2pPr>
-            <a:lvl3pPr indent="-317500" lvl="2" marL="1371600" rtl="0">
+            <a:lvl3pPr marL="1371600" lvl="2" indent="-317500" rtl="0">
               <a:lnSpc>
                 <a:spcPct val="115000"/>
               </a:lnSpc>
@@ -7273,7 +7472,7 @@
                 <a:sym typeface="Lato"/>
               </a:defRPr>
             </a:lvl3pPr>
-            <a:lvl4pPr indent="-317500" lvl="3" marL="1828800" rtl="0">
+            <a:lvl4pPr marL="1828800" lvl="3" indent="-317500" rtl="0">
               <a:lnSpc>
                 <a:spcPct val="115000"/>
               </a:lnSpc>
@@ -7299,7 +7498,7 @@
                 <a:sym typeface="Lato"/>
               </a:defRPr>
             </a:lvl4pPr>
-            <a:lvl5pPr indent="-317500" lvl="4" marL="2286000" rtl="0">
+            <a:lvl5pPr marL="2286000" lvl="4" indent="-317500" rtl="0">
               <a:lnSpc>
                 <a:spcPct val="115000"/>
               </a:lnSpc>
@@ -7325,7 +7524,7 @@
                 <a:sym typeface="Lato"/>
               </a:defRPr>
             </a:lvl5pPr>
-            <a:lvl6pPr indent="-317500" lvl="5" marL="2743200" rtl="0">
+            <a:lvl6pPr marL="2743200" lvl="5" indent="-317500" rtl="0">
               <a:lnSpc>
                 <a:spcPct val="115000"/>
               </a:lnSpc>
@@ -7351,7 +7550,7 @@
                 <a:sym typeface="Lato"/>
               </a:defRPr>
             </a:lvl6pPr>
-            <a:lvl7pPr indent="-317500" lvl="6" marL="3200400" rtl="0">
+            <a:lvl7pPr marL="3200400" lvl="6" indent="-317500" rtl="0">
               <a:lnSpc>
                 <a:spcPct val="115000"/>
               </a:lnSpc>
@@ -7377,7 +7576,7 @@
                 <a:sym typeface="Lato"/>
               </a:defRPr>
             </a:lvl7pPr>
-            <a:lvl8pPr indent="-317500" lvl="7" marL="3657600" rtl="0">
+            <a:lvl8pPr marL="3657600" lvl="7" indent="-317500" rtl="0">
               <a:lnSpc>
                 <a:spcPct val="115000"/>
               </a:lnSpc>
@@ -7403,7 +7602,7 @@
                 <a:sym typeface="Lato"/>
               </a:defRPr>
             </a:lvl8pPr>
-            <a:lvl9pPr indent="-317500" lvl="8" marL="4114800" rtl="0">
+            <a:lvl9pPr marL="4114800" lvl="8" indent="-317500" rtl="0">
               <a:lnSpc>
                 <a:spcPct val="115000"/>
               </a:lnSpc>
@@ -7430,15 +7629,19 @@
               </a:defRPr>
             </a:lvl9pPr>
           </a:lstStyle>
-          <a:p/>
+          <a:p>
+            <a:endParaRPr/>
+          </a:p>
         </p:txBody>
       </p:sp>
       <p:sp>
         <p:nvSpPr>
           <p:cNvPr id="8" name="Google Shape;8;p1"/>
-          <p:cNvSpPr txBox="1"/>
+          <p:cNvSpPr txBox="1">
+            <a:spLocks noGrp="1"/>
+          </p:cNvSpPr>
           <p:nvPr>
-            <p:ph idx="12" type="sldNum"/>
+            <p:ph type="sldNum" idx="12"/>
           </p:nvPr>
         </p:nvSpPr>
         <p:spPr>
@@ -7455,11 +7658,11 @@
           </a:ln>
         </p:spPr>
         <p:txBody>
-          <a:bodyPr anchorCtr="0" anchor="ctr" bIns="91425" lIns="91425" spcFirstLastPara="1" rIns="91425" wrap="square" tIns="91425">
+          <a:bodyPr spcFirstLastPara="1" wrap="square" lIns="91425" tIns="91425" rIns="91425" bIns="91425" anchor="ctr" anchorCtr="0">
             <a:noAutofit/>
           </a:bodyPr>
           <a:lstStyle>
-            <a:lvl1pPr lvl="0" rtl="0" algn="r">
+            <a:lvl1pPr lvl="0" algn="r" rtl="0">
               <a:buNone/>
               <a:defRPr sz="1000">
                 <a:solidFill>
@@ -7471,7 +7674,7 @@
                 <a:sym typeface="Lato"/>
               </a:defRPr>
             </a:lvl1pPr>
-            <a:lvl2pPr lvl="1" rtl="0" algn="r">
+            <a:lvl2pPr lvl="1" algn="r" rtl="0">
               <a:buNone/>
               <a:defRPr sz="1000">
                 <a:solidFill>
@@ -7483,7 +7686,7 @@
                 <a:sym typeface="Lato"/>
               </a:defRPr>
             </a:lvl2pPr>
-            <a:lvl3pPr lvl="2" rtl="0" algn="r">
+            <a:lvl3pPr lvl="2" algn="r" rtl="0">
               <a:buNone/>
               <a:defRPr sz="1000">
                 <a:solidFill>
@@ -7495,7 +7698,7 @@
                 <a:sym typeface="Lato"/>
               </a:defRPr>
             </a:lvl3pPr>
-            <a:lvl4pPr lvl="3" rtl="0" algn="r">
+            <a:lvl4pPr lvl="3" algn="r" rtl="0">
               <a:buNone/>
               <a:defRPr sz="1000">
                 <a:solidFill>
@@ -7507,7 +7710,7 @@
                 <a:sym typeface="Lato"/>
               </a:defRPr>
             </a:lvl4pPr>
-            <a:lvl5pPr lvl="4" rtl="0" algn="r">
+            <a:lvl5pPr lvl="4" algn="r" rtl="0">
               <a:buNone/>
               <a:defRPr sz="1000">
                 <a:solidFill>
@@ -7519,7 +7722,7 @@
                 <a:sym typeface="Lato"/>
               </a:defRPr>
             </a:lvl5pPr>
-            <a:lvl6pPr lvl="5" rtl="0" algn="r">
+            <a:lvl6pPr lvl="5" algn="r" rtl="0">
               <a:buNone/>
               <a:defRPr sz="1000">
                 <a:solidFill>
@@ -7531,7 +7734,7 @@
                 <a:sym typeface="Lato"/>
               </a:defRPr>
             </a:lvl6pPr>
-            <a:lvl7pPr lvl="6" rtl="0" algn="r">
+            <a:lvl7pPr lvl="6" algn="r" rtl="0">
               <a:buNone/>
               <a:defRPr sz="1000">
                 <a:solidFill>
@@ -7543,7 +7746,7 @@
                 <a:sym typeface="Lato"/>
               </a:defRPr>
             </a:lvl7pPr>
-            <a:lvl8pPr lvl="7" rtl="0" algn="r">
+            <a:lvl8pPr lvl="7" algn="r" rtl="0">
               <a:buNone/>
               <a:defRPr sz="1000">
                 <a:solidFill>
@@ -7555,7 +7758,7 @@
                 <a:sym typeface="Lato"/>
               </a:defRPr>
             </a:lvl8pPr>
-            <a:lvl9pPr lvl="8" rtl="0" algn="r">
+            <a:lvl9pPr lvl="8" algn="r" rtl="0">
               <a:buNone/>
               <a:defRPr sz="1000">
                 <a:solidFill>
@@ -7569,7 +7772,7 @@
             </a:lvl9pPr>
           </a:lstStyle>
           <a:p>
-            <a:pPr indent="0" lvl="0" marL="0" rtl="0" algn="r">
+            <a:pPr marL="0" lvl="0" indent="0" algn="r" rtl="0">
               <a:spcBef>
                 <a:spcPts val="0"/>
               </a:spcBef>
@@ -7588,7 +7791,7 @@
       </p:sp>
     </p:spTree>
   </p:cSld>
-  <p:clrMap accent1="accent1" accent2="accent2" accent3="accent3" accent4="accent4" accent5="accent5" accent6="accent6" bg1="lt1" bg2="dk2" tx1="dk1" tx2="lt2" folHlink="folHlink" hlink="hlink"/>
+  <p:clrMap bg1="lt1" tx1="dk1" bg2="dk2" tx2="lt2" accent1="accent1" accent2="accent2" accent3="accent3" accent4="accent4" accent5="accent5" accent6="accent6" hlink="hlink" folHlink="folHlink"/>
   <p:sldLayoutIdLst>
     <p:sldLayoutId id="2147483648" r:id="rId1"/>
     <p:sldLayoutId id="2147483649" r:id="rId2"/>
@@ -7602,10 +7805,10 @@
     <p:sldLayoutId id="2147483657" r:id="rId10"/>
     <p:sldLayoutId id="2147483658" r:id="rId11"/>
   </p:sldLayoutIdLst>
-  <p:hf dt="0" ftr="0" hdr="0" sldNum="0"/>
+  <p:hf sldNum="0" hdr="0" ftr="0" dt="0"/>
   <p:txStyles>
     <p:titleStyle>
-      <a:defPPr lvl="0" marR="0" rtl="0" algn="l">
+      <a:defPPr marR="0" lvl="0" algn="l" rtl="0">
         <a:lnSpc>
           <a:spcPct val="100000"/>
         </a:lnSpc>
@@ -7616,7 +7819,7 @@
           <a:spcPts val="0"/>
         </a:spcAft>
       </a:defPPr>
-      <a:lvl1pPr lvl="0" marR="0" rtl="0" algn="l">
+      <a:lvl1pPr marR="0" lvl="0" algn="l" rtl="0">
         <a:lnSpc>
           <a:spcPct val="100000"/>
         </a:lnSpc>
@@ -7630,7 +7833,7 @@
           <a:srgbClr val="000000"/>
         </a:buClr>
         <a:buFont typeface="Arial"/>
-        <a:defRPr b="0" i="0" sz="1400" u="none" cap="none" strike="noStrike">
+        <a:defRPr sz="1400" b="0" i="0" u="none" strike="noStrike" cap="none">
           <a:solidFill>
             <a:srgbClr val="000000"/>
           </a:solidFill>
@@ -7640,7 +7843,7 @@
           <a:sym typeface="Arial"/>
         </a:defRPr>
       </a:lvl1pPr>
-      <a:lvl2pPr lvl="1" marR="0" rtl="0" algn="l">
+      <a:lvl2pPr marR="0" lvl="1" algn="l" rtl="0">
         <a:lnSpc>
           <a:spcPct val="100000"/>
         </a:lnSpc>
@@ -7654,7 +7857,7 @@
           <a:srgbClr val="000000"/>
         </a:buClr>
         <a:buFont typeface="Arial"/>
-        <a:defRPr b="0" i="0" sz="1400" u="none" cap="none" strike="noStrike">
+        <a:defRPr sz="1400" b="0" i="0" u="none" strike="noStrike" cap="none">
           <a:solidFill>
             <a:srgbClr val="000000"/>
           </a:solidFill>
@@ -7664,7 +7867,7 @@
           <a:sym typeface="Arial"/>
         </a:defRPr>
       </a:lvl2pPr>
-      <a:lvl3pPr lvl="2" marR="0" rtl="0" algn="l">
+      <a:lvl3pPr marR="0" lvl="2" algn="l" rtl="0">
         <a:lnSpc>
           <a:spcPct val="100000"/>
         </a:lnSpc>
@@ -7678,7 +7881,7 @@
           <a:srgbClr val="000000"/>
         </a:buClr>
         <a:buFont typeface="Arial"/>
-        <a:defRPr b="0" i="0" sz="1400" u="none" cap="none" strike="noStrike">
+        <a:defRPr sz="1400" b="0" i="0" u="none" strike="noStrike" cap="none">
           <a:solidFill>
             <a:srgbClr val="000000"/>
           </a:solidFill>
@@ -7688,7 +7891,7 @@
           <a:sym typeface="Arial"/>
         </a:defRPr>
       </a:lvl3pPr>
-      <a:lvl4pPr lvl="3" marR="0" rtl="0" algn="l">
+      <a:lvl4pPr marR="0" lvl="3" algn="l" rtl="0">
         <a:lnSpc>
           <a:spcPct val="100000"/>
         </a:lnSpc>
@@ -7702,7 +7905,7 @@
           <a:srgbClr val="000000"/>
         </a:buClr>
         <a:buFont typeface="Arial"/>
-        <a:defRPr b="0" i="0" sz="1400" u="none" cap="none" strike="noStrike">
+        <a:defRPr sz="1400" b="0" i="0" u="none" strike="noStrike" cap="none">
           <a:solidFill>
             <a:srgbClr val="000000"/>
           </a:solidFill>
@@ -7712,7 +7915,7 @@
           <a:sym typeface="Arial"/>
         </a:defRPr>
       </a:lvl4pPr>
-      <a:lvl5pPr lvl="4" marR="0" rtl="0" algn="l">
+      <a:lvl5pPr marR="0" lvl="4" algn="l" rtl="0">
         <a:lnSpc>
           <a:spcPct val="100000"/>
         </a:lnSpc>
@@ -7726,7 +7929,7 @@
           <a:srgbClr val="000000"/>
         </a:buClr>
         <a:buFont typeface="Arial"/>
-        <a:defRPr b="0" i="0" sz="1400" u="none" cap="none" strike="noStrike">
+        <a:defRPr sz="1400" b="0" i="0" u="none" strike="noStrike" cap="none">
           <a:solidFill>
             <a:srgbClr val="000000"/>
           </a:solidFill>
@@ -7736,7 +7939,7 @@
           <a:sym typeface="Arial"/>
         </a:defRPr>
       </a:lvl5pPr>
-      <a:lvl6pPr lvl="5" marR="0" rtl="0" algn="l">
+      <a:lvl6pPr marR="0" lvl="5" algn="l" rtl="0">
         <a:lnSpc>
           <a:spcPct val="100000"/>
         </a:lnSpc>
@@ -7750,7 +7953,7 @@
           <a:srgbClr val="000000"/>
         </a:buClr>
         <a:buFont typeface="Arial"/>
-        <a:defRPr b="0" i="0" sz="1400" u="none" cap="none" strike="noStrike">
+        <a:defRPr sz="1400" b="0" i="0" u="none" strike="noStrike" cap="none">
           <a:solidFill>
             <a:srgbClr val="000000"/>
           </a:solidFill>
@@ -7760,7 +7963,7 @@
           <a:sym typeface="Arial"/>
         </a:defRPr>
       </a:lvl6pPr>
-      <a:lvl7pPr lvl="6" marR="0" rtl="0" algn="l">
+      <a:lvl7pPr marR="0" lvl="6" algn="l" rtl="0">
         <a:lnSpc>
           <a:spcPct val="100000"/>
         </a:lnSpc>
@@ -7774,7 +7977,7 @@
           <a:srgbClr val="000000"/>
         </a:buClr>
         <a:buFont typeface="Arial"/>
-        <a:defRPr b="0" i="0" sz="1400" u="none" cap="none" strike="noStrike">
+        <a:defRPr sz="1400" b="0" i="0" u="none" strike="noStrike" cap="none">
           <a:solidFill>
             <a:srgbClr val="000000"/>
           </a:solidFill>
@@ -7784,7 +7987,7 @@
           <a:sym typeface="Arial"/>
         </a:defRPr>
       </a:lvl7pPr>
-      <a:lvl8pPr lvl="7" marR="0" rtl="0" algn="l">
+      <a:lvl8pPr marR="0" lvl="7" algn="l" rtl="0">
         <a:lnSpc>
           <a:spcPct val="100000"/>
         </a:lnSpc>
@@ -7798,7 +8001,7 @@
           <a:srgbClr val="000000"/>
         </a:buClr>
         <a:buFont typeface="Arial"/>
-        <a:defRPr b="0" i="0" sz="1400" u="none" cap="none" strike="noStrike">
+        <a:defRPr sz="1400" b="0" i="0" u="none" strike="noStrike" cap="none">
           <a:solidFill>
             <a:srgbClr val="000000"/>
           </a:solidFill>
@@ -7808,7 +8011,7 @@
           <a:sym typeface="Arial"/>
         </a:defRPr>
       </a:lvl8pPr>
-      <a:lvl9pPr lvl="8" marR="0" rtl="0" algn="l">
+      <a:lvl9pPr marR="0" lvl="8" algn="l" rtl="0">
         <a:lnSpc>
           <a:spcPct val="100000"/>
         </a:lnSpc>
@@ -7822,7 +8025,7 @@
           <a:srgbClr val="000000"/>
         </a:buClr>
         <a:buFont typeface="Arial"/>
-        <a:defRPr b="0" i="0" sz="1400" u="none" cap="none" strike="noStrike">
+        <a:defRPr sz="1400" b="0" i="0" u="none" strike="noStrike" cap="none">
           <a:solidFill>
             <a:srgbClr val="000000"/>
           </a:solidFill>
@@ -7834,7 +8037,7 @@
       </a:lvl9pPr>
     </p:titleStyle>
     <p:bodyStyle>
-      <a:defPPr lvl="0" marR="0" rtl="0" algn="l">
+      <a:defPPr marR="0" lvl="0" algn="l" rtl="0">
         <a:lnSpc>
           <a:spcPct val="100000"/>
         </a:lnSpc>
@@ -7845,7 +8048,7 @@
           <a:spcPts val="0"/>
         </a:spcAft>
       </a:defPPr>
-      <a:lvl1pPr lvl="0" marR="0" rtl="0" algn="l">
+      <a:lvl1pPr marR="0" lvl="0" algn="l" rtl="0">
         <a:lnSpc>
           <a:spcPct val="100000"/>
         </a:lnSpc>
@@ -7859,7 +8062,7 @@
           <a:srgbClr val="000000"/>
         </a:buClr>
         <a:buFont typeface="Arial"/>
-        <a:defRPr b="0" i="0" sz="1400" u="none" cap="none" strike="noStrike">
+        <a:defRPr sz="1400" b="0" i="0" u="none" strike="noStrike" cap="none">
           <a:solidFill>
             <a:srgbClr val="000000"/>
           </a:solidFill>
@@ -7869,7 +8072,7 @@
           <a:sym typeface="Arial"/>
         </a:defRPr>
       </a:lvl1pPr>
-      <a:lvl2pPr lvl="1" marR="0" rtl="0" algn="l">
+      <a:lvl2pPr marR="0" lvl="1" algn="l" rtl="0">
         <a:lnSpc>
           <a:spcPct val="100000"/>
         </a:lnSpc>
@@ -7883,7 +8086,7 @@
           <a:srgbClr val="000000"/>
         </a:buClr>
         <a:buFont typeface="Arial"/>
-        <a:defRPr b="0" i="0" sz="1400" u="none" cap="none" strike="noStrike">
+        <a:defRPr sz="1400" b="0" i="0" u="none" strike="noStrike" cap="none">
           <a:solidFill>
             <a:srgbClr val="000000"/>
           </a:solidFill>
@@ -7893,7 +8096,7 @@
           <a:sym typeface="Arial"/>
         </a:defRPr>
       </a:lvl2pPr>
-      <a:lvl3pPr lvl="2" marR="0" rtl="0" algn="l">
+      <a:lvl3pPr marR="0" lvl="2" algn="l" rtl="0">
         <a:lnSpc>
           <a:spcPct val="100000"/>
         </a:lnSpc>
@@ -7907,7 +8110,7 @@
           <a:srgbClr val="000000"/>
         </a:buClr>
         <a:buFont typeface="Arial"/>
-        <a:defRPr b="0" i="0" sz="1400" u="none" cap="none" strike="noStrike">
+        <a:defRPr sz="1400" b="0" i="0" u="none" strike="noStrike" cap="none">
           <a:solidFill>
             <a:srgbClr val="000000"/>
           </a:solidFill>
@@ -7917,7 +8120,7 @@
           <a:sym typeface="Arial"/>
         </a:defRPr>
       </a:lvl3pPr>
-      <a:lvl4pPr lvl="3" marR="0" rtl="0" algn="l">
+      <a:lvl4pPr marR="0" lvl="3" algn="l" rtl="0">
         <a:lnSpc>
           <a:spcPct val="100000"/>
         </a:lnSpc>
@@ -7931,7 +8134,7 @@
           <a:srgbClr val="000000"/>
         </a:buClr>
         <a:buFont typeface="Arial"/>
-        <a:defRPr b="0" i="0" sz="1400" u="none" cap="none" strike="noStrike">
+        <a:defRPr sz="1400" b="0" i="0" u="none" strike="noStrike" cap="none">
           <a:solidFill>
             <a:srgbClr val="000000"/>
           </a:solidFill>
@@ -7941,7 +8144,7 @@
           <a:sym typeface="Arial"/>
         </a:defRPr>
       </a:lvl4pPr>
-      <a:lvl5pPr lvl="4" marR="0" rtl="0" algn="l">
+      <a:lvl5pPr marR="0" lvl="4" algn="l" rtl="0">
         <a:lnSpc>
           <a:spcPct val="100000"/>
         </a:lnSpc>
@@ -7955,7 +8158,7 @@
           <a:srgbClr val="000000"/>
         </a:buClr>
         <a:buFont typeface="Arial"/>
-        <a:defRPr b="0" i="0" sz="1400" u="none" cap="none" strike="noStrike">
+        <a:defRPr sz="1400" b="0" i="0" u="none" strike="noStrike" cap="none">
           <a:solidFill>
             <a:srgbClr val="000000"/>
           </a:solidFill>
@@ -7965,7 +8168,7 @@
           <a:sym typeface="Arial"/>
         </a:defRPr>
       </a:lvl5pPr>
-      <a:lvl6pPr lvl="5" marR="0" rtl="0" algn="l">
+      <a:lvl6pPr marR="0" lvl="5" algn="l" rtl="0">
         <a:lnSpc>
           <a:spcPct val="100000"/>
         </a:lnSpc>
@@ -7979,7 +8182,7 @@
           <a:srgbClr val="000000"/>
         </a:buClr>
         <a:buFont typeface="Arial"/>
-        <a:defRPr b="0" i="0" sz="1400" u="none" cap="none" strike="noStrike">
+        <a:defRPr sz="1400" b="0" i="0" u="none" strike="noStrike" cap="none">
           <a:solidFill>
             <a:srgbClr val="000000"/>
           </a:solidFill>
@@ -7989,7 +8192,7 @@
           <a:sym typeface="Arial"/>
         </a:defRPr>
       </a:lvl6pPr>
-      <a:lvl7pPr lvl="6" marR="0" rtl="0" algn="l">
+      <a:lvl7pPr marR="0" lvl="6" algn="l" rtl="0">
         <a:lnSpc>
           <a:spcPct val="100000"/>
         </a:lnSpc>
@@ -8003,7 +8206,7 @@
           <a:srgbClr val="000000"/>
         </a:buClr>
         <a:buFont typeface="Arial"/>
-        <a:defRPr b="0" i="0" sz="1400" u="none" cap="none" strike="noStrike">
+        <a:defRPr sz="1400" b="0" i="0" u="none" strike="noStrike" cap="none">
           <a:solidFill>
             <a:srgbClr val="000000"/>
           </a:solidFill>
@@ -8013,7 +8216,7 @@
           <a:sym typeface="Arial"/>
         </a:defRPr>
       </a:lvl7pPr>
-      <a:lvl8pPr lvl="7" marR="0" rtl="0" algn="l">
+      <a:lvl8pPr marR="0" lvl="7" algn="l" rtl="0">
         <a:lnSpc>
           <a:spcPct val="100000"/>
         </a:lnSpc>
@@ -8027,7 +8230,7 @@
           <a:srgbClr val="000000"/>
         </a:buClr>
         <a:buFont typeface="Arial"/>
-        <a:defRPr b="0" i="0" sz="1400" u="none" cap="none" strike="noStrike">
+        <a:defRPr sz="1400" b="0" i="0" u="none" strike="noStrike" cap="none">
           <a:solidFill>
             <a:srgbClr val="000000"/>
           </a:solidFill>
@@ -8037,7 +8240,7 @@
           <a:sym typeface="Arial"/>
         </a:defRPr>
       </a:lvl8pPr>
-      <a:lvl9pPr lvl="8" marR="0" rtl="0" algn="l">
+      <a:lvl9pPr marR="0" lvl="8" algn="l" rtl="0">
         <a:lnSpc>
           <a:spcPct val="100000"/>
         </a:lnSpc>
@@ -8051,7 +8254,7 @@
           <a:srgbClr val="000000"/>
         </a:buClr>
         <a:buFont typeface="Arial"/>
-        <a:defRPr b="0" i="0" sz="1400" u="none" cap="none" strike="noStrike">
+        <a:defRPr sz="1400" b="0" i="0" u="none" strike="noStrike" cap="none">
           <a:solidFill>
             <a:srgbClr val="000000"/>
           </a:solidFill>
@@ -8063,7 +8266,7 @@
       </a:lvl9pPr>
     </p:bodyStyle>
     <p:otherStyle>
-      <a:defPPr lvl="0" marR="0" rtl="0" algn="l">
+      <a:defPPr marR="0" lvl="0" algn="l" rtl="0">
         <a:lnSpc>
           <a:spcPct val="100000"/>
         </a:lnSpc>
@@ -8074,7 +8277,7 @@
           <a:spcPts val="0"/>
         </a:spcAft>
       </a:defPPr>
-      <a:lvl1pPr lvl="0" marR="0" rtl="0" algn="l">
+      <a:lvl1pPr marR="0" lvl="0" algn="l" rtl="0">
         <a:lnSpc>
           <a:spcPct val="100000"/>
         </a:lnSpc>
@@ -8088,7 +8291,7 @@
           <a:srgbClr val="000000"/>
         </a:buClr>
         <a:buFont typeface="Arial"/>
-        <a:defRPr b="0" i="0" sz="1400" u="none" cap="none" strike="noStrike">
+        <a:defRPr sz="1400" b="0" i="0" u="none" strike="noStrike" cap="none">
           <a:solidFill>
             <a:srgbClr val="000000"/>
           </a:solidFill>
@@ -8098,7 +8301,7 @@
           <a:sym typeface="Arial"/>
         </a:defRPr>
       </a:lvl1pPr>
-      <a:lvl2pPr lvl="1" marR="0" rtl="0" algn="l">
+      <a:lvl2pPr marR="0" lvl="1" algn="l" rtl="0">
         <a:lnSpc>
           <a:spcPct val="100000"/>
         </a:lnSpc>
@@ -8112,7 +8315,7 @@
           <a:srgbClr val="000000"/>
         </a:buClr>
         <a:buFont typeface="Arial"/>
-        <a:defRPr b="0" i="0" sz="1400" u="none" cap="none" strike="noStrike">
+        <a:defRPr sz="1400" b="0" i="0" u="none" strike="noStrike" cap="none">
           <a:solidFill>
             <a:srgbClr val="000000"/>
           </a:solidFill>
@@ -8122,7 +8325,7 @@
           <a:sym typeface="Arial"/>
         </a:defRPr>
       </a:lvl2pPr>
-      <a:lvl3pPr lvl="2" marR="0" rtl="0" algn="l">
+      <a:lvl3pPr marR="0" lvl="2" algn="l" rtl="0">
         <a:lnSpc>
           <a:spcPct val="100000"/>
         </a:lnSpc>
@@ -8136,7 +8339,7 @@
           <a:srgbClr val="000000"/>
         </a:buClr>
         <a:buFont typeface="Arial"/>
-        <a:defRPr b="0" i="0" sz="1400" u="none" cap="none" strike="noStrike">
+        <a:defRPr sz="1400" b="0" i="0" u="none" strike="noStrike" cap="none">
           <a:solidFill>
             <a:srgbClr val="000000"/>
           </a:solidFill>
@@ -8146,7 +8349,7 @@
           <a:sym typeface="Arial"/>
         </a:defRPr>
       </a:lvl3pPr>
-      <a:lvl4pPr lvl="3" marR="0" rtl="0" algn="l">
+      <a:lvl4pPr marR="0" lvl="3" algn="l" rtl="0">
         <a:lnSpc>
           <a:spcPct val="100000"/>
         </a:lnSpc>
@@ -8160,7 +8363,7 @@
           <a:srgbClr val="000000"/>
         </a:buClr>
         <a:buFont typeface="Arial"/>
-        <a:defRPr b="0" i="0" sz="1400" u="none" cap="none" strike="noStrike">
+        <a:defRPr sz="1400" b="0" i="0" u="none" strike="noStrike" cap="none">
           <a:solidFill>
             <a:srgbClr val="000000"/>
           </a:solidFill>
@@ -8170,7 +8373,7 @@
           <a:sym typeface="Arial"/>
         </a:defRPr>
       </a:lvl4pPr>
-      <a:lvl5pPr lvl="4" marR="0" rtl="0" algn="l">
+      <a:lvl5pPr marR="0" lvl="4" algn="l" rtl="0">
         <a:lnSpc>
           <a:spcPct val="100000"/>
         </a:lnSpc>
@@ -8184,7 +8387,7 @@
           <a:srgbClr val="000000"/>
         </a:buClr>
         <a:buFont typeface="Arial"/>
-        <a:defRPr b="0" i="0" sz="1400" u="none" cap="none" strike="noStrike">
+        <a:defRPr sz="1400" b="0" i="0" u="none" strike="noStrike" cap="none">
           <a:solidFill>
             <a:srgbClr val="000000"/>
           </a:solidFill>
@@ -8194,7 +8397,7 @@
           <a:sym typeface="Arial"/>
         </a:defRPr>
       </a:lvl5pPr>
-      <a:lvl6pPr lvl="5" marR="0" rtl="0" algn="l">
+      <a:lvl6pPr marR="0" lvl="5" algn="l" rtl="0">
         <a:lnSpc>
           <a:spcPct val="100000"/>
         </a:lnSpc>
@@ -8208,7 +8411,7 @@
           <a:srgbClr val="000000"/>
         </a:buClr>
         <a:buFont typeface="Arial"/>
-        <a:defRPr b="0" i="0" sz="1400" u="none" cap="none" strike="noStrike">
+        <a:defRPr sz="1400" b="0" i="0" u="none" strike="noStrike" cap="none">
           <a:solidFill>
             <a:srgbClr val="000000"/>
           </a:solidFill>
@@ -8218,7 +8421,7 @@
           <a:sym typeface="Arial"/>
         </a:defRPr>
       </a:lvl6pPr>
-      <a:lvl7pPr lvl="6" marR="0" rtl="0" algn="l">
+      <a:lvl7pPr marR="0" lvl="6" algn="l" rtl="0">
         <a:lnSpc>
           <a:spcPct val="100000"/>
         </a:lnSpc>
@@ -8232,7 +8435,7 @@
           <a:srgbClr val="000000"/>
         </a:buClr>
         <a:buFont typeface="Arial"/>
-        <a:defRPr b="0" i="0" sz="1400" u="none" cap="none" strike="noStrike">
+        <a:defRPr sz="1400" b="0" i="0" u="none" strike="noStrike" cap="none">
           <a:solidFill>
             <a:srgbClr val="000000"/>
           </a:solidFill>
@@ -8242,7 +8445,7 @@
           <a:sym typeface="Arial"/>
         </a:defRPr>
       </a:lvl7pPr>
-      <a:lvl8pPr lvl="7" marR="0" rtl="0" algn="l">
+      <a:lvl8pPr marR="0" lvl="7" algn="l" rtl="0">
         <a:lnSpc>
           <a:spcPct val="100000"/>
         </a:lnSpc>
@@ -8256,7 +8459,7 @@
           <a:srgbClr val="000000"/>
         </a:buClr>
         <a:buFont typeface="Arial"/>
-        <a:defRPr b="0" i="0" sz="1400" u="none" cap="none" strike="noStrike">
+        <a:defRPr sz="1400" b="0" i="0" u="none" strike="noStrike" cap="none">
           <a:solidFill>
             <a:srgbClr val="000000"/>
           </a:solidFill>
@@ -8266,7 +8469,7 @@
           <a:sym typeface="Arial"/>
         </a:defRPr>
       </a:lvl8pPr>
-      <a:lvl9pPr lvl="8" marR="0" rtl="0" algn="l">
+      <a:lvl9pPr marR="0" lvl="8" algn="l" rtl="0">
         <a:lnSpc>
           <a:spcPct val="100000"/>
         </a:lnSpc>
@@ -8280,7 +8483,7 @@
           <a:srgbClr val="000000"/>
         </a:buClr>
         <a:buFont typeface="Arial"/>
-        <a:defRPr b="0" i="0" sz="1400" u="none" cap="none" strike="noStrike">
+        <a:defRPr sz="1400" b="0" i="0" u="none" strike="noStrike" cap="none">
           <a:solidFill>
             <a:srgbClr val="000000"/>
           </a:solidFill>
@@ -8296,11 +8499,11 @@
 </file>
 
 <file path=ppt/slides/slide1.xml><?xml version="1.0" encoding="utf-8"?>
-<p:sld xmlns:a="http://schemas.openxmlformats.org/drawingml/2006/main" xmlns:r="http://schemas.openxmlformats.org/officeDocument/2006/relationships" xmlns:mc="http://schemas.openxmlformats.org/markup-compatibility/2006" xmlns:mv="urn:schemas-microsoft-com:mac:vml" xmlns:p="http://schemas.openxmlformats.org/presentationml/2006/main" xmlns:c="http://schemas.openxmlformats.org/drawingml/2006/chart" xmlns:dgm="http://schemas.openxmlformats.org/drawingml/2006/diagram" xmlns:o="urn:schemas-microsoft-com:office:office" xmlns:v="urn:schemas-microsoft-com:vml" xmlns:pvml="urn:schemas-microsoft-com:office:powerpoint" xmlns:com="http://schemas.openxmlformats.org/drawingml/2006/compatibility" xmlns:p14="http://schemas.microsoft.com/office/powerpoint/2010/main" xmlns:p15="http://schemas.microsoft.com/office/powerpoint/2012/main" xmlns:ahyp="http://schemas.microsoft.com/office/drawing/2018/hyperlinkcolor">
+<p:sld xmlns:a="http://schemas.openxmlformats.org/drawingml/2006/main" xmlns:r="http://schemas.openxmlformats.org/officeDocument/2006/relationships" xmlns:p="http://schemas.openxmlformats.org/presentationml/2006/main">
   <p:cSld>
     <p:spTree>
       <p:nvGrpSpPr>
-        <p:cNvPr id="71" name="Shape 71"/>
+        <p:cNvPr id="1" name="Shape 71"/>
         <p:cNvGrpSpPr/>
         <p:nvPr/>
       </p:nvGrpSpPr>
@@ -8315,7 +8518,9 @@
       <p:sp>
         <p:nvSpPr>
           <p:cNvPr id="72" name="Google Shape;72;p13"/>
-          <p:cNvSpPr txBox="1"/>
+          <p:cNvSpPr txBox="1">
+            <a:spLocks noGrp="1"/>
+          </p:cNvSpPr>
           <p:nvPr>
             <p:ph type="ctrTitle"/>
           </p:nvPr>
@@ -8330,12 +8535,12 @@
           </a:prstGeom>
         </p:spPr>
         <p:txBody>
-          <a:bodyPr anchorCtr="0" anchor="t" bIns="91425" lIns="91425" spcFirstLastPara="1" rIns="91425" wrap="square" tIns="91425">
+          <a:bodyPr spcFirstLastPara="1" wrap="square" lIns="91425" tIns="91425" rIns="91425" bIns="91425" anchor="t" anchorCtr="0">
             <a:noAutofit/>
           </a:bodyPr>
           <a:lstStyle/>
           <a:p>
-            <a:pPr indent="0" lvl="0" marL="0" rtl="0" algn="l">
+            <a:pPr marL="0" lvl="0" indent="0" algn="l" rtl="0">
               <a:spcBef>
                 <a:spcPts val="0"/>
               </a:spcBef>
@@ -8355,9 +8560,11 @@
       <p:sp>
         <p:nvSpPr>
           <p:cNvPr id="73" name="Google Shape;73;p13"/>
-          <p:cNvSpPr txBox="1"/>
+          <p:cNvSpPr txBox="1">
+            <a:spLocks noGrp="1"/>
+          </p:cNvSpPr>
           <p:nvPr>
-            <p:ph idx="1" type="subTitle"/>
+            <p:ph type="subTitle" idx="1"/>
           </p:nvPr>
         </p:nvSpPr>
         <p:spPr>
@@ -8370,12 +8577,12 @@
           </a:prstGeom>
         </p:spPr>
         <p:txBody>
-          <a:bodyPr anchorCtr="0" anchor="b" bIns="91425" lIns="91425" spcFirstLastPara="1" rIns="91425" wrap="square" tIns="91425">
+          <a:bodyPr spcFirstLastPara="1" wrap="square" lIns="91425" tIns="91425" rIns="91425" bIns="91425" anchor="b" anchorCtr="0">
             <a:noAutofit/>
           </a:bodyPr>
           <a:lstStyle/>
           <a:p>
-            <a:pPr indent="0" lvl="0" marL="0" rtl="0" algn="l">
+            <a:pPr marL="0" lvl="0" indent="0" algn="l" rtl="0">
               <a:spcBef>
                 <a:spcPts val="0"/>
               </a:spcBef>
@@ -8388,7 +8595,7 @@
               <a:rPr lang="en" sz="2400"/>
               <a:t>Hannah Doyal</a:t>
             </a:r>
-            <a:endParaRPr b="1" sz="2400"/>
+            <a:endParaRPr sz="2400" b="1"/>
           </a:p>
         </p:txBody>
       </p:sp>
@@ -8401,11 +8608,11 @@
 </file>
 
 <file path=ppt/slides/slide10.xml><?xml version="1.0" encoding="utf-8"?>
-<p:sld xmlns:a="http://schemas.openxmlformats.org/drawingml/2006/main" xmlns:r="http://schemas.openxmlformats.org/officeDocument/2006/relationships" xmlns:mc="http://schemas.openxmlformats.org/markup-compatibility/2006" xmlns:mv="urn:schemas-microsoft-com:mac:vml" xmlns:p="http://schemas.openxmlformats.org/presentationml/2006/main" xmlns:c="http://schemas.openxmlformats.org/drawingml/2006/chart" xmlns:dgm="http://schemas.openxmlformats.org/drawingml/2006/diagram" xmlns:o="urn:schemas-microsoft-com:office:office" xmlns:v="urn:schemas-microsoft-com:vml" xmlns:pvml="urn:schemas-microsoft-com:office:powerpoint" xmlns:com="http://schemas.openxmlformats.org/drawingml/2006/compatibility" xmlns:p14="http://schemas.microsoft.com/office/powerpoint/2010/main" xmlns:p15="http://schemas.microsoft.com/office/powerpoint/2012/main" xmlns:ahyp="http://schemas.microsoft.com/office/drawing/2018/hyperlinkcolor">
+<p:sld xmlns:a="http://schemas.openxmlformats.org/drawingml/2006/main" xmlns:r="http://schemas.openxmlformats.org/officeDocument/2006/relationships" xmlns:p="http://schemas.openxmlformats.org/presentationml/2006/main">
   <p:cSld>
     <p:spTree>
       <p:nvGrpSpPr>
-        <p:cNvPr id="129" name="Shape 129"/>
+        <p:cNvPr id="1" name="Shape 129"/>
         <p:cNvGrpSpPr/>
         <p:nvPr/>
       </p:nvGrpSpPr>
@@ -8420,9 +8627,11 @@
       <p:sp>
         <p:nvSpPr>
           <p:cNvPr id="130" name="Google Shape;130;p22"/>
-          <p:cNvSpPr txBox="1"/>
+          <p:cNvSpPr txBox="1">
+            <a:spLocks noGrp="1"/>
+          </p:cNvSpPr>
           <p:nvPr>
-            <p:ph idx="4294967295" type="title"/>
+            <p:ph type="title" idx="4294967295"/>
           </p:nvPr>
         </p:nvSpPr>
         <p:spPr>
@@ -8435,12 +8644,12 @@
           </a:prstGeom>
         </p:spPr>
         <p:txBody>
-          <a:bodyPr anchorCtr="0" anchor="t" bIns="91425" lIns="91425" spcFirstLastPara="1" rIns="91425" wrap="square" tIns="91425">
+          <a:bodyPr spcFirstLastPara="1" wrap="square" lIns="91425" tIns="91425" rIns="91425" bIns="91425" anchor="t" anchorCtr="0">
             <a:noAutofit/>
           </a:bodyPr>
           <a:lstStyle/>
           <a:p>
-            <a:pPr indent="0" lvl="0" marL="0" rtl="0" algn="l">
+            <a:pPr marL="0" lvl="0" indent="0" algn="l" rtl="0">
               <a:lnSpc>
                 <a:spcPct val="100000"/>
               </a:lnSpc>
@@ -8464,7 +8673,7 @@
               </a:rPr>
               <a:t>Hypothesis 3: Higher view score is correlated with higher square footage.</a:t>
             </a:r>
-            <a:endParaRPr b="0" sz="1800">
+            <a:endParaRPr sz="1800" b="0">
               <a:solidFill>
                 <a:schemeClr val="dk1"/>
               </a:solidFill>
@@ -8496,12 +8705,12 @@
           </a:ln>
         </p:spPr>
         <p:txBody>
-          <a:bodyPr anchorCtr="0" anchor="t" bIns="91425" lIns="91425" spcFirstLastPara="1" rIns="91425" wrap="square" tIns="91425">
+          <a:bodyPr spcFirstLastPara="1" wrap="square" lIns="91425" tIns="91425" rIns="91425" bIns="91425" anchor="t" anchorCtr="0">
             <a:spAutoFit/>
           </a:bodyPr>
           <a:lstStyle/>
           <a:p>
-            <a:pPr indent="0" lvl="0" marL="0" rtl="0" algn="l">
+            <a:pPr marL="0" lvl="0" indent="0" algn="l" rtl="0">
               <a:spcBef>
                 <a:spcPts val="0"/>
               </a:spcBef>
@@ -8520,31 +8729,7 @@
                 <a:cs typeface="Lato"/>
                 <a:sym typeface="Lato"/>
               </a:rPr>
-              <a:t>Step 2: Determine if the distributions are </a:t>
-            </a:r>
-            <a:r>
-              <a:rPr lang="en" sz="1700">
-                <a:solidFill>
-                  <a:schemeClr val="dk2"/>
-                </a:solidFill>
-                <a:latin typeface="Lato"/>
-                <a:ea typeface="Lato"/>
-                <a:cs typeface="Lato"/>
-                <a:sym typeface="Lato"/>
-              </a:rPr>
-              <a:t>significantly</a:t>
-            </a:r>
-            <a:r>
-              <a:rPr lang="en" sz="1700">
-                <a:solidFill>
-                  <a:schemeClr val="dk2"/>
-                </a:solidFill>
-                <a:latin typeface="Lato"/>
-                <a:ea typeface="Lato"/>
-                <a:cs typeface="Lato"/>
-                <a:sym typeface="Lato"/>
-              </a:rPr>
-              <a:t> different from one another (statistically)</a:t>
+              <a:t>Step 2: Determine if the distributions are significantly different from one another (statistically)</a:t>
             </a:r>
             <a:endParaRPr sz="1700">
               <a:solidFill>
@@ -8557,7 +8742,7 @@
             </a:endParaRPr>
           </a:p>
           <a:p>
-            <a:pPr indent="-336550" lvl="0" marL="457200" rtl="0" algn="l">
+            <a:pPr marL="457200" lvl="0" indent="-336550" algn="l" rtl="0">
               <a:spcBef>
                 <a:spcPts val="1600"/>
               </a:spcBef>
@@ -8572,7 +8757,7 @@
               <a:buChar char="●"/>
             </a:pPr>
             <a:r>
-              <a:rPr i="1" lang="en" sz="1700">
+              <a:rPr lang="en" sz="1700" i="1">
                 <a:solidFill>
                   <a:srgbClr val="666666"/>
                 </a:solidFill>
@@ -8583,7 +8768,7 @@
               </a:rPr>
               <a:t>Here I use what’s known as a Kruskal-Wallis H test. This compares the medians and the distributions of the groups.</a:t>
             </a:r>
-            <a:endParaRPr i="1" sz="1700">
+            <a:endParaRPr sz="1700" i="1">
               <a:solidFill>
                 <a:srgbClr val="666666"/>
               </a:solidFill>
@@ -8594,7 +8779,7 @@
             </a:endParaRPr>
           </a:p>
           <a:p>
-            <a:pPr indent="-336550" lvl="0" marL="457200" rtl="0" algn="l">
+            <a:pPr marL="457200" lvl="0" indent="-336550" algn="l" rtl="0">
               <a:spcBef>
                 <a:spcPts val="0"/>
               </a:spcBef>
@@ -8609,7 +8794,7 @@
               <a:buChar char="●"/>
             </a:pPr>
             <a:r>
-              <a:rPr i="1" lang="en" sz="1700">
+              <a:rPr lang="en" sz="1700" i="1">
                 <a:solidFill>
                   <a:srgbClr val="666666"/>
                 </a:solidFill>
@@ -8620,7 +8805,7 @@
               </a:rPr>
               <a:t>The result of this test indicates that there is a strong correlation between higher view score and higher amount of square footage. This is visually confirmed below:</a:t>
             </a:r>
-            <a:endParaRPr i="1" sz="1700">
+            <a:endParaRPr sz="1700" i="1">
               <a:solidFill>
                 <a:schemeClr val="dk2"/>
               </a:solidFill>
@@ -8669,11 +8854,11 @@
 </file>
 
 <file path=ppt/slides/slide11.xml><?xml version="1.0" encoding="utf-8"?>
-<p:sld xmlns:a="http://schemas.openxmlformats.org/drawingml/2006/main" xmlns:r="http://schemas.openxmlformats.org/officeDocument/2006/relationships" xmlns:mc="http://schemas.openxmlformats.org/markup-compatibility/2006" xmlns:mv="urn:schemas-microsoft-com:mac:vml" xmlns:p="http://schemas.openxmlformats.org/presentationml/2006/main" xmlns:c="http://schemas.openxmlformats.org/drawingml/2006/chart" xmlns:dgm="http://schemas.openxmlformats.org/drawingml/2006/diagram" xmlns:o="urn:schemas-microsoft-com:office:office" xmlns:v="urn:schemas-microsoft-com:vml" xmlns:pvml="urn:schemas-microsoft-com:office:powerpoint" xmlns:com="http://schemas.openxmlformats.org/drawingml/2006/compatibility" xmlns:p14="http://schemas.microsoft.com/office/powerpoint/2010/main" xmlns:p15="http://schemas.microsoft.com/office/powerpoint/2012/main" xmlns:ahyp="http://schemas.microsoft.com/office/drawing/2018/hyperlinkcolor">
+<p:sld xmlns:a="http://schemas.openxmlformats.org/drawingml/2006/main" xmlns:r="http://schemas.openxmlformats.org/officeDocument/2006/relationships" xmlns:p="http://schemas.openxmlformats.org/presentationml/2006/main">
   <p:cSld>
     <p:spTree>
       <p:nvGrpSpPr>
-        <p:cNvPr id="136" name="Shape 136"/>
+        <p:cNvPr id="1" name="Shape 136"/>
         <p:cNvGrpSpPr/>
         <p:nvPr/>
       </p:nvGrpSpPr>
@@ -8688,9 +8873,11 @@
       <p:sp>
         <p:nvSpPr>
           <p:cNvPr id="137" name="Google Shape;137;p23"/>
-          <p:cNvSpPr txBox="1"/>
+          <p:cNvSpPr txBox="1">
+            <a:spLocks noGrp="1"/>
+          </p:cNvSpPr>
           <p:nvPr>
-            <p:ph idx="4294967295" type="title"/>
+            <p:ph type="title" idx="4294967295"/>
           </p:nvPr>
         </p:nvSpPr>
         <p:spPr>
@@ -8703,12 +8890,12 @@
           </a:prstGeom>
         </p:spPr>
         <p:txBody>
-          <a:bodyPr anchorCtr="0" anchor="t" bIns="91425" lIns="91425" spcFirstLastPara="1" rIns="91425" wrap="square" tIns="91425">
+          <a:bodyPr spcFirstLastPara="1" wrap="square" lIns="91425" tIns="91425" rIns="91425" bIns="91425" anchor="t" anchorCtr="0">
             <a:noAutofit/>
           </a:bodyPr>
           <a:lstStyle/>
           <a:p>
-            <a:pPr indent="0" lvl="0" marL="0" rtl="0" algn="ctr">
+            <a:pPr marL="0" lvl="0" indent="0" algn="ctr" rtl="0">
               <a:lnSpc>
                 <a:spcPct val="100000"/>
               </a:lnSpc>
@@ -8733,7 +8920,7 @@
               <a:t>Hypothesis 3 Conclusion: </a:t>
             </a:r>
             <a:r>
-              <a:rPr b="0" lang="en" sz="1800">
+              <a:rPr lang="en" sz="1800" b="0">
                 <a:solidFill>
                   <a:schemeClr val="dk1"/>
                 </a:solidFill>
@@ -8744,7 +8931,7 @@
               </a:rPr>
               <a:t>This hypothesis was proven correct since there is a strong correlation between higher view score and higher square footage.</a:t>
             </a:r>
-            <a:endParaRPr b="0" sz="1800">
+            <a:endParaRPr sz="1800" b="0">
               <a:solidFill>
                 <a:schemeClr val="dk1"/>
               </a:solidFill>
@@ -8765,11 +8952,11 @@
 </file>
 
 <file path=ppt/slides/slide12.xml><?xml version="1.0" encoding="utf-8"?>
-<p:sld xmlns:a="http://schemas.openxmlformats.org/drawingml/2006/main" xmlns:r="http://schemas.openxmlformats.org/officeDocument/2006/relationships" xmlns:mc="http://schemas.openxmlformats.org/markup-compatibility/2006" xmlns:mv="urn:schemas-microsoft-com:mac:vml" xmlns:p="http://schemas.openxmlformats.org/presentationml/2006/main" xmlns:c="http://schemas.openxmlformats.org/drawingml/2006/chart" xmlns:dgm="http://schemas.openxmlformats.org/drawingml/2006/diagram" xmlns:o="urn:schemas-microsoft-com:office:office" xmlns:v="urn:schemas-microsoft-com:vml" xmlns:pvml="urn:schemas-microsoft-com:office:powerpoint" xmlns:com="http://schemas.openxmlformats.org/drawingml/2006/compatibility" xmlns:p14="http://schemas.microsoft.com/office/powerpoint/2010/main" xmlns:p15="http://schemas.microsoft.com/office/powerpoint/2012/main" xmlns:ahyp="http://schemas.microsoft.com/office/drawing/2018/hyperlinkcolor">
+<p:sld xmlns:a="http://schemas.openxmlformats.org/drawingml/2006/main" xmlns:r="http://schemas.openxmlformats.org/officeDocument/2006/relationships" xmlns:p="http://schemas.openxmlformats.org/presentationml/2006/main">
   <p:cSld>
     <p:spTree>
       <p:nvGrpSpPr>
-        <p:cNvPr id="141" name="Shape 141"/>
+        <p:cNvPr id="1" name="Shape 141"/>
         <p:cNvGrpSpPr/>
         <p:nvPr/>
       </p:nvGrpSpPr>
@@ -8784,9 +8971,11 @@
       <p:sp>
         <p:nvSpPr>
           <p:cNvPr id="142" name="Google Shape;142;p24"/>
-          <p:cNvSpPr txBox="1"/>
+          <p:cNvSpPr txBox="1">
+            <a:spLocks noGrp="1"/>
+          </p:cNvSpPr>
           <p:nvPr>
-            <p:ph idx="4294967295" type="title"/>
+            <p:ph type="title" idx="4294967295"/>
           </p:nvPr>
         </p:nvSpPr>
         <p:spPr>
@@ -8799,12 +8988,12 @@
           </a:prstGeom>
         </p:spPr>
         <p:txBody>
-          <a:bodyPr anchorCtr="0" anchor="t" bIns="91425" lIns="91425" spcFirstLastPara="1" rIns="91425" wrap="square" tIns="91425">
+          <a:bodyPr spcFirstLastPara="1" wrap="square" lIns="91425" tIns="91425" rIns="91425" bIns="91425" anchor="t" anchorCtr="0">
             <a:noAutofit/>
           </a:bodyPr>
           <a:lstStyle/>
           <a:p>
-            <a:pPr indent="0" lvl="0" marL="0" rtl="0" algn="l">
+            <a:pPr marL="0" lvl="0" indent="0" algn="l" rtl="0">
               <a:spcBef>
                 <a:spcPts val="0"/>
               </a:spcBef>
@@ -8828,9 +9017,11 @@
       <p:sp>
         <p:nvSpPr>
           <p:cNvPr id="143" name="Google Shape;143;p24"/>
-          <p:cNvSpPr txBox="1"/>
+          <p:cNvSpPr txBox="1">
+            <a:spLocks noGrp="1"/>
+          </p:cNvSpPr>
           <p:nvPr>
-            <p:ph idx="4294967295" type="title"/>
+            <p:ph type="title" idx="4294967295"/>
           </p:nvPr>
         </p:nvSpPr>
         <p:spPr>
@@ -8843,12 +9034,12 @@
           </a:prstGeom>
         </p:spPr>
         <p:txBody>
-          <a:bodyPr anchorCtr="0" anchor="t" bIns="91425" lIns="91425" spcFirstLastPara="1" rIns="91425" wrap="square" tIns="91425">
+          <a:bodyPr spcFirstLastPara="1" wrap="square" lIns="91425" tIns="91425" rIns="91425" bIns="91425" anchor="t" anchorCtr="0">
             <a:noAutofit/>
           </a:bodyPr>
           <a:lstStyle/>
           <a:p>
-            <a:pPr indent="0" lvl="0" marL="0" rtl="0" algn="l">
+            <a:pPr marL="0" lvl="0" indent="0" algn="l" rtl="0">
               <a:lnSpc>
                 <a:spcPct val="100000"/>
               </a:lnSpc>
@@ -8861,7 +9052,7 @@
               <a:buNone/>
             </a:pPr>
             <a:r>
-              <a:rPr b="0" lang="en" sz="1800">
+              <a:rPr lang="en" sz="1800" b="0">
                 <a:latin typeface="Lato"/>
                 <a:ea typeface="Lato"/>
                 <a:cs typeface="Lato"/>
@@ -8869,7 +9060,7 @@
               </a:rPr>
               <a:t>My Client: Nicole Johnson</a:t>
             </a:r>
-            <a:endParaRPr b="0" sz="1800">
+            <a:endParaRPr sz="1800" b="0">
               <a:latin typeface="Lato"/>
               <a:ea typeface="Lato"/>
               <a:cs typeface="Lato"/>
@@ -8877,7 +9068,7 @@
             </a:endParaRPr>
           </a:p>
           <a:p>
-            <a:pPr indent="-342900" lvl="0" marL="457200" rtl="0" algn="l">
+            <a:pPr marL="457200" lvl="0" indent="-342900" algn="l" rtl="0">
               <a:lnSpc>
                 <a:spcPct val="100000"/>
               </a:lnSpc>
@@ -8895,7 +9086,7 @@
               <a:buChar char="●"/>
             </a:pPr>
             <a:r>
-              <a:rPr b="0" i="1" lang="en" sz="1800">
+              <a:rPr lang="en" sz="1800" b="0" i="1">
                 <a:solidFill>
                   <a:schemeClr val="dk1"/>
                 </a:solidFill>
@@ -8904,33 +9095,9 @@
                 <a:cs typeface="Lato"/>
                 <a:sym typeface="Lato"/>
               </a:rPr>
-              <a:t>Requirements</a:t>
+              <a:t>Requirements: She wants a lively, central neighborhood, middle price range, and to buy within a year</a:t>
             </a:r>
-            <a:r>
-              <a:rPr b="0" i="1" lang="en" sz="1800">
-                <a:solidFill>
-                  <a:schemeClr val="dk1"/>
-                </a:solidFill>
-                <a:latin typeface="Lato"/>
-                <a:ea typeface="Lato"/>
-                <a:cs typeface="Lato"/>
-                <a:sym typeface="Lato"/>
-              </a:rPr>
-              <a:t>: She </a:t>
-            </a:r>
-            <a:r>
-              <a:rPr b="0" i="1" lang="en" sz="1800">
-                <a:solidFill>
-                  <a:schemeClr val="dk1"/>
-                </a:solidFill>
-                <a:latin typeface="Lato"/>
-                <a:ea typeface="Lato"/>
-                <a:cs typeface="Lato"/>
-                <a:sym typeface="Lato"/>
-              </a:rPr>
-              <a:t>wants a lively, central neighborhood, middle price range, and to buy within a year</a:t>
-            </a:r>
-            <a:endParaRPr b="0" i="1" sz="1800">
+            <a:endParaRPr sz="1800" b="0" i="1">
               <a:solidFill>
                 <a:schemeClr val="dk1"/>
               </a:solidFill>
@@ -8941,7 +9108,7 @@
             </a:endParaRPr>
           </a:p>
           <a:p>
-            <a:pPr indent="0" lvl="0" marL="0" rtl="0" algn="l">
+            <a:pPr marL="0" lvl="0" indent="0" algn="l" rtl="0">
               <a:spcBef>
                 <a:spcPts val="1600"/>
               </a:spcBef>
@@ -8957,16 +9124,7 @@
                 <a:cs typeface="Lato"/>
                 <a:sym typeface="Lato"/>
               </a:rPr>
-              <a:t>Recommendation 1</a:t>
-            </a:r>
-            <a:r>
-              <a:rPr lang="en" sz="1800">
-                <a:latin typeface="Lato"/>
-                <a:ea typeface="Lato"/>
-                <a:cs typeface="Lato"/>
-                <a:sym typeface="Lato"/>
-              </a:rPr>
-              <a:t>:  Buy a house during the second half of the year.</a:t>
+              <a:t>Recommendation 1:  Buy a house during the second half of the year.</a:t>
             </a:r>
             <a:endParaRPr sz="1800">
               <a:latin typeface="Lato"/>
@@ -8976,7 +9134,7 @@
             </a:endParaRPr>
           </a:p>
           <a:p>
-            <a:pPr indent="0" lvl="0" marL="0" rtl="0" algn="l">
+            <a:pPr marL="0" lvl="0" indent="0" algn="l" rtl="0">
               <a:spcBef>
                 <a:spcPts val="1600"/>
               </a:spcBef>
@@ -9002,7 +9160,7 @@
             </a:endParaRPr>
           </a:p>
           <a:p>
-            <a:pPr indent="0" lvl="0" marL="0" rtl="0" algn="l">
+            <a:pPr marL="0" lvl="0" indent="0" algn="l" rtl="0">
               <a:spcBef>
                 <a:spcPts val="1600"/>
               </a:spcBef>
@@ -9038,11 +9196,11 @@
 </file>
 
 <file path=ppt/slides/slide13.xml><?xml version="1.0" encoding="utf-8"?>
-<p:sld xmlns:a="http://schemas.openxmlformats.org/drawingml/2006/main" xmlns:r="http://schemas.openxmlformats.org/officeDocument/2006/relationships" xmlns:mc="http://schemas.openxmlformats.org/markup-compatibility/2006" xmlns:mv="urn:schemas-microsoft-com:mac:vml" xmlns:p="http://schemas.openxmlformats.org/presentationml/2006/main" xmlns:c="http://schemas.openxmlformats.org/drawingml/2006/chart" xmlns:dgm="http://schemas.openxmlformats.org/drawingml/2006/diagram" xmlns:o="urn:schemas-microsoft-com:office:office" xmlns:v="urn:schemas-microsoft-com:vml" xmlns:pvml="urn:schemas-microsoft-com:office:powerpoint" xmlns:com="http://schemas.openxmlformats.org/drawingml/2006/compatibility" xmlns:p14="http://schemas.microsoft.com/office/powerpoint/2010/main" xmlns:p15="http://schemas.microsoft.com/office/powerpoint/2012/main" xmlns:ahyp="http://schemas.microsoft.com/office/drawing/2018/hyperlinkcolor">
+<p:sld xmlns:a="http://schemas.openxmlformats.org/drawingml/2006/main" xmlns:r="http://schemas.openxmlformats.org/officeDocument/2006/relationships" xmlns:p="http://schemas.openxmlformats.org/presentationml/2006/main">
   <p:cSld>
     <p:spTree>
       <p:nvGrpSpPr>
-        <p:cNvPr id="147" name="Shape 147"/>
+        <p:cNvPr id="1" name="Shape 147"/>
         <p:cNvGrpSpPr/>
         <p:nvPr/>
       </p:nvGrpSpPr>
@@ -9074,12 +9232,12 @@
           </a:ln>
         </p:spPr>
         <p:txBody>
-          <a:bodyPr anchorCtr="0" anchor="t" bIns="91425" lIns="91425" spcFirstLastPara="1" rIns="91425" wrap="square" tIns="91425">
+          <a:bodyPr spcFirstLastPara="1" wrap="square" lIns="91425" tIns="91425" rIns="91425" bIns="91425" anchor="t" anchorCtr="0">
             <a:spAutoFit/>
           </a:bodyPr>
           <a:lstStyle/>
           <a:p>
-            <a:pPr indent="0" lvl="0" marL="0" rtl="0" algn="l">
+            <a:pPr marL="0" lvl="0" indent="0" algn="l" rtl="0">
               <a:spcBef>
                 <a:spcPts val="0"/>
               </a:spcBef>
@@ -9098,9 +9256,21 @@
                 <a:cs typeface="Lato"/>
                 <a:sym typeface="Lato"/>
               </a:rPr>
-              <a:t>Step 2: Look at summary statistics for relevant columns in this new data frame</a:t>
+              <a:t>Next: </a:t>
             </a:r>
-            <a:endParaRPr sz="1700">
+            <a:r>
+              <a:rPr lang="en" sz="1700" dirty="0">
+                <a:solidFill>
+                  <a:schemeClr val="dk2"/>
+                </a:solidFill>
+                <a:latin typeface="Lato"/>
+                <a:ea typeface="Lato"/>
+                <a:cs typeface="Lato"/>
+                <a:sym typeface="Lato"/>
+              </a:rPr>
+              <a:t>Look at summary statistics for relevant columns in this new data frame</a:t>
+            </a:r>
+            <a:endParaRPr sz="1700" dirty="0">
               <a:solidFill>
                 <a:schemeClr val="dk2"/>
               </a:solidFill>
@@ -9111,7 +9281,7 @@
             </a:endParaRPr>
           </a:p>
           <a:p>
-            <a:pPr indent="-336550" lvl="0" marL="457200" rtl="0" algn="l">
+            <a:pPr marL="457200" lvl="0" indent="-336550" algn="l" rtl="0">
               <a:spcBef>
                 <a:spcPts val="1600"/>
               </a:spcBef>
@@ -9126,7 +9296,7 @@
               <a:buChar char="●"/>
             </a:pPr>
             <a:r>
-              <a:rPr i="1" lang="en" sz="1700">
+              <a:rPr lang="en" sz="1700" i="1" dirty="0">
                 <a:solidFill>
                   <a:srgbClr val="666666"/>
                 </a:solidFill>
@@ -9137,7 +9307,7 @@
               </a:rPr>
               <a:t>This can be used to manage expectations for the client. </a:t>
             </a:r>
-            <a:endParaRPr i="1" sz="1700">
+            <a:endParaRPr sz="1700" i="1" dirty="0">
               <a:solidFill>
                 <a:srgbClr val="666666"/>
               </a:solidFill>
@@ -9148,7 +9318,7 @@
             </a:endParaRPr>
           </a:p>
           <a:p>
-            <a:pPr indent="-336550" lvl="0" marL="457200" rtl="0" algn="l">
+            <a:pPr marL="457200" lvl="0" indent="-336550" algn="l" rtl="0">
               <a:spcBef>
                 <a:spcPts val="0"/>
               </a:spcBef>
@@ -9163,7 +9333,7 @@
               <a:buChar char="●"/>
             </a:pPr>
             <a:r>
-              <a:rPr i="1" lang="en" sz="1700">
+              <a:rPr lang="en" sz="1700" i="1" dirty="0">
                 <a:solidFill>
                   <a:srgbClr val="666666"/>
                 </a:solidFill>
@@ -9174,7 +9344,7 @@
               </a:rPr>
               <a:t>This is determined by finding the median price of homes in Seattle and then making a data frame which only contains homes within 10% of that median price. </a:t>
             </a:r>
-            <a:endParaRPr i="1" sz="1700">
+            <a:endParaRPr sz="1700" i="1" dirty="0">
               <a:solidFill>
                 <a:schemeClr val="dk2"/>
               </a:solidFill>
@@ -9206,12 +9376,12 @@
           </a:ln>
         </p:spPr>
         <p:txBody>
-          <a:bodyPr anchorCtr="0" anchor="t" bIns="91425" lIns="91425" spcFirstLastPara="1" rIns="91425" wrap="square" tIns="91425">
+          <a:bodyPr spcFirstLastPara="1" wrap="square" lIns="91425" tIns="91425" rIns="91425" bIns="91425" anchor="t" anchorCtr="0">
             <a:spAutoFit/>
           </a:bodyPr>
           <a:lstStyle/>
           <a:p>
-            <a:pPr indent="0" lvl="0" marL="0" rtl="0" algn="l">
+            <a:pPr marL="0" lvl="0" indent="0" algn="l" rtl="0">
               <a:spcBef>
                 <a:spcPts val="0"/>
               </a:spcBef>
@@ -9221,7 +9391,7 @@
               <a:buNone/>
             </a:pPr>
             <a:r>
-              <a:rPr lang="en" sz="1700">
+              <a:rPr lang="en" sz="1700" dirty="0">
                 <a:solidFill>
                   <a:schemeClr val="dk2"/>
                 </a:solidFill>
@@ -9230,9 +9400,9 @@
                 <a:cs typeface="Lato"/>
                 <a:sym typeface="Lato"/>
               </a:rPr>
-              <a:t>Step 1: Create a data frame which only contains mid-priced homes within Seattle </a:t>
+              <a:t>First: Create a data frame which only contains mid-priced homes within Seattle </a:t>
             </a:r>
-            <a:endParaRPr sz="1700">
+            <a:endParaRPr sz="1700" dirty="0">
               <a:solidFill>
                 <a:schemeClr val="dk2"/>
               </a:solidFill>
@@ -9243,7 +9413,7 @@
             </a:endParaRPr>
           </a:p>
           <a:p>
-            <a:pPr indent="-336550" lvl="0" marL="457200" rtl="0" algn="l">
+            <a:pPr marL="457200" lvl="0" indent="-336550" algn="l" rtl="0">
               <a:spcBef>
                 <a:spcPts val="1600"/>
               </a:spcBef>
@@ -9258,7 +9428,7 @@
               <a:buChar char="●"/>
             </a:pPr>
             <a:r>
-              <a:rPr i="1" lang="en" sz="1700">
+              <a:rPr lang="en" sz="1700" i="1" dirty="0">
                 <a:solidFill>
                   <a:srgbClr val="666666"/>
                 </a:solidFill>
@@ -9269,7 +9439,7 @@
               </a:rPr>
               <a:t>This can be used to manage expectations for the client. </a:t>
             </a:r>
-            <a:endParaRPr i="1" sz="1700">
+            <a:endParaRPr sz="1700" i="1" dirty="0">
               <a:solidFill>
                 <a:srgbClr val="666666"/>
               </a:solidFill>
@@ -9280,7 +9450,7 @@
             </a:endParaRPr>
           </a:p>
           <a:p>
-            <a:pPr indent="-336550" lvl="0" marL="457200" rtl="0" algn="l">
+            <a:pPr marL="457200" lvl="0" indent="-336550" algn="l" rtl="0">
               <a:spcBef>
                 <a:spcPts val="0"/>
               </a:spcBef>
@@ -9295,7 +9465,7 @@
               <a:buChar char="●"/>
             </a:pPr>
             <a:r>
-              <a:rPr i="1" lang="en" sz="1700">
+              <a:rPr lang="en" sz="1700" i="1" dirty="0">
                 <a:solidFill>
                   <a:srgbClr val="666666"/>
                 </a:solidFill>
@@ -9306,7 +9476,7 @@
               </a:rPr>
               <a:t>This is determined by finding the median price of homes in Seattle and then making a data frame which only contains homes within 10% of that median price. </a:t>
             </a:r>
-            <a:endParaRPr i="1" sz="1700">
+            <a:endParaRPr sz="1700" i="1" dirty="0">
               <a:solidFill>
                 <a:schemeClr val="dk2"/>
               </a:solidFill>
@@ -9327,11 +9497,11 @@
 </file>
 
 <file path=ppt/slides/slide14.xml><?xml version="1.0" encoding="utf-8"?>
-<p:sld xmlns:a="http://schemas.openxmlformats.org/drawingml/2006/main" xmlns:r="http://schemas.openxmlformats.org/officeDocument/2006/relationships" xmlns:mc="http://schemas.openxmlformats.org/markup-compatibility/2006" xmlns:mv="urn:schemas-microsoft-com:mac:vml" xmlns:p="http://schemas.openxmlformats.org/presentationml/2006/main" xmlns:c="http://schemas.openxmlformats.org/drawingml/2006/chart" xmlns:dgm="http://schemas.openxmlformats.org/drawingml/2006/diagram" xmlns:o="urn:schemas-microsoft-com:office:office" xmlns:v="urn:schemas-microsoft-com:vml" xmlns:pvml="urn:schemas-microsoft-com:office:powerpoint" xmlns:com="http://schemas.openxmlformats.org/drawingml/2006/compatibility" xmlns:p14="http://schemas.microsoft.com/office/powerpoint/2010/main" xmlns:p15="http://schemas.microsoft.com/office/powerpoint/2012/main" xmlns:ahyp="http://schemas.microsoft.com/office/drawing/2018/hyperlinkcolor">
+<p:sld xmlns:a="http://schemas.openxmlformats.org/drawingml/2006/main" xmlns:r="http://schemas.openxmlformats.org/officeDocument/2006/relationships" xmlns:p="http://schemas.openxmlformats.org/presentationml/2006/main">
   <p:cSld>
     <p:spTree>
       <p:nvGrpSpPr>
-        <p:cNvPr id="153" name="Shape 153"/>
+        <p:cNvPr id="1" name="Shape 153"/>
         <p:cNvGrpSpPr/>
         <p:nvPr/>
       </p:nvGrpSpPr>
@@ -9346,9 +9516,11 @@
       <p:sp>
         <p:nvSpPr>
           <p:cNvPr id="154" name="Google Shape;154;p26"/>
-          <p:cNvSpPr txBox="1"/>
+          <p:cNvSpPr txBox="1">
+            <a:spLocks noGrp="1"/>
+          </p:cNvSpPr>
           <p:nvPr>
-            <p:ph idx="4294967295" type="title"/>
+            <p:ph type="title" idx="4294967295"/>
           </p:nvPr>
         </p:nvSpPr>
         <p:spPr>
@@ -9361,12 +9533,12 @@
           </a:prstGeom>
         </p:spPr>
         <p:txBody>
-          <a:bodyPr anchorCtr="0" anchor="t" bIns="91425" lIns="91425" spcFirstLastPara="1" rIns="91425" wrap="square" tIns="91425">
+          <a:bodyPr spcFirstLastPara="1" wrap="square" lIns="91425" tIns="91425" rIns="91425" bIns="91425" anchor="t" anchorCtr="0">
             <a:noAutofit/>
           </a:bodyPr>
           <a:lstStyle/>
           <a:p>
-            <a:pPr indent="0" lvl="0" marL="0" rtl="0" algn="l">
+            <a:pPr marL="0" lvl="0" indent="0" algn="l" rtl="0">
               <a:spcBef>
                 <a:spcPts val="0"/>
               </a:spcBef>
@@ -9403,7 +9575,7 @@
             </a:endParaRPr>
           </a:p>
           <a:p>
-            <a:pPr indent="0" lvl="0" marL="0" rtl="0" algn="l">
+            <a:pPr marL="0" lvl="0" indent="0" algn="l" rtl="0">
               <a:spcBef>
                 <a:spcPts val="1600"/>
               </a:spcBef>
@@ -9417,9 +9589,6 @@
               <a:buFont typeface="Arial"/>
               <a:buNone/>
             </a:pPr>
-            <a:r>
-              <a:t/>
-            </a:r>
             <a:endParaRPr sz="1800">
               <a:solidFill>
                 <a:schemeClr val="dk1"/>
@@ -9431,7 +9600,7 @@
             </a:endParaRPr>
           </a:p>
           <a:p>
-            <a:pPr indent="0" lvl="0" marL="0" rtl="0" algn="l">
+            <a:pPr marL="0" lvl="0" indent="0" algn="l" rtl="0">
               <a:lnSpc>
                 <a:spcPct val="100000"/>
               </a:lnSpc>
@@ -9443,9 +9612,6 @@
               </a:spcAft>
               <a:buNone/>
             </a:pPr>
-            <a:r>
-              <a:t/>
-            </a:r>
             <a:endParaRPr sz="1800">
               <a:solidFill>
                 <a:schemeClr val="dk1"/>
@@ -9478,12 +9644,12 @@
           </a:ln>
         </p:spPr>
         <p:txBody>
-          <a:bodyPr anchorCtr="0" anchor="t" bIns="91425" lIns="91425" spcFirstLastPara="1" rIns="91425" wrap="square" tIns="91425">
+          <a:bodyPr spcFirstLastPara="1" wrap="square" lIns="91425" tIns="91425" rIns="91425" bIns="91425" anchor="t" anchorCtr="0">
             <a:spAutoFit/>
           </a:bodyPr>
           <a:lstStyle/>
           <a:p>
-            <a:pPr indent="0" lvl="0" marL="0" rtl="0" algn="l">
+            <a:pPr marL="0" lvl="0" indent="0" algn="l" rtl="0">
               <a:spcBef>
                 <a:spcPts val="0"/>
               </a:spcBef>
@@ -9493,7 +9659,7 @@
               <a:buNone/>
             </a:pPr>
             <a:r>
-              <a:rPr b="1" lang="en" sz="1700">
+              <a:rPr lang="en" sz="1700" b="1">
                 <a:solidFill>
                   <a:schemeClr val="dk2"/>
                 </a:solidFill>
@@ -9527,7 +9693,7 @@
             </a:endParaRPr>
           </a:p>
           <a:p>
-            <a:pPr indent="-336550" lvl="0" marL="457200" rtl="0" algn="l">
+            <a:pPr marL="457200" lvl="0" indent="-336550" algn="l" rtl="0">
               <a:spcBef>
                 <a:spcPts val="1600"/>
               </a:spcBef>
@@ -9542,7 +9708,7 @@
               <a:buChar char="●"/>
             </a:pPr>
             <a:r>
-              <a:rPr i="1" lang="en" sz="1700">
+              <a:rPr lang="en" sz="1700" i="1">
                 <a:solidFill>
                   <a:schemeClr val="dk2"/>
                 </a:solidFill>
@@ -9553,7 +9719,7 @@
               </a:rPr>
               <a:t>(the earliest date among the mid price range houses in Seattle is May 2, 2014 and the latest date is May 24, 2015)</a:t>
             </a:r>
-            <a:endParaRPr i="1" sz="1700">
+            <a:endParaRPr sz="1700" i="1">
               <a:solidFill>
                 <a:schemeClr val="dk2"/>
               </a:solidFill>
@@ -9564,7 +9730,7 @@
             </a:endParaRPr>
           </a:p>
           <a:p>
-            <a:pPr indent="0" lvl="0" marL="0" rtl="0" algn="l">
+            <a:pPr marL="0" lvl="0" indent="0" algn="l" rtl="0">
               <a:spcBef>
                 <a:spcPts val="1600"/>
               </a:spcBef>
@@ -9574,7 +9740,7 @@
               <a:buNone/>
             </a:pPr>
             <a:r>
-              <a:rPr b="1" lang="en" sz="1700">
+              <a:rPr lang="en" sz="1700" b="1">
                 <a:solidFill>
                   <a:schemeClr val="dk2"/>
                 </a:solidFill>
@@ -9608,7 +9774,7 @@
             </a:endParaRPr>
           </a:p>
           <a:p>
-            <a:pPr indent="-336550" lvl="0" marL="457200" rtl="0" algn="l">
+            <a:pPr marL="457200" lvl="0" indent="-336550" algn="l" rtl="0">
               <a:spcBef>
                 <a:spcPts val="1600"/>
               </a:spcBef>
@@ -9623,7 +9789,7 @@
               <a:buChar char="●"/>
             </a:pPr>
             <a:r>
-              <a:rPr i="1" lang="en" sz="1700">
+              <a:rPr lang="en" sz="1700" i="1">
                 <a:solidFill>
                   <a:schemeClr val="dk2"/>
                 </a:solidFill>
@@ -9634,7 +9800,7 @@
               </a:rPr>
               <a:t>Results: </a:t>
             </a:r>
-            <a:endParaRPr i="1" sz="1700">
+            <a:endParaRPr sz="1700" i="1">
               <a:solidFill>
                 <a:schemeClr val="dk2"/>
               </a:solidFill>
@@ -9645,7 +9811,7 @@
             </a:endParaRPr>
           </a:p>
           <a:p>
-            <a:pPr indent="-336550" lvl="1" marL="914400" rtl="0" algn="l">
+            <a:pPr marL="914400" lvl="1" indent="-336550" algn="l" rtl="0">
               <a:spcBef>
                 <a:spcPts val="0"/>
               </a:spcBef>
@@ -9660,7 +9826,7 @@
               <a:buChar char="○"/>
             </a:pPr>
             <a:r>
-              <a:rPr i="1" lang="en" sz="1700">
+              <a:rPr lang="en" sz="1700" i="1">
                 <a:solidFill>
                   <a:schemeClr val="dk2"/>
                 </a:solidFill>
@@ -9671,7 +9837,7 @@
               </a:rPr>
               <a:t>Q3 has both a mean and median below the other quartiles when it comes to distance from the city center. </a:t>
             </a:r>
-            <a:endParaRPr i="1" sz="1700">
+            <a:endParaRPr sz="1700" i="1">
               <a:solidFill>
                 <a:schemeClr val="dk2"/>
               </a:solidFill>
@@ -9682,7 +9848,7 @@
             </a:endParaRPr>
           </a:p>
           <a:p>
-            <a:pPr indent="-336550" lvl="1" marL="914400" rtl="0" algn="l">
+            <a:pPr marL="914400" lvl="1" indent="-336550" algn="l" rtl="0">
               <a:spcBef>
                 <a:spcPts val="0"/>
               </a:spcBef>
@@ -9697,7 +9863,7 @@
               <a:buChar char="○"/>
             </a:pPr>
             <a:r>
-              <a:rPr i="1" lang="en" sz="1700">
+              <a:rPr lang="en" sz="1700" i="1">
                 <a:solidFill>
                   <a:schemeClr val="dk2"/>
                 </a:solidFill>
@@ -9708,7 +9874,7 @@
               </a:rPr>
               <a:t>Q4 is then the next lowest in distance from the city center and has the combined benefit that its price per square foot is less than all other quartiles (in both median and mean), so my client is more likely to get a better value if purchasing then.</a:t>
             </a:r>
-            <a:endParaRPr i="1" sz="1700">
+            <a:endParaRPr sz="1700" i="1">
               <a:solidFill>
                 <a:schemeClr val="dk2"/>
               </a:solidFill>
@@ -9719,7 +9885,7 @@
             </a:endParaRPr>
           </a:p>
           <a:p>
-            <a:pPr indent="0" lvl="0" marL="0" rtl="0" algn="l">
+            <a:pPr marL="0" lvl="0" indent="0" algn="l" rtl="0">
               <a:spcBef>
                 <a:spcPts val="1600"/>
               </a:spcBef>
@@ -9728,10 +9894,7 @@
               </a:spcAft>
               <a:buNone/>
             </a:pPr>
-            <a:r>
-              <a:t/>
-            </a:r>
-            <a:endParaRPr i="1" sz="1700">
+            <a:endParaRPr sz="1700" i="1">
               <a:solidFill>
                 <a:schemeClr val="dk2"/>
               </a:solidFill>
@@ -9752,11 +9915,11 @@
 </file>
 
 <file path=ppt/slides/slide15.xml><?xml version="1.0" encoding="utf-8"?>
-<p:sld xmlns:a="http://schemas.openxmlformats.org/drawingml/2006/main" xmlns:r="http://schemas.openxmlformats.org/officeDocument/2006/relationships" xmlns:mc="http://schemas.openxmlformats.org/markup-compatibility/2006" xmlns:mv="urn:schemas-microsoft-com:mac:vml" xmlns:p="http://schemas.openxmlformats.org/presentationml/2006/main" xmlns:c="http://schemas.openxmlformats.org/drawingml/2006/chart" xmlns:dgm="http://schemas.openxmlformats.org/drawingml/2006/diagram" xmlns:o="urn:schemas-microsoft-com:office:office" xmlns:v="urn:schemas-microsoft-com:vml" xmlns:pvml="urn:schemas-microsoft-com:office:powerpoint" xmlns:com="http://schemas.openxmlformats.org/drawingml/2006/compatibility" xmlns:p14="http://schemas.microsoft.com/office/powerpoint/2010/main" xmlns:p15="http://schemas.microsoft.com/office/powerpoint/2012/main" xmlns:ahyp="http://schemas.microsoft.com/office/drawing/2018/hyperlinkcolor">
+<p:sld xmlns:a="http://schemas.openxmlformats.org/drawingml/2006/main" xmlns:r="http://schemas.openxmlformats.org/officeDocument/2006/relationships" xmlns:p="http://schemas.openxmlformats.org/presentationml/2006/main">
   <p:cSld>
     <p:spTree>
       <p:nvGrpSpPr>
-        <p:cNvPr id="159" name="Shape 159"/>
+        <p:cNvPr id="1" name="Shape 159"/>
         <p:cNvGrpSpPr/>
         <p:nvPr/>
       </p:nvGrpSpPr>
@@ -9771,9 +9934,11 @@
       <p:sp>
         <p:nvSpPr>
           <p:cNvPr id="160" name="Google Shape;160;p27"/>
-          <p:cNvSpPr txBox="1"/>
+          <p:cNvSpPr txBox="1">
+            <a:spLocks noGrp="1"/>
+          </p:cNvSpPr>
           <p:nvPr>
-            <p:ph idx="4294967295" type="title"/>
+            <p:ph type="title" idx="4294967295"/>
           </p:nvPr>
         </p:nvSpPr>
         <p:spPr>
@@ -9786,12 +9951,12 @@
           </a:prstGeom>
         </p:spPr>
         <p:txBody>
-          <a:bodyPr anchorCtr="0" anchor="t" bIns="91425" lIns="91425" spcFirstLastPara="1" rIns="91425" wrap="square" tIns="91425">
+          <a:bodyPr spcFirstLastPara="1" wrap="square" lIns="91425" tIns="91425" rIns="91425" bIns="91425" anchor="t" anchorCtr="0">
             <a:noAutofit/>
           </a:bodyPr>
           <a:lstStyle/>
           <a:p>
-            <a:pPr indent="0" lvl="0" marL="0" rtl="0" algn="l">
+            <a:pPr marL="0" lvl="0" indent="0" algn="l" rtl="0">
               <a:spcBef>
                 <a:spcPts val="0"/>
               </a:spcBef>
@@ -9823,7 +9988,7 @@
             </a:endParaRPr>
           </a:p>
           <a:p>
-            <a:pPr indent="0" lvl="0" marL="0" rtl="0" algn="l">
+            <a:pPr marL="0" lvl="0" indent="0" algn="l" rtl="0">
               <a:spcBef>
                 <a:spcPts val="1600"/>
               </a:spcBef>
@@ -9832,9 +9997,6 @@
               </a:spcAft>
               <a:buNone/>
             </a:pPr>
-            <a:r>
-              <a:t/>
-            </a:r>
             <a:endParaRPr sz="1800">
               <a:solidFill>
                 <a:schemeClr val="dk1"/>
@@ -9846,7 +10008,7 @@
             </a:endParaRPr>
           </a:p>
           <a:p>
-            <a:pPr indent="0" lvl="0" marL="0" rtl="0" algn="l">
+            <a:pPr marL="0" lvl="0" indent="0" algn="l" rtl="0">
               <a:lnSpc>
                 <a:spcPct val="100000"/>
               </a:lnSpc>
@@ -9858,9 +10020,6 @@
               </a:spcAft>
               <a:buNone/>
             </a:pPr>
-            <a:r>
-              <a:t/>
-            </a:r>
             <a:endParaRPr sz="1800">
               <a:solidFill>
                 <a:schemeClr val="dk1"/>
@@ -9893,12 +10052,12 @@
           </a:ln>
         </p:spPr>
         <p:txBody>
-          <a:bodyPr anchorCtr="0" anchor="t" bIns="91425" lIns="91425" spcFirstLastPara="1" rIns="91425" wrap="square" tIns="91425">
+          <a:bodyPr spcFirstLastPara="1" wrap="square" lIns="91425" tIns="91425" rIns="91425" bIns="91425" anchor="t" anchorCtr="0">
             <a:spAutoFit/>
           </a:bodyPr>
           <a:lstStyle/>
           <a:p>
-            <a:pPr indent="0" lvl="0" marL="0" rtl="0" algn="l">
+            <a:pPr marL="0" lvl="0" indent="0" algn="l" rtl="0">
               <a:spcBef>
                 <a:spcPts val="0"/>
               </a:spcBef>
@@ -9908,7 +10067,7 @@
               <a:buNone/>
             </a:pPr>
             <a:r>
-              <a:rPr b="1" lang="en" sz="1700">
+              <a:rPr lang="en" sz="1700" b="1">
                 <a:solidFill>
                   <a:schemeClr val="dk2"/>
                 </a:solidFill>
@@ -9931,7 +10090,7 @@
               </a:rPr>
               <a:t> Confirm this recommendation visually</a:t>
             </a:r>
-            <a:endParaRPr i="1" sz="1700">
+            <a:endParaRPr sz="1700" i="1">
               <a:solidFill>
                 <a:schemeClr val="dk2"/>
               </a:solidFill>
@@ -9942,7 +10101,7 @@
             </a:endParaRPr>
           </a:p>
           <a:p>
-            <a:pPr indent="0" lvl="0" marL="0" rtl="0" algn="l">
+            <a:pPr marL="0" lvl="0" indent="0" algn="l" rtl="0">
               <a:spcBef>
                 <a:spcPts val="1600"/>
               </a:spcBef>
@@ -9951,10 +10110,7 @@
               </a:spcAft>
               <a:buNone/>
             </a:pPr>
-            <a:r>
-              <a:t/>
-            </a:r>
-            <a:endParaRPr i="1" sz="1700">
+            <a:endParaRPr sz="1700" i="1">
               <a:solidFill>
                 <a:schemeClr val="dk2"/>
               </a:solidFill>
@@ -10003,11 +10159,11 @@
 </file>
 
 <file path=ppt/slides/slide16.xml><?xml version="1.0" encoding="utf-8"?>
-<p:sld xmlns:a="http://schemas.openxmlformats.org/drawingml/2006/main" xmlns:r="http://schemas.openxmlformats.org/officeDocument/2006/relationships" xmlns:mc="http://schemas.openxmlformats.org/markup-compatibility/2006" xmlns:mv="urn:schemas-microsoft-com:mac:vml" xmlns:p="http://schemas.openxmlformats.org/presentationml/2006/main" xmlns:c="http://schemas.openxmlformats.org/drawingml/2006/chart" xmlns:dgm="http://schemas.openxmlformats.org/drawingml/2006/diagram" xmlns:o="urn:schemas-microsoft-com:office:office" xmlns:v="urn:schemas-microsoft-com:vml" xmlns:pvml="urn:schemas-microsoft-com:office:powerpoint" xmlns:com="http://schemas.openxmlformats.org/drawingml/2006/compatibility" xmlns:p14="http://schemas.microsoft.com/office/powerpoint/2010/main" xmlns:p15="http://schemas.microsoft.com/office/powerpoint/2012/main" xmlns:ahyp="http://schemas.microsoft.com/office/drawing/2018/hyperlinkcolor">
+<p:sld xmlns:a="http://schemas.openxmlformats.org/drawingml/2006/main" xmlns:r="http://schemas.openxmlformats.org/officeDocument/2006/relationships" xmlns:p="http://schemas.openxmlformats.org/presentationml/2006/main">
   <p:cSld>
     <p:spTree>
       <p:nvGrpSpPr>
-        <p:cNvPr id="166" name="Shape 166"/>
+        <p:cNvPr id="1" name="Shape 166"/>
         <p:cNvGrpSpPr/>
         <p:nvPr/>
       </p:nvGrpSpPr>
@@ -10022,9 +10178,11 @@
       <p:sp>
         <p:nvSpPr>
           <p:cNvPr id="167" name="Google Shape;167;p28"/>
-          <p:cNvSpPr txBox="1"/>
+          <p:cNvSpPr txBox="1">
+            <a:spLocks noGrp="1"/>
+          </p:cNvSpPr>
           <p:nvPr>
-            <p:ph idx="4294967295" type="title"/>
+            <p:ph type="title" idx="4294967295"/>
           </p:nvPr>
         </p:nvSpPr>
         <p:spPr>
@@ -10037,12 +10195,12 @@
           </a:prstGeom>
         </p:spPr>
         <p:txBody>
-          <a:bodyPr anchorCtr="0" anchor="t" bIns="91425" lIns="91425" spcFirstLastPara="1" rIns="91425" wrap="square" tIns="91425">
+          <a:bodyPr spcFirstLastPara="1" wrap="square" lIns="91425" tIns="91425" rIns="91425" bIns="91425" anchor="t" anchorCtr="0">
             <a:noAutofit/>
           </a:bodyPr>
           <a:lstStyle/>
           <a:p>
-            <a:pPr indent="0" lvl="0" marL="0" rtl="0" algn="l">
+            <a:pPr marL="0" lvl="0" indent="0" algn="l" rtl="0">
               <a:spcBef>
                 <a:spcPts val="0"/>
               </a:spcBef>
@@ -10061,19 +10219,7 @@
                 <a:cs typeface="Lato"/>
                 <a:sym typeface="Lato"/>
               </a:rPr>
-              <a:t>Recommendation 2:  </a:t>
-            </a:r>
-            <a:r>
-              <a:rPr lang="en" sz="1800">
-                <a:solidFill>
-                  <a:schemeClr val="dk1"/>
-                </a:solidFill>
-                <a:latin typeface="Lato"/>
-                <a:ea typeface="Lato"/>
-                <a:cs typeface="Lato"/>
-                <a:sym typeface="Lato"/>
-              </a:rPr>
-              <a:t>Don’t buy a house with less than 3 bedrooms.</a:t>
+              <a:t>Recommendation 2:  Don’t buy a house with less than 3 bedrooms.</a:t>
             </a:r>
             <a:endParaRPr sz="1800">
               <a:solidFill>
@@ -10086,7 +10232,7 @@
             </a:endParaRPr>
           </a:p>
           <a:p>
-            <a:pPr indent="0" lvl="0" marL="0" rtl="0" algn="l">
+            <a:pPr marL="0" lvl="0" indent="0" algn="l" rtl="0">
               <a:spcBef>
                 <a:spcPts val="1600"/>
               </a:spcBef>
@@ -10095,9 +10241,6 @@
               </a:spcAft>
               <a:buNone/>
             </a:pPr>
-            <a:r>
-              <a:t/>
-            </a:r>
             <a:endParaRPr sz="1800">
               <a:solidFill>
                 <a:schemeClr val="dk1"/>
@@ -10109,7 +10252,7 @@
             </a:endParaRPr>
           </a:p>
           <a:p>
-            <a:pPr indent="0" lvl="0" marL="0" rtl="0" algn="l">
+            <a:pPr marL="0" lvl="0" indent="0" algn="l" rtl="0">
               <a:spcBef>
                 <a:spcPts val="1600"/>
               </a:spcBef>
@@ -10118,9 +10261,6 @@
               </a:spcAft>
               <a:buNone/>
             </a:pPr>
-            <a:r>
-              <a:t/>
-            </a:r>
             <a:endParaRPr sz="1800">
               <a:solidFill>
                 <a:schemeClr val="dk1"/>
@@ -10132,7 +10272,7 @@
             </a:endParaRPr>
           </a:p>
           <a:p>
-            <a:pPr indent="0" lvl="0" marL="0" rtl="0" algn="l">
+            <a:pPr marL="0" lvl="0" indent="0" algn="l" rtl="0">
               <a:spcBef>
                 <a:spcPts val="1600"/>
               </a:spcBef>
@@ -10141,9 +10281,6 @@
               </a:spcAft>
               <a:buNone/>
             </a:pPr>
-            <a:r>
-              <a:t/>
-            </a:r>
             <a:endParaRPr sz="1800">
               <a:solidFill>
                 <a:schemeClr val="dk1"/>
@@ -10155,7 +10292,7 @@
             </a:endParaRPr>
           </a:p>
           <a:p>
-            <a:pPr indent="0" lvl="0" marL="0" rtl="0" algn="l">
+            <a:pPr marL="0" lvl="0" indent="0" algn="l" rtl="0">
               <a:lnSpc>
                 <a:spcPct val="100000"/>
               </a:lnSpc>
@@ -10167,9 +10304,6 @@
               </a:spcAft>
               <a:buNone/>
             </a:pPr>
-            <a:r>
-              <a:t/>
-            </a:r>
             <a:endParaRPr sz="1800">
               <a:solidFill>
                 <a:schemeClr val="dk1"/>
@@ -10202,12 +10336,12 @@
           </a:ln>
         </p:spPr>
         <p:txBody>
-          <a:bodyPr anchorCtr="0" anchor="t" bIns="91425" lIns="91425" spcFirstLastPara="1" rIns="91425" wrap="square" tIns="91425">
+          <a:bodyPr spcFirstLastPara="1" wrap="square" lIns="91425" tIns="91425" rIns="91425" bIns="91425" anchor="t" anchorCtr="0">
             <a:spAutoFit/>
           </a:bodyPr>
           <a:lstStyle/>
           <a:p>
-            <a:pPr indent="0" lvl="0" marL="0" rtl="0" algn="l">
+            <a:pPr marL="0" lvl="0" indent="0" algn="l" rtl="0">
               <a:spcBef>
                 <a:spcPts val="0"/>
               </a:spcBef>
@@ -10217,7 +10351,7 @@
               <a:buNone/>
             </a:pPr>
             <a:r>
-              <a:rPr b="1" lang="en" sz="1700">
+              <a:rPr lang="en" sz="1700" b="1">
                 <a:solidFill>
                   <a:schemeClr val="dk2"/>
                 </a:solidFill>
@@ -10251,7 +10385,7 @@
             </a:endParaRPr>
           </a:p>
           <a:p>
-            <a:pPr indent="0" lvl="0" marL="0" rtl="0" algn="l">
+            <a:pPr marL="0" lvl="0" indent="0" algn="l" rtl="0">
               <a:spcBef>
                 <a:spcPts val="1600"/>
               </a:spcBef>
@@ -10261,7 +10395,7 @@
               <a:buNone/>
             </a:pPr>
             <a:r>
-              <a:rPr b="1" lang="en" sz="1700">
+              <a:rPr lang="en" sz="1700" b="1">
                 <a:solidFill>
                   <a:schemeClr val="dk2"/>
                 </a:solidFill>
@@ -10284,7 +10418,7 @@
               </a:rPr>
               <a:t>Visual justification via the histogram</a:t>
             </a:r>
-            <a:endParaRPr i="1" sz="1700">
+            <a:endParaRPr sz="1700" i="1">
               <a:solidFill>
                 <a:schemeClr val="dk2"/>
               </a:solidFill>
@@ -10333,11 +10467,11 @@
 </file>
 
 <file path=ppt/slides/slide17.xml><?xml version="1.0" encoding="utf-8"?>
-<p:sld xmlns:a="http://schemas.openxmlformats.org/drawingml/2006/main" xmlns:r="http://schemas.openxmlformats.org/officeDocument/2006/relationships" xmlns:mc="http://schemas.openxmlformats.org/markup-compatibility/2006" xmlns:mv="urn:schemas-microsoft-com:mac:vml" xmlns:p="http://schemas.openxmlformats.org/presentationml/2006/main" xmlns:c="http://schemas.openxmlformats.org/drawingml/2006/chart" xmlns:dgm="http://schemas.openxmlformats.org/drawingml/2006/diagram" xmlns:o="urn:schemas-microsoft-com:office:office" xmlns:v="urn:schemas-microsoft-com:vml" xmlns:pvml="urn:schemas-microsoft-com:office:powerpoint" xmlns:com="http://schemas.openxmlformats.org/drawingml/2006/compatibility" xmlns:p14="http://schemas.microsoft.com/office/powerpoint/2010/main" xmlns:p15="http://schemas.microsoft.com/office/powerpoint/2012/main" xmlns:ahyp="http://schemas.microsoft.com/office/drawing/2018/hyperlinkcolor">
+<p:sld xmlns:a="http://schemas.openxmlformats.org/drawingml/2006/main" xmlns:r="http://schemas.openxmlformats.org/officeDocument/2006/relationships" xmlns:p="http://schemas.openxmlformats.org/presentationml/2006/main">
   <p:cSld>
     <p:spTree>
       <p:nvGrpSpPr>
-        <p:cNvPr id="173" name="Shape 173"/>
+        <p:cNvPr id="1" name="Shape 173"/>
         <p:cNvGrpSpPr/>
         <p:nvPr/>
       </p:nvGrpSpPr>
@@ -10352,9 +10486,11 @@
       <p:sp>
         <p:nvSpPr>
           <p:cNvPr id="174" name="Google Shape;174;p29"/>
-          <p:cNvSpPr txBox="1"/>
+          <p:cNvSpPr txBox="1">
+            <a:spLocks noGrp="1"/>
+          </p:cNvSpPr>
           <p:nvPr>
-            <p:ph idx="4294967295" type="title"/>
+            <p:ph type="title" idx="4294967295"/>
           </p:nvPr>
         </p:nvSpPr>
         <p:spPr>
@@ -10367,12 +10503,12 @@
           </a:prstGeom>
         </p:spPr>
         <p:txBody>
-          <a:bodyPr anchorCtr="0" anchor="t" bIns="91425" lIns="91425" spcFirstLastPara="1" rIns="91425" wrap="square" tIns="91425">
+          <a:bodyPr spcFirstLastPara="1" wrap="square" lIns="91425" tIns="91425" rIns="91425" bIns="91425" anchor="t" anchorCtr="0">
             <a:noAutofit/>
           </a:bodyPr>
           <a:lstStyle/>
           <a:p>
-            <a:pPr indent="0" lvl="0" marL="0" rtl="0" algn="l">
+            <a:pPr marL="0" lvl="0" indent="0" algn="l" rtl="0">
               <a:spcBef>
                 <a:spcPts val="0"/>
               </a:spcBef>
@@ -10391,19 +10527,7 @@
                 <a:cs typeface="Lato"/>
                 <a:sym typeface="Lato"/>
               </a:rPr>
-              <a:t>Recommendation 3:  </a:t>
-            </a:r>
-            <a:r>
-              <a:rPr lang="en" sz="1800">
-                <a:solidFill>
-                  <a:schemeClr val="dk1"/>
-                </a:solidFill>
-                <a:latin typeface="Lato"/>
-                <a:ea typeface="Lato"/>
-                <a:cs typeface="Lato"/>
-                <a:sym typeface="Lato"/>
-              </a:rPr>
-              <a:t>Look for a home in the $513,000 - $539,000 price range.</a:t>
+              <a:t>Recommendation 3:  Look for a home in the $513,000 - $539,000 price range.</a:t>
             </a:r>
             <a:endParaRPr sz="1800">
               <a:solidFill>
@@ -10416,7 +10540,7 @@
             </a:endParaRPr>
           </a:p>
           <a:p>
-            <a:pPr indent="0" lvl="0" marL="0" rtl="0" algn="l">
+            <a:pPr marL="0" lvl="0" indent="0" algn="l" rtl="0">
               <a:spcBef>
                 <a:spcPts val="1600"/>
               </a:spcBef>
@@ -10425,9 +10549,6 @@
               </a:spcAft>
               <a:buNone/>
             </a:pPr>
-            <a:r>
-              <a:t/>
-            </a:r>
             <a:endParaRPr sz="1800">
               <a:solidFill>
                 <a:schemeClr val="dk1"/>
@@ -10439,7 +10560,7 @@
             </a:endParaRPr>
           </a:p>
           <a:p>
-            <a:pPr indent="0" lvl="0" marL="0" rtl="0" algn="l">
+            <a:pPr marL="0" lvl="0" indent="0" algn="l" rtl="0">
               <a:spcBef>
                 <a:spcPts val="1600"/>
               </a:spcBef>
@@ -10448,9 +10569,6 @@
               </a:spcAft>
               <a:buNone/>
             </a:pPr>
-            <a:r>
-              <a:t/>
-            </a:r>
             <a:endParaRPr sz="1800">
               <a:solidFill>
                 <a:schemeClr val="dk1"/>
@@ -10462,7 +10580,7 @@
             </a:endParaRPr>
           </a:p>
           <a:p>
-            <a:pPr indent="0" lvl="0" marL="0" rtl="0" algn="l">
+            <a:pPr marL="0" lvl="0" indent="0" algn="l" rtl="0">
               <a:spcBef>
                 <a:spcPts val="1600"/>
               </a:spcBef>
@@ -10471,9 +10589,6 @@
               </a:spcAft>
               <a:buNone/>
             </a:pPr>
-            <a:r>
-              <a:t/>
-            </a:r>
             <a:endParaRPr sz="1800">
               <a:solidFill>
                 <a:schemeClr val="dk1"/>
@@ -10485,7 +10600,7 @@
             </a:endParaRPr>
           </a:p>
           <a:p>
-            <a:pPr indent="0" lvl="0" marL="0" rtl="0" algn="l">
+            <a:pPr marL="0" lvl="0" indent="0" algn="l" rtl="0">
               <a:lnSpc>
                 <a:spcPct val="100000"/>
               </a:lnSpc>
@@ -10497,9 +10612,6 @@
               </a:spcAft>
               <a:buNone/>
             </a:pPr>
-            <a:r>
-              <a:t/>
-            </a:r>
             <a:endParaRPr sz="1800">
               <a:solidFill>
                 <a:schemeClr val="dk1"/>
@@ -10532,12 +10644,12 @@
           </a:ln>
         </p:spPr>
         <p:txBody>
-          <a:bodyPr anchorCtr="0" anchor="t" bIns="91425" lIns="91425" spcFirstLastPara="1" rIns="91425" wrap="square" tIns="91425">
+          <a:bodyPr spcFirstLastPara="1" wrap="square" lIns="91425" tIns="91425" rIns="91425" bIns="91425" anchor="t" anchorCtr="0">
             <a:spAutoFit/>
           </a:bodyPr>
           <a:lstStyle/>
           <a:p>
-            <a:pPr indent="0" lvl="0" marL="0" rtl="0" algn="l">
+            <a:pPr marL="0" lvl="0" indent="0" algn="l" rtl="0">
               <a:spcBef>
                 <a:spcPts val="0"/>
               </a:spcBef>
@@ -10547,7 +10659,7 @@
               <a:buNone/>
             </a:pPr>
             <a:r>
-              <a:rPr b="1" lang="en" sz="1700">
+              <a:rPr lang="en" sz="1700" b="1">
                 <a:solidFill>
                   <a:schemeClr val="dk2"/>
                 </a:solidFill>
@@ -10556,10 +10668,10 @@
                 <a:cs typeface="Lato"/>
                 <a:sym typeface="Lato"/>
               </a:rPr>
-              <a:t>Step</a:t>
+              <a:t>Step 1: </a:t>
             </a:r>
             <a:r>
-              <a:rPr b="1" lang="en" sz="1700">
+              <a:rPr lang="en" sz="1700">
                 <a:solidFill>
                   <a:schemeClr val="dk2"/>
                 </a:solidFill>
@@ -10568,31 +10680,7 @@
                 <a:cs typeface="Lato"/>
                 <a:sym typeface="Lato"/>
               </a:rPr>
-              <a:t> 1: </a:t>
-            </a:r>
-            <a:r>
-              <a:rPr lang="en" sz="1700">
-                <a:solidFill>
-                  <a:schemeClr val="dk2"/>
-                </a:solidFill>
-                <a:latin typeface="Lato"/>
-                <a:ea typeface="Lato"/>
-                <a:cs typeface="Lato"/>
-                <a:sym typeface="Lato"/>
-              </a:rPr>
-              <a:t>D</a:t>
-            </a:r>
-            <a:r>
-              <a:rPr lang="en" sz="1700">
-                <a:solidFill>
-                  <a:schemeClr val="dk2"/>
-                </a:solidFill>
-                <a:latin typeface="Lato"/>
-                <a:ea typeface="Lato"/>
-                <a:cs typeface="Lato"/>
-                <a:sym typeface="Lato"/>
-              </a:rPr>
-              <a:t>ivide homes into two groups - homes below the 75th percentile and homes above.</a:t>
+              <a:t>Divide homes into two groups - homes below the 75th percentile and homes above.</a:t>
             </a:r>
             <a:endParaRPr sz="1700">
               <a:solidFill>
@@ -10605,7 +10693,7 @@
             </a:endParaRPr>
           </a:p>
           <a:p>
-            <a:pPr indent="0" lvl="0" marL="0" rtl="0" algn="l">
+            <a:pPr marL="0" lvl="0" indent="0" algn="l" rtl="0">
               <a:spcBef>
                 <a:spcPts val="1600"/>
               </a:spcBef>
@@ -10637,7 +10725,7 @@
             </a:endParaRPr>
           </a:p>
           <a:p>
-            <a:pPr indent="0" lvl="0" marL="0" rtl="0" algn="l">
+            <a:pPr marL="0" lvl="0" indent="0" algn="l" rtl="0">
               <a:spcBef>
                 <a:spcPts val="1600"/>
               </a:spcBef>
@@ -10647,7 +10735,7 @@
               <a:buNone/>
             </a:pPr>
             <a:r>
-              <a:rPr b="1" lang="en" sz="1700">
+              <a:rPr lang="en" sz="1700" b="1">
                 <a:solidFill>
                   <a:schemeClr val="dk2"/>
                 </a:solidFill>
@@ -10670,7 +10758,7 @@
               </a:rPr>
               <a:t> Compare the distributions of the distance from the city center among both groups and use a statistical test to determine if the difference is statistically significant.</a:t>
             </a:r>
-            <a:endParaRPr i="1" sz="1700">
+            <a:endParaRPr sz="1700" i="1">
               <a:solidFill>
                 <a:schemeClr val="dk2"/>
               </a:solidFill>
@@ -10681,7 +10769,7 @@
             </a:endParaRPr>
           </a:p>
           <a:p>
-            <a:pPr indent="-336550" lvl="0" marL="457200" rtl="0" algn="l">
+            <a:pPr marL="457200" lvl="0" indent="-336550" algn="l" rtl="0">
               <a:spcBef>
                 <a:spcPts val="1600"/>
               </a:spcBef>
@@ -10696,7 +10784,7 @@
               <a:buChar char="●"/>
             </a:pPr>
             <a:r>
-              <a:rPr b="1" i="1" lang="en" sz="1700">
+              <a:rPr lang="en" sz="1700" b="1" i="1">
                 <a:solidFill>
                   <a:schemeClr val="dk2"/>
                 </a:solidFill>
@@ -10708,7 +10796,7 @@
               <a:t>Results:</a:t>
             </a:r>
             <a:r>
-              <a:rPr b="1" lang="en" sz="1700">
+              <a:rPr lang="en" sz="1700" b="1">
                 <a:solidFill>
                   <a:schemeClr val="dk2"/>
                 </a:solidFill>
@@ -10729,19 +10817,7 @@
                 <a:cs typeface="Lato"/>
                 <a:sym typeface="Lato"/>
               </a:rPr>
-              <a:t>T</a:t>
-            </a:r>
-            <a:r>
-              <a:rPr lang="en" sz="1700">
-                <a:solidFill>
-                  <a:schemeClr val="dk2"/>
-                </a:solidFill>
-                <a:latin typeface="Lato"/>
-                <a:ea typeface="Lato"/>
-                <a:cs typeface="Lato"/>
-                <a:sym typeface="Lato"/>
-              </a:rPr>
-              <a:t>here IS a significant correlation between being in the upper quartile and being closer to the city center.</a:t>
+              <a:t>There IS a significant correlation between being in the upper quartile and being closer to the city center.</a:t>
             </a:r>
             <a:endParaRPr sz="1700">
               <a:solidFill>
@@ -10754,7 +10830,7 @@
             </a:endParaRPr>
           </a:p>
           <a:p>
-            <a:pPr indent="-336550" lvl="0" marL="457200" rtl="0" algn="l">
+            <a:pPr marL="457200" lvl="0" indent="-336550" algn="l" rtl="0">
               <a:spcBef>
                 <a:spcPts val="0"/>
               </a:spcBef>
@@ -10791,7 +10867,7 @@
             </a:endParaRPr>
           </a:p>
           <a:p>
-            <a:pPr indent="0" lvl="0" marL="0" rtl="0" algn="l">
+            <a:pPr marL="0" lvl="0" indent="0" algn="l" rtl="0">
               <a:spcBef>
                 <a:spcPts val="1600"/>
               </a:spcBef>
@@ -10800,9 +10876,6 @@
               </a:spcAft>
               <a:buNone/>
             </a:pPr>
-            <a:r>
-              <a:t/>
-            </a:r>
             <a:endParaRPr sz="1700">
               <a:solidFill>
                 <a:schemeClr val="dk2"/>
@@ -10824,11 +10897,11 @@
 </file>
 
 <file path=ppt/slides/slide2.xml><?xml version="1.0" encoding="utf-8"?>
-<p:sld xmlns:a="http://schemas.openxmlformats.org/drawingml/2006/main" xmlns:r="http://schemas.openxmlformats.org/officeDocument/2006/relationships" xmlns:mc="http://schemas.openxmlformats.org/markup-compatibility/2006" xmlns:mv="urn:schemas-microsoft-com:mac:vml" xmlns:p="http://schemas.openxmlformats.org/presentationml/2006/main" xmlns:c="http://schemas.openxmlformats.org/drawingml/2006/chart" xmlns:dgm="http://schemas.openxmlformats.org/drawingml/2006/diagram" xmlns:o="urn:schemas-microsoft-com:office:office" xmlns:v="urn:schemas-microsoft-com:vml" xmlns:pvml="urn:schemas-microsoft-com:office:powerpoint" xmlns:com="http://schemas.openxmlformats.org/drawingml/2006/compatibility" xmlns:p14="http://schemas.microsoft.com/office/powerpoint/2010/main" xmlns:p15="http://schemas.microsoft.com/office/powerpoint/2012/main" xmlns:ahyp="http://schemas.microsoft.com/office/drawing/2018/hyperlinkcolor">
+<p:sld xmlns:a="http://schemas.openxmlformats.org/drawingml/2006/main" xmlns:r="http://schemas.openxmlformats.org/officeDocument/2006/relationships" xmlns:p="http://schemas.openxmlformats.org/presentationml/2006/main">
   <p:cSld>
     <p:spTree>
       <p:nvGrpSpPr>
-        <p:cNvPr id="77" name="Shape 77"/>
+        <p:cNvPr id="1" name="Shape 77"/>
         <p:cNvGrpSpPr/>
         <p:nvPr/>
       </p:nvGrpSpPr>
@@ -10843,9 +10916,11 @@
       <p:sp>
         <p:nvSpPr>
           <p:cNvPr id="78" name="Google Shape;78;p14"/>
-          <p:cNvSpPr txBox="1"/>
+          <p:cNvSpPr txBox="1">
+            <a:spLocks noGrp="1"/>
+          </p:cNvSpPr>
           <p:nvPr>
-            <p:ph idx="4294967295" type="title"/>
+            <p:ph type="title" idx="4294967295"/>
           </p:nvPr>
         </p:nvSpPr>
         <p:spPr>
@@ -10858,12 +10933,12 @@
           </a:prstGeom>
         </p:spPr>
         <p:txBody>
-          <a:bodyPr anchorCtr="0" anchor="t" bIns="91425" lIns="91425" spcFirstLastPara="1" rIns="91425" wrap="square" tIns="91425">
+          <a:bodyPr spcFirstLastPara="1" wrap="square" lIns="91425" tIns="91425" rIns="91425" bIns="91425" anchor="t" anchorCtr="0">
             <a:noAutofit/>
           </a:bodyPr>
           <a:lstStyle/>
           <a:p>
-            <a:pPr indent="0" lvl="0" marL="0" rtl="0" algn="l">
+            <a:pPr marL="0" lvl="0" indent="0" algn="l" rtl="0">
               <a:spcBef>
                 <a:spcPts val="0"/>
               </a:spcBef>
@@ -10878,15 +10953,7 @@
                   <a:schemeClr val="dk1"/>
                 </a:solidFill>
               </a:rPr>
-              <a:t>Questions and</a:t>
-            </a:r>
-            <a:r>
-              <a:rPr lang="en" sz="3600">
-                <a:solidFill>
-                  <a:schemeClr val="dk1"/>
-                </a:solidFill>
-              </a:rPr>
-              <a:t> Hypotheses</a:t>
+              <a:t>Questions and Hypotheses</a:t>
             </a:r>
             <a:endParaRPr sz="2400"/>
           </a:p>
@@ -10895,14 +10962,16 @@
       <p:sp>
         <p:nvSpPr>
           <p:cNvPr id="79" name="Google Shape;79;p14"/>
-          <p:cNvSpPr txBox="1"/>
+          <p:cNvSpPr txBox="1">
+            <a:spLocks noGrp="1"/>
+          </p:cNvSpPr>
           <p:nvPr>
-            <p:ph idx="4294967295" type="title"/>
+            <p:ph type="title" idx="4294967295"/>
           </p:nvPr>
         </p:nvSpPr>
         <p:spPr>
           <a:xfrm>
-            <a:off x="535775" y="859575"/>
+            <a:off x="535775" y="792900"/>
             <a:ext cx="6736500" cy="3557700"/>
           </a:xfrm>
           <a:prstGeom prst="rect">
@@ -10910,12 +10979,12 @@
           </a:prstGeom>
         </p:spPr>
         <p:txBody>
-          <a:bodyPr anchorCtr="0" anchor="t" bIns="91425" lIns="91425" spcFirstLastPara="1" rIns="91425" wrap="square" tIns="91425">
+          <a:bodyPr spcFirstLastPara="1" wrap="square" lIns="91425" tIns="91425" rIns="91425" bIns="91425" anchor="t" anchorCtr="0">
             <a:noAutofit/>
           </a:bodyPr>
           <a:lstStyle/>
           <a:p>
-            <a:pPr indent="0" lvl="0" marL="0" rtl="0" algn="l">
+            <a:pPr marL="0" lvl="0" indent="0" algn="l" rtl="0">
               <a:lnSpc>
                 <a:spcPct val="100000"/>
               </a:lnSpc>
@@ -10928,24 +10997,15 @@
               <a:buNone/>
             </a:pPr>
             <a:r>
-              <a:rPr b="0" lang="en" sz="1800">
+              <a:rPr lang="en" sz="1750" b="0" dirty="0">
                 <a:latin typeface="Lato"/>
                 <a:ea typeface="Lato"/>
                 <a:cs typeface="Lato"/>
                 <a:sym typeface="Lato"/>
               </a:rPr>
-              <a:t>Question 1: </a:t>
+              <a:t>Question 1: Do the houses in Seattle have worse condition on average?</a:t>
             </a:r>
-            <a:r>
-              <a:rPr b="0" lang="en" sz="1800">
-                <a:latin typeface="Lato"/>
-                <a:ea typeface="Lato"/>
-                <a:cs typeface="Lato"/>
-                <a:sym typeface="Lato"/>
-              </a:rPr>
-              <a:t>Do the houses in Seattle have worse condition on average?</a:t>
-            </a:r>
-            <a:endParaRPr b="0" sz="1800">
+            <a:endParaRPr sz="1750" b="0" dirty="0">
               <a:latin typeface="Lato"/>
               <a:ea typeface="Lato"/>
               <a:cs typeface="Lato"/>
@@ -10953,7 +11013,7 @@
             </a:endParaRPr>
           </a:p>
           <a:p>
-            <a:pPr indent="-342900" lvl="0" marL="457200" rtl="0" algn="l">
+            <a:pPr marL="457200" lvl="0" indent="-342900" algn="l" rtl="0">
               <a:lnSpc>
                 <a:spcPct val="100000"/>
               </a:lnSpc>
@@ -10971,7 +11031,7 @@
               <a:buChar char="●"/>
             </a:pPr>
             <a:r>
-              <a:rPr b="0" i="1" lang="en" sz="1800">
+              <a:rPr lang="en" sz="1750" b="0" i="1" dirty="0">
                 <a:solidFill>
                   <a:schemeClr val="dk1"/>
                 </a:solidFill>
@@ -10980,21 +11040,9 @@
                 <a:cs typeface="Lato"/>
                 <a:sym typeface="Lato"/>
               </a:rPr>
-              <a:t>Corresponding hypothesis: </a:t>
+              <a:t>Corresponding hypothesis: If a house is in Seattle, it is more likely to have a worse condition.</a:t>
             </a:r>
-            <a:r>
-              <a:rPr b="0" i="1" lang="en" sz="1800">
-                <a:solidFill>
-                  <a:schemeClr val="dk1"/>
-                </a:solidFill>
-                <a:latin typeface="Lato"/>
-                <a:ea typeface="Lato"/>
-                <a:cs typeface="Lato"/>
-                <a:sym typeface="Lato"/>
-              </a:rPr>
-              <a:t>If a house is in Seattle, it is more likely to have a worse condition.</a:t>
-            </a:r>
-            <a:endParaRPr b="0" i="1" sz="1800">
+            <a:endParaRPr sz="1750" b="0" i="1" dirty="0">
               <a:solidFill>
                 <a:schemeClr val="dk1"/>
               </a:solidFill>
@@ -11005,7 +11053,7 @@
             </a:endParaRPr>
           </a:p>
           <a:p>
-            <a:pPr indent="0" lvl="0" marL="0" rtl="0" algn="l">
+            <a:pPr marL="0" lvl="0" indent="0" algn="l" rtl="0">
               <a:lnSpc>
                 <a:spcPct val="100000"/>
               </a:lnSpc>
@@ -11018,7 +11066,7 @@
               <a:buNone/>
             </a:pPr>
             <a:r>
-              <a:rPr b="0" lang="en" sz="1800">
+              <a:rPr lang="en" sz="1750" b="0" dirty="0">
                 <a:latin typeface="Lato"/>
                 <a:ea typeface="Lato"/>
                 <a:cs typeface="Lato"/>
@@ -11026,7 +11074,7 @@
               </a:rPr>
               <a:t>Question 2: Do the houses in Seattle cost more on average?</a:t>
             </a:r>
-            <a:endParaRPr b="0" sz="1800">
+            <a:endParaRPr sz="1750" b="0" dirty="0">
               <a:latin typeface="Lato"/>
               <a:ea typeface="Lato"/>
               <a:cs typeface="Lato"/>
@@ -11034,7 +11082,7 @@
             </a:endParaRPr>
           </a:p>
           <a:p>
-            <a:pPr indent="-342900" lvl="0" marL="457200" rtl="0" algn="l">
+            <a:pPr marL="457200" lvl="0" indent="-342900" algn="l" rtl="0">
               <a:spcBef>
                 <a:spcPts val="1600"/>
               </a:spcBef>
@@ -11049,7 +11097,7 @@
               <a:buChar char="●"/>
             </a:pPr>
             <a:r>
-              <a:rPr b="0" i="1" lang="en" sz="1800">
+              <a:rPr lang="en" sz="1750" b="0" i="1" dirty="0">
                 <a:solidFill>
                   <a:schemeClr val="dk1"/>
                 </a:solidFill>
@@ -11060,7 +11108,7 @@
               </a:rPr>
               <a:t>Corresponding hypothesis: If a house is in Seattle, it is likely to cost more per square foot than an average house in King County.</a:t>
             </a:r>
-            <a:endParaRPr b="0" i="1" sz="1800">
+            <a:endParaRPr sz="1750" b="0" i="1" dirty="0">
               <a:solidFill>
                 <a:schemeClr val="dk1"/>
               </a:solidFill>
@@ -11071,7 +11119,7 @@
             </a:endParaRPr>
           </a:p>
           <a:p>
-            <a:pPr indent="0" lvl="0" marL="0" rtl="0" algn="l">
+            <a:pPr marL="0" lvl="0" indent="0" algn="l" rtl="0">
               <a:lnSpc>
                 <a:spcPct val="100000"/>
               </a:lnSpc>
@@ -11084,33 +11132,15 @@
               <a:buNone/>
             </a:pPr>
             <a:r>
-              <a:rPr b="0" lang="en" sz="1800">
+              <a:rPr lang="en" sz="1750" b="0" dirty="0">
                 <a:latin typeface="Lato"/>
                 <a:ea typeface="Lato"/>
                 <a:cs typeface="Lato"/>
                 <a:sym typeface="Lato"/>
               </a:rPr>
-              <a:t>Question 3: Is having a view </a:t>
+              <a:t>Question 3: Is having a view correlated with greater square footage?</a:t>
             </a:r>
-            <a:r>
-              <a:rPr b="0" lang="en" sz="1800">
-                <a:latin typeface="Lato"/>
-                <a:ea typeface="Lato"/>
-                <a:cs typeface="Lato"/>
-                <a:sym typeface="Lato"/>
-              </a:rPr>
-              <a:t>correlated</a:t>
-            </a:r>
-            <a:r>
-              <a:rPr b="0" lang="en" sz="1800">
-                <a:latin typeface="Lato"/>
-                <a:ea typeface="Lato"/>
-                <a:cs typeface="Lato"/>
-                <a:sym typeface="Lato"/>
-              </a:rPr>
-              <a:t> with greater square footage?</a:t>
-            </a:r>
-            <a:endParaRPr b="0" sz="1800">
+            <a:endParaRPr sz="1750" b="0" dirty="0">
               <a:latin typeface="Lato"/>
               <a:ea typeface="Lato"/>
               <a:cs typeface="Lato"/>
@@ -11118,7 +11148,7 @@
             </a:endParaRPr>
           </a:p>
           <a:p>
-            <a:pPr indent="-342900" lvl="0" marL="457200" rtl="0" algn="l">
+            <a:pPr marL="457200" lvl="0" indent="-342900" algn="l" rtl="0">
               <a:spcBef>
                 <a:spcPts val="1600"/>
               </a:spcBef>
@@ -11133,7 +11163,7 @@
               <a:buChar char="●"/>
             </a:pPr>
             <a:r>
-              <a:rPr b="0" i="1" lang="en" sz="1800">
+              <a:rPr lang="en" sz="1750" b="0" i="1" dirty="0">
                 <a:solidFill>
                   <a:schemeClr val="dk1"/>
                 </a:solidFill>
@@ -11142,21 +11172,9 @@
                 <a:cs typeface="Lato"/>
                 <a:sym typeface="Lato"/>
               </a:rPr>
-              <a:t>Corresponding hypothesis: </a:t>
+              <a:t>Corresponding hypothesis: Higher view score is correlated with higher square footage.</a:t>
             </a:r>
-            <a:r>
-              <a:rPr b="0" i="1" lang="en" sz="1800">
-                <a:solidFill>
-                  <a:schemeClr val="dk1"/>
-                </a:solidFill>
-                <a:latin typeface="Lato"/>
-                <a:ea typeface="Lato"/>
-                <a:cs typeface="Lato"/>
-                <a:sym typeface="Lato"/>
-              </a:rPr>
-              <a:t>Higher view score is correlated with higher square footage.</a:t>
-            </a:r>
-            <a:endParaRPr b="0" i="1" sz="1800">
+            <a:endParaRPr sz="1750" b="0" i="1" dirty="0">
               <a:solidFill>
                 <a:schemeClr val="dk1"/>
               </a:solidFill>
@@ -11177,11 +11195,11 @@
 </file>
 
 <file path=ppt/slides/slide3.xml><?xml version="1.0" encoding="utf-8"?>
-<p:sld xmlns:a="http://schemas.openxmlformats.org/drawingml/2006/main" xmlns:r="http://schemas.openxmlformats.org/officeDocument/2006/relationships" xmlns:mc="http://schemas.openxmlformats.org/markup-compatibility/2006" xmlns:mv="urn:schemas-microsoft-com:mac:vml" xmlns:p="http://schemas.openxmlformats.org/presentationml/2006/main" xmlns:c="http://schemas.openxmlformats.org/drawingml/2006/chart" xmlns:dgm="http://schemas.openxmlformats.org/drawingml/2006/diagram" xmlns:o="urn:schemas-microsoft-com:office:office" xmlns:v="urn:schemas-microsoft-com:vml" xmlns:pvml="urn:schemas-microsoft-com:office:powerpoint" xmlns:com="http://schemas.openxmlformats.org/drawingml/2006/compatibility" xmlns:p14="http://schemas.microsoft.com/office/powerpoint/2010/main" xmlns:p15="http://schemas.microsoft.com/office/powerpoint/2012/main" xmlns:ahyp="http://schemas.microsoft.com/office/drawing/2018/hyperlinkcolor">
+<p:sld xmlns:a="http://schemas.openxmlformats.org/drawingml/2006/main" xmlns:r="http://schemas.openxmlformats.org/officeDocument/2006/relationships" xmlns:p="http://schemas.openxmlformats.org/presentationml/2006/main">
   <p:cSld>
     <p:spTree>
       <p:nvGrpSpPr>
-        <p:cNvPr id="83" name="Shape 83"/>
+        <p:cNvPr id="1" name="Shape 83"/>
         <p:cNvGrpSpPr/>
         <p:nvPr/>
       </p:nvGrpSpPr>
@@ -11196,9 +11214,11 @@
       <p:sp>
         <p:nvSpPr>
           <p:cNvPr id="84" name="Google Shape;84;p15"/>
-          <p:cNvSpPr txBox="1"/>
+          <p:cNvSpPr txBox="1">
+            <a:spLocks noGrp="1"/>
+          </p:cNvSpPr>
           <p:nvPr>
-            <p:ph idx="4294967295" type="title"/>
+            <p:ph type="title" idx="4294967295"/>
           </p:nvPr>
         </p:nvSpPr>
         <p:spPr>
@@ -11211,12 +11231,12 @@
           </a:prstGeom>
         </p:spPr>
         <p:txBody>
-          <a:bodyPr anchorCtr="0" anchor="t" bIns="91425" lIns="91425" spcFirstLastPara="1" rIns="91425" wrap="square" tIns="91425">
+          <a:bodyPr spcFirstLastPara="1" wrap="square" lIns="91425" tIns="91425" rIns="91425" bIns="91425" anchor="t" anchorCtr="0">
             <a:noAutofit/>
           </a:bodyPr>
           <a:lstStyle/>
           <a:p>
-            <a:pPr indent="0" lvl="0" marL="0" rtl="0" algn="l">
+            <a:pPr marL="0" lvl="0" indent="0" algn="l" rtl="0">
               <a:lnSpc>
                 <a:spcPct val="100000"/>
               </a:lnSpc>
@@ -11238,21 +11258,9 @@
                 <a:cs typeface="Lato"/>
                 <a:sym typeface="Lato"/>
               </a:rPr>
-              <a:t>Hypothesis 1: </a:t>
+              <a:t>Hypothesis 1: If a house is in Seattle, it is more likely to have a worse condition.</a:t>
             </a:r>
-            <a:r>
-              <a:rPr lang="en" sz="1800">
-                <a:solidFill>
-                  <a:schemeClr val="dk1"/>
-                </a:solidFill>
-                <a:latin typeface="Lato"/>
-                <a:ea typeface="Lato"/>
-                <a:cs typeface="Lato"/>
-                <a:sym typeface="Lato"/>
-              </a:rPr>
-              <a:t>If a house is in Seattle, it is more likely to have a worse condition.</a:t>
-            </a:r>
-            <a:endParaRPr b="0" sz="1800">
+            <a:endParaRPr sz="1800" b="0">
               <a:solidFill>
                 <a:schemeClr val="dk1"/>
               </a:solidFill>
@@ -11284,12 +11292,12 @@
           </a:ln>
         </p:spPr>
         <p:txBody>
-          <a:bodyPr anchorCtr="0" anchor="t" bIns="91425" lIns="91425" spcFirstLastPara="1" rIns="91425" wrap="square" tIns="91425">
+          <a:bodyPr spcFirstLastPara="1" wrap="square" lIns="91425" tIns="91425" rIns="91425" bIns="91425" anchor="t" anchorCtr="0">
             <a:spAutoFit/>
           </a:bodyPr>
           <a:lstStyle/>
           <a:p>
-            <a:pPr indent="0" lvl="0" marL="0" rtl="0" algn="l">
+            <a:pPr marL="0" lvl="0" indent="0" algn="l" rtl="0">
               <a:spcBef>
                 <a:spcPts val="0"/>
               </a:spcBef>
@@ -11321,7 +11329,7 @@
             </a:endParaRPr>
           </a:p>
           <a:p>
-            <a:pPr indent="0" lvl="0" marL="0" rtl="0" algn="l">
+            <a:pPr marL="0" lvl="0" indent="0" algn="l" rtl="0">
               <a:spcBef>
                 <a:spcPts val="1600"/>
               </a:spcBef>
@@ -11331,7 +11339,7 @@
               <a:buNone/>
             </a:pPr>
             <a:r>
-              <a:rPr i="1" lang="en" sz="1700">
+              <a:rPr lang="en" sz="1700" i="1">
                 <a:solidFill>
                   <a:srgbClr val="666666"/>
                 </a:solidFill>
@@ -11342,7 +11350,7 @@
               </a:rPr>
               <a:t>Visually this indicates that there is not really a correlation between condition and distance. They all have roughly the same min and median. Conditions 2, 3, and 4 have a slight skew towards further distance, but this is not significant.</a:t>
             </a:r>
-            <a:endParaRPr i="1" sz="1700">
+            <a:endParaRPr sz="1700" i="1">
               <a:solidFill>
                 <a:srgbClr val="666666"/>
               </a:solidFill>
@@ -11353,7 +11361,7 @@
             </a:endParaRPr>
           </a:p>
           <a:p>
-            <a:pPr indent="0" lvl="0" marL="0" rtl="0" algn="l">
+            <a:pPr marL="0" lvl="0" indent="0" algn="l" rtl="0">
               <a:spcBef>
                 <a:spcPts val="1600"/>
               </a:spcBef>
@@ -11362,10 +11370,7 @@
               </a:spcAft>
               <a:buNone/>
             </a:pPr>
-            <a:r>
-              <a:t/>
-            </a:r>
-            <a:endParaRPr i="1" sz="1700">
+            <a:endParaRPr sz="1700" i="1">
               <a:solidFill>
                 <a:schemeClr val="dk2"/>
               </a:solidFill>
@@ -11414,11 +11419,11 @@
 </file>
 
 <file path=ppt/slides/slide4.xml><?xml version="1.0" encoding="utf-8"?>
-<p:sld xmlns:a="http://schemas.openxmlformats.org/drawingml/2006/main" xmlns:r="http://schemas.openxmlformats.org/officeDocument/2006/relationships" xmlns:mc="http://schemas.openxmlformats.org/markup-compatibility/2006" xmlns:mv="urn:schemas-microsoft-com:mac:vml" xmlns:p="http://schemas.openxmlformats.org/presentationml/2006/main" xmlns:c="http://schemas.openxmlformats.org/drawingml/2006/chart" xmlns:dgm="http://schemas.openxmlformats.org/drawingml/2006/diagram" xmlns:o="urn:schemas-microsoft-com:office:office" xmlns:v="urn:schemas-microsoft-com:vml" xmlns:pvml="urn:schemas-microsoft-com:office:powerpoint" xmlns:com="http://schemas.openxmlformats.org/drawingml/2006/compatibility" xmlns:p14="http://schemas.microsoft.com/office/powerpoint/2010/main" xmlns:p15="http://schemas.microsoft.com/office/powerpoint/2012/main" xmlns:ahyp="http://schemas.microsoft.com/office/drawing/2018/hyperlinkcolor">
+<p:sld xmlns:a="http://schemas.openxmlformats.org/drawingml/2006/main" xmlns:r="http://schemas.openxmlformats.org/officeDocument/2006/relationships" xmlns:p="http://schemas.openxmlformats.org/presentationml/2006/main">
   <p:cSld>
     <p:spTree>
       <p:nvGrpSpPr>
-        <p:cNvPr id="90" name="Shape 90"/>
+        <p:cNvPr id="1" name="Shape 90"/>
         <p:cNvGrpSpPr/>
         <p:nvPr/>
       </p:nvGrpSpPr>
@@ -11433,9 +11438,11 @@
       <p:sp>
         <p:nvSpPr>
           <p:cNvPr id="91" name="Google Shape;91;p16"/>
-          <p:cNvSpPr txBox="1"/>
+          <p:cNvSpPr txBox="1">
+            <a:spLocks noGrp="1"/>
+          </p:cNvSpPr>
           <p:nvPr>
-            <p:ph idx="4294967295" type="title"/>
+            <p:ph type="title" idx="4294967295"/>
           </p:nvPr>
         </p:nvSpPr>
         <p:spPr>
@@ -11448,12 +11455,12 @@
           </a:prstGeom>
         </p:spPr>
         <p:txBody>
-          <a:bodyPr anchorCtr="0" anchor="t" bIns="91425" lIns="91425" spcFirstLastPara="1" rIns="91425" wrap="square" tIns="91425">
+          <a:bodyPr spcFirstLastPara="1" wrap="square" lIns="91425" tIns="91425" rIns="91425" bIns="91425" anchor="t" anchorCtr="0">
             <a:noAutofit/>
           </a:bodyPr>
           <a:lstStyle/>
           <a:p>
-            <a:pPr indent="0" lvl="0" marL="0" rtl="0" algn="l">
+            <a:pPr marL="0" lvl="0" indent="0" algn="l" rtl="0">
               <a:lnSpc>
                 <a:spcPct val="100000"/>
               </a:lnSpc>
@@ -11477,7 +11484,7 @@
               </a:rPr>
               <a:t>Hypothesis 1: If a house is in Seattle, it is more likely to have a worse condition.</a:t>
             </a:r>
-            <a:endParaRPr b="0" sz="1800">
+            <a:endParaRPr sz="1800" b="0">
               <a:solidFill>
                 <a:schemeClr val="dk1"/>
               </a:solidFill>
@@ -11509,12 +11516,12 @@
           </a:ln>
         </p:spPr>
         <p:txBody>
-          <a:bodyPr anchorCtr="0" anchor="t" bIns="91425" lIns="91425" spcFirstLastPara="1" rIns="91425" wrap="square" tIns="91425">
+          <a:bodyPr spcFirstLastPara="1" wrap="square" lIns="91425" tIns="91425" rIns="91425" bIns="91425" anchor="t" anchorCtr="0">
             <a:spAutoFit/>
           </a:bodyPr>
           <a:lstStyle/>
           <a:p>
-            <a:pPr indent="0" lvl="0" marL="0" rtl="0" algn="l">
+            <a:pPr marL="0" lvl="0" indent="0" algn="l" rtl="0">
               <a:spcBef>
                 <a:spcPts val="0"/>
               </a:spcBef>
@@ -11546,7 +11553,7 @@
             </a:endParaRPr>
           </a:p>
           <a:p>
-            <a:pPr indent="0" lvl="0" marL="0" rtl="0" algn="l">
+            <a:pPr marL="0" lvl="0" indent="0" algn="l" rtl="0">
               <a:spcBef>
                 <a:spcPts val="1600"/>
               </a:spcBef>
@@ -11556,7 +11563,7 @@
               <a:buNone/>
             </a:pPr>
             <a:r>
-              <a:rPr i="1" lang="en" sz="1700">
+              <a:rPr lang="en" sz="1700" i="1">
                 <a:solidFill>
                   <a:srgbClr val="666666"/>
                 </a:solidFill>
@@ -11567,7 +11574,7 @@
               </a:rPr>
               <a:t>Correlation:  - .072</a:t>
             </a:r>
-            <a:endParaRPr i="1" sz="1700">
+            <a:endParaRPr sz="1700" i="1">
               <a:solidFill>
                 <a:srgbClr val="666666"/>
               </a:solidFill>
@@ -11578,7 +11585,7 @@
             </a:endParaRPr>
           </a:p>
           <a:p>
-            <a:pPr indent="0" lvl="0" marL="0" rtl="0" algn="l">
+            <a:pPr marL="0" lvl="0" indent="0" algn="l" rtl="0">
               <a:spcBef>
                 <a:spcPts val="1600"/>
               </a:spcBef>
@@ -11588,7 +11595,7 @@
               <a:buNone/>
             </a:pPr>
             <a:r>
-              <a:rPr i="1" lang="en" sz="1700">
+              <a:rPr lang="en" sz="1700" i="1">
                 <a:solidFill>
                   <a:srgbClr val="666666"/>
                 </a:solidFill>
@@ -11599,7 +11606,7 @@
               </a:rPr>
               <a:t>This regression line is almost horizontal, indicating that there is not really a correlation.</a:t>
             </a:r>
-            <a:endParaRPr i="1" sz="1700">
+            <a:endParaRPr sz="1700" i="1">
               <a:solidFill>
                 <a:srgbClr val="666666"/>
               </a:solidFill>
@@ -11610,7 +11617,7 @@
             </a:endParaRPr>
           </a:p>
           <a:p>
-            <a:pPr indent="0" lvl="0" marL="0" rtl="0" algn="l">
+            <a:pPr marL="0" lvl="0" indent="0" algn="l" rtl="0">
               <a:spcBef>
                 <a:spcPts val="1600"/>
               </a:spcBef>
@@ -11619,10 +11626,7 @@
               </a:spcAft>
               <a:buNone/>
             </a:pPr>
-            <a:r>
-              <a:t/>
-            </a:r>
-            <a:endParaRPr i="1" sz="1700">
+            <a:endParaRPr sz="1700" i="1">
               <a:solidFill>
                 <a:schemeClr val="dk2"/>
               </a:solidFill>
@@ -11671,11 +11675,11 @@
 </file>
 
 <file path=ppt/slides/slide5.xml><?xml version="1.0" encoding="utf-8"?>
-<p:sld xmlns:a="http://schemas.openxmlformats.org/drawingml/2006/main" xmlns:r="http://schemas.openxmlformats.org/officeDocument/2006/relationships" xmlns:mc="http://schemas.openxmlformats.org/markup-compatibility/2006" xmlns:mv="urn:schemas-microsoft-com:mac:vml" xmlns:p="http://schemas.openxmlformats.org/presentationml/2006/main" xmlns:c="http://schemas.openxmlformats.org/drawingml/2006/chart" xmlns:dgm="http://schemas.openxmlformats.org/drawingml/2006/diagram" xmlns:o="urn:schemas-microsoft-com:office:office" xmlns:v="urn:schemas-microsoft-com:vml" xmlns:pvml="urn:schemas-microsoft-com:office:powerpoint" xmlns:com="http://schemas.openxmlformats.org/drawingml/2006/compatibility" xmlns:p14="http://schemas.microsoft.com/office/powerpoint/2010/main" xmlns:p15="http://schemas.microsoft.com/office/powerpoint/2012/main" xmlns:ahyp="http://schemas.microsoft.com/office/drawing/2018/hyperlinkcolor">
+<p:sld xmlns:a="http://schemas.openxmlformats.org/drawingml/2006/main" xmlns:r="http://schemas.openxmlformats.org/officeDocument/2006/relationships" xmlns:p="http://schemas.openxmlformats.org/presentationml/2006/main">
   <p:cSld>
     <p:spTree>
       <p:nvGrpSpPr>
-        <p:cNvPr id="97" name="Shape 97"/>
+        <p:cNvPr id="1" name="Shape 97"/>
         <p:cNvGrpSpPr/>
         <p:nvPr/>
       </p:nvGrpSpPr>
@@ -11690,9 +11694,11 @@
       <p:sp>
         <p:nvSpPr>
           <p:cNvPr id="98" name="Google Shape;98;p17"/>
-          <p:cNvSpPr txBox="1"/>
+          <p:cNvSpPr txBox="1">
+            <a:spLocks noGrp="1"/>
+          </p:cNvSpPr>
           <p:nvPr>
-            <p:ph idx="4294967295" type="title"/>
+            <p:ph type="title" idx="4294967295"/>
           </p:nvPr>
         </p:nvSpPr>
         <p:spPr>
@@ -11705,12 +11711,12 @@
           </a:prstGeom>
         </p:spPr>
         <p:txBody>
-          <a:bodyPr anchorCtr="0" anchor="t" bIns="91425" lIns="91425" spcFirstLastPara="1" rIns="91425" wrap="square" tIns="91425">
+          <a:bodyPr spcFirstLastPara="1" wrap="square" lIns="91425" tIns="91425" rIns="91425" bIns="91425" anchor="t" anchorCtr="0">
             <a:noAutofit/>
           </a:bodyPr>
           <a:lstStyle/>
           <a:p>
-            <a:pPr indent="0" lvl="0" marL="0" rtl="0" algn="ctr">
+            <a:pPr marL="0" lvl="0" indent="0" algn="ctr" rtl="0">
               <a:lnSpc>
                 <a:spcPct val="100000"/>
               </a:lnSpc>
@@ -11735,7 +11741,7 @@
               <a:t>Hypothesis 1 Conclusion: </a:t>
             </a:r>
             <a:r>
-              <a:rPr b="0" lang="en" sz="1800">
+              <a:rPr lang="en" sz="1800" b="0">
                 <a:solidFill>
                   <a:schemeClr val="dk1"/>
                 </a:solidFill>
@@ -11746,7 +11752,7 @@
               </a:rPr>
               <a:t>This hypothesis was proven incorrect, as there does not seem to be a correlation between the condition of a house and the distance from the city center.</a:t>
             </a:r>
-            <a:endParaRPr b="0" sz="1800">
+            <a:endParaRPr sz="1800" b="0">
               <a:solidFill>
                 <a:schemeClr val="dk1"/>
               </a:solidFill>
@@ -11767,11 +11773,11 @@
 </file>
 
 <file path=ppt/slides/slide6.xml><?xml version="1.0" encoding="utf-8"?>
-<p:sld xmlns:a="http://schemas.openxmlformats.org/drawingml/2006/main" xmlns:r="http://schemas.openxmlformats.org/officeDocument/2006/relationships" xmlns:mc="http://schemas.openxmlformats.org/markup-compatibility/2006" xmlns:mv="urn:schemas-microsoft-com:mac:vml" xmlns:p="http://schemas.openxmlformats.org/presentationml/2006/main" xmlns:c="http://schemas.openxmlformats.org/drawingml/2006/chart" xmlns:dgm="http://schemas.openxmlformats.org/drawingml/2006/diagram" xmlns:o="urn:schemas-microsoft-com:office:office" xmlns:v="urn:schemas-microsoft-com:vml" xmlns:pvml="urn:schemas-microsoft-com:office:powerpoint" xmlns:com="http://schemas.openxmlformats.org/drawingml/2006/compatibility" xmlns:p14="http://schemas.microsoft.com/office/powerpoint/2010/main" xmlns:p15="http://schemas.microsoft.com/office/powerpoint/2012/main" xmlns:ahyp="http://schemas.microsoft.com/office/drawing/2018/hyperlinkcolor">
+<p:sld xmlns:a="http://schemas.openxmlformats.org/drawingml/2006/main" xmlns:r="http://schemas.openxmlformats.org/officeDocument/2006/relationships" xmlns:p="http://schemas.openxmlformats.org/presentationml/2006/main">
   <p:cSld>
     <p:spTree>
       <p:nvGrpSpPr>
-        <p:cNvPr id="102" name="Shape 102"/>
+        <p:cNvPr id="1" name="Shape 102"/>
         <p:cNvGrpSpPr/>
         <p:nvPr/>
       </p:nvGrpSpPr>
@@ -11786,9 +11792,11 @@
       <p:sp>
         <p:nvSpPr>
           <p:cNvPr id="103" name="Google Shape;103;p18"/>
-          <p:cNvSpPr txBox="1"/>
+          <p:cNvSpPr txBox="1">
+            <a:spLocks noGrp="1"/>
+          </p:cNvSpPr>
           <p:nvPr>
-            <p:ph idx="4294967295" type="title"/>
+            <p:ph type="title" idx="4294967295"/>
           </p:nvPr>
         </p:nvSpPr>
         <p:spPr>
@@ -11801,12 +11809,12 @@
           </a:prstGeom>
         </p:spPr>
         <p:txBody>
-          <a:bodyPr anchorCtr="0" anchor="t" bIns="91425" lIns="91425" spcFirstLastPara="1" rIns="91425" wrap="square" tIns="91425">
+          <a:bodyPr spcFirstLastPara="1" wrap="square" lIns="91425" tIns="91425" rIns="91425" bIns="91425" anchor="t" anchorCtr="0">
             <a:noAutofit/>
           </a:bodyPr>
           <a:lstStyle/>
           <a:p>
-            <a:pPr indent="0" lvl="0" marL="0" rtl="0" algn="l">
+            <a:pPr marL="0" lvl="0" indent="0" algn="l" rtl="0">
               <a:lnSpc>
                 <a:spcPct val="100000"/>
               </a:lnSpc>
@@ -11828,19 +11836,7 @@
                 <a:cs typeface="Lato"/>
                 <a:sym typeface="Lato"/>
               </a:rPr>
-              <a:t>Hypothesis 2: I</a:t>
-            </a:r>
-            <a:r>
-              <a:rPr lang="en" sz="1800">
-                <a:solidFill>
-                  <a:schemeClr val="dk1"/>
-                </a:solidFill>
-                <a:latin typeface="Lato"/>
-                <a:ea typeface="Lato"/>
-                <a:cs typeface="Lato"/>
-                <a:sym typeface="Lato"/>
-              </a:rPr>
-              <a:t>f a house is in Seattle, it is likely to cost more per square foot than an average house in King County.</a:t>
+              <a:t>Hypothesis 2: If a house is in Seattle, it is likely to cost more per square foot than an average house in King County.</a:t>
             </a:r>
             <a:endParaRPr sz="1800">
               <a:solidFill>
@@ -11853,7 +11849,7 @@
             </a:endParaRPr>
           </a:p>
           <a:p>
-            <a:pPr indent="0" lvl="0" marL="0" rtl="0" algn="l">
+            <a:pPr marL="0" lvl="0" indent="0" algn="l" rtl="0">
               <a:lnSpc>
                 <a:spcPct val="100000"/>
               </a:lnSpc>
@@ -11865,9 +11861,6 @@
               </a:spcAft>
               <a:buNone/>
             </a:pPr>
-            <a:r>
-              <a:t/>
-            </a:r>
             <a:endParaRPr sz="1800">
               <a:solidFill>
                 <a:schemeClr val="dk1"/>
@@ -11900,12 +11893,12 @@
           </a:ln>
         </p:spPr>
         <p:txBody>
-          <a:bodyPr anchorCtr="0" anchor="t" bIns="91425" lIns="91425" spcFirstLastPara="1" rIns="91425" wrap="square" tIns="91425">
+          <a:bodyPr spcFirstLastPara="1" wrap="square" lIns="91425" tIns="91425" rIns="91425" bIns="91425" anchor="t" anchorCtr="0">
             <a:spAutoFit/>
           </a:bodyPr>
           <a:lstStyle/>
           <a:p>
-            <a:pPr indent="0" lvl="0" marL="0" rtl="0" algn="l">
+            <a:pPr marL="0" lvl="0" indent="0" algn="l" rtl="0">
               <a:spcBef>
                 <a:spcPts val="0"/>
               </a:spcBef>
@@ -11924,31 +11917,7 @@
                 <a:cs typeface="Lato"/>
                 <a:sym typeface="Lato"/>
               </a:rPr>
-              <a:t>Step 1: Compare the price per </a:t>
-            </a:r>
-            <a:r>
-              <a:rPr lang="en" sz="1700">
-                <a:solidFill>
-                  <a:schemeClr val="dk2"/>
-                </a:solidFill>
-                <a:latin typeface="Lato"/>
-                <a:ea typeface="Lato"/>
-                <a:cs typeface="Lato"/>
-                <a:sym typeface="Lato"/>
-              </a:rPr>
-              <a:t>square</a:t>
-            </a:r>
-            <a:r>
-              <a:rPr lang="en" sz="1700">
-                <a:solidFill>
-                  <a:schemeClr val="dk2"/>
-                </a:solidFill>
-                <a:latin typeface="Lato"/>
-                <a:ea typeface="Lato"/>
-                <a:cs typeface="Lato"/>
-                <a:sym typeface="Lato"/>
-              </a:rPr>
-              <a:t> foot for homes in all of King County as compared with homes only in Seattle</a:t>
+              <a:t>Step 1: Compare the price per square foot for homes in all of King County as compared with homes only in Seattle</a:t>
             </a:r>
             <a:endParaRPr sz="1700">
               <a:solidFill>
@@ -11961,7 +11930,7 @@
             </a:endParaRPr>
           </a:p>
           <a:p>
-            <a:pPr indent="0" lvl="0" marL="0" rtl="0" algn="l">
+            <a:pPr marL="0" lvl="0" indent="0" algn="l" rtl="0">
               <a:spcBef>
                 <a:spcPts val="1600"/>
               </a:spcBef>
@@ -11970,9 +11939,6 @@
               </a:spcAft>
               <a:buNone/>
             </a:pPr>
-            <a:r>
-              <a:t/>
-            </a:r>
             <a:endParaRPr sz="1700">
               <a:solidFill>
                 <a:schemeClr val="dk2"/>
@@ -11984,7 +11950,7 @@
             </a:endParaRPr>
           </a:p>
           <a:p>
-            <a:pPr indent="0" lvl="0" marL="0" rtl="0" algn="l">
+            <a:pPr marL="0" lvl="0" indent="0" algn="l" rtl="0">
               <a:spcBef>
                 <a:spcPts val="1600"/>
               </a:spcBef>
@@ -11993,9 +11959,6 @@
               </a:spcAft>
               <a:buNone/>
             </a:pPr>
-            <a:r>
-              <a:t/>
-            </a:r>
             <a:endParaRPr sz="1700">
               <a:solidFill>
                 <a:schemeClr val="dk2"/>
@@ -12007,7 +11970,7 @@
             </a:endParaRPr>
           </a:p>
           <a:p>
-            <a:pPr indent="0" lvl="0" marL="0" rtl="0" algn="l">
+            <a:pPr marL="0" lvl="0" indent="0" algn="l" rtl="0">
               <a:spcBef>
                 <a:spcPts val="1600"/>
               </a:spcBef>
@@ -12017,7 +11980,7 @@
               <a:buNone/>
             </a:pPr>
             <a:r>
-              <a:rPr i="1" lang="en" sz="1700">
+              <a:rPr lang="en" sz="1700" i="1">
                 <a:solidFill>
                   <a:srgbClr val="434343"/>
                 </a:solidFill>
@@ -12028,7 +11991,7 @@
               </a:rPr>
               <a:t>The mean and median of houses in Seattle cost more than the overall values for all of King County.</a:t>
             </a:r>
-            <a:endParaRPr i="1" sz="1700">
+            <a:endParaRPr sz="1700" i="1">
               <a:solidFill>
                 <a:srgbClr val="434343"/>
               </a:solidFill>
@@ -12039,7 +12002,7 @@
             </a:endParaRPr>
           </a:p>
           <a:p>
-            <a:pPr indent="0" lvl="0" marL="0" rtl="0" algn="l">
+            <a:pPr marL="0" lvl="0" indent="0" algn="l" rtl="0">
               <a:spcBef>
                 <a:spcPts val="1600"/>
               </a:spcBef>
@@ -12048,10 +12011,7 @@
               </a:spcAft>
               <a:buNone/>
             </a:pPr>
-            <a:r>
-              <a:t/>
-            </a:r>
-            <a:endParaRPr i="1" sz="1700">
+            <a:endParaRPr sz="1700" i="1">
               <a:solidFill>
                 <a:schemeClr val="dk2"/>
               </a:solidFill>
@@ -12128,11 +12088,11 @@
 </file>
 
 <file path=ppt/slides/slide7.xml><?xml version="1.0" encoding="utf-8"?>
-<p:sld xmlns:a="http://schemas.openxmlformats.org/drawingml/2006/main" xmlns:r="http://schemas.openxmlformats.org/officeDocument/2006/relationships" xmlns:mc="http://schemas.openxmlformats.org/markup-compatibility/2006" xmlns:mv="urn:schemas-microsoft-com:mac:vml" xmlns:p="http://schemas.openxmlformats.org/presentationml/2006/main" xmlns:c="http://schemas.openxmlformats.org/drawingml/2006/chart" xmlns:dgm="http://schemas.openxmlformats.org/drawingml/2006/diagram" xmlns:o="urn:schemas-microsoft-com:office:office" xmlns:v="urn:schemas-microsoft-com:vml" xmlns:pvml="urn:schemas-microsoft-com:office:powerpoint" xmlns:com="http://schemas.openxmlformats.org/drawingml/2006/compatibility" xmlns:p14="http://schemas.microsoft.com/office/powerpoint/2010/main" xmlns:p15="http://schemas.microsoft.com/office/powerpoint/2012/main" xmlns:ahyp="http://schemas.microsoft.com/office/drawing/2018/hyperlinkcolor">
+<p:sld xmlns:a="http://schemas.openxmlformats.org/drawingml/2006/main" xmlns:r="http://schemas.openxmlformats.org/officeDocument/2006/relationships" xmlns:p="http://schemas.openxmlformats.org/presentationml/2006/main">
   <p:cSld>
     <p:spTree>
       <p:nvGrpSpPr>
-        <p:cNvPr id="110" name="Shape 110"/>
+        <p:cNvPr id="1" name="Shape 110"/>
         <p:cNvGrpSpPr/>
         <p:nvPr/>
       </p:nvGrpSpPr>
@@ -12147,9 +12107,11 @@
       <p:sp>
         <p:nvSpPr>
           <p:cNvPr id="111" name="Google Shape;111;p19"/>
-          <p:cNvSpPr txBox="1"/>
+          <p:cNvSpPr txBox="1">
+            <a:spLocks noGrp="1"/>
+          </p:cNvSpPr>
           <p:nvPr>
-            <p:ph idx="4294967295" type="title"/>
+            <p:ph type="title" idx="4294967295"/>
           </p:nvPr>
         </p:nvSpPr>
         <p:spPr>
@@ -12162,12 +12124,12 @@
           </a:prstGeom>
         </p:spPr>
         <p:txBody>
-          <a:bodyPr anchorCtr="0" anchor="t" bIns="91425" lIns="91425" spcFirstLastPara="1" rIns="91425" wrap="square" tIns="91425">
+          <a:bodyPr spcFirstLastPara="1" wrap="square" lIns="91425" tIns="91425" rIns="91425" bIns="91425" anchor="t" anchorCtr="0">
             <a:noAutofit/>
           </a:bodyPr>
           <a:lstStyle/>
           <a:p>
-            <a:pPr indent="0" lvl="0" marL="0" rtl="0" algn="l">
+            <a:pPr marL="0" lvl="0" indent="0" algn="l" rtl="0">
               <a:lnSpc>
                 <a:spcPct val="100000"/>
               </a:lnSpc>
@@ -12202,7 +12164,7 @@
             </a:endParaRPr>
           </a:p>
           <a:p>
-            <a:pPr indent="0" lvl="0" marL="0" rtl="0" algn="l">
+            <a:pPr marL="0" lvl="0" indent="0" algn="l" rtl="0">
               <a:lnSpc>
                 <a:spcPct val="100000"/>
               </a:lnSpc>
@@ -12214,9 +12176,6 @@
               </a:spcAft>
               <a:buNone/>
             </a:pPr>
-            <a:r>
-              <a:t/>
-            </a:r>
             <a:endParaRPr sz="1800">
               <a:solidFill>
                 <a:schemeClr val="dk1"/>
@@ -12249,12 +12208,12 @@
           </a:ln>
         </p:spPr>
         <p:txBody>
-          <a:bodyPr anchorCtr="0" anchor="t" bIns="91425" lIns="91425" spcFirstLastPara="1" rIns="91425" wrap="square" tIns="91425">
+          <a:bodyPr spcFirstLastPara="1" wrap="square" lIns="91425" tIns="91425" rIns="91425" bIns="91425" anchor="t" anchorCtr="0">
             <a:spAutoFit/>
           </a:bodyPr>
           <a:lstStyle/>
           <a:p>
-            <a:pPr indent="0" lvl="0" marL="0" rtl="0" algn="l">
+            <a:pPr marL="0" lvl="0" indent="0" algn="l" rtl="0">
               <a:spcBef>
                 <a:spcPts val="0"/>
               </a:spcBef>
@@ -12286,7 +12245,7 @@
             </a:endParaRPr>
           </a:p>
           <a:p>
-            <a:pPr indent="0" lvl="0" marL="0" rtl="0" algn="l">
+            <a:pPr marL="0" lvl="0" indent="0" algn="l" rtl="0">
               <a:spcBef>
                 <a:spcPts val="1600"/>
               </a:spcBef>
@@ -12296,7 +12255,7 @@
               <a:buNone/>
             </a:pPr>
             <a:r>
-              <a:rPr i="1" lang="en" sz="1700">
+              <a:rPr lang="en" sz="1700" i="1">
                 <a:solidFill>
                   <a:srgbClr val="434343"/>
                 </a:solidFill>
@@ -12307,7 +12266,7 @@
               </a:rPr>
               <a:t>We can visually verify that the distribution for King County is more heavily concentrated to the left than Seattle. Relative frequency is important here, which is why the y-axes don’t need to correspond.</a:t>
             </a:r>
-            <a:endParaRPr i="1" sz="1700">
+            <a:endParaRPr sz="1700" i="1">
               <a:solidFill>
                 <a:srgbClr val="434343"/>
               </a:solidFill>
@@ -12318,7 +12277,7 @@
             </a:endParaRPr>
           </a:p>
           <a:p>
-            <a:pPr indent="0" lvl="0" marL="0" rtl="0" algn="l">
+            <a:pPr marL="0" lvl="0" indent="0" algn="l" rtl="0">
               <a:spcBef>
                 <a:spcPts val="1600"/>
               </a:spcBef>
@@ -12327,10 +12286,7 @@
               </a:spcAft>
               <a:buNone/>
             </a:pPr>
-            <a:r>
-              <a:t/>
-            </a:r>
-            <a:endParaRPr i="1" sz="1700">
+            <a:endParaRPr sz="1700" i="1">
               <a:solidFill>
                 <a:schemeClr val="dk2"/>
               </a:solidFill>
@@ -12379,11 +12335,11 @@
 </file>
 
 <file path=ppt/slides/slide8.xml><?xml version="1.0" encoding="utf-8"?>
-<p:sld xmlns:a="http://schemas.openxmlformats.org/drawingml/2006/main" xmlns:r="http://schemas.openxmlformats.org/officeDocument/2006/relationships" xmlns:mc="http://schemas.openxmlformats.org/markup-compatibility/2006" xmlns:mv="urn:schemas-microsoft-com:mac:vml" xmlns:p="http://schemas.openxmlformats.org/presentationml/2006/main" xmlns:c="http://schemas.openxmlformats.org/drawingml/2006/chart" xmlns:dgm="http://schemas.openxmlformats.org/drawingml/2006/diagram" xmlns:o="urn:schemas-microsoft-com:office:office" xmlns:v="urn:schemas-microsoft-com:vml" xmlns:pvml="urn:schemas-microsoft-com:office:powerpoint" xmlns:com="http://schemas.openxmlformats.org/drawingml/2006/compatibility" xmlns:p14="http://schemas.microsoft.com/office/powerpoint/2010/main" xmlns:p15="http://schemas.microsoft.com/office/powerpoint/2012/main" xmlns:ahyp="http://schemas.microsoft.com/office/drawing/2018/hyperlinkcolor">
+<p:sld xmlns:a="http://schemas.openxmlformats.org/drawingml/2006/main" xmlns:r="http://schemas.openxmlformats.org/officeDocument/2006/relationships" xmlns:p="http://schemas.openxmlformats.org/presentationml/2006/main">
   <p:cSld>
     <p:spTree>
       <p:nvGrpSpPr>
-        <p:cNvPr id="117" name="Shape 117"/>
+        <p:cNvPr id="1" name="Shape 117"/>
         <p:cNvGrpSpPr/>
         <p:nvPr/>
       </p:nvGrpSpPr>
@@ -12398,9 +12354,11 @@
       <p:sp>
         <p:nvSpPr>
           <p:cNvPr id="118" name="Google Shape;118;p20"/>
-          <p:cNvSpPr txBox="1"/>
+          <p:cNvSpPr txBox="1">
+            <a:spLocks noGrp="1"/>
+          </p:cNvSpPr>
           <p:nvPr>
-            <p:ph idx="4294967295" type="title"/>
+            <p:ph type="title" idx="4294967295"/>
           </p:nvPr>
         </p:nvSpPr>
         <p:spPr>
@@ -12413,12 +12371,12 @@
           </a:prstGeom>
         </p:spPr>
         <p:txBody>
-          <a:bodyPr anchorCtr="0" anchor="t" bIns="91425" lIns="91425" spcFirstLastPara="1" rIns="91425" wrap="square" tIns="91425">
+          <a:bodyPr spcFirstLastPara="1" wrap="square" lIns="91425" tIns="91425" rIns="91425" bIns="91425" anchor="t" anchorCtr="0">
             <a:noAutofit/>
           </a:bodyPr>
           <a:lstStyle/>
           <a:p>
-            <a:pPr indent="0" lvl="0" marL="0" rtl="0" algn="ctr">
+            <a:pPr marL="0" lvl="0" indent="0" algn="ctr" rtl="0">
               <a:lnSpc>
                 <a:spcPct val="100000"/>
               </a:lnSpc>
@@ -12443,7 +12401,7 @@
               <a:t>Hypothesis 2 Conclusion: </a:t>
             </a:r>
             <a:r>
-              <a:rPr b="0" lang="en" sz="1800">
+              <a:rPr lang="en" sz="1800" b="0">
                 <a:solidFill>
                   <a:schemeClr val="dk1"/>
                 </a:solidFill>
@@ -12454,7 +12412,7 @@
               </a:rPr>
               <a:t>This hypothesis was proven correct, as the mean and median cost per square foot are greater for houses in Seattle as compared to all of King County.</a:t>
             </a:r>
-            <a:endParaRPr b="0" sz="1800">
+            <a:endParaRPr sz="1800" b="0">
               <a:solidFill>
                 <a:schemeClr val="dk1"/>
               </a:solidFill>
@@ -12475,11 +12433,11 @@
 </file>
 
 <file path=ppt/slides/slide9.xml><?xml version="1.0" encoding="utf-8"?>
-<p:sld xmlns:a="http://schemas.openxmlformats.org/drawingml/2006/main" xmlns:r="http://schemas.openxmlformats.org/officeDocument/2006/relationships" xmlns:mc="http://schemas.openxmlformats.org/markup-compatibility/2006" xmlns:mv="urn:schemas-microsoft-com:mac:vml" xmlns:p="http://schemas.openxmlformats.org/presentationml/2006/main" xmlns:c="http://schemas.openxmlformats.org/drawingml/2006/chart" xmlns:dgm="http://schemas.openxmlformats.org/drawingml/2006/diagram" xmlns:o="urn:schemas-microsoft-com:office:office" xmlns:v="urn:schemas-microsoft-com:vml" xmlns:pvml="urn:schemas-microsoft-com:office:powerpoint" xmlns:com="http://schemas.openxmlformats.org/drawingml/2006/compatibility" xmlns:p14="http://schemas.microsoft.com/office/powerpoint/2010/main" xmlns:p15="http://schemas.microsoft.com/office/powerpoint/2012/main" xmlns:ahyp="http://schemas.microsoft.com/office/drawing/2018/hyperlinkcolor">
+<p:sld xmlns:a="http://schemas.openxmlformats.org/drawingml/2006/main" xmlns:r="http://schemas.openxmlformats.org/officeDocument/2006/relationships" xmlns:p="http://schemas.openxmlformats.org/presentationml/2006/main">
   <p:cSld>
     <p:spTree>
       <p:nvGrpSpPr>
-        <p:cNvPr id="122" name="Shape 122"/>
+        <p:cNvPr id="1" name="Shape 122"/>
         <p:cNvGrpSpPr/>
         <p:nvPr/>
       </p:nvGrpSpPr>
@@ -12494,9 +12452,11 @@
       <p:sp>
         <p:nvSpPr>
           <p:cNvPr id="123" name="Google Shape;123;p21"/>
-          <p:cNvSpPr txBox="1"/>
+          <p:cNvSpPr txBox="1">
+            <a:spLocks noGrp="1"/>
+          </p:cNvSpPr>
           <p:nvPr>
-            <p:ph idx="4294967295" type="title"/>
+            <p:ph type="title" idx="4294967295"/>
           </p:nvPr>
         </p:nvSpPr>
         <p:spPr>
@@ -12509,12 +12469,12 @@
           </a:prstGeom>
         </p:spPr>
         <p:txBody>
-          <a:bodyPr anchorCtr="0" anchor="t" bIns="91425" lIns="91425" spcFirstLastPara="1" rIns="91425" wrap="square" tIns="91425">
+          <a:bodyPr spcFirstLastPara="1" wrap="square" lIns="91425" tIns="91425" rIns="91425" bIns="91425" anchor="t" anchorCtr="0">
             <a:noAutofit/>
           </a:bodyPr>
           <a:lstStyle/>
           <a:p>
-            <a:pPr indent="0" lvl="0" marL="0" rtl="0" algn="l">
+            <a:pPr marL="0" lvl="0" indent="0" algn="l" rtl="0">
               <a:lnSpc>
                 <a:spcPct val="100000"/>
               </a:lnSpc>
@@ -12536,21 +12496,9 @@
                 <a:cs typeface="Lato"/>
                 <a:sym typeface="Lato"/>
               </a:rPr>
-              <a:t>Hypothesis 3: </a:t>
+              <a:t>Hypothesis 3: Higher view score is correlated with higher square footage.</a:t>
             </a:r>
-            <a:r>
-              <a:rPr lang="en" sz="1800">
-                <a:solidFill>
-                  <a:schemeClr val="dk1"/>
-                </a:solidFill>
-                <a:latin typeface="Lato"/>
-                <a:ea typeface="Lato"/>
-                <a:cs typeface="Lato"/>
-                <a:sym typeface="Lato"/>
-              </a:rPr>
-              <a:t>Higher view score is correlated with higher square footage.</a:t>
-            </a:r>
-            <a:endParaRPr b="0" sz="1800">
+            <a:endParaRPr sz="1800" b="0">
               <a:solidFill>
                 <a:schemeClr val="dk1"/>
               </a:solidFill>
@@ -12582,12 +12530,12 @@
           </a:ln>
         </p:spPr>
         <p:txBody>
-          <a:bodyPr anchorCtr="0" anchor="t" bIns="91425" lIns="91425" spcFirstLastPara="1" rIns="91425" wrap="square" tIns="91425">
+          <a:bodyPr spcFirstLastPara="1" wrap="square" lIns="91425" tIns="91425" rIns="91425" bIns="91425" anchor="t" anchorCtr="0">
             <a:spAutoFit/>
           </a:bodyPr>
           <a:lstStyle/>
           <a:p>
-            <a:pPr indent="0" lvl="0" marL="0" rtl="0" algn="l">
+            <a:pPr marL="0" lvl="0" indent="0" algn="l" rtl="0">
               <a:spcBef>
                 <a:spcPts val="0"/>
               </a:spcBef>
@@ -12606,19 +12554,7 @@
                 <a:cs typeface="Lato"/>
                 <a:sym typeface="Lato"/>
               </a:rPr>
-              <a:t>Step 1: Compare the distributions for</a:t>
-            </a:r>
-            <a:r>
-              <a:rPr lang="en" sz="1700">
-                <a:solidFill>
-                  <a:schemeClr val="dk2"/>
-                </a:solidFill>
-                <a:latin typeface="Lato"/>
-                <a:ea typeface="Lato"/>
-                <a:cs typeface="Lato"/>
-                <a:sym typeface="Lato"/>
-              </a:rPr>
-              <a:t> respective view score as they compare to square footage</a:t>
+              <a:t>Step 1: Compare the distributions for respective view score as they compare to square footage</a:t>
             </a:r>
             <a:endParaRPr sz="1700">
               <a:solidFill>
@@ -12631,7 +12567,7 @@
             </a:endParaRPr>
           </a:p>
           <a:p>
-            <a:pPr indent="0" lvl="0" marL="0" rtl="0" algn="l">
+            <a:pPr marL="0" lvl="0" indent="0" algn="l" rtl="0">
               <a:spcBef>
                 <a:spcPts val="1600"/>
               </a:spcBef>
@@ -12641,7 +12577,7 @@
               <a:buNone/>
             </a:pPr>
             <a:r>
-              <a:rPr i="1" lang="en" sz="1700">
+              <a:rPr lang="en" sz="1700" i="1">
                 <a:solidFill>
                   <a:srgbClr val="666666"/>
                 </a:solidFill>
@@ -12650,21 +12586,9 @@
                 <a:cs typeface="Lato"/>
                 <a:sym typeface="Lato"/>
               </a:rPr>
-              <a:t>There are lots of outliers and it seems like there is a general trend </a:t>
+              <a:t>There are lots of outliers and it seems like there is a general trend upwards for view score and living space. This is not yet concrete</a:t>
             </a:r>
-            <a:r>
-              <a:rPr i="1" lang="en" sz="1700">
-                <a:solidFill>
-                  <a:srgbClr val="666666"/>
-                </a:solidFill>
-                <a:latin typeface="Lato"/>
-                <a:ea typeface="Lato"/>
-                <a:cs typeface="Lato"/>
-                <a:sym typeface="Lato"/>
-              </a:rPr>
-              <a:t>upwards for view score and living space. This is not yet concrete</a:t>
-            </a:r>
-            <a:endParaRPr i="1" sz="1700">
+            <a:endParaRPr sz="1700" i="1">
               <a:solidFill>
                 <a:srgbClr val="666666"/>
               </a:solidFill>
@@ -12675,7 +12599,7 @@
             </a:endParaRPr>
           </a:p>
           <a:p>
-            <a:pPr indent="0" lvl="0" marL="0" rtl="0" algn="l">
+            <a:pPr marL="0" lvl="0" indent="0" algn="l" rtl="0">
               <a:spcBef>
                 <a:spcPts val="1600"/>
               </a:spcBef>
@@ -12684,10 +12608,7 @@
               </a:spcAft>
               <a:buNone/>
             </a:pPr>
-            <a:r>
-              <a:t/>
-            </a:r>
-            <a:endParaRPr i="1" sz="1700">
+            <a:endParaRPr sz="1700" i="1">
               <a:solidFill>
                 <a:schemeClr val="dk2"/>
               </a:solidFill>
@@ -12736,7 +12657,7 @@
 </file>
 
 <file path=ppt/theme/theme1.xml><?xml version="1.0" encoding="utf-8"?>
-<a:theme xmlns:a="http://schemas.openxmlformats.org/drawingml/2006/main" xmlns:r="http://schemas.openxmlformats.org/officeDocument/2006/relationships" name="Swiss">
+<a:theme xmlns:a="http://schemas.openxmlformats.org/drawingml/2006/main" name="Swiss">
   <a:themeElements>
     <a:clrScheme name="Swiss">
       <a:dk1>
@@ -13011,11 +12932,13 @@
       </a:bgFillStyleLst>
     </a:fmtScheme>
   </a:themeElements>
+  <a:objectDefaults/>
+  <a:extraClrSchemeLst/>
 </a:theme>
 </file>
 
 <file path=ppt/theme/theme2.xml><?xml version="1.0" encoding="utf-8"?>
-<a:theme xmlns:a="http://schemas.openxmlformats.org/drawingml/2006/main" xmlns:r="http://schemas.openxmlformats.org/officeDocument/2006/relationships">
+<a:theme xmlns:a="http://schemas.openxmlformats.org/drawingml/2006/main">
   <a:themeElements>
     <a:clrScheme name="Default">
       <a:dk1>
@@ -13290,5 +13213,7 @@
       </a:bgFillStyleLst>
     </a:fmtScheme>
   </a:themeElements>
+  <a:objectDefaults/>
+  <a:extraClrSchemeLst/>
 </a:theme>
 </file>
--- a/king_county_project_presentation.pptx
+++ b/king_county_project_presentation.pptx
@@ -30,18 +30,22 @@
   <p:notesSz cx="6858000" cy="9144000"/>
   <p:embeddedFontLst>
     <p:embeddedFont>
+      <p:font typeface="Cambria Math" panose="02040503050406030204" pitchFamily="18" charset="0"/>
+      <p:regular r:id="rId20"/>
+    </p:embeddedFont>
+    <p:embeddedFont>
       <p:font typeface="Lato" panose="020F0502020204030203" pitchFamily="34" charset="0"/>
-      <p:regular r:id="rId20"/>
-      <p:bold r:id="rId21"/>
-      <p:italic r:id="rId22"/>
-      <p:boldItalic r:id="rId23"/>
+      <p:regular r:id="rId21"/>
+      <p:bold r:id="rId22"/>
+      <p:italic r:id="rId23"/>
+      <p:boldItalic r:id="rId24"/>
     </p:embeddedFont>
     <p:embeddedFont>
       <p:font typeface="Raleway" pitchFamily="2" charset="77"/>
-      <p:regular r:id="rId24"/>
-      <p:bold r:id="rId25"/>
-      <p:italic r:id="rId26"/>
-      <p:boldItalic r:id="rId27"/>
+      <p:regular r:id="rId25"/>
+      <p:bold r:id="rId26"/>
+      <p:italic r:id="rId27"/>
+      <p:boldItalic r:id="rId28"/>
     </p:embeddedFont>
   </p:embeddedFontLst>
   <p:defaultTextStyle>
@@ -1906,7 +1910,7 @@
         </p:nvSpPr>
         <p:spPr>
           <a:xfrm>
-            <a:off x="381300" y="685800"/>
+            <a:off x="381000" y="685800"/>
             <a:ext cx="6096000" cy="3429000"/>
           </a:xfrm>
           <a:custGeom>
@@ -11496,148 +11500,209 @@
           </a:p>
         </p:txBody>
       </p:sp>
-      <p:sp>
-        <p:nvSpPr>
-          <p:cNvPr id="92" name="Google Shape;92;p16"/>
-          <p:cNvSpPr txBox="1"/>
-          <p:nvPr/>
-        </p:nvSpPr>
-        <p:spPr>
-          <a:xfrm>
-            <a:off x="127650" y="1070525"/>
-            <a:ext cx="3000000" cy="3417000"/>
-          </a:xfrm>
-          <a:prstGeom prst="rect">
-            <a:avLst/>
-          </a:prstGeom>
-          <a:noFill/>
-          <a:ln>
-            <a:noFill/>
-          </a:ln>
-        </p:spPr>
-        <p:txBody>
-          <a:bodyPr spcFirstLastPara="1" wrap="square" lIns="91425" tIns="91425" rIns="91425" bIns="91425" anchor="t" anchorCtr="0">
-            <a:spAutoFit/>
-          </a:bodyPr>
-          <a:lstStyle/>
-          <a:p>
-            <a:pPr marL="0" lvl="0" indent="0" algn="l" rtl="0">
-              <a:spcBef>
-                <a:spcPts val="0"/>
-              </a:spcBef>
-              <a:spcAft>
-                <a:spcPts val="0"/>
-              </a:spcAft>
-              <a:buNone/>
-            </a:pPr>
-            <a:r>
-              <a:rPr lang="en" sz="1700">
-                <a:solidFill>
-                  <a:schemeClr val="dk2"/>
-                </a:solidFill>
-                <a:latin typeface="Lato"/>
-                <a:ea typeface="Lato"/>
-                <a:cs typeface="Lato"/>
-                <a:sym typeface="Lato"/>
-              </a:rPr>
-              <a:t>Step 2: Verify results by computing the correlation and plotting a regression line based on the median for each condition score</a:t>
-            </a:r>
-            <a:endParaRPr sz="1700">
-              <a:solidFill>
-                <a:schemeClr val="dk2"/>
-              </a:solidFill>
-              <a:latin typeface="Lato"/>
-              <a:ea typeface="Lato"/>
-              <a:cs typeface="Lato"/>
-              <a:sym typeface="Lato"/>
-            </a:endParaRPr>
-          </a:p>
-          <a:p>
-            <a:pPr marL="0" lvl="0" indent="0" algn="l" rtl="0">
-              <a:spcBef>
-                <a:spcPts val="1600"/>
-              </a:spcBef>
-              <a:spcAft>
-                <a:spcPts val="0"/>
-              </a:spcAft>
-              <a:buNone/>
-            </a:pPr>
-            <a:r>
-              <a:rPr lang="en" sz="1700" i="1">
-                <a:solidFill>
-                  <a:srgbClr val="666666"/>
-                </a:solidFill>
-                <a:latin typeface="Lato"/>
-                <a:ea typeface="Lato"/>
-                <a:cs typeface="Lato"/>
-                <a:sym typeface="Lato"/>
-              </a:rPr>
-              <a:t>Correlation:  - .072</a:t>
-            </a:r>
-            <a:endParaRPr sz="1700" i="1">
-              <a:solidFill>
-                <a:srgbClr val="666666"/>
-              </a:solidFill>
-              <a:latin typeface="Lato"/>
-              <a:ea typeface="Lato"/>
-              <a:cs typeface="Lato"/>
-              <a:sym typeface="Lato"/>
-            </a:endParaRPr>
-          </a:p>
-          <a:p>
-            <a:pPr marL="0" lvl="0" indent="0" algn="l" rtl="0">
-              <a:spcBef>
-                <a:spcPts val="1600"/>
-              </a:spcBef>
-              <a:spcAft>
-                <a:spcPts val="0"/>
-              </a:spcAft>
-              <a:buNone/>
-            </a:pPr>
-            <a:r>
-              <a:rPr lang="en" sz="1700" i="1">
-                <a:solidFill>
-                  <a:srgbClr val="666666"/>
-                </a:solidFill>
-                <a:latin typeface="Lato"/>
-                <a:ea typeface="Lato"/>
-                <a:cs typeface="Lato"/>
-                <a:sym typeface="Lato"/>
-              </a:rPr>
-              <a:t>This regression line is almost horizontal, indicating that there is not really a correlation.</a:t>
-            </a:r>
-            <a:endParaRPr sz="1700" i="1">
-              <a:solidFill>
-                <a:srgbClr val="666666"/>
-              </a:solidFill>
-              <a:latin typeface="Lato"/>
-              <a:ea typeface="Lato"/>
-              <a:cs typeface="Lato"/>
-              <a:sym typeface="Lato"/>
-            </a:endParaRPr>
-          </a:p>
-          <a:p>
-            <a:pPr marL="0" lvl="0" indent="0" algn="l" rtl="0">
-              <a:spcBef>
-                <a:spcPts val="1600"/>
-              </a:spcBef>
-              <a:spcAft>
-                <a:spcPts val="1600"/>
-              </a:spcAft>
-              <a:buNone/>
-            </a:pPr>
-            <a:endParaRPr sz="1700" i="1">
-              <a:solidFill>
-                <a:schemeClr val="dk2"/>
-              </a:solidFill>
-              <a:latin typeface="Lato"/>
-              <a:ea typeface="Lato"/>
-              <a:cs typeface="Lato"/>
-              <a:sym typeface="Lato"/>
-            </a:endParaRPr>
-          </a:p>
-        </p:txBody>
-      </p:sp>
+      <mc:AlternateContent xmlns:mc="http://schemas.openxmlformats.org/markup-compatibility/2006">
+        <mc:Choice xmlns:a14="http://schemas.microsoft.com/office/drawing/2010/main" Requires="a14">
+          <p:sp>
+            <p:nvSpPr>
+              <p:cNvPr id="92" name="Google Shape;92;p16"/>
+              <p:cNvSpPr txBox="1"/>
+              <p:nvPr/>
+            </p:nvSpPr>
+            <p:spPr>
+              <a:xfrm>
+                <a:off x="127650" y="1070525"/>
+                <a:ext cx="3000000" cy="3621474"/>
+              </a:xfrm>
+              <a:prstGeom prst="rect">
+                <a:avLst/>
+              </a:prstGeom>
+              <a:noFill/>
+              <a:ln>
+                <a:noFill/>
+              </a:ln>
+            </p:spPr>
+            <p:txBody>
+              <a:bodyPr spcFirstLastPara="1" wrap="square" lIns="91425" tIns="91425" rIns="91425" bIns="91425" anchor="t" anchorCtr="0">
+                <a:spAutoFit/>
+              </a:bodyPr>
+              <a:lstStyle/>
+              <a:p>
+                <a:pPr marL="0" lvl="0" indent="0" algn="l" rtl="0">
+                  <a:spcBef>
+                    <a:spcPts val="0"/>
+                  </a:spcBef>
+                  <a:spcAft>
+                    <a:spcPts val="0"/>
+                  </a:spcAft>
+                  <a:buNone/>
+                </a:pPr>
+                <a:r>
+                  <a:rPr lang="en" sz="1700" dirty="0">
+                    <a:solidFill>
+                      <a:schemeClr val="dk2"/>
+                    </a:solidFill>
+                    <a:latin typeface="Lato"/>
+                    <a:ea typeface="Lato"/>
+                    <a:cs typeface="Lato"/>
+                    <a:sym typeface="Lato"/>
+                  </a:rPr>
+                  <a:t>Step 2: Verify results by computing the correlation and plotting a regression line based on the median for each condition score</a:t>
+                </a:r>
+                <a:endParaRPr sz="1700" dirty="0">
+                  <a:solidFill>
+                    <a:schemeClr val="dk2"/>
+                  </a:solidFill>
+                  <a:latin typeface="Lato"/>
+                  <a:ea typeface="Lato"/>
+                  <a:cs typeface="Lato"/>
+                  <a:sym typeface="Lato"/>
+                </a:endParaRPr>
+              </a:p>
+              <a:p>
+                <a:pPr marL="0" lvl="0" indent="0" algn="l" rtl="0">
+                  <a:spcBef>
+                    <a:spcPts val="1600"/>
+                  </a:spcBef>
+                  <a:spcAft>
+                    <a:spcPts val="0"/>
+                  </a:spcAft>
+                  <a:buNone/>
+                </a:pPr>
+                <a:r>
+                  <a:rPr lang="en" sz="1700" i="1" dirty="0">
+                    <a:solidFill>
+                      <a:srgbClr val="666666"/>
+                    </a:solidFill>
+                    <a:latin typeface="Lato"/>
+                    <a:ea typeface="Lato"/>
+                    <a:cs typeface="Lato"/>
+                    <a:sym typeface="Lato"/>
+                  </a:rPr>
+                  <a:t>Correlation:  </a:t>
+                </a:r>
+                <a14:m>
+                  <m:oMath xmlns:m="http://schemas.openxmlformats.org/officeDocument/2006/math">
+                    <m:r>
+                      <a:rPr lang="en" sz="1700" i="1" dirty="0" smtClean="0">
+                        <a:solidFill>
+                          <a:srgbClr val="666666"/>
+                        </a:solidFill>
+                        <a:latin typeface="Cambria Math" panose="02040503050406030204" pitchFamily="18" charset="0"/>
+                        <a:ea typeface="Lato"/>
+                        <a:cs typeface="Lato"/>
+                        <a:sym typeface="Lato"/>
+                      </a:rPr>
+                      <m:t>− .072</m:t>
+                    </m:r>
+                  </m:oMath>
+                </a14:m>
+                <a:endParaRPr sz="1700" i="1" dirty="0">
+                  <a:solidFill>
+                    <a:srgbClr val="666666"/>
+                  </a:solidFill>
+                  <a:latin typeface="Lato"/>
+                  <a:ea typeface="Lato"/>
+                  <a:cs typeface="Lato"/>
+                  <a:sym typeface="Lato"/>
+                </a:endParaRPr>
+              </a:p>
+              <a:p>
+                <a:pPr marL="0" lvl="0" indent="0" algn="l" rtl="0">
+                  <a:spcBef>
+                    <a:spcPts val="1600"/>
+                  </a:spcBef>
+                  <a:spcAft>
+                    <a:spcPts val="0"/>
+                  </a:spcAft>
+                  <a:buNone/>
+                </a:pPr>
+                <a:r>
+                  <a:rPr lang="en" sz="1700" i="1" dirty="0">
+                    <a:solidFill>
+                      <a:srgbClr val="666666"/>
+                    </a:solidFill>
+                    <a:latin typeface="Lato"/>
+                    <a:ea typeface="Lato"/>
+                    <a:cs typeface="Lato"/>
+                    <a:sym typeface="Lato"/>
+                  </a:rPr>
+                  <a:t>This regression line is almost horizontal, indicating that there is not really a correlation.</a:t>
+                </a:r>
+                <a:endParaRPr sz="1700" i="1" dirty="0">
+                  <a:solidFill>
+                    <a:srgbClr val="666666"/>
+                  </a:solidFill>
+                  <a:latin typeface="Lato"/>
+                  <a:ea typeface="Lato"/>
+                  <a:cs typeface="Lato"/>
+                  <a:sym typeface="Lato"/>
+                </a:endParaRPr>
+              </a:p>
+              <a:p>
+                <a:pPr marL="0" lvl="0" indent="0" algn="l" rtl="0">
+                  <a:spcBef>
+                    <a:spcPts val="1600"/>
+                  </a:spcBef>
+                  <a:spcAft>
+                    <a:spcPts val="1600"/>
+                  </a:spcAft>
+                  <a:buNone/>
+                </a:pPr>
+                <a:endParaRPr sz="1700" i="1" dirty="0">
+                  <a:solidFill>
+                    <a:schemeClr val="dk2"/>
+                  </a:solidFill>
+                  <a:latin typeface="Lato"/>
+                  <a:ea typeface="Lato"/>
+                  <a:cs typeface="Lato"/>
+                  <a:sym typeface="Lato"/>
+                </a:endParaRPr>
+              </a:p>
+            </p:txBody>
+          </p:sp>
+        </mc:Choice>
+        <mc:Fallback>
+          <p:sp>
+            <p:nvSpPr>
+              <p:cNvPr id="92" name="Google Shape;92;p16"/>
+              <p:cNvSpPr txBox="1">
+                <a:spLocks noRot="1" noChangeAspect="1" noMove="1" noResize="1" noEditPoints="1" noAdjustHandles="1" noChangeArrowheads="1" noChangeShapeType="1" noTextEdit="1"/>
+              </p:cNvSpPr>
+              <p:nvPr/>
+            </p:nvSpPr>
+            <p:spPr>
+              <a:xfrm>
+                <a:off x="127650" y="1070525"/>
+                <a:ext cx="3000000" cy="3621474"/>
+              </a:xfrm>
+              <a:prstGeom prst="rect">
+                <a:avLst/>
+              </a:prstGeom>
+              <a:blipFill>
+                <a:blip r:embed="rId3"/>
+                <a:stretch>
+                  <a:fillRect l="-1266" r="-2532"/>
+                </a:stretch>
+              </a:blipFill>
+              <a:ln>
+                <a:noFill/>
+              </a:ln>
+            </p:spPr>
+            <p:txBody>
+              <a:bodyPr/>
+              <a:lstStyle/>
+              <a:p>
+                <a:r>
+                  <a:rPr lang="en-US">
+                    <a:noFill/>
+                  </a:rPr>
+                  <a:t> </a:t>
+                </a:r>
+              </a:p>
+            </p:txBody>
+          </p:sp>
+        </mc:Fallback>
+      </mc:AlternateContent>
       <p:pic>
         <p:nvPicPr>
           <p:cNvPr id="93" name="Google Shape;93;p16"/>
@@ -11645,7 +11710,7 @@
           <p:nvPr/>
         </p:nvPicPr>
         <p:blipFill>
-          <a:blip r:embed="rId3">
+          <a:blip r:embed="rId4">
             <a:alphaModFix/>
           </a:blip>
           <a:stretch>
